--- a/images/DOVE.pptx
+++ b/images/DOVE.pptx
@@ -8,6 +8,8 @@
     <p:sldId id="260" r:id="rId2"/>
     <p:sldId id="262" r:id="rId3"/>
     <p:sldId id="263" r:id="rId4"/>
+    <p:sldId id="264" r:id="rId5"/>
+    <p:sldId id="265" r:id="rId6"/>
   </p:sldIdLst>
   <p:sldSz cx="12192000" cy="6858000"/>
   <p:notesSz cx="6858000" cy="9144000"/>
@@ -109,7 +111,7 @@
   <p:extLst>
     <p:ext uri="{EFAFB233-063F-42B5-8137-9DF3F51BA10A}">
       <p15:sldGuideLst xmlns:p15="http://schemas.microsoft.com/office/powerpoint/2012/main">
-        <p15:guide id="1" orient="horz" pos="2160" userDrawn="1">
+        <p15:guide id="1" orient="horz" pos="2137" userDrawn="1">
           <p15:clr>
             <a:srgbClr val="A4A3A4"/>
           </p15:clr>
@@ -1181,10 +1183,10 @@
       </p:grpSpPr>
       <p:grpSp>
         <p:nvGrpSpPr>
-          <p:cNvPr id="7" name="Group 6">
+          <p:cNvPr id="38" name="Group 37">
             <a:extLst>
               <a:ext uri="{FF2B5EF4-FFF2-40B4-BE49-F238E27FC236}">
-                <a16:creationId xmlns:a16="http://schemas.microsoft.com/office/drawing/2014/main" id="{D3B7067A-279C-B49A-B6BE-950E88DC0901}"/>
+                <a16:creationId xmlns:a16="http://schemas.microsoft.com/office/drawing/2014/main" id="{90606A6E-9220-0F8F-F58A-02D15BD80E4D}"/>
               </a:ext>
             </a:extLst>
           </p:cNvPr>
@@ -1253,6 +1255,576 @@
             </a:p>
           </p:txBody>
         </p:sp>
+        <p:grpSp>
+          <p:nvGrpSpPr>
+            <p:cNvPr id="37" name="Group 36">
+              <a:extLst>
+                <a:ext uri="{FF2B5EF4-FFF2-40B4-BE49-F238E27FC236}">
+                  <a16:creationId xmlns:a16="http://schemas.microsoft.com/office/drawing/2014/main" id="{470509C3-1835-905E-487D-F7A163188290}"/>
+                </a:ext>
+              </a:extLst>
+            </p:cNvPr>
+            <p:cNvGrpSpPr/>
+            <p:nvPr/>
+          </p:nvGrpSpPr>
+          <p:grpSpPr>
+            <a:xfrm>
+              <a:off x="8937012" y="3662314"/>
+              <a:ext cx="441572" cy="325902"/>
+              <a:chOff x="8443274" y="3649247"/>
+              <a:chExt cx="441572" cy="325902"/>
+            </a:xfrm>
+            <a:effectLst>
+              <a:outerShdw blurRad="50800" dist="38100" dir="2700000" algn="tl" rotWithShape="0">
+                <a:prstClr val="black">
+                  <a:alpha val="40000"/>
+                </a:prstClr>
+              </a:outerShdw>
+            </a:effectLst>
+          </p:grpSpPr>
+          <p:sp>
+            <p:nvSpPr>
+              <p:cNvPr id="34" name="Parallelogram 33">
+                <a:extLst>
+                  <a:ext uri="{FF2B5EF4-FFF2-40B4-BE49-F238E27FC236}">
+                    <a16:creationId xmlns:a16="http://schemas.microsoft.com/office/drawing/2014/main" id="{B336B469-96D3-4515-1564-BE4D4DE6D6EC}"/>
+                  </a:ext>
+                </a:extLst>
+              </p:cNvPr>
+              <p:cNvSpPr/>
+              <p:nvPr/>
+            </p:nvSpPr>
+            <p:spPr>
+              <a:xfrm>
+                <a:off x="8443274" y="3896887"/>
+                <a:ext cx="441572" cy="78262"/>
+              </a:xfrm>
+              <a:prstGeom prst="parallelogram">
+                <a:avLst>
+                  <a:gd name="adj" fmla="val 97027"/>
+                </a:avLst>
+              </a:prstGeom>
+              <a:solidFill>
+                <a:srgbClr val="FF0000"/>
+              </a:solidFill>
+              <a:ln>
+                <a:noFill/>
+              </a:ln>
+            </p:spPr>
+            <p:style>
+              <a:lnRef idx="2">
+                <a:schemeClr val="accent1">
+                  <a:shade val="50000"/>
+                </a:schemeClr>
+              </a:lnRef>
+              <a:fillRef idx="1">
+                <a:schemeClr val="accent1"/>
+              </a:fillRef>
+              <a:effectRef idx="0">
+                <a:schemeClr val="accent1"/>
+              </a:effectRef>
+              <a:fontRef idx="minor">
+                <a:schemeClr val="lt1"/>
+              </a:fontRef>
+            </p:style>
+            <p:txBody>
+              <a:bodyPr rtlCol="0" anchor="ctr"/>
+              <a:lstStyle/>
+              <a:p>
+                <a:pPr algn="ctr"/>
+                <a:endParaRPr kumimoji="1" lang="ja-JP" altLang="en-US"/>
+              </a:p>
+            </p:txBody>
+          </p:sp>
+          <p:sp>
+            <p:nvSpPr>
+              <p:cNvPr id="35" name="Parallelogram 34">
+                <a:extLst>
+                  <a:ext uri="{FF2B5EF4-FFF2-40B4-BE49-F238E27FC236}">
+                    <a16:creationId xmlns:a16="http://schemas.microsoft.com/office/drawing/2014/main" id="{E938E55D-81F1-9826-BF16-E433E3F162F8}"/>
+                  </a:ext>
+                </a:extLst>
+              </p:cNvPr>
+              <p:cNvSpPr/>
+              <p:nvPr/>
+            </p:nvSpPr>
+            <p:spPr>
+              <a:xfrm>
+                <a:off x="8443274" y="3649247"/>
+                <a:ext cx="441572" cy="78262"/>
+              </a:xfrm>
+              <a:prstGeom prst="parallelogram">
+                <a:avLst>
+                  <a:gd name="adj" fmla="val 97027"/>
+                </a:avLst>
+              </a:prstGeom>
+              <a:solidFill>
+                <a:srgbClr val="FF0000"/>
+              </a:solidFill>
+              <a:ln>
+                <a:noFill/>
+              </a:ln>
+            </p:spPr>
+            <p:style>
+              <a:lnRef idx="2">
+                <a:schemeClr val="accent1">
+                  <a:shade val="50000"/>
+                </a:schemeClr>
+              </a:lnRef>
+              <a:fillRef idx="1">
+                <a:schemeClr val="accent1"/>
+              </a:fillRef>
+              <a:effectRef idx="0">
+                <a:schemeClr val="accent1"/>
+              </a:effectRef>
+              <a:fontRef idx="minor">
+                <a:schemeClr val="lt1"/>
+              </a:fontRef>
+            </p:style>
+            <p:txBody>
+              <a:bodyPr rtlCol="0" anchor="ctr"/>
+              <a:lstStyle/>
+              <a:p>
+                <a:pPr algn="ctr"/>
+                <a:endParaRPr kumimoji="1" lang="ja-JP" altLang="en-US"/>
+              </a:p>
+            </p:txBody>
+          </p:sp>
+          <p:sp>
+            <p:nvSpPr>
+              <p:cNvPr id="36" name="Parallelogram 35">
+                <a:extLst>
+                  <a:ext uri="{FF2B5EF4-FFF2-40B4-BE49-F238E27FC236}">
+                    <a16:creationId xmlns:a16="http://schemas.microsoft.com/office/drawing/2014/main" id="{9F6E2A73-4FEE-ABCC-4899-69526ED3862F}"/>
+                  </a:ext>
+                </a:extLst>
+              </p:cNvPr>
+              <p:cNvSpPr/>
+              <p:nvPr/>
+            </p:nvSpPr>
+            <p:spPr>
+              <a:xfrm flipH="1">
+                <a:off x="8443274" y="3770504"/>
+                <a:ext cx="441572" cy="78262"/>
+              </a:xfrm>
+              <a:prstGeom prst="parallelogram">
+                <a:avLst>
+                  <a:gd name="adj" fmla="val 97027"/>
+                </a:avLst>
+              </a:prstGeom>
+              <a:solidFill>
+                <a:srgbClr val="FF0000"/>
+              </a:solidFill>
+              <a:ln>
+                <a:noFill/>
+              </a:ln>
+            </p:spPr>
+            <p:style>
+              <a:lnRef idx="2">
+                <a:schemeClr val="accent1">
+                  <a:shade val="50000"/>
+                </a:schemeClr>
+              </a:lnRef>
+              <a:fillRef idx="1">
+                <a:schemeClr val="accent1"/>
+              </a:fillRef>
+              <a:effectRef idx="0">
+                <a:schemeClr val="accent1"/>
+              </a:effectRef>
+              <a:fontRef idx="minor">
+                <a:schemeClr val="lt1"/>
+              </a:fontRef>
+            </p:style>
+            <p:txBody>
+              <a:bodyPr rtlCol="0" anchor="ctr"/>
+              <a:lstStyle/>
+              <a:p>
+                <a:pPr algn="ctr"/>
+                <a:endParaRPr kumimoji="1" lang="ja-JP" altLang="en-US"/>
+              </a:p>
+            </p:txBody>
+          </p:sp>
+        </p:grpSp>
+        <p:grpSp>
+          <p:nvGrpSpPr>
+            <p:cNvPr id="7" name="Group 6">
+              <a:extLst>
+                <a:ext uri="{FF2B5EF4-FFF2-40B4-BE49-F238E27FC236}">
+                  <a16:creationId xmlns:a16="http://schemas.microsoft.com/office/drawing/2014/main" id="{4F2274F7-2B63-E455-78FB-D34FF3FB3098}"/>
+                </a:ext>
+              </a:extLst>
+            </p:cNvPr>
+            <p:cNvGrpSpPr/>
+            <p:nvPr/>
+          </p:nvGrpSpPr>
+          <p:grpSpPr>
+            <a:xfrm>
+              <a:off x="8937012" y="4457384"/>
+              <a:ext cx="441572" cy="325902"/>
+              <a:chOff x="5067332" y="1712448"/>
+              <a:chExt cx="441572" cy="325902"/>
+            </a:xfrm>
+            <a:effectLst>
+              <a:outerShdw blurRad="50800" dist="38100" dir="2700000" algn="tl" rotWithShape="0">
+                <a:prstClr val="black">
+                  <a:alpha val="40000"/>
+                </a:prstClr>
+              </a:outerShdw>
+            </a:effectLst>
+          </p:grpSpPr>
+          <p:sp>
+            <p:nvSpPr>
+              <p:cNvPr id="31" name="Parallelogram 30">
+                <a:extLst>
+                  <a:ext uri="{FF2B5EF4-FFF2-40B4-BE49-F238E27FC236}">
+                    <a16:creationId xmlns:a16="http://schemas.microsoft.com/office/drawing/2014/main" id="{6233708A-060C-A352-4AEF-A90770E0F8E5}"/>
+                  </a:ext>
+                </a:extLst>
+              </p:cNvPr>
+              <p:cNvSpPr/>
+              <p:nvPr/>
+            </p:nvSpPr>
+            <p:spPr>
+              <a:xfrm>
+                <a:off x="5067332" y="1960088"/>
+                <a:ext cx="441572" cy="78262"/>
+              </a:xfrm>
+              <a:prstGeom prst="parallelogram">
+                <a:avLst>
+                  <a:gd name="adj" fmla="val 97027"/>
+                </a:avLst>
+              </a:prstGeom>
+              <a:solidFill>
+                <a:srgbClr val="FF0000"/>
+              </a:solidFill>
+              <a:ln>
+                <a:noFill/>
+              </a:ln>
+            </p:spPr>
+            <p:style>
+              <a:lnRef idx="2">
+                <a:schemeClr val="accent1">
+                  <a:shade val="50000"/>
+                </a:schemeClr>
+              </a:lnRef>
+              <a:fillRef idx="1">
+                <a:schemeClr val="accent1"/>
+              </a:fillRef>
+              <a:effectRef idx="0">
+                <a:schemeClr val="accent1"/>
+              </a:effectRef>
+              <a:fontRef idx="minor">
+                <a:schemeClr val="lt1"/>
+              </a:fontRef>
+            </p:style>
+            <p:txBody>
+              <a:bodyPr rtlCol="0" anchor="ctr"/>
+              <a:lstStyle/>
+              <a:p>
+                <a:pPr algn="ctr"/>
+                <a:endParaRPr kumimoji="1" lang="ja-JP" altLang="en-US"/>
+              </a:p>
+            </p:txBody>
+          </p:sp>
+          <p:sp>
+            <p:nvSpPr>
+              <p:cNvPr id="32" name="Parallelogram 31">
+                <a:extLst>
+                  <a:ext uri="{FF2B5EF4-FFF2-40B4-BE49-F238E27FC236}">
+                    <a16:creationId xmlns:a16="http://schemas.microsoft.com/office/drawing/2014/main" id="{CD6FBF59-FB9F-A817-6713-8D1E108DC8F9}"/>
+                  </a:ext>
+                </a:extLst>
+              </p:cNvPr>
+              <p:cNvSpPr/>
+              <p:nvPr/>
+            </p:nvSpPr>
+            <p:spPr>
+              <a:xfrm>
+                <a:off x="5067332" y="1712448"/>
+                <a:ext cx="441572" cy="78262"/>
+              </a:xfrm>
+              <a:prstGeom prst="parallelogram">
+                <a:avLst>
+                  <a:gd name="adj" fmla="val 97027"/>
+                </a:avLst>
+              </a:prstGeom>
+              <a:solidFill>
+                <a:srgbClr val="FF0000"/>
+              </a:solidFill>
+              <a:ln>
+                <a:noFill/>
+              </a:ln>
+            </p:spPr>
+            <p:style>
+              <a:lnRef idx="2">
+                <a:schemeClr val="accent1">
+                  <a:shade val="50000"/>
+                </a:schemeClr>
+              </a:lnRef>
+              <a:fillRef idx="1">
+                <a:schemeClr val="accent1"/>
+              </a:fillRef>
+              <a:effectRef idx="0">
+                <a:schemeClr val="accent1"/>
+              </a:effectRef>
+              <a:fontRef idx="minor">
+                <a:schemeClr val="lt1"/>
+              </a:fontRef>
+            </p:style>
+            <p:txBody>
+              <a:bodyPr rtlCol="0" anchor="ctr"/>
+              <a:lstStyle/>
+              <a:p>
+                <a:pPr algn="ctr"/>
+                <a:endParaRPr kumimoji="1" lang="ja-JP" altLang="en-US"/>
+              </a:p>
+            </p:txBody>
+          </p:sp>
+          <p:sp>
+            <p:nvSpPr>
+              <p:cNvPr id="33" name="Parallelogram 32">
+                <a:extLst>
+                  <a:ext uri="{FF2B5EF4-FFF2-40B4-BE49-F238E27FC236}">
+                    <a16:creationId xmlns:a16="http://schemas.microsoft.com/office/drawing/2014/main" id="{62D61619-5F97-D17C-2D8A-45939B0386E9}"/>
+                  </a:ext>
+                </a:extLst>
+              </p:cNvPr>
+              <p:cNvSpPr/>
+              <p:nvPr/>
+            </p:nvSpPr>
+            <p:spPr>
+              <a:xfrm flipH="1">
+                <a:off x="5067332" y="1833705"/>
+                <a:ext cx="441572" cy="78262"/>
+              </a:xfrm>
+              <a:prstGeom prst="parallelogram">
+                <a:avLst>
+                  <a:gd name="adj" fmla="val 97027"/>
+                </a:avLst>
+              </a:prstGeom>
+              <a:solidFill>
+                <a:srgbClr val="FF0000"/>
+              </a:solidFill>
+              <a:ln>
+                <a:noFill/>
+              </a:ln>
+            </p:spPr>
+            <p:style>
+              <a:lnRef idx="2">
+                <a:schemeClr val="accent1">
+                  <a:shade val="50000"/>
+                </a:schemeClr>
+              </a:lnRef>
+              <a:fillRef idx="1">
+                <a:schemeClr val="accent1"/>
+              </a:fillRef>
+              <a:effectRef idx="0">
+                <a:schemeClr val="accent1"/>
+              </a:effectRef>
+              <a:fontRef idx="minor">
+                <a:schemeClr val="lt1"/>
+              </a:fontRef>
+            </p:style>
+            <p:txBody>
+              <a:bodyPr rtlCol="0" anchor="ctr"/>
+              <a:lstStyle/>
+              <a:p>
+                <a:pPr algn="ctr"/>
+                <a:endParaRPr kumimoji="1" lang="ja-JP" altLang="en-US"/>
+              </a:p>
+            </p:txBody>
+          </p:sp>
+        </p:grpSp>
+        <p:grpSp>
+          <p:nvGrpSpPr>
+            <p:cNvPr id="13" name="Group 12">
+              <a:extLst>
+                <a:ext uri="{FF2B5EF4-FFF2-40B4-BE49-F238E27FC236}">
+                  <a16:creationId xmlns:a16="http://schemas.microsoft.com/office/drawing/2014/main" id="{EC821F7F-0528-7BD8-77C9-D67B5F21B4F3}"/>
+                </a:ext>
+              </a:extLst>
+            </p:cNvPr>
+            <p:cNvGrpSpPr/>
+            <p:nvPr/>
+          </p:nvGrpSpPr>
+          <p:grpSpPr>
+            <a:xfrm>
+              <a:off x="8937012" y="5275239"/>
+              <a:ext cx="441572" cy="325902"/>
+              <a:chOff x="5067332" y="1712448"/>
+              <a:chExt cx="441572" cy="325902"/>
+            </a:xfrm>
+            <a:effectLst>
+              <a:outerShdw blurRad="50800" dist="38100" dir="2700000" algn="tl" rotWithShape="0">
+                <a:prstClr val="black">
+                  <a:alpha val="40000"/>
+                </a:prstClr>
+              </a:outerShdw>
+            </a:effectLst>
+          </p:grpSpPr>
+          <p:sp>
+            <p:nvSpPr>
+              <p:cNvPr id="17" name="Parallelogram 16">
+                <a:extLst>
+                  <a:ext uri="{FF2B5EF4-FFF2-40B4-BE49-F238E27FC236}">
+                    <a16:creationId xmlns:a16="http://schemas.microsoft.com/office/drawing/2014/main" id="{B745BFA2-4F5A-926D-6F92-98BDF86A8B22}"/>
+                  </a:ext>
+                </a:extLst>
+              </p:cNvPr>
+              <p:cNvSpPr/>
+              <p:nvPr/>
+            </p:nvSpPr>
+            <p:spPr>
+              <a:xfrm>
+                <a:off x="5067332" y="1960088"/>
+                <a:ext cx="441572" cy="78262"/>
+              </a:xfrm>
+              <a:prstGeom prst="parallelogram">
+                <a:avLst>
+                  <a:gd name="adj" fmla="val 97027"/>
+                </a:avLst>
+              </a:prstGeom>
+              <a:solidFill>
+                <a:srgbClr val="FF0000"/>
+              </a:solidFill>
+              <a:ln>
+                <a:noFill/>
+              </a:ln>
+            </p:spPr>
+            <p:style>
+              <a:lnRef idx="2">
+                <a:schemeClr val="accent1">
+                  <a:shade val="50000"/>
+                </a:schemeClr>
+              </a:lnRef>
+              <a:fillRef idx="1">
+                <a:schemeClr val="accent1"/>
+              </a:fillRef>
+              <a:effectRef idx="0">
+                <a:schemeClr val="accent1"/>
+              </a:effectRef>
+              <a:fontRef idx="minor">
+                <a:schemeClr val="lt1"/>
+              </a:fontRef>
+            </p:style>
+            <p:txBody>
+              <a:bodyPr rtlCol="0" anchor="ctr"/>
+              <a:lstStyle/>
+              <a:p>
+                <a:pPr algn="ctr"/>
+                <a:endParaRPr kumimoji="1" lang="ja-JP" altLang="en-US"/>
+              </a:p>
+            </p:txBody>
+          </p:sp>
+          <p:sp>
+            <p:nvSpPr>
+              <p:cNvPr id="26" name="Parallelogram 25">
+                <a:extLst>
+                  <a:ext uri="{FF2B5EF4-FFF2-40B4-BE49-F238E27FC236}">
+                    <a16:creationId xmlns:a16="http://schemas.microsoft.com/office/drawing/2014/main" id="{778FFCE7-4557-B4E5-27C6-42CD070E1638}"/>
+                  </a:ext>
+                </a:extLst>
+              </p:cNvPr>
+              <p:cNvSpPr/>
+              <p:nvPr/>
+            </p:nvSpPr>
+            <p:spPr>
+              <a:xfrm>
+                <a:off x="5067332" y="1712448"/>
+                <a:ext cx="441572" cy="78262"/>
+              </a:xfrm>
+              <a:prstGeom prst="parallelogram">
+                <a:avLst>
+                  <a:gd name="adj" fmla="val 97027"/>
+                </a:avLst>
+              </a:prstGeom>
+              <a:solidFill>
+                <a:srgbClr val="FF0000"/>
+              </a:solidFill>
+              <a:ln>
+                <a:noFill/>
+              </a:ln>
+            </p:spPr>
+            <p:style>
+              <a:lnRef idx="2">
+                <a:schemeClr val="accent1">
+                  <a:shade val="50000"/>
+                </a:schemeClr>
+              </a:lnRef>
+              <a:fillRef idx="1">
+                <a:schemeClr val="accent1"/>
+              </a:fillRef>
+              <a:effectRef idx="0">
+                <a:schemeClr val="accent1"/>
+              </a:effectRef>
+              <a:fontRef idx="minor">
+                <a:schemeClr val="lt1"/>
+              </a:fontRef>
+            </p:style>
+            <p:txBody>
+              <a:bodyPr rtlCol="0" anchor="ctr"/>
+              <a:lstStyle/>
+              <a:p>
+                <a:pPr algn="ctr"/>
+                <a:endParaRPr kumimoji="1" lang="ja-JP" altLang="en-US"/>
+              </a:p>
+            </p:txBody>
+          </p:sp>
+          <p:sp>
+            <p:nvSpPr>
+              <p:cNvPr id="30" name="Parallelogram 29">
+                <a:extLst>
+                  <a:ext uri="{FF2B5EF4-FFF2-40B4-BE49-F238E27FC236}">
+                    <a16:creationId xmlns:a16="http://schemas.microsoft.com/office/drawing/2014/main" id="{B09A79A8-0C8A-E34F-7FC5-325DF30B7317}"/>
+                  </a:ext>
+                </a:extLst>
+              </p:cNvPr>
+              <p:cNvSpPr/>
+              <p:nvPr/>
+            </p:nvSpPr>
+            <p:spPr>
+              <a:xfrm flipH="1">
+                <a:off x="5067332" y="1833705"/>
+                <a:ext cx="441572" cy="78262"/>
+              </a:xfrm>
+              <a:prstGeom prst="parallelogram">
+                <a:avLst>
+                  <a:gd name="adj" fmla="val 97027"/>
+                </a:avLst>
+              </a:prstGeom>
+              <a:solidFill>
+                <a:srgbClr val="FF0000"/>
+              </a:solidFill>
+              <a:ln>
+                <a:noFill/>
+              </a:ln>
+            </p:spPr>
+            <p:style>
+              <a:lnRef idx="2">
+                <a:schemeClr val="accent1">
+                  <a:shade val="50000"/>
+                </a:schemeClr>
+              </a:lnRef>
+              <a:fillRef idx="1">
+                <a:schemeClr val="accent1"/>
+              </a:fillRef>
+              <a:effectRef idx="0">
+                <a:schemeClr val="accent1"/>
+              </a:effectRef>
+              <a:fontRef idx="minor">
+                <a:schemeClr val="lt1"/>
+              </a:fontRef>
+            </p:style>
+            <p:txBody>
+              <a:bodyPr rtlCol="0" anchor="ctr"/>
+              <a:lstStyle/>
+              <a:p>
+                <a:pPr algn="ctr"/>
+                <a:endParaRPr kumimoji="1" lang="ja-JP" altLang="en-US"/>
+              </a:p>
+            </p:txBody>
+          </p:sp>
+        </p:grpSp>
         <p:sp>
           <p:nvSpPr>
             <p:cNvPr id="24" name="Rectangle 23">
@@ -1833,7 +2405,7 @@
             </a:prstGeom>
             <a:ln w="38100">
               <a:solidFill>
-                <a:schemeClr val="tx1"/>
+                <a:srgbClr val="FF0000"/>
               </a:solidFill>
               <a:tailEnd type="arrow"/>
             </a:ln>
@@ -1885,7 +2457,7 @@
             </a:prstGeom>
             <a:ln w="38100">
               <a:solidFill>
-                <a:schemeClr val="tx1"/>
+                <a:srgbClr val="FF0000"/>
               </a:solidFill>
               <a:tailEnd type="arrow"/>
             </a:ln>
@@ -1937,7 +2509,7 @@
             </a:prstGeom>
             <a:ln w="38100">
               <a:solidFill>
-                <a:schemeClr val="tx1"/>
+                <a:srgbClr val="FF0000"/>
               </a:solidFill>
               <a:tailEnd type="arrow"/>
             </a:ln>
@@ -1966,10 +2538,10 @@
         </p:cxnSp>
         <p:pic>
           <p:nvPicPr>
-            <p:cNvPr id="36" name="Picture 35">
-              <a:extLst>
-                <a:ext uri="{FF2B5EF4-FFF2-40B4-BE49-F238E27FC236}">
-                  <a16:creationId xmlns:a16="http://schemas.microsoft.com/office/drawing/2014/main" id="{D512EB70-72B6-4CC6-4F51-11292C59BA1F}"/>
+            <p:cNvPr id="47" name="Graphic 46" descr="Heart with solid fill">
+              <a:extLst>
+                <a:ext uri="{FF2B5EF4-FFF2-40B4-BE49-F238E27FC236}">
+                  <a16:creationId xmlns:a16="http://schemas.microsoft.com/office/drawing/2014/main" id="{090BCEC4-41CF-4AFA-090A-0C8FAFC2132F}"/>
                 </a:ext>
               </a:extLst>
             </p:cNvPr>
@@ -1979,124 +2551,13 @@
             <p:nvPr/>
           </p:nvPicPr>
           <p:blipFill>
-            <a:blip r:embed="rId2"/>
-            <a:stretch>
-              <a:fillRect/>
-            </a:stretch>
-          </p:blipFill>
-          <p:spPr>
-            <a:xfrm>
-              <a:off x="8803783" y="5211614"/>
-              <a:ext cx="595589" cy="464209"/>
-            </a:xfrm>
-            <a:prstGeom prst="rect">
-              <a:avLst/>
-            </a:prstGeom>
-            <a:effectLst>
-              <a:outerShdw blurRad="50800" dist="38100" dir="2700000" algn="tl" rotWithShape="0">
-                <a:prstClr val="black">
-                  <a:alpha val="40000"/>
-                </a:prstClr>
-              </a:outerShdw>
-            </a:effectLst>
-          </p:spPr>
-        </p:pic>
-        <p:pic>
-          <p:nvPicPr>
-            <p:cNvPr id="38" name="Picture 37">
-              <a:extLst>
-                <a:ext uri="{FF2B5EF4-FFF2-40B4-BE49-F238E27FC236}">
-                  <a16:creationId xmlns:a16="http://schemas.microsoft.com/office/drawing/2014/main" id="{F60C675D-69A7-6469-AA6D-BA5059C8C0DB}"/>
-                </a:ext>
-              </a:extLst>
-            </p:cNvPr>
-            <p:cNvPicPr>
-              <a:picLocks noChangeAspect="1"/>
-            </p:cNvPicPr>
-            <p:nvPr/>
-          </p:nvPicPr>
-          <p:blipFill>
-            <a:blip r:embed="rId2"/>
-            <a:stretch>
-              <a:fillRect/>
-            </a:stretch>
-          </p:blipFill>
-          <p:spPr>
-            <a:xfrm>
-              <a:off x="8803783" y="3543797"/>
-              <a:ext cx="595589" cy="464209"/>
-            </a:xfrm>
-            <a:prstGeom prst="rect">
-              <a:avLst/>
-            </a:prstGeom>
-            <a:effectLst>
-              <a:outerShdw blurRad="50800" dist="38100" dir="2700000" algn="tl" rotWithShape="0">
-                <a:prstClr val="black">
-                  <a:alpha val="40000"/>
-                </a:prstClr>
-              </a:outerShdw>
-            </a:effectLst>
-          </p:spPr>
-        </p:pic>
-        <p:pic>
-          <p:nvPicPr>
-            <p:cNvPr id="39" name="Picture 38">
-              <a:extLst>
-                <a:ext uri="{FF2B5EF4-FFF2-40B4-BE49-F238E27FC236}">
-                  <a16:creationId xmlns:a16="http://schemas.microsoft.com/office/drawing/2014/main" id="{307BCF29-3F59-721A-CDFB-948E1C934F39}"/>
-                </a:ext>
-              </a:extLst>
-            </p:cNvPr>
-            <p:cNvPicPr>
-              <a:picLocks noChangeAspect="1"/>
-            </p:cNvPicPr>
-            <p:nvPr/>
-          </p:nvPicPr>
-          <p:blipFill>
-            <a:blip r:embed="rId2"/>
-            <a:stretch>
-              <a:fillRect/>
-            </a:stretch>
-          </p:blipFill>
-          <p:spPr>
-            <a:xfrm>
-              <a:off x="8803783" y="4395227"/>
-              <a:ext cx="595589" cy="464209"/>
-            </a:xfrm>
-            <a:prstGeom prst="rect">
-              <a:avLst/>
-            </a:prstGeom>
-            <a:effectLst>
-              <a:outerShdw blurRad="50800" dist="38100" dir="2700000" algn="tl" rotWithShape="0">
-                <a:prstClr val="black">
-                  <a:alpha val="40000"/>
-                </a:prstClr>
-              </a:outerShdw>
-            </a:effectLst>
-          </p:spPr>
-        </p:pic>
-        <p:pic>
-          <p:nvPicPr>
-            <p:cNvPr id="47" name="Graphic 46" descr="Heart with solid fill">
-              <a:extLst>
-                <a:ext uri="{FF2B5EF4-FFF2-40B4-BE49-F238E27FC236}">
-                  <a16:creationId xmlns:a16="http://schemas.microsoft.com/office/drawing/2014/main" id="{090BCEC4-41CF-4AFA-090A-0C8FAFC2132F}"/>
-                </a:ext>
-              </a:extLst>
-            </p:cNvPr>
-            <p:cNvPicPr>
-              <a:picLocks noChangeAspect="1"/>
-            </p:cNvPicPr>
-            <p:nvPr/>
-          </p:nvPicPr>
-          <p:blipFill>
-            <a:blip r:embed="rId3">
+            <a:blip r:embed="rId2">
               <a:extLst>
                 <a:ext uri="{28A0092B-C50C-407E-A947-70E740481C1C}">
                   <a14:useLocalDpi xmlns:a14="http://schemas.microsoft.com/office/drawing/2010/main" val="0"/>
                 </a:ext>
                 <a:ext uri="{96DAC541-7B7A-43D3-8B79-37D633B846F1}">
-                  <asvg:svgBlip xmlns:asvg="http://schemas.microsoft.com/office/drawing/2016/SVG/main" r:embed="rId4"/>
+                  <asvg:svgBlip xmlns:asvg="http://schemas.microsoft.com/office/drawing/2016/SVG/main" r:embed="rId3"/>
                 </a:ext>
               </a:extLst>
             </a:blip>
@@ -2321,46 +2782,6 @@
               <a:endParaRPr lang="ja-JP" altLang="en-US" sz="2400" dirty="0">
                 <a:latin typeface="Abadi" panose="020B0604020104020204" pitchFamily="34" charset="0"/>
               </a:endParaRPr>
-            </a:p>
-          </p:txBody>
-        </p:sp>
-        <p:sp>
-          <p:nvSpPr>
-            <p:cNvPr id="6" name="TextBox 5">
-              <a:extLst>
-                <a:ext uri="{FF2B5EF4-FFF2-40B4-BE49-F238E27FC236}">
-                  <a16:creationId xmlns:a16="http://schemas.microsoft.com/office/drawing/2014/main" id="{46595EE5-E050-1B6B-C17A-78F054B9D9C3}"/>
-                </a:ext>
-              </a:extLst>
-            </p:cNvPr>
-            <p:cNvSpPr txBox="1"/>
-            <p:nvPr/>
-          </p:nvSpPr>
-          <p:spPr>
-            <a:xfrm>
-              <a:off x="2726041" y="5530445"/>
-              <a:ext cx="6365608" cy="830997"/>
-            </a:xfrm>
-            <a:prstGeom prst="rect">
-              <a:avLst/>
-            </a:prstGeom>
-            <a:noFill/>
-          </p:spPr>
-          <p:txBody>
-            <a:bodyPr wrap="square">
-              <a:spAutoFit/>
-            </a:bodyPr>
-            <a:lstStyle/>
-            <a:p>
-              <a:r>
-                <a:rPr lang="en-US" altLang="ja-JP" sz="2400" dirty="0">
-                  <a:solidFill>
-                    <a:schemeClr val="tx1"/>
-                  </a:solidFill>
-                  <a:latin typeface="Abadi" panose="020B0604020104020204" pitchFamily="34" charset="0"/>
-                </a:rPr>
-                <a:t>Advance donations are pooled in the project (can be pulled back before the actual incident)</a:t>
-              </a:r>
             </a:p>
           </p:txBody>
         </p:sp>
@@ -2505,13 +2926,13 @@
               <p:nvPr/>
             </p:nvPicPr>
             <p:blipFill>
-              <a:blip r:embed="rId5">
+              <a:blip r:embed="rId4">
                 <a:extLst>
                   <a:ext uri="{28A0092B-C50C-407E-A947-70E740481C1C}">
                     <a14:useLocalDpi xmlns:a14="http://schemas.microsoft.com/office/drawing/2010/main" val="0"/>
                   </a:ext>
                   <a:ext uri="{96DAC541-7B7A-43D3-8B79-37D633B846F1}">
-                    <asvg:svgBlip xmlns:asvg="http://schemas.microsoft.com/office/drawing/2016/SVG/main" r:embed="rId6"/>
+                    <asvg:svgBlip xmlns:asvg="http://schemas.microsoft.com/office/drawing/2016/SVG/main" r:embed="rId5"/>
                   </a:ext>
                 </a:extLst>
               </a:blip>
@@ -2537,6 +2958,63 @@
             </p:spPr>
           </p:pic>
         </p:grpSp>
+        <p:sp>
+          <p:nvSpPr>
+            <p:cNvPr id="27" name="TextBox 26">
+              <a:extLst>
+                <a:ext uri="{FF2B5EF4-FFF2-40B4-BE49-F238E27FC236}">
+                  <a16:creationId xmlns:a16="http://schemas.microsoft.com/office/drawing/2014/main" id="{A3F364BA-6071-A92F-5D50-99780FBEE368}"/>
+                </a:ext>
+              </a:extLst>
+            </p:cNvPr>
+            <p:cNvSpPr txBox="1"/>
+            <p:nvPr/>
+          </p:nvSpPr>
+          <p:spPr>
+            <a:xfrm>
+              <a:off x="517790" y="5642441"/>
+              <a:ext cx="7885146" cy="830997"/>
+            </a:xfrm>
+            <a:prstGeom prst="rect">
+              <a:avLst/>
+            </a:prstGeom>
+            <a:noFill/>
+          </p:spPr>
+          <p:txBody>
+            <a:bodyPr wrap="square">
+              <a:spAutoFit/>
+            </a:bodyPr>
+            <a:lstStyle/>
+            <a:p>
+              <a:r>
+                <a:rPr lang="en-US" altLang="ja-JP" sz="2400" dirty="0">
+                  <a:solidFill>
+                    <a:schemeClr val="tx1"/>
+                  </a:solidFill>
+                  <a:latin typeface="Abadi" panose="020B0604020104020204" pitchFamily="34" charset="0"/>
+                </a:rPr>
+                <a:t>Advance donations are pooled in the project</a:t>
+              </a:r>
+              <a:br>
+                <a:rPr lang="en-US" altLang="ja-JP" sz="2400" dirty="0">
+                  <a:solidFill>
+                    <a:schemeClr val="tx1"/>
+                  </a:solidFill>
+                  <a:latin typeface="Abadi" panose="020B0604020104020204" pitchFamily="34" charset="0"/>
+                </a:rPr>
+              </a:br>
+              <a:r>
+                <a:rPr lang="en-US" altLang="ja-JP" sz="2400" dirty="0">
+                  <a:solidFill>
+                    <a:schemeClr val="tx1"/>
+                  </a:solidFill>
+                  <a:latin typeface="Abadi" panose="020B0604020104020204" pitchFamily="34" charset="0"/>
+                </a:rPr>
+                <a:t>(can be pulled back before the actual incident)</a:t>
+              </a:r>
+            </a:p>
+          </p:txBody>
+        </p:sp>
       </p:grpSp>
     </p:spTree>
     <p:extLst>
@@ -2570,10 +3048,10 @@
       </p:grpSpPr>
       <p:grpSp>
         <p:nvGrpSpPr>
-          <p:cNvPr id="54" name="Group 53">
+          <p:cNvPr id="36" name="Group 35">
             <a:extLst>
               <a:ext uri="{FF2B5EF4-FFF2-40B4-BE49-F238E27FC236}">
-                <a16:creationId xmlns:a16="http://schemas.microsoft.com/office/drawing/2014/main" id="{F2D402DB-9829-98B8-A687-082C9BECE5E9}"/>
+                <a16:creationId xmlns:a16="http://schemas.microsoft.com/office/drawing/2014/main" id="{F1AE8AD3-B2FA-689B-6BAD-A2D7179BAAC2}"/>
               </a:ext>
             </a:extLst>
           </p:cNvPr>
@@ -2582,9 +3060,9 @@
         </p:nvGrpSpPr>
         <p:grpSpPr>
           <a:xfrm>
-            <a:off x="0" y="0"/>
+            <a:off x="0" y="-36512"/>
             <a:ext cx="12192000" cy="6858000"/>
-            <a:chOff x="0" y="0"/>
+            <a:chOff x="0" y="-36512"/>
             <a:chExt cx="12192000" cy="6858000"/>
           </a:xfrm>
         </p:grpSpPr>
@@ -2602,7 +3080,7 @@
           </p:nvSpPr>
           <p:spPr>
             <a:xfrm>
-              <a:off x="0" y="0"/>
+              <a:off x="0" y="-36512"/>
               <a:ext cx="12192000" cy="6858000"/>
             </a:xfrm>
             <a:prstGeom prst="rect">
@@ -2644,10 +3122,10 @@
         </p:sp>
         <p:grpSp>
           <p:nvGrpSpPr>
-            <p:cNvPr id="6" name="Group 5">
-              <a:extLst>
-                <a:ext uri="{FF2B5EF4-FFF2-40B4-BE49-F238E27FC236}">
-                  <a16:creationId xmlns:a16="http://schemas.microsoft.com/office/drawing/2014/main" id="{ADEDFD9D-8F50-ED47-3AD1-0EDD208805B9}"/>
+            <p:cNvPr id="30" name="Group 29">
+              <a:extLst>
+                <a:ext uri="{FF2B5EF4-FFF2-40B4-BE49-F238E27FC236}">
+                  <a16:creationId xmlns:a16="http://schemas.microsoft.com/office/drawing/2014/main" id="{4CFC0AC1-5E07-5687-5DF1-D3252B76A190}"/>
                 </a:ext>
               </a:extLst>
             </p:cNvPr>
@@ -2656,18 +3134,2933 @@
           </p:nvGrpSpPr>
           <p:grpSpPr>
             <a:xfrm>
-              <a:off x="517790" y="374214"/>
-              <a:ext cx="11674210" cy="5998861"/>
-              <a:chOff x="517790" y="260981"/>
-              <a:chExt cx="11674210" cy="5998861"/>
+              <a:off x="4602324" y="1712448"/>
+              <a:ext cx="906580" cy="687807"/>
+              <a:chOff x="4602324" y="1712448"/>
+              <a:chExt cx="906580" cy="687807"/>
+            </a:xfrm>
+            <a:effectLst>
+              <a:outerShdw blurRad="50800" dist="38100" dir="2700000" algn="tl" rotWithShape="0">
+                <a:prstClr val="black">
+                  <a:alpha val="40000"/>
+                </a:prstClr>
+              </a:outerShdw>
+            </a:effectLst>
+          </p:grpSpPr>
+          <p:grpSp>
+            <p:nvGrpSpPr>
+              <p:cNvPr id="14" name="Group 13">
+                <a:extLst>
+                  <a:ext uri="{FF2B5EF4-FFF2-40B4-BE49-F238E27FC236}">
+                    <a16:creationId xmlns:a16="http://schemas.microsoft.com/office/drawing/2014/main" id="{03183D09-BBE3-9FD3-767A-3DCCADA4C84F}"/>
+                  </a:ext>
+                </a:extLst>
+              </p:cNvPr>
+              <p:cNvGrpSpPr/>
+              <p:nvPr/>
+            </p:nvGrpSpPr>
+            <p:grpSpPr>
+              <a:xfrm>
+                <a:off x="5067332" y="1712448"/>
+                <a:ext cx="441572" cy="325902"/>
+                <a:chOff x="5067332" y="1712448"/>
+                <a:chExt cx="441572" cy="325902"/>
+              </a:xfrm>
+            </p:grpSpPr>
+            <p:sp>
+              <p:nvSpPr>
+                <p:cNvPr id="4" name="Parallelogram 3">
+                  <a:extLst>
+                    <a:ext uri="{FF2B5EF4-FFF2-40B4-BE49-F238E27FC236}">
+                      <a16:creationId xmlns:a16="http://schemas.microsoft.com/office/drawing/2014/main" id="{5279FCA0-202A-18EA-9609-1F49DD43273E}"/>
+                    </a:ext>
+                  </a:extLst>
+                </p:cNvPr>
+                <p:cNvSpPr/>
+                <p:nvPr/>
+              </p:nvSpPr>
+              <p:spPr>
+                <a:xfrm>
+                  <a:off x="5067332" y="1960088"/>
+                  <a:ext cx="441572" cy="78262"/>
+                </a:xfrm>
+                <a:prstGeom prst="parallelogram">
+                  <a:avLst>
+                    <a:gd name="adj" fmla="val 97027"/>
+                  </a:avLst>
+                </a:prstGeom>
+                <a:solidFill>
+                  <a:srgbClr val="FF0000"/>
+                </a:solidFill>
+                <a:ln>
+                  <a:noFill/>
+                </a:ln>
+              </p:spPr>
+              <p:style>
+                <a:lnRef idx="2">
+                  <a:schemeClr val="accent1">
+                    <a:shade val="50000"/>
+                  </a:schemeClr>
+                </a:lnRef>
+                <a:fillRef idx="1">
+                  <a:schemeClr val="accent1"/>
+                </a:fillRef>
+                <a:effectRef idx="0">
+                  <a:schemeClr val="accent1"/>
+                </a:effectRef>
+                <a:fontRef idx="minor">
+                  <a:schemeClr val="lt1"/>
+                </a:fontRef>
+              </p:style>
+              <p:txBody>
+                <a:bodyPr rtlCol="0" anchor="ctr"/>
+                <a:lstStyle/>
+                <a:p>
+                  <a:pPr algn="ctr"/>
+                  <a:endParaRPr kumimoji="1" lang="ja-JP" altLang="en-US"/>
+                </a:p>
+              </p:txBody>
+            </p:sp>
+            <p:sp>
+              <p:nvSpPr>
+                <p:cNvPr id="6" name="Parallelogram 5">
+                  <a:extLst>
+                    <a:ext uri="{FF2B5EF4-FFF2-40B4-BE49-F238E27FC236}">
+                      <a16:creationId xmlns:a16="http://schemas.microsoft.com/office/drawing/2014/main" id="{1D5A6F9A-BDE6-9F36-F285-5693ABAE80DE}"/>
+                    </a:ext>
+                  </a:extLst>
+                </p:cNvPr>
+                <p:cNvSpPr/>
+                <p:nvPr/>
+              </p:nvSpPr>
+              <p:spPr>
+                <a:xfrm>
+                  <a:off x="5067332" y="1712448"/>
+                  <a:ext cx="441572" cy="78262"/>
+                </a:xfrm>
+                <a:prstGeom prst="parallelogram">
+                  <a:avLst>
+                    <a:gd name="adj" fmla="val 97027"/>
+                  </a:avLst>
+                </a:prstGeom>
+                <a:solidFill>
+                  <a:srgbClr val="FF0000"/>
+                </a:solidFill>
+                <a:ln>
+                  <a:noFill/>
+                </a:ln>
+              </p:spPr>
+              <p:style>
+                <a:lnRef idx="2">
+                  <a:schemeClr val="accent1">
+                    <a:shade val="50000"/>
+                  </a:schemeClr>
+                </a:lnRef>
+                <a:fillRef idx="1">
+                  <a:schemeClr val="accent1"/>
+                </a:fillRef>
+                <a:effectRef idx="0">
+                  <a:schemeClr val="accent1"/>
+                </a:effectRef>
+                <a:fontRef idx="minor">
+                  <a:schemeClr val="lt1"/>
+                </a:fontRef>
+              </p:style>
+              <p:txBody>
+                <a:bodyPr rtlCol="0" anchor="ctr"/>
+                <a:lstStyle/>
+                <a:p>
+                  <a:pPr algn="ctr"/>
+                  <a:endParaRPr kumimoji="1" lang="ja-JP" altLang="en-US"/>
+                </a:p>
+              </p:txBody>
+            </p:sp>
+            <p:sp>
+              <p:nvSpPr>
+                <p:cNvPr id="13" name="Parallelogram 12">
+                  <a:extLst>
+                    <a:ext uri="{FF2B5EF4-FFF2-40B4-BE49-F238E27FC236}">
+                      <a16:creationId xmlns:a16="http://schemas.microsoft.com/office/drawing/2014/main" id="{460612CC-9BC5-1112-DE4C-77973EBF3D22}"/>
+                    </a:ext>
+                  </a:extLst>
+                </p:cNvPr>
+                <p:cNvSpPr/>
+                <p:nvPr/>
+              </p:nvSpPr>
+              <p:spPr>
+                <a:xfrm flipH="1">
+                  <a:off x="5067332" y="1833705"/>
+                  <a:ext cx="441572" cy="78262"/>
+                </a:xfrm>
+                <a:prstGeom prst="parallelogram">
+                  <a:avLst>
+                    <a:gd name="adj" fmla="val 97027"/>
+                  </a:avLst>
+                </a:prstGeom>
+                <a:solidFill>
+                  <a:srgbClr val="FF0000"/>
+                </a:solidFill>
+                <a:ln>
+                  <a:noFill/>
+                </a:ln>
+              </p:spPr>
+              <p:style>
+                <a:lnRef idx="2">
+                  <a:schemeClr val="accent1">
+                    <a:shade val="50000"/>
+                  </a:schemeClr>
+                </a:lnRef>
+                <a:fillRef idx="1">
+                  <a:schemeClr val="accent1"/>
+                </a:fillRef>
+                <a:effectRef idx="0">
+                  <a:schemeClr val="accent1"/>
+                </a:effectRef>
+                <a:fontRef idx="minor">
+                  <a:schemeClr val="lt1"/>
+                </a:fontRef>
+              </p:style>
+              <p:txBody>
+                <a:bodyPr rtlCol="0" anchor="ctr"/>
+                <a:lstStyle/>
+                <a:p>
+                  <a:pPr algn="ctr"/>
+                  <a:endParaRPr kumimoji="1" lang="ja-JP" altLang="en-US"/>
+                </a:p>
+              </p:txBody>
+            </p:sp>
+          </p:grpSp>
+          <p:grpSp>
+            <p:nvGrpSpPr>
+              <p:cNvPr id="15" name="Group 14">
+                <a:extLst>
+                  <a:ext uri="{FF2B5EF4-FFF2-40B4-BE49-F238E27FC236}">
+                    <a16:creationId xmlns:a16="http://schemas.microsoft.com/office/drawing/2014/main" id="{C5F79BC1-7D47-3F1D-8FCC-BF5F35614895}"/>
+                  </a:ext>
+                </a:extLst>
+              </p:cNvPr>
+              <p:cNvGrpSpPr/>
+              <p:nvPr/>
+            </p:nvGrpSpPr>
+            <p:grpSpPr>
+              <a:xfrm>
+                <a:off x="4602324" y="1712448"/>
+                <a:ext cx="441572" cy="325902"/>
+                <a:chOff x="5067332" y="1712448"/>
+                <a:chExt cx="441572" cy="325902"/>
+              </a:xfrm>
+            </p:grpSpPr>
+            <p:sp>
+              <p:nvSpPr>
+                <p:cNvPr id="18" name="Parallelogram 17">
+                  <a:extLst>
+                    <a:ext uri="{FF2B5EF4-FFF2-40B4-BE49-F238E27FC236}">
+                      <a16:creationId xmlns:a16="http://schemas.microsoft.com/office/drawing/2014/main" id="{06211D9A-AC0F-5304-6F4A-184D7157A164}"/>
+                    </a:ext>
+                  </a:extLst>
+                </p:cNvPr>
+                <p:cNvSpPr/>
+                <p:nvPr/>
+              </p:nvSpPr>
+              <p:spPr>
+                <a:xfrm>
+                  <a:off x="5067332" y="1960088"/>
+                  <a:ext cx="441572" cy="78262"/>
+                </a:xfrm>
+                <a:prstGeom prst="parallelogram">
+                  <a:avLst>
+                    <a:gd name="adj" fmla="val 97027"/>
+                  </a:avLst>
+                </a:prstGeom>
+                <a:solidFill>
+                  <a:srgbClr val="FF0000"/>
+                </a:solidFill>
+                <a:ln>
+                  <a:noFill/>
+                </a:ln>
+              </p:spPr>
+              <p:style>
+                <a:lnRef idx="2">
+                  <a:schemeClr val="accent1">
+                    <a:shade val="50000"/>
+                  </a:schemeClr>
+                </a:lnRef>
+                <a:fillRef idx="1">
+                  <a:schemeClr val="accent1"/>
+                </a:fillRef>
+                <a:effectRef idx="0">
+                  <a:schemeClr val="accent1"/>
+                </a:effectRef>
+                <a:fontRef idx="minor">
+                  <a:schemeClr val="lt1"/>
+                </a:fontRef>
+              </p:style>
+              <p:txBody>
+                <a:bodyPr rtlCol="0" anchor="ctr"/>
+                <a:lstStyle/>
+                <a:p>
+                  <a:pPr algn="ctr"/>
+                  <a:endParaRPr kumimoji="1" lang="ja-JP" altLang="en-US"/>
+                </a:p>
+              </p:txBody>
+            </p:sp>
+            <p:sp>
+              <p:nvSpPr>
+                <p:cNvPr id="23" name="Parallelogram 22">
+                  <a:extLst>
+                    <a:ext uri="{FF2B5EF4-FFF2-40B4-BE49-F238E27FC236}">
+                      <a16:creationId xmlns:a16="http://schemas.microsoft.com/office/drawing/2014/main" id="{2349FAA4-3AD3-73A6-4EBD-009B0F51DC95}"/>
+                    </a:ext>
+                  </a:extLst>
+                </p:cNvPr>
+                <p:cNvSpPr/>
+                <p:nvPr/>
+              </p:nvSpPr>
+              <p:spPr>
+                <a:xfrm>
+                  <a:off x="5067332" y="1712448"/>
+                  <a:ext cx="441572" cy="78262"/>
+                </a:xfrm>
+                <a:prstGeom prst="parallelogram">
+                  <a:avLst>
+                    <a:gd name="adj" fmla="val 97027"/>
+                  </a:avLst>
+                </a:prstGeom>
+                <a:solidFill>
+                  <a:srgbClr val="FF0000"/>
+                </a:solidFill>
+                <a:ln>
+                  <a:noFill/>
+                </a:ln>
+              </p:spPr>
+              <p:style>
+                <a:lnRef idx="2">
+                  <a:schemeClr val="accent1">
+                    <a:shade val="50000"/>
+                  </a:schemeClr>
+                </a:lnRef>
+                <a:fillRef idx="1">
+                  <a:schemeClr val="accent1"/>
+                </a:fillRef>
+                <a:effectRef idx="0">
+                  <a:schemeClr val="accent1"/>
+                </a:effectRef>
+                <a:fontRef idx="minor">
+                  <a:schemeClr val="lt1"/>
+                </a:fontRef>
+              </p:style>
+              <p:txBody>
+                <a:bodyPr rtlCol="0" anchor="ctr"/>
+                <a:lstStyle/>
+                <a:p>
+                  <a:pPr algn="ctr"/>
+                  <a:endParaRPr kumimoji="1" lang="ja-JP" altLang="en-US"/>
+                </a:p>
+              </p:txBody>
+            </p:sp>
+            <p:sp>
+              <p:nvSpPr>
+                <p:cNvPr id="24" name="Parallelogram 23">
+                  <a:extLst>
+                    <a:ext uri="{FF2B5EF4-FFF2-40B4-BE49-F238E27FC236}">
+                      <a16:creationId xmlns:a16="http://schemas.microsoft.com/office/drawing/2014/main" id="{7B06A9BF-C690-71C9-43C2-7515623CC8EB}"/>
+                    </a:ext>
+                  </a:extLst>
+                </p:cNvPr>
+                <p:cNvSpPr/>
+                <p:nvPr/>
+              </p:nvSpPr>
+              <p:spPr>
+                <a:xfrm flipH="1">
+                  <a:off x="5067332" y="1833705"/>
+                  <a:ext cx="441572" cy="78262"/>
+                </a:xfrm>
+                <a:prstGeom prst="parallelogram">
+                  <a:avLst>
+                    <a:gd name="adj" fmla="val 97027"/>
+                  </a:avLst>
+                </a:prstGeom>
+                <a:solidFill>
+                  <a:srgbClr val="FF0000"/>
+                </a:solidFill>
+                <a:ln>
+                  <a:noFill/>
+                </a:ln>
+              </p:spPr>
+              <p:style>
+                <a:lnRef idx="2">
+                  <a:schemeClr val="accent1">
+                    <a:shade val="50000"/>
+                  </a:schemeClr>
+                </a:lnRef>
+                <a:fillRef idx="1">
+                  <a:schemeClr val="accent1"/>
+                </a:fillRef>
+                <a:effectRef idx="0">
+                  <a:schemeClr val="accent1"/>
+                </a:effectRef>
+                <a:fontRef idx="minor">
+                  <a:schemeClr val="lt1"/>
+                </a:fontRef>
+              </p:style>
+              <p:txBody>
+                <a:bodyPr rtlCol="0" anchor="ctr"/>
+                <a:lstStyle/>
+                <a:p>
+                  <a:pPr algn="ctr"/>
+                  <a:endParaRPr kumimoji="1" lang="ja-JP" altLang="en-US"/>
+                </a:p>
+              </p:txBody>
+            </p:sp>
+          </p:grpSp>
+          <p:grpSp>
+            <p:nvGrpSpPr>
+              <p:cNvPr id="25" name="Group 24">
+                <a:extLst>
+                  <a:ext uri="{FF2B5EF4-FFF2-40B4-BE49-F238E27FC236}">
+                    <a16:creationId xmlns:a16="http://schemas.microsoft.com/office/drawing/2014/main" id="{A499F2AE-2CC8-C5FE-EC64-28AB7DF9C33E}"/>
+                  </a:ext>
+                </a:extLst>
+              </p:cNvPr>
+              <p:cNvGrpSpPr/>
+              <p:nvPr/>
+            </p:nvGrpSpPr>
+            <p:grpSpPr>
+              <a:xfrm>
+                <a:off x="4829250" y="2074353"/>
+                <a:ext cx="441572" cy="325902"/>
+                <a:chOff x="5067332" y="1712448"/>
+                <a:chExt cx="441572" cy="325902"/>
+              </a:xfrm>
+            </p:grpSpPr>
+            <p:sp>
+              <p:nvSpPr>
+                <p:cNvPr id="26" name="Parallelogram 25">
+                  <a:extLst>
+                    <a:ext uri="{FF2B5EF4-FFF2-40B4-BE49-F238E27FC236}">
+                      <a16:creationId xmlns:a16="http://schemas.microsoft.com/office/drawing/2014/main" id="{6ABEA42A-8B43-EA12-026A-F0B5AED0A152}"/>
+                    </a:ext>
+                  </a:extLst>
+                </p:cNvPr>
+                <p:cNvSpPr/>
+                <p:nvPr/>
+              </p:nvSpPr>
+              <p:spPr>
+                <a:xfrm>
+                  <a:off x="5067332" y="1960088"/>
+                  <a:ext cx="441572" cy="78262"/>
+                </a:xfrm>
+                <a:prstGeom prst="parallelogram">
+                  <a:avLst>
+                    <a:gd name="adj" fmla="val 97027"/>
+                  </a:avLst>
+                </a:prstGeom>
+                <a:solidFill>
+                  <a:srgbClr val="FF0000"/>
+                </a:solidFill>
+                <a:ln>
+                  <a:noFill/>
+                </a:ln>
+              </p:spPr>
+              <p:style>
+                <a:lnRef idx="2">
+                  <a:schemeClr val="accent1">
+                    <a:shade val="50000"/>
+                  </a:schemeClr>
+                </a:lnRef>
+                <a:fillRef idx="1">
+                  <a:schemeClr val="accent1"/>
+                </a:fillRef>
+                <a:effectRef idx="0">
+                  <a:schemeClr val="accent1"/>
+                </a:effectRef>
+                <a:fontRef idx="minor">
+                  <a:schemeClr val="lt1"/>
+                </a:fontRef>
+              </p:style>
+              <p:txBody>
+                <a:bodyPr rtlCol="0" anchor="ctr"/>
+                <a:lstStyle/>
+                <a:p>
+                  <a:pPr algn="ctr"/>
+                  <a:endParaRPr kumimoji="1" lang="ja-JP" altLang="en-US"/>
+                </a:p>
+              </p:txBody>
+            </p:sp>
+            <p:sp>
+              <p:nvSpPr>
+                <p:cNvPr id="27" name="Parallelogram 26">
+                  <a:extLst>
+                    <a:ext uri="{FF2B5EF4-FFF2-40B4-BE49-F238E27FC236}">
+                      <a16:creationId xmlns:a16="http://schemas.microsoft.com/office/drawing/2014/main" id="{F6FBA792-89D7-62F4-223A-899B2B61915B}"/>
+                    </a:ext>
+                  </a:extLst>
+                </p:cNvPr>
+                <p:cNvSpPr/>
+                <p:nvPr/>
+              </p:nvSpPr>
+              <p:spPr>
+                <a:xfrm>
+                  <a:off x="5067332" y="1712448"/>
+                  <a:ext cx="441572" cy="78262"/>
+                </a:xfrm>
+                <a:prstGeom prst="parallelogram">
+                  <a:avLst>
+                    <a:gd name="adj" fmla="val 97027"/>
+                  </a:avLst>
+                </a:prstGeom>
+                <a:solidFill>
+                  <a:srgbClr val="FF0000"/>
+                </a:solidFill>
+                <a:ln>
+                  <a:noFill/>
+                </a:ln>
+              </p:spPr>
+              <p:style>
+                <a:lnRef idx="2">
+                  <a:schemeClr val="accent1">
+                    <a:shade val="50000"/>
+                  </a:schemeClr>
+                </a:lnRef>
+                <a:fillRef idx="1">
+                  <a:schemeClr val="accent1"/>
+                </a:fillRef>
+                <a:effectRef idx="0">
+                  <a:schemeClr val="accent1"/>
+                </a:effectRef>
+                <a:fontRef idx="minor">
+                  <a:schemeClr val="lt1"/>
+                </a:fontRef>
+              </p:style>
+              <p:txBody>
+                <a:bodyPr rtlCol="0" anchor="ctr"/>
+                <a:lstStyle/>
+                <a:p>
+                  <a:pPr algn="ctr"/>
+                  <a:endParaRPr kumimoji="1" lang="ja-JP" altLang="en-US"/>
+                </a:p>
+              </p:txBody>
+            </p:sp>
+            <p:sp>
+              <p:nvSpPr>
+                <p:cNvPr id="28" name="Parallelogram 27">
+                  <a:extLst>
+                    <a:ext uri="{FF2B5EF4-FFF2-40B4-BE49-F238E27FC236}">
+                      <a16:creationId xmlns:a16="http://schemas.microsoft.com/office/drawing/2014/main" id="{EC9F1124-D172-9D2A-EA8B-818FCDAC8B84}"/>
+                    </a:ext>
+                  </a:extLst>
+                </p:cNvPr>
+                <p:cNvSpPr/>
+                <p:nvPr/>
+              </p:nvSpPr>
+              <p:spPr>
+                <a:xfrm flipH="1">
+                  <a:off x="5067332" y="1833705"/>
+                  <a:ext cx="441572" cy="78262"/>
+                </a:xfrm>
+                <a:prstGeom prst="parallelogram">
+                  <a:avLst>
+                    <a:gd name="adj" fmla="val 97027"/>
+                  </a:avLst>
+                </a:prstGeom>
+                <a:solidFill>
+                  <a:srgbClr val="FF0000"/>
+                </a:solidFill>
+                <a:ln>
+                  <a:noFill/>
+                </a:ln>
+              </p:spPr>
+              <p:style>
+                <a:lnRef idx="2">
+                  <a:schemeClr val="accent1">
+                    <a:shade val="50000"/>
+                  </a:schemeClr>
+                </a:lnRef>
+                <a:fillRef idx="1">
+                  <a:schemeClr val="accent1"/>
+                </a:fillRef>
+                <a:effectRef idx="0">
+                  <a:schemeClr val="accent1"/>
+                </a:effectRef>
+                <a:fontRef idx="minor">
+                  <a:schemeClr val="lt1"/>
+                </a:fontRef>
+              </p:style>
+              <p:txBody>
+                <a:bodyPr rtlCol="0" anchor="ctr"/>
+                <a:lstStyle/>
+                <a:p>
+                  <a:pPr algn="ctr"/>
+                  <a:endParaRPr kumimoji="1" lang="ja-JP" altLang="en-US"/>
+                </a:p>
+              </p:txBody>
+            </p:sp>
+          </p:grpSp>
+        </p:grpSp>
+        <p:sp>
+          <p:nvSpPr>
+            <p:cNvPr id="5" name="Rectangle 4">
+              <a:extLst>
+                <a:ext uri="{FF2B5EF4-FFF2-40B4-BE49-F238E27FC236}">
+                  <a16:creationId xmlns:a16="http://schemas.microsoft.com/office/drawing/2014/main" id="{FFAA4ED3-AF98-08E8-E041-8D09BB31A0CE}"/>
+                </a:ext>
+              </a:extLst>
+            </p:cNvPr>
+            <p:cNvSpPr/>
+            <p:nvPr/>
+          </p:nvSpPr>
+          <p:spPr>
+            <a:xfrm>
+              <a:off x="517790" y="4252328"/>
+              <a:ext cx="5173211" cy="1323439"/>
+            </a:xfrm>
+            <a:prstGeom prst="rect">
+              <a:avLst/>
+            </a:prstGeom>
+            <a:solidFill>
+              <a:schemeClr val="bg1"/>
+            </a:solidFill>
+            <a:ln w="38100">
+              <a:solidFill>
+                <a:schemeClr val="tx1"/>
+              </a:solidFill>
+            </a:ln>
+            <a:effectLst>
+              <a:outerShdw blurRad="50800" dist="38100" dir="2700000" algn="tl" rotWithShape="0">
+                <a:prstClr val="black">
+                  <a:alpha val="40000"/>
+                </a:prstClr>
+              </a:outerShdw>
+            </a:effectLst>
+          </p:spPr>
+          <p:style>
+            <a:lnRef idx="2">
+              <a:schemeClr val="accent1">
+                <a:shade val="50000"/>
+              </a:schemeClr>
+            </a:lnRef>
+            <a:fillRef idx="1">
+              <a:schemeClr val="accent1"/>
+            </a:fillRef>
+            <a:effectRef idx="0">
+              <a:schemeClr val="accent1"/>
+            </a:effectRef>
+            <a:fontRef idx="minor">
+              <a:schemeClr val="lt1"/>
+            </a:fontRef>
+          </p:style>
+          <p:txBody>
+            <a:bodyPr wrap="none" rtlCol="0" anchor="ctr">
+              <a:noAutofit/>
+            </a:bodyPr>
+            <a:lstStyle/>
+            <a:p>
+              <a:r>
+                <a:rPr kumimoji="1" lang="en-US" altLang="ja-JP" sz="4000" dirty="0">
+                  <a:solidFill>
+                    <a:schemeClr val="tx1"/>
+                  </a:solidFill>
+                  <a:latin typeface="Abadi" panose="020B0604020104020204" pitchFamily="34" charset="0"/>
+                </a:rPr>
+                <a:t>Project</a:t>
+              </a:r>
+              <a:r>
+                <a:rPr lang="en-US" altLang="ja-JP" sz="4000" dirty="0">
+                  <a:solidFill>
+                    <a:schemeClr val="tx1"/>
+                  </a:solidFill>
+                  <a:latin typeface="Abadi" panose="020B0604020104020204" pitchFamily="34" charset="0"/>
+                </a:rPr>
+                <a:t>:</a:t>
+              </a:r>
+            </a:p>
+            <a:p>
+              <a:r>
+                <a:rPr kumimoji="1" lang="en-US" altLang="ja-JP" sz="4000" dirty="0">
+                  <a:solidFill>
+                    <a:schemeClr val="tx1"/>
+                  </a:solidFill>
+                  <a:latin typeface="Abadi" panose="020B0604020104020204" pitchFamily="34" charset="0"/>
+                </a:rPr>
+                <a:t>Defend Country ABC</a:t>
+              </a:r>
+              <a:endParaRPr kumimoji="1" lang="ja-JP" altLang="en-US" sz="4000" dirty="0">
+                <a:solidFill>
+                  <a:schemeClr val="tx1"/>
+                </a:solidFill>
+                <a:latin typeface="Abadi" panose="020B0604020104020204" pitchFamily="34" charset="0"/>
+              </a:endParaRPr>
+            </a:p>
+          </p:txBody>
+        </p:sp>
+        <p:sp>
+          <p:nvSpPr>
+            <p:cNvPr id="7" name="Rectangle 6">
+              <a:extLst>
+                <a:ext uri="{FF2B5EF4-FFF2-40B4-BE49-F238E27FC236}">
+                  <a16:creationId xmlns:a16="http://schemas.microsoft.com/office/drawing/2014/main" id="{C26116B9-10D2-0B22-C30B-DF7604E9938C}"/>
+                </a:ext>
+              </a:extLst>
+            </p:cNvPr>
+            <p:cNvSpPr/>
+            <p:nvPr/>
+          </p:nvSpPr>
+          <p:spPr>
+            <a:xfrm>
+              <a:off x="517790" y="757412"/>
+              <a:ext cx="3135795" cy="707886"/>
+            </a:xfrm>
+            <a:prstGeom prst="rect">
+              <a:avLst/>
+            </a:prstGeom>
+            <a:solidFill>
+              <a:schemeClr val="bg1"/>
+            </a:solidFill>
+            <a:ln w="38100">
+              <a:solidFill>
+                <a:schemeClr val="tx1"/>
+              </a:solidFill>
+            </a:ln>
+            <a:effectLst>
+              <a:outerShdw blurRad="50800" dist="38100" dir="2700000" algn="tl" rotWithShape="0">
+                <a:prstClr val="black">
+                  <a:alpha val="40000"/>
+                </a:prstClr>
+              </a:outerShdw>
+            </a:effectLst>
+          </p:spPr>
+          <p:style>
+            <a:lnRef idx="2">
+              <a:schemeClr val="accent1">
+                <a:shade val="50000"/>
+              </a:schemeClr>
+            </a:lnRef>
+            <a:fillRef idx="1">
+              <a:schemeClr val="accent1"/>
+            </a:fillRef>
+            <a:effectRef idx="0">
+              <a:schemeClr val="accent1"/>
+            </a:effectRef>
+            <a:fontRef idx="minor">
+              <a:schemeClr val="lt1"/>
+            </a:fontRef>
+          </p:style>
+          <p:txBody>
+            <a:bodyPr wrap="none" rtlCol="0" anchor="ctr">
+              <a:noAutofit/>
+            </a:bodyPr>
+            <a:lstStyle/>
+            <a:p>
+              <a:r>
+                <a:rPr kumimoji="1" lang="en-US" altLang="ja-JP" sz="4000" dirty="0">
+                  <a:solidFill>
+                    <a:schemeClr val="tx1"/>
+                  </a:solidFill>
+                  <a:latin typeface="Abadi" panose="020B0604020104020204" pitchFamily="34" charset="0"/>
+                </a:rPr>
+                <a:t>Country ABC</a:t>
+              </a:r>
+              <a:endParaRPr kumimoji="1" lang="ja-JP" altLang="en-US" sz="4000" dirty="0">
+                <a:solidFill>
+                  <a:schemeClr val="tx1"/>
+                </a:solidFill>
+                <a:latin typeface="Abadi" panose="020B0604020104020204" pitchFamily="34" charset="0"/>
+              </a:endParaRPr>
+            </a:p>
+          </p:txBody>
+        </p:sp>
+        <p:sp>
+          <p:nvSpPr>
+            <p:cNvPr id="8" name="Rectangle 7">
+              <a:extLst>
+                <a:ext uri="{FF2B5EF4-FFF2-40B4-BE49-F238E27FC236}">
+                  <a16:creationId xmlns:a16="http://schemas.microsoft.com/office/drawing/2014/main" id="{5EC25DA9-A6B1-C162-F752-C5186A07E2BC}"/>
+                </a:ext>
+              </a:extLst>
+            </p:cNvPr>
+            <p:cNvSpPr/>
+            <p:nvPr/>
+          </p:nvSpPr>
+          <p:spPr>
+            <a:xfrm>
+              <a:off x="8542629" y="757412"/>
+              <a:ext cx="3135795" cy="707886"/>
+            </a:xfrm>
+            <a:prstGeom prst="rect">
+              <a:avLst/>
+            </a:prstGeom>
+            <a:solidFill>
+              <a:schemeClr val="bg1"/>
+            </a:solidFill>
+            <a:ln w="38100">
+              <a:solidFill>
+                <a:schemeClr val="tx1"/>
+              </a:solidFill>
+            </a:ln>
+            <a:effectLst>
+              <a:outerShdw blurRad="50800" dist="38100" dir="2700000" algn="tl" rotWithShape="0">
+                <a:prstClr val="black">
+                  <a:alpha val="40000"/>
+                </a:prstClr>
+              </a:outerShdw>
+            </a:effectLst>
+          </p:spPr>
+          <p:style>
+            <a:lnRef idx="2">
+              <a:schemeClr val="accent1">
+                <a:shade val="50000"/>
+              </a:schemeClr>
+            </a:lnRef>
+            <a:fillRef idx="1">
+              <a:schemeClr val="accent1"/>
+            </a:fillRef>
+            <a:effectRef idx="0">
+              <a:schemeClr val="accent1"/>
+            </a:effectRef>
+            <a:fontRef idx="minor">
+              <a:schemeClr val="lt1"/>
+            </a:fontRef>
+          </p:style>
+          <p:txBody>
+            <a:bodyPr wrap="none" rtlCol="0" anchor="ctr">
+              <a:noAutofit/>
+            </a:bodyPr>
+            <a:lstStyle/>
+            <a:p>
+              <a:r>
+                <a:rPr kumimoji="1" lang="en-US" altLang="ja-JP" sz="4000" dirty="0">
+                  <a:solidFill>
+                    <a:schemeClr val="tx1"/>
+                  </a:solidFill>
+                  <a:latin typeface="Abadi" panose="020B0604020104020204" pitchFamily="34" charset="0"/>
+                </a:rPr>
+                <a:t>Country XYZ</a:t>
+              </a:r>
+              <a:endParaRPr kumimoji="1" lang="ja-JP" altLang="en-US" sz="4000" dirty="0">
+                <a:solidFill>
+                  <a:schemeClr val="tx1"/>
+                </a:solidFill>
+                <a:latin typeface="Abadi" panose="020B0604020104020204" pitchFamily="34" charset="0"/>
+              </a:endParaRPr>
+            </a:p>
+          </p:txBody>
+        </p:sp>
+        <p:sp>
+          <p:nvSpPr>
+            <p:cNvPr id="9" name="Rectangle 8">
+              <a:extLst>
+                <a:ext uri="{FF2B5EF4-FFF2-40B4-BE49-F238E27FC236}">
+                  <a16:creationId xmlns:a16="http://schemas.microsoft.com/office/drawing/2014/main" id="{A6241E52-0430-57CA-26B4-8D608C778A70}"/>
+                </a:ext>
+              </a:extLst>
+            </p:cNvPr>
+            <p:cNvSpPr/>
+            <p:nvPr/>
+          </p:nvSpPr>
+          <p:spPr>
+            <a:xfrm>
+              <a:off x="517790" y="2512432"/>
+              <a:ext cx="5173211" cy="707886"/>
+            </a:xfrm>
+            <a:prstGeom prst="rect">
+              <a:avLst/>
+            </a:prstGeom>
+            <a:solidFill>
+              <a:schemeClr val="bg1"/>
+            </a:solidFill>
+            <a:ln w="38100">
+              <a:solidFill>
+                <a:schemeClr val="tx1"/>
+              </a:solidFill>
+            </a:ln>
+            <a:effectLst>
+              <a:outerShdw blurRad="50800" dist="38100" dir="2700000" algn="tl" rotWithShape="0">
+                <a:prstClr val="black">
+                  <a:alpha val="40000"/>
+                </a:prstClr>
+              </a:outerShdw>
+            </a:effectLst>
+          </p:spPr>
+          <p:style>
+            <a:lnRef idx="2">
+              <a:schemeClr val="accent1">
+                <a:shade val="50000"/>
+              </a:schemeClr>
+            </a:lnRef>
+            <a:fillRef idx="1">
+              <a:schemeClr val="accent1"/>
+            </a:fillRef>
+            <a:effectRef idx="0">
+              <a:schemeClr val="accent1"/>
+            </a:effectRef>
+            <a:fontRef idx="minor">
+              <a:schemeClr val="lt1"/>
+            </a:fontRef>
+          </p:style>
+          <p:txBody>
+            <a:bodyPr wrap="square" rtlCol="0" anchor="ctr">
+              <a:spAutoFit/>
+            </a:bodyPr>
+            <a:lstStyle/>
+            <a:p>
+              <a:r>
+                <a:rPr kumimoji="1" lang="en-US" altLang="ja-JP" sz="4000" dirty="0">
+                  <a:solidFill>
+                    <a:schemeClr val="tx1"/>
+                  </a:solidFill>
+                  <a:latin typeface="Abadi" panose="020B0604020104020204" pitchFamily="34" charset="0"/>
+                </a:rPr>
+                <a:t>NPO/</a:t>
+              </a:r>
+              <a:r>
+                <a:rPr lang="en-US" altLang="ja-JP" sz="4000" dirty="0">
+                  <a:solidFill>
+                    <a:schemeClr val="tx1"/>
+                  </a:solidFill>
+                  <a:latin typeface="Abadi" panose="020B0604020104020204" pitchFamily="34" charset="0"/>
+                </a:rPr>
+                <a:t>NGO/Government</a:t>
+              </a:r>
+            </a:p>
+          </p:txBody>
+        </p:sp>
+        <p:sp>
+          <p:nvSpPr>
+            <p:cNvPr id="10" name="Rectangle 9">
+              <a:extLst>
+                <a:ext uri="{FF2B5EF4-FFF2-40B4-BE49-F238E27FC236}">
+                  <a16:creationId xmlns:a16="http://schemas.microsoft.com/office/drawing/2014/main" id="{BC587A21-D888-9FD5-1CF2-2782C6B52681}"/>
+                </a:ext>
+              </a:extLst>
+            </p:cNvPr>
+            <p:cNvSpPr/>
+            <p:nvPr/>
+          </p:nvSpPr>
+          <p:spPr>
+            <a:xfrm>
+              <a:off x="9465959" y="3707607"/>
+              <a:ext cx="2212465" cy="707886"/>
+            </a:xfrm>
+            <a:prstGeom prst="rect">
+              <a:avLst/>
+            </a:prstGeom>
+            <a:solidFill>
+              <a:schemeClr val="bg1"/>
+            </a:solidFill>
+            <a:ln w="38100">
+              <a:solidFill>
+                <a:schemeClr val="tx1"/>
+              </a:solidFill>
+            </a:ln>
+            <a:effectLst>
+              <a:outerShdw blurRad="50800" dist="38100" dir="2700000" algn="tl" rotWithShape="0">
+                <a:prstClr val="black">
+                  <a:alpha val="40000"/>
+                </a:prstClr>
+              </a:outerShdw>
+            </a:effectLst>
+          </p:spPr>
+          <p:style>
+            <a:lnRef idx="2">
+              <a:schemeClr val="accent1">
+                <a:shade val="50000"/>
+              </a:schemeClr>
+            </a:lnRef>
+            <a:fillRef idx="1">
+              <a:schemeClr val="accent1"/>
+            </a:fillRef>
+            <a:effectRef idx="0">
+              <a:schemeClr val="accent1"/>
+            </a:effectRef>
+            <a:fontRef idx="minor">
+              <a:schemeClr val="lt1"/>
+            </a:fontRef>
+          </p:style>
+          <p:txBody>
+            <a:bodyPr wrap="none" rtlCol="0" anchor="ctr">
+              <a:noAutofit/>
+            </a:bodyPr>
+            <a:lstStyle/>
+            <a:p>
+              <a:r>
+                <a:rPr kumimoji="1" lang="en-US" altLang="ja-JP" sz="4000" dirty="0">
+                  <a:solidFill>
+                    <a:schemeClr val="tx1"/>
+                  </a:solidFill>
+                  <a:latin typeface="Abadi" panose="020B0604020104020204" pitchFamily="34" charset="0"/>
+                </a:rPr>
+                <a:t>Backer 1</a:t>
+              </a:r>
+              <a:endParaRPr kumimoji="1" lang="ja-JP" altLang="en-US" sz="4000" dirty="0">
+                <a:solidFill>
+                  <a:schemeClr val="tx1"/>
+                </a:solidFill>
+                <a:latin typeface="Abadi" panose="020B0604020104020204" pitchFamily="34" charset="0"/>
+              </a:endParaRPr>
+            </a:p>
+          </p:txBody>
+        </p:sp>
+        <p:sp>
+          <p:nvSpPr>
+            <p:cNvPr id="11" name="Rectangle 10">
+              <a:extLst>
+                <a:ext uri="{FF2B5EF4-FFF2-40B4-BE49-F238E27FC236}">
+                  <a16:creationId xmlns:a16="http://schemas.microsoft.com/office/drawing/2014/main" id="{9A0EF367-9F94-EB21-940F-301FF4FDAE7F}"/>
+                </a:ext>
+              </a:extLst>
+            </p:cNvPr>
+            <p:cNvSpPr/>
+            <p:nvPr/>
+          </p:nvSpPr>
+          <p:spPr>
+            <a:xfrm>
+              <a:off x="9465959" y="4599183"/>
+              <a:ext cx="2212465" cy="707886"/>
+            </a:xfrm>
+            <a:prstGeom prst="rect">
+              <a:avLst/>
+            </a:prstGeom>
+            <a:solidFill>
+              <a:schemeClr val="bg1"/>
+            </a:solidFill>
+            <a:ln w="38100">
+              <a:solidFill>
+                <a:schemeClr val="tx1"/>
+              </a:solidFill>
+            </a:ln>
+            <a:effectLst>
+              <a:outerShdw blurRad="50800" dist="38100" dir="2700000" algn="tl" rotWithShape="0">
+                <a:prstClr val="black">
+                  <a:alpha val="40000"/>
+                </a:prstClr>
+              </a:outerShdw>
+            </a:effectLst>
+          </p:spPr>
+          <p:style>
+            <a:lnRef idx="2">
+              <a:schemeClr val="accent1">
+                <a:shade val="50000"/>
+              </a:schemeClr>
+            </a:lnRef>
+            <a:fillRef idx="1">
+              <a:schemeClr val="accent1"/>
+            </a:fillRef>
+            <a:effectRef idx="0">
+              <a:schemeClr val="accent1"/>
+            </a:effectRef>
+            <a:fontRef idx="minor">
+              <a:schemeClr val="lt1"/>
+            </a:fontRef>
+          </p:style>
+          <p:txBody>
+            <a:bodyPr wrap="none" rtlCol="0" anchor="ctr">
+              <a:noAutofit/>
+            </a:bodyPr>
+            <a:lstStyle/>
+            <a:p>
+              <a:r>
+                <a:rPr kumimoji="1" lang="en-US" altLang="ja-JP" sz="4000" dirty="0">
+                  <a:solidFill>
+                    <a:schemeClr val="tx1"/>
+                  </a:solidFill>
+                  <a:latin typeface="Abadi" panose="020B0604020104020204" pitchFamily="34" charset="0"/>
+                </a:rPr>
+                <a:t>Backer 2</a:t>
+              </a:r>
+              <a:endParaRPr kumimoji="1" lang="ja-JP" altLang="en-US" sz="4000" dirty="0">
+                <a:solidFill>
+                  <a:schemeClr val="tx1"/>
+                </a:solidFill>
+                <a:latin typeface="Abadi" panose="020B0604020104020204" pitchFamily="34" charset="0"/>
+              </a:endParaRPr>
+            </a:p>
+          </p:txBody>
+        </p:sp>
+        <p:sp>
+          <p:nvSpPr>
+            <p:cNvPr id="12" name="Rectangle 11">
+              <a:extLst>
+                <a:ext uri="{FF2B5EF4-FFF2-40B4-BE49-F238E27FC236}">
+                  <a16:creationId xmlns:a16="http://schemas.microsoft.com/office/drawing/2014/main" id="{DC7E2B36-8E3B-5B80-73CF-8C305E830563}"/>
+                </a:ext>
+              </a:extLst>
+            </p:cNvPr>
+            <p:cNvSpPr/>
+            <p:nvPr/>
+          </p:nvSpPr>
+          <p:spPr>
+            <a:xfrm>
+              <a:off x="9465959" y="5490758"/>
+              <a:ext cx="2212465" cy="707886"/>
+            </a:xfrm>
+            <a:prstGeom prst="rect">
+              <a:avLst/>
+            </a:prstGeom>
+            <a:solidFill>
+              <a:schemeClr val="bg1"/>
+            </a:solidFill>
+            <a:ln w="38100">
+              <a:solidFill>
+                <a:schemeClr val="tx1"/>
+              </a:solidFill>
+            </a:ln>
+            <a:effectLst>
+              <a:outerShdw blurRad="50800" dist="38100" dir="2700000" algn="tl" rotWithShape="0">
+                <a:prstClr val="black">
+                  <a:alpha val="40000"/>
+                </a:prstClr>
+              </a:outerShdw>
+            </a:effectLst>
+          </p:spPr>
+          <p:style>
+            <a:lnRef idx="2">
+              <a:schemeClr val="accent1">
+                <a:shade val="50000"/>
+              </a:schemeClr>
+            </a:lnRef>
+            <a:fillRef idx="1">
+              <a:schemeClr val="accent1"/>
+            </a:fillRef>
+            <a:effectRef idx="0">
+              <a:schemeClr val="accent1"/>
+            </a:effectRef>
+            <a:fontRef idx="minor">
+              <a:schemeClr val="lt1"/>
+            </a:fontRef>
+          </p:style>
+          <p:txBody>
+            <a:bodyPr wrap="none" rtlCol="0" anchor="ctr">
+              <a:noAutofit/>
+            </a:bodyPr>
+            <a:lstStyle/>
+            <a:p>
+              <a:r>
+                <a:rPr kumimoji="1" lang="en-US" altLang="ja-JP" sz="4000" dirty="0">
+                  <a:solidFill>
+                    <a:schemeClr val="tx1"/>
+                  </a:solidFill>
+                  <a:latin typeface="Abadi" panose="020B0604020104020204" pitchFamily="34" charset="0"/>
+                </a:rPr>
+                <a:t>Backer 3</a:t>
+              </a:r>
+              <a:endParaRPr kumimoji="1" lang="ja-JP" altLang="en-US" sz="4000" dirty="0">
+                <a:solidFill>
+                  <a:schemeClr val="tx1"/>
+                </a:solidFill>
+                <a:latin typeface="Abadi" panose="020B0604020104020204" pitchFamily="34" charset="0"/>
+              </a:endParaRPr>
+            </a:p>
+          </p:txBody>
+        </p:sp>
+        <p:cxnSp>
+          <p:nvCxnSpPr>
+            <p:cNvPr id="48" name="Straight Arrow Connector 47">
+              <a:extLst>
+                <a:ext uri="{FF2B5EF4-FFF2-40B4-BE49-F238E27FC236}">
+                  <a16:creationId xmlns:a16="http://schemas.microsoft.com/office/drawing/2014/main" id="{27DC37A0-E3BE-3C01-6480-9601754209FC}"/>
+                </a:ext>
+              </a:extLst>
+            </p:cNvPr>
+            <p:cNvCxnSpPr>
+              <a:cxnSpLocks/>
+            </p:cNvCxnSpPr>
+            <p:nvPr/>
+          </p:nvCxnSpPr>
+          <p:spPr>
+            <a:xfrm flipV="1">
+              <a:off x="3104396" y="3220318"/>
+              <a:ext cx="0" cy="1032010"/>
+            </a:xfrm>
+            <a:prstGeom prst="straightConnector1">
+              <a:avLst/>
+            </a:prstGeom>
+            <a:ln w="38100">
+              <a:solidFill>
+                <a:schemeClr val="tx1"/>
+              </a:solidFill>
+              <a:tailEnd type="arrow"/>
+            </a:ln>
+            <a:effectLst>
+              <a:outerShdw blurRad="50800" dist="38100" dir="2700000" algn="tl" rotWithShape="0">
+                <a:prstClr val="black">
+                  <a:alpha val="40000"/>
+                </a:prstClr>
+              </a:outerShdw>
+            </a:effectLst>
+          </p:spPr>
+          <p:style>
+            <a:lnRef idx="1">
+              <a:schemeClr val="accent1"/>
+            </a:lnRef>
+            <a:fillRef idx="0">
+              <a:schemeClr val="accent1"/>
+            </a:fillRef>
+            <a:effectRef idx="0">
+              <a:schemeClr val="accent1"/>
+            </a:effectRef>
+            <a:fontRef idx="minor">
+              <a:schemeClr val="tx1"/>
+            </a:fontRef>
+          </p:style>
+        </p:cxnSp>
+        <p:cxnSp>
+          <p:nvCxnSpPr>
+            <p:cNvPr id="67" name="Straight Arrow Connector 66">
+              <a:extLst>
+                <a:ext uri="{FF2B5EF4-FFF2-40B4-BE49-F238E27FC236}">
+                  <a16:creationId xmlns:a16="http://schemas.microsoft.com/office/drawing/2014/main" id="{BEF61221-B548-5507-E1CD-405194AF51BC}"/>
+                </a:ext>
+              </a:extLst>
+            </p:cNvPr>
+            <p:cNvCxnSpPr>
+              <a:cxnSpLocks/>
+              <a:stCxn id="8" idx="1"/>
+            </p:cNvCxnSpPr>
+            <p:nvPr/>
+          </p:nvCxnSpPr>
+          <p:spPr>
+            <a:xfrm flipH="1">
+              <a:off x="3653585" y="1111355"/>
+              <a:ext cx="4889044" cy="0"/>
+            </a:xfrm>
+            <a:prstGeom prst="straightConnector1">
+              <a:avLst/>
+            </a:prstGeom>
+            <a:ln w="38100">
+              <a:solidFill>
+                <a:schemeClr val="tx1"/>
+              </a:solidFill>
+              <a:tailEnd type="arrow"/>
+            </a:ln>
+            <a:effectLst>
+              <a:outerShdw blurRad="50800" dist="38100" dir="2700000" algn="tl" rotWithShape="0">
+                <a:prstClr val="black">
+                  <a:alpha val="40000"/>
+                </a:prstClr>
+              </a:outerShdw>
+            </a:effectLst>
+          </p:spPr>
+          <p:style>
+            <a:lnRef idx="1">
+              <a:schemeClr val="accent1"/>
+            </a:lnRef>
+            <a:fillRef idx="0">
+              <a:schemeClr val="accent1"/>
+            </a:fillRef>
+            <a:effectRef idx="0">
+              <a:schemeClr val="accent1"/>
+            </a:effectRef>
+            <a:fontRef idx="minor">
+              <a:schemeClr val="tx1"/>
+            </a:fontRef>
+          </p:style>
+        </p:cxnSp>
+        <p:sp>
+          <p:nvSpPr>
+            <p:cNvPr id="3" name="TextBox 2">
+              <a:extLst>
+                <a:ext uri="{FF2B5EF4-FFF2-40B4-BE49-F238E27FC236}">
+                  <a16:creationId xmlns:a16="http://schemas.microsoft.com/office/drawing/2014/main" id="{9DF35020-EFFE-BA04-2326-C8A6EBB10CA9}"/>
+                </a:ext>
+              </a:extLst>
+            </p:cNvPr>
+            <p:cNvSpPr txBox="1"/>
+            <p:nvPr/>
+          </p:nvSpPr>
+          <p:spPr>
+            <a:xfrm>
+              <a:off x="6613792" y="2217874"/>
+              <a:ext cx="5578208" cy="1569660"/>
+            </a:xfrm>
+            <a:prstGeom prst="rect">
+              <a:avLst/>
+            </a:prstGeom>
+            <a:noFill/>
+          </p:spPr>
+          <p:txBody>
+            <a:bodyPr wrap="square">
+              <a:spAutoFit/>
+            </a:bodyPr>
+            <a:lstStyle/>
+            <a:p>
+              <a:r>
+                <a:rPr lang="en-US" altLang="ja-JP" sz="2400" dirty="0">
+                  <a:solidFill>
+                    <a:schemeClr val="tx1"/>
+                  </a:solidFill>
+                  <a:latin typeface="Abadi" panose="020B0604020104020204" pitchFamily="34" charset="0"/>
+                </a:rPr>
+                <a:t>If the pooled amount is visible to Country XYZ and enough huge, it can be expected to suppress the incident happen.</a:t>
+              </a:r>
+              <a:endParaRPr lang="ja-JP" altLang="en-US" sz="2400" dirty="0">
+                <a:latin typeface="Abadi" panose="020B0604020104020204" pitchFamily="34" charset="0"/>
+              </a:endParaRPr>
+            </a:p>
+          </p:txBody>
+        </p:sp>
+        <p:sp>
+          <p:nvSpPr>
+            <p:cNvPr id="32" name="Rectangle 31">
+              <a:extLst>
+                <a:ext uri="{FF2B5EF4-FFF2-40B4-BE49-F238E27FC236}">
+                  <a16:creationId xmlns:a16="http://schemas.microsoft.com/office/drawing/2014/main" id="{6A567D29-2A16-EC9B-136F-B9869FFE2027}"/>
+                </a:ext>
+              </a:extLst>
+            </p:cNvPr>
+            <p:cNvSpPr/>
+            <p:nvPr/>
+          </p:nvSpPr>
+          <p:spPr>
+            <a:xfrm>
+              <a:off x="4695826" y="3829979"/>
+              <a:ext cx="731044" cy="711938"/>
+            </a:xfrm>
+            <a:prstGeom prst="rect">
+              <a:avLst/>
+            </a:prstGeom>
+            <a:solidFill>
+              <a:schemeClr val="bg1"/>
+            </a:solidFill>
+            <a:ln>
+              <a:noFill/>
+            </a:ln>
+          </p:spPr>
+          <p:style>
+            <a:lnRef idx="2">
+              <a:schemeClr val="accent1">
+                <a:shade val="50000"/>
+              </a:schemeClr>
+            </a:lnRef>
+            <a:fillRef idx="1">
+              <a:schemeClr val="accent1"/>
+            </a:fillRef>
+            <a:effectRef idx="0">
+              <a:schemeClr val="accent1"/>
+            </a:effectRef>
+            <a:fontRef idx="minor">
+              <a:schemeClr val="lt1"/>
+            </a:fontRef>
+          </p:style>
+          <p:txBody>
+            <a:bodyPr rtlCol="0" anchor="ctr"/>
+            <a:lstStyle/>
+            <a:p>
+              <a:pPr algn="ctr"/>
+              <a:endParaRPr kumimoji="1" lang="ja-JP" altLang="en-US"/>
+            </a:p>
+          </p:txBody>
+        </p:sp>
+        <p:pic>
+          <p:nvPicPr>
+            <p:cNvPr id="29" name="Picture 28">
+              <a:extLst>
+                <a:ext uri="{FF2B5EF4-FFF2-40B4-BE49-F238E27FC236}">
+                  <a16:creationId xmlns:a16="http://schemas.microsoft.com/office/drawing/2014/main" id="{0BDC6565-6B96-FADE-E0ED-EB2387CB25B4}"/>
+                </a:ext>
+              </a:extLst>
+            </p:cNvPr>
+            <p:cNvPicPr>
+              <a:picLocks noChangeAspect="1"/>
+            </p:cNvPicPr>
+            <p:nvPr/>
+          </p:nvPicPr>
+          <p:blipFill>
+            <a:blip r:embed="rId2"/>
+            <a:stretch>
+              <a:fillRect/>
+            </a:stretch>
+          </p:blipFill>
+          <p:spPr>
+            <a:xfrm>
+              <a:off x="4624302" y="3787534"/>
+              <a:ext cx="876422" cy="876422"/>
+            </a:xfrm>
+            <a:prstGeom prst="rect">
+              <a:avLst/>
+            </a:prstGeom>
+            <a:noFill/>
+            <a:effectLst>
+              <a:outerShdw blurRad="50800" dist="38100" dir="2700000" algn="tl" rotWithShape="0">
+                <a:prstClr val="black">
+                  <a:alpha val="40000"/>
+                </a:prstClr>
+              </a:outerShdw>
+            </a:effectLst>
+          </p:spPr>
+        </p:pic>
+        <p:pic>
+          <p:nvPicPr>
+            <p:cNvPr id="31" name="Picture 30">
+              <a:extLst>
+                <a:ext uri="{FF2B5EF4-FFF2-40B4-BE49-F238E27FC236}">
+                  <a16:creationId xmlns:a16="http://schemas.microsoft.com/office/drawing/2014/main" id="{85276DD5-FDD8-5611-9287-5E077140874D}"/>
+                </a:ext>
+              </a:extLst>
+            </p:cNvPr>
+            <p:cNvPicPr>
+              <a:picLocks noChangeAspect="1"/>
+            </p:cNvPicPr>
+            <p:nvPr/>
+          </p:nvPicPr>
+          <p:blipFill>
+            <a:blip r:embed="rId3"/>
+            <a:stretch>
+              <a:fillRect/>
+            </a:stretch>
+          </p:blipFill>
+          <p:spPr>
+            <a:xfrm>
+              <a:off x="4420203" y="3909684"/>
+              <a:ext cx="543001" cy="552527"/>
+            </a:xfrm>
+            <a:prstGeom prst="rect">
+              <a:avLst/>
+            </a:prstGeom>
+            <a:solidFill>
+              <a:schemeClr val="bg1"/>
+            </a:solidFill>
+            <a:effectLst>
+              <a:outerShdw blurRad="50800" dist="38100" dir="2700000" algn="tl" rotWithShape="0">
+                <a:prstClr val="black">
+                  <a:alpha val="40000"/>
+                </a:prstClr>
+              </a:outerShdw>
+            </a:effectLst>
+          </p:spPr>
+        </p:pic>
+        <p:cxnSp>
+          <p:nvCxnSpPr>
+            <p:cNvPr id="35" name="Connector: Curved 34">
+              <a:extLst>
+                <a:ext uri="{FF2B5EF4-FFF2-40B4-BE49-F238E27FC236}">
+                  <a16:creationId xmlns:a16="http://schemas.microsoft.com/office/drawing/2014/main" id="{CEC5993C-60BC-BCB8-D3D7-81561B53E20E}"/>
+                </a:ext>
+              </a:extLst>
+            </p:cNvPr>
+            <p:cNvCxnSpPr>
+              <a:cxnSpLocks/>
+              <a:stCxn id="56" idx="3"/>
+              <a:endCxn id="58" idx="3"/>
+            </p:cNvCxnSpPr>
+            <p:nvPr/>
+          </p:nvCxnSpPr>
+          <p:spPr>
+            <a:xfrm flipV="1">
+              <a:off x="5228052" y="2123514"/>
+              <a:ext cx="198818" cy="1926403"/>
+            </a:xfrm>
+            <a:prstGeom prst="curvedConnector3">
+              <a:avLst>
+                <a:gd name="adj1" fmla="val 638397"/>
+              </a:avLst>
+            </a:prstGeom>
+            <a:ln w="38100">
+              <a:solidFill>
+                <a:srgbClr val="FF0000"/>
+              </a:solidFill>
+              <a:tailEnd type="arrow"/>
+            </a:ln>
+            <a:effectLst>
+              <a:outerShdw blurRad="50800" dist="38100" dir="2700000" algn="tl" rotWithShape="0">
+                <a:prstClr val="black">
+                  <a:alpha val="40000"/>
+                </a:prstClr>
+              </a:outerShdw>
+            </a:effectLst>
+          </p:spPr>
+          <p:style>
+            <a:lnRef idx="1">
+              <a:schemeClr val="accent1"/>
+            </a:lnRef>
+            <a:fillRef idx="0">
+              <a:schemeClr val="accent1"/>
+            </a:fillRef>
+            <a:effectRef idx="0">
+              <a:schemeClr val="accent1"/>
+            </a:effectRef>
+            <a:fontRef idx="minor">
+              <a:schemeClr val="tx1"/>
+            </a:fontRef>
+          </p:style>
+        </p:cxnSp>
+        <p:cxnSp>
+          <p:nvCxnSpPr>
+            <p:cNvPr id="53" name="Straight Arrow Connector 52">
+              <a:extLst>
+                <a:ext uri="{FF2B5EF4-FFF2-40B4-BE49-F238E27FC236}">
+                  <a16:creationId xmlns:a16="http://schemas.microsoft.com/office/drawing/2014/main" id="{D9571D26-FFE9-D95F-4047-AF0AC54E28A5}"/>
+                </a:ext>
+              </a:extLst>
+            </p:cNvPr>
+            <p:cNvCxnSpPr>
+              <a:cxnSpLocks/>
+            </p:cNvCxnSpPr>
+            <p:nvPr/>
+          </p:nvCxnSpPr>
+          <p:spPr>
+            <a:xfrm flipV="1">
+              <a:off x="3104396" y="1480422"/>
+              <a:ext cx="0" cy="1032010"/>
+            </a:xfrm>
+            <a:prstGeom prst="straightConnector1">
+              <a:avLst/>
+            </a:prstGeom>
+            <a:ln w="38100">
+              <a:solidFill>
+                <a:schemeClr val="tx1"/>
+              </a:solidFill>
+              <a:tailEnd type="arrow"/>
+            </a:ln>
+            <a:effectLst>
+              <a:outerShdw blurRad="50800" dist="38100" dir="2700000" algn="tl" rotWithShape="0">
+                <a:prstClr val="black">
+                  <a:alpha val="40000"/>
+                </a:prstClr>
+              </a:outerShdw>
+            </a:effectLst>
+          </p:spPr>
+          <p:style>
+            <a:lnRef idx="1">
+              <a:schemeClr val="accent1"/>
+            </a:lnRef>
+            <a:fillRef idx="0">
+              <a:schemeClr val="accent1"/>
+            </a:fillRef>
+            <a:effectRef idx="0">
+              <a:schemeClr val="accent1"/>
+            </a:effectRef>
+            <a:fontRef idx="minor">
+              <a:schemeClr val="tx1"/>
+            </a:fontRef>
+          </p:style>
+        </p:cxnSp>
+        <p:sp>
+          <p:nvSpPr>
+            <p:cNvPr id="55" name="TextBox 54">
+              <a:extLst>
+                <a:ext uri="{FF2B5EF4-FFF2-40B4-BE49-F238E27FC236}">
+                  <a16:creationId xmlns:a16="http://schemas.microsoft.com/office/drawing/2014/main" id="{A44CE296-8ED7-E940-26E3-75A94EBD4E75}"/>
+                </a:ext>
+              </a:extLst>
+            </p:cNvPr>
+            <p:cNvSpPr txBox="1"/>
+            <p:nvPr/>
+          </p:nvSpPr>
+          <p:spPr>
+            <a:xfrm>
+              <a:off x="6096000" y="1594394"/>
+              <a:ext cx="5460079" cy="461665"/>
+            </a:xfrm>
+            <a:prstGeom prst="rect">
+              <a:avLst/>
+            </a:prstGeom>
+            <a:noFill/>
+          </p:spPr>
+          <p:txBody>
+            <a:bodyPr wrap="square">
+              <a:spAutoFit/>
+            </a:bodyPr>
+            <a:lstStyle/>
+            <a:p>
+              <a:r>
+                <a:rPr lang="en-US" altLang="ja-JP" sz="2400" dirty="0">
+                  <a:solidFill>
+                    <a:schemeClr val="tx1"/>
+                  </a:solidFill>
+                  <a:latin typeface="Abadi" panose="020B0604020104020204" pitchFamily="34" charset="0"/>
+                </a:rPr>
+                <a:t>Once “incident” actually happen</a:t>
+              </a:r>
+              <a:endParaRPr lang="ja-JP" altLang="en-US" sz="2400" dirty="0">
+                <a:latin typeface="Abadi" panose="020B0604020104020204" pitchFamily="34" charset="0"/>
+              </a:endParaRPr>
+            </a:p>
+          </p:txBody>
+        </p:sp>
+        <p:sp>
+          <p:nvSpPr>
+            <p:cNvPr id="56" name="Rectangle 55">
+              <a:extLst>
+                <a:ext uri="{FF2B5EF4-FFF2-40B4-BE49-F238E27FC236}">
+                  <a16:creationId xmlns:a16="http://schemas.microsoft.com/office/drawing/2014/main" id="{A896BD46-C81F-FE98-3B4A-056985624FFF}"/>
+                </a:ext>
+              </a:extLst>
+            </p:cNvPr>
+            <p:cNvSpPr/>
+            <p:nvPr/>
+          </p:nvSpPr>
+          <p:spPr>
+            <a:xfrm>
+              <a:off x="4963204" y="3917493"/>
+              <a:ext cx="264848" cy="264848"/>
+            </a:xfrm>
+            <a:prstGeom prst="rect">
+              <a:avLst/>
+            </a:prstGeom>
+            <a:noFill/>
+            <a:ln>
+              <a:noFill/>
+            </a:ln>
+          </p:spPr>
+          <p:style>
+            <a:lnRef idx="2">
+              <a:schemeClr val="accent1">
+                <a:shade val="50000"/>
+              </a:schemeClr>
+            </a:lnRef>
+            <a:fillRef idx="1">
+              <a:schemeClr val="accent1"/>
+            </a:fillRef>
+            <a:effectRef idx="0">
+              <a:schemeClr val="accent1"/>
+            </a:effectRef>
+            <a:fontRef idx="minor">
+              <a:schemeClr val="lt1"/>
+            </a:fontRef>
+          </p:style>
+          <p:txBody>
+            <a:bodyPr rtlCol="0" anchor="ctr"/>
+            <a:lstStyle/>
+            <a:p>
+              <a:pPr algn="ctr"/>
+              <a:endParaRPr kumimoji="1" lang="ja-JP" altLang="en-US"/>
+            </a:p>
+          </p:txBody>
+        </p:sp>
+        <p:sp>
+          <p:nvSpPr>
+            <p:cNvPr id="58" name="Rectangle 57">
+              <a:extLst>
+                <a:ext uri="{FF2B5EF4-FFF2-40B4-BE49-F238E27FC236}">
+                  <a16:creationId xmlns:a16="http://schemas.microsoft.com/office/drawing/2014/main" id="{9DFAD12F-8FAF-CB11-8015-0C79462D536E}"/>
+                </a:ext>
+              </a:extLst>
+            </p:cNvPr>
+            <p:cNvSpPr/>
+            <p:nvPr/>
+          </p:nvSpPr>
+          <p:spPr>
+            <a:xfrm>
+              <a:off x="5162022" y="1991090"/>
+              <a:ext cx="264848" cy="264848"/>
+            </a:xfrm>
+            <a:prstGeom prst="rect">
+              <a:avLst/>
+            </a:prstGeom>
+            <a:noFill/>
+            <a:ln>
+              <a:noFill/>
+            </a:ln>
+          </p:spPr>
+          <p:style>
+            <a:lnRef idx="2">
+              <a:schemeClr val="accent1">
+                <a:shade val="50000"/>
+              </a:schemeClr>
+            </a:lnRef>
+            <a:fillRef idx="1">
+              <a:schemeClr val="accent1"/>
+            </a:fillRef>
+            <a:effectRef idx="0">
+              <a:schemeClr val="accent1"/>
+            </a:effectRef>
+            <a:fontRef idx="minor">
+              <a:schemeClr val="lt1"/>
+            </a:fontRef>
+          </p:style>
+          <p:txBody>
+            <a:bodyPr rtlCol="0" anchor="ctr"/>
+            <a:lstStyle/>
+            <a:p>
+              <a:pPr algn="ctr"/>
+              <a:endParaRPr kumimoji="1" lang="ja-JP" altLang="en-US"/>
+            </a:p>
+          </p:txBody>
+        </p:sp>
+        <p:sp>
+          <p:nvSpPr>
+            <p:cNvPr id="63" name="TextBox 62">
+              <a:extLst>
+                <a:ext uri="{FF2B5EF4-FFF2-40B4-BE49-F238E27FC236}">
+                  <a16:creationId xmlns:a16="http://schemas.microsoft.com/office/drawing/2014/main" id="{0C206F3F-EBDE-6C0A-9D18-B6FFBAA1D5CF}"/>
+                </a:ext>
+              </a:extLst>
+            </p:cNvPr>
+            <p:cNvSpPr txBox="1"/>
+            <p:nvPr/>
+          </p:nvSpPr>
+          <p:spPr>
+            <a:xfrm>
+              <a:off x="517790" y="5642441"/>
+              <a:ext cx="7885146" cy="830997"/>
+            </a:xfrm>
+            <a:prstGeom prst="rect">
+              <a:avLst/>
+            </a:prstGeom>
+            <a:noFill/>
+          </p:spPr>
+          <p:txBody>
+            <a:bodyPr wrap="square">
+              <a:spAutoFit/>
+            </a:bodyPr>
+            <a:lstStyle/>
+            <a:p>
+              <a:r>
+                <a:rPr lang="en-US" altLang="ja-JP" sz="2400" dirty="0">
+                  <a:latin typeface="Abadi" panose="020B0604020104020204" pitchFamily="34" charset="0"/>
+                </a:rPr>
+                <a:t>As like the opened vault, </a:t>
+              </a:r>
+              <a:r>
+                <a:rPr lang="en-US" altLang="ja-JP" sz="2400" dirty="0">
+                  <a:solidFill>
+                    <a:schemeClr val="tx1"/>
+                  </a:solidFill>
+                  <a:latin typeface="Abadi" panose="020B0604020104020204" pitchFamily="34" charset="0"/>
+                </a:rPr>
+                <a:t>the NPO/NGO/Government can withdraw the pooled Solana to support the Country ABC</a:t>
+              </a:r>
+            </a:p>
+          </p:txBody>
+        </p:sp>
+        <p:sp>
+          <p:nvSpPr>
+            <p:cNvPr id="69" name="Rectangle 68">
+              <a:extLst>
+                <a:ext uri="{FF2B5EF4-FFF2-40B4-BE49-F238E27FC236}">
+                  <a16:creationId xmlns:a16="http://schemas.microsoft.com/office/drawing/2014/main" id="{4B0597A4-9B31-04E7-AEF1-6C78F5060446}"/>
+                </a:ext>
+              </a:extLst>
+            </p:cNvPr>
+            <p:cNvSpPr/>
+            <p:nvPr/>
+          </p:nvSpPr>
+          <p:spPr>
+            <a:xfrm>
+              <a:off x="5847736" y="757412"/>
+              <a:ext cx="631625" cy="615117"/>
+            </a:xfrm>
+            <a:prstGeom prst="rect">
+              <a:avLst/>
+            </a:prstGeom>
+            <a:solidFill>
+              <a:schemeClr val="bg1"/>
+            </a:solidFill>
+            <a:ln>
+              <a:noFill/>
+            </a:ln>
+          </p:spPr>
+          <p:style>
+            <a:lnRef idx="2">
+              <a:schemeClr val="accent1">
+                <a:shade val="50000"/>
+              </a:schemeClr>
+            </a:lnRef>
+            <a:fillRef idx="1">
+              <a:schemeClr val="accent1"/>
+            </a:fillRef>
+            <a:effectRef idx="0">
+              <a:schemeClr val="accent1"/>
+            </a:effectRef>
+            <a:fontRef idx="minor">
+              <a:schemeClr val="lt1"/>
+            </a:fontRef>
+          </p:style>
+          <p:txBody>
+            <a:bodyPr rtlCol="0" anchor="ctr"/>
+            <a:lstStyle/>
+            <a:p>
+              <a:pPr algn="ctr"/>
+              <a:endParaRPr kumimoji="1" lang="ja-JP" altLang="en-US"/>
+            </a:p>
+          </p:txBody>
+        </p:sp>
+        <p:pic>
+          <p:nvPicPr>
+            <p:cNvPr id="2" name="Graphic 1" descr="Badge Heart with solid fill">
+              <a:extLst>
+                <a:ext uri="{FF2B5EF4-FFF2-40B4-BE49-F238E27FC236}">
+                  <a16:creationId xmlns:a16="http://schemas.microsoft.com/office/drawing/2014/main" id="{7F452974-C9B6-5E24-6665-BA9A66743CEC}"/>
+                </a:ext>
+              </a:extLst>
+            </p:cNvPr>
+            <p:cNvPicPr>
+              <a:picLocks noChangeAspect="1"/>
+            </p:cNvPicPr>
+            <p:nvPr/>
+          </p:nvPicPr>
+          <p:blipFill>
+            <a:blip r:embed="rId4">
+              <a:extLst>
+                <a:ext uri="{28A0092B-C50C-407E-A947-70E740481C1C}">
+                  <a14:useLocalDpi xmlns:a14="http://schemas.microsoft.com/office/drawing/2010/main" val="0"/>
+                </a:ext>
+                <a:ext uri="{96DAC541-7B7A-43D3-8B79-37D633B846F1}">
+                  <asvg:svgBlip xmlns:asvg="http://schemas.microsoft.com/office/drawing/2016/SVG/main" r:embed="rId5"/>
+                </a:ext>
+              </a:extLst>
+            </a:blip>
+            <a:stretch>
+              <a:fillRect/>
+            </a:stretch>
+          </p:blipFill>
+          <p:spPr>
+            <a:xfrm>
+              <a:off x="5447896" y="374214"/>
+              <a:ext cx="1327970" cy="1327970"/>
+            </a:xfrm>
+            <a:prstGeom prst="rect">
+              <a:avLst/>
+            </a:prstGeom>
+            <a:effectLst>
+              <a:outerShdw blurRad="50800" dist="38100" dir="2700000" algn="tl" rotWithShape="0">
+                <a:prstClr val="black">
+                  <a:alpha val="40000"/>
+                </a:prstClr>
+              </a:outerShdw>
+            </a:effectLst>
+          </p:spPr>
+        </p:pic>
+        <p:cxnSp>
+          <p:nvCxnSpPr>
+            <p:cNvPr id="16" name="Straight Arrow Connector 15">
+              <a:extLst>
+                <a:ext uri="{FF2B5EF4-FFF2-40B4-BE49-F238E27FC236}">
+                  <a16:creationId xmlns:a16="http://schemas.microsoft.com/office/drawing/2014/main" id="{E52DD156-BAD2-1A67-6955-65A27679FD75}"/>
+                </a:ext>
+              </a:extLst>
+            </p:cNvPr>
+            <p:cNvCxnSpPr>
+              <a:cxnSpLocks/>
+            </p:cNvCxnSpPr>
+            <p:nvPr/>
+          </p:nvCxnSpPr>
+          <p:spPr>
+            <a:xfrm flipH="1">
+              <a:off x="5514011" y="4049917"/>
+              <a:ext cx="3951948" cy="0"/>
+            </a:xfrm>
+            <a:prstGeom prst="straightConnector1">
+              <a:avLst/>
+            </a:prstGeom>
+            <a:ln w="38100">
+              <a:solidFill>
+                <a:schemeClr val="tx1"/>
+              </a:solidFill>
+              <a:tailEnd type="arrow"/>
+            </a:ln>
+            <a:effectLst>
+              <a:outerShdw blurRad="50800" dist="38100" dir="2700000" algn="tl" rotWithShape="0">
+                <a:prstClr val="black">
+                  <a:alpha val="40000"/>
+                </a:prstClr>
+              </a:outerShdw>
+            </a:effectLst>
+          </p:spPr>
+          <p:style>
+            <a:lnRef idx="1">
+              <a:schemeClr val="accent1"/>
+            </a:lnRef>
+            <a:fillRef idx="0">
+              <a:schemeClr val="accent1"/>
+            </a:fillRef>
+            <a:effectRef idx="0">
+              <a:schemeClr val="accent1"/>
+            </a:effectRef>
+            <a:fontRef idx="minor">
+              <a:schemeClr val="tx1"/>
+            </a:fontRef>
+          </p:style>
+        </p:cxnSp>
+        <p:cxnSp>
+          <p:nvCxnSpPr>
+            <p:cNvPr id="17" name="Straight Arrow Connector 16">
+              <a:extLst>
+                <a:ext uri="{FF2B5EF4-FFF2-40B4-BE49-F238E27FC236}">
+                  <a16:creationId xmlns:a16="http://schemas.microsoft.com/office/drawing/2014/main" id="{0EADA5C4-BFF1-102B-AD54-07AC14BFDD4C}"/>
+                </a:ext>
+              </a:extLst>
+            </p:cNvPr>
+            <p:cNvCxnSpPr>
+              <a:cxnSpLocks/>
+            </p:cNvCxnSpPr>
+            <p:nvPr/>
+          </p:nvCxnSpPr>
+          <p:spPr>
+            <a:xfrm flipH="1" flipV="1">
+              <a:off x="5514011" y="4240695"/>
+              <a:ext cx="3951948" cy="700798"/>
+            </a:xfrm>
+            <a:prstGeom prst="straightConnector1">
+              <a:avLst/>
+            </a:prstGeom>
+            <a:ln w="38100">
+              <a:solidFill>
+                <a:schemeClr val="tx1"/>
+              </a:solidFill>
+              <a:tailEnd type="arrow"/>
+            </a:ln>
+            <a:effectLst>
+              <a:outerShdw blurRad="50800" dist="38100" dir="2700000" algn="tl" rotWithShape="0">
+                <a:prstClr val="black">
+                  <a:alpha val="40000"/>
+                </a:prstClr>
+              </a:outerShdw>
+            </a:effectLst>
+          </p:spPr>
+          <p:style>
+            <a:lnRef idx="1">
+              <a:schemeClr val="accent1"/>
+            </a:lnRef>
+            <a:fillRef idx="0">
+              <a:schemeClr val="accent1"/>
+            </a:fillRef>
+            <a:effectRef idx="0">
+              <a:schemeClr val="accent1"/>
+            </a:effectRef>
+            <a:fontRef idx="minor">
+              <a:schemeClr val="tx1"/>
+            </a:fontRef>
+          </p:style>
+        </p:cxnSp>
+        <p:cxnSp>
+          <p:nvCxnSpPr>
+            <p:cNvPr id="22" name="Straight Arrow Connector 21">
+              <a:extLst>
+                <a:ext uri="{FF2B5EF4-FFF2-40B4-BE49-F238E27FC236}">
+                  <a16:creationId xmlns:a16="http://schemas.microsoft.com/office/drawing/2014/main" id="{4B008238-9D15-7A9F-31B2-4EB6F6BE14B1}"/>
+                </a:ext>
+              </a:extLst>
+            </p:cNvPr>
+            <p:cNvCxnSpPr>
+              <a:cxnSpLocks/>
+            </p:cNvCxnSpPr>
+            <p:nvPr/>
+          </p:nvCxnSpPr>
+          <p:spPr>
+            <a:xfrm flipH="1" flipV="1">
+              <a:off x="5537200" y="4457700"/>
+              <a:ext cx="3928759" cy="1375368"/>
+            </a:xfrm>
+            <a:prstGeom prst="straightConnector1">
+              <a:avLst/>
+            </a:prstGeom>
+            <a:ln w="38100">
+              <a:solidFill>
+                <a:schemeClr val="tx1"/>
+              </a:solidFill>
+              <a:tailEnd type="arrow"/>
+            </a:ln>
+            <a:effectLst>
+              <a:outerShdw blurRad="50800" dist="38100" dir="2700000" algn="tl" rotWithShape="0">
+                <a:prstClr val="black">
+                  <a:alpha val="40000"/>
+                </a:prstClr>
+              </a:outerShdw>
+            </a:effectLst>
+          </p:spPr>
+          <p:style>
+            <a:lnRef idx="1">
+              <a:schemeClr val="accent1"/>
+            </a:lnRef>
+            <a:fillRef idx="0">
+              <a:schemeClr val="accent1"/>
+            </a:fillRef>
+            <a:effectRef idx="0">
+              <a:schemeClr val="accent1"/>
+            </a:effectRef>
+            <a:fontRef idx="minor">
+              <a:schemeClr val="tx1"/>
+            </a:fontRef>
+          </p:style>
+        </p:cxnSp>
+      </p:grpSp>
+    </p:spTree>
+    <p:extLst>
+      <p:ext uri="{BB962C8B-B14F-4D97-AF65-F5344CB8AC3E}">
+        <p14:creationId xmlns:p14="http://schemas.microsoft.com/office/powerpoint/2010/main" val="2561892258"/>
+      </p:ext>
+    </p:extLst>
+  </p:cSld>
+  <p:clrMapOvr>
+    <a:masterClrMapping/>
+  </p:clrMapOvr>
+</p:sld>
+</file>
+
+<file path=ppt/slides/slide4.xml><?xml version="1.0" encoding="utf-8"?>
+<p:sld xmlns:a="http://schemas.openxmlformats.org/drawingml/2006/main" xmlns:r="http://schemas.openxmlformats.org/officeDocument/2006/relationships" xmlns:p="http://schemas.openxmlformats.org/presentationml/2006/main">
+  <p:cSld>
+    <p:spTree>
+      <p:nvGrpSpPr>
+        <p:cNvPr id="1" name=""/>
+        <p:cNvGrpSpPr/>
+        <p:nvPr/>
+      </p:nvGrpSpPr>
+      <p:grpSpPr>
+        <a:xfrm>
+          <a:off x="0" y="0"/>
+          <a:ext cx="0" cy="0"/>
+          <a:chOff x="0" y="0"/>
+          <a:chExt cx="0" cy="0"/>
+        </a:xfrm>
+      </p:grpSpPr>
+      <p:grpSp>
+        <p:nvGrpSpPr>
+          <p:cNvPr id="2" name="Group 1">
+            <a:extLst>
+              <a:ext uri="{FF2B5EF4-FFF2-40B4-BE49-F238E27FC236}">
+                <a16:creationId xmlns:a16="http://schemas.microsoft.com/office/drawing/2014/main" id="{E2523963-2891-D71D-9FDC-CA666DA364B8}"/>
+              </a:ext>
+            </a:extLst>
+          </p:cNvPr>
+          <p:cNvGrpSpPr/>
+          <p:nvPr/>
+        </p:nvGrpSpPr>
+        <p:grpSpPr>
+          <a:xfrm>
+            <a:off x="0" y="0"/>
+            <a:ext cx="12192000" cy="6858000"/>
+            <a:chOff x="0" y="0"/>
+            <a:chExt cx="12192000" cy="6858000"/>
+          </a:xfrm>
+        </p:grpSpPr>
+        <p:sp>
+          <p:nvSpPr>
+            <p:cNvPr id="37" name="Rectangle 36">
+              <a:extLst>
+                <a:ext uri="{FF2B5EF4-FFF2-40B4-BE49-F238E27FC236}">
+                  <a16:creationId xmlns:a16="http://schemas.microsoft.com/office/drawing/2014/main" id="{33D9CFED-A15D-2C78-D9FE-6DC793AE4125}"/>
+                </a:ext>
+              </a:extLst>
+            </p:cNvPr>
+            <p:cNvSpPr/>
+            <p:nvPr/>
+          </p:nvSpPr>
+          <p:spPr>
+            <a:xfrm>
+              <a:off x="0" y="0"/>
+              <a:ext cx="12192000" cy="6858000"/>
+            </a:xfrm>
+            <a:prstGeom prst="rect">
+              <a:avLst/>
+            </a:prstGeom>
+            <a:solidFill>
+              <a:schemeClr val="bg1"/>
+            </a:solidFill>
+            <a:ln w="38100">
+              <a:solidFill>
+                <a:schemeClr val="tx1"/>
+              </a:solidFill>
+            </a:ln>
+          </p:spPr>
+          <p:style>
+            <a:lnRef idx="2">
+              <a:schemeClr val="accent1">
+                <a:shade val="50000"/>
+              </a:schemeClr>
+            </a:lnRef>
+            <a:fillRef idx="1">
+              <a:schemeClr val="accent1"/>
+            </a:fillRef>
+            <a:effectRef idx="0">
+              <a:schemeClr val="accent1"/>
+            </a:effectRef>
+            <a:fontRef idx="minor">
+              <a:schemeClr val="lt1"/>
+            </a:fontRef>
+          </p:style>
+          <p:txBody>
+            <a:bodyPr rtlCol="0" anchor="ctr"/>
+            <a:lstStyle/>
+            <a:p>
+              <a:pPr algn="ctr"/>
+              <a:endParaRPr kumimoji="1" lang="ja-JP" altLang="en-US"/>
+            </a:p>
+          </p:txBody>
+        </p:sp>
+        <p:sp>
+          <p:nvSpPr>
+            <p:cNvPr id="24" name="Rectangle 23">
+              <a:extLst>
+                <a:ext uri="{FF2B5EF4-FFF2-40B4-BE49-F238E27FC236}">
+                  <a16:creationId xmlns:a16="http://schemas.microsoft.com/office/drawing/2014/main" id="{0756785C-40CD-ECC1-A3B7-D3F12EBFC8FD}"/>
+                </a:ext>
+              </a:extLst>
+            </p:cNvPr>
+            <p:cNvSpPr/>
+            <p:nvPr/>
+          </p:nvSpPr>
+          <p:spPr>
+            <a:xfrm>
+              <a:off x="517790" y="745779"/>
+              <a:ext cx="3135795" cy="707886"/>
+            </a:xfrm>
+            <a:prstGeom prst="rect">
+              <a:avLst/>
+            </a:prstGeom>
+            <a:solidFill>
+              <a:schemeClr val="bg1"/>
+            </a:solidFill>
+            <a:ln w="38100">
+              <a:solidFill>
+                <a:schemeClr val="tx1"/>
+              </a:solidFill>
+            </a:ln>
+            <a:effectLst>
+              <a:outerShdw blurRad="50800" dist="38100" dir="2700000" algn="tl" rotWithShape="0">
+                <a:prstClr val="black">
+                  <a:alpha val="40000"/>
+                </a:prstClr>
+              </a:outerShdw>
+            </a:effectLst>
+          </p:spPr>
+          <p:style>
+            <a:lnRef idx="2">
+              <a:schemeClr val="accent1">
+                <a:shade val="50000"/>
+              </a:schemeClr>
+            </a:lnRef>
+            <a:fillRef idx="1">
+              <a:schemeClr val="accent1"/>
+            </a:fillRef>
+            <a:effectRef idx="0">
+              <a:schemeClr val="accent1"/>
+            </a:effectRef>
+            <a:fontRef idx="minor">
+              <a:schemeClr val="lt1"/>
+            </a:fontRef>
+          </p:style>
+          <p:txBody>
+            <a:bodyPr wrap="none" rtlCol="0" anchor="ctr">
+              <a:noAutofit/>
+            </a:bodyPr>
+            <a:lstStyle/>
+            <a:p>
+              <a:r>
+                <a:rPr kumimoji="1" lang="en-US" altLang="ja-JP" sz="4000" dirty="0">
+                  <a:solidFill>
+                    <a:schemeClr val="tx1"/>
+                  </a:solidFill>
+                  <a:latin typeface="Abadi" panose="020B0604020104020204" pitchFamily="34" charset="0"/>
+                </a:rPr>
+                <a:t>Country ABC</a:t>
+              </a:r>
+              <a:endParaRPr kumimoji="1" lang="ja-JP" altLang="en-US" sz="4000" dirty="0">
+                <a:solidFill>
+                  <a:schemeClr val="tx1"/>
+                </a:solidFill>
+                <a:latin typeface="Abadi" panose="020B0604020104020204" pitchFamily="34" charset="0"/>
+              </a:endParaRPr>
+            </a:p>
+          </p:txBody>
+        </p:sp>
+        <p:sp>
+          <p:nvSpPr>
+            <p:cNvPr id="5" name="Rectangle 4">
+              <a:extLst>
+                <a:ext uri="{FF2B5EF4-FFF2-40B4-BE49-F238E27FC236}">
+                  <a16:creationId xmlns:a16="http://schemas.microsoft.com/office/drawing/2014/main" id="{FFAA4ED3-AF98-08E8-E041-8D09BB31A0CE}"/>
+                </a:ext>
+              </a:extLst>
+            </p:cNvPr>
+            <p:cNvSpPr/>
+            <p:nvPr/>
+          </p:nvSpPr>
+          <p:spPr>
+            <a:xfrm>
+              <a:off x="517790" y="4240695"/>
+              <a:ext cx="5173211" cy="1323439"/>
+            </a:xfrm>
+            <a:prstGeom prst="rect">
+              <a:avLst/>
+            </a:prstGeom>
+            <a:solidFill>
+              <a:schemeClr val="bg1"/>
+            </a:solidFill>
+            <a:ln w="38100">
+              <a:solidFill>
+                <a:schemeClr val="tx1"/>
+              </a:solidFill>
+            </a:ln>
+            <a:effectLst>
+              <a:outerShdw blurRad="50800" dist="38100" dir="2700000" algn="tl" rotWithShape="0">
+                <a:prstClr val="black">
+                  <a:alpha val="40000"/>
+                </a:prstClr>
+              </a:outerShdw>
+            </a:effectLst>
+          </p:spPr>
+          <p:style>
+            <a:lnRef idx="2">
+              <a:schemeClr val="accent1">
+                <a:shade val="50000"/>
+              </a:schemeClr>
+            </a:lnRef>
+            <a:fillRef idx="1">
+              <a:schemeClr val="accent1"/>
+            </a:fillRef>
+            <a:effectRef idx="0">
+              <a:schemeClr val="accent1"/>
+            </a:effectRef>
+            <a:fontRef idx="minor">
+              <a:schemeClr val="lt1"/>
+            </a:fontRef>
+          </p:style>
+          <p:txBody>
+            <a:bodyPr wrap="none" rtlCol="0" anchor="ctr">
+              <a:noAutofit/>
+            </a:bodyPr>
+            <a:lstStyle/>
+            <a:p>
+              <a:r>
+                <a:rPr kumimoji="1" lang="en-US" altLang="ja-JP" sz="4000" dirty="0">
+                  <a:solidFill>
+                    <a:schemeClr val="tx1"/>
+                  </a:solidFill>
+                  <a:latin typeface="Abadi" panose="020B0604020104020204" pitchFamily="34" charset="0"/>
+                </a:rPr>
+                <a:t>Project</a:t>
+              </a:r>
+              <a:r>
+                <a:rPr lang="en-US" altLang="ja-JP" sz="4000" dirty="0">
+                  <a:solidFill>
+                    <a:schemeClr val="tx1"/>
+                  </a:solidFill>
+                  <a:latin typeface="Abadi" panose="020B0604020104020204" pitchFamily="34" charset="0"/>
+                </a:rPr>
+                <a:t>:</a:t>
+              </a:r>
+            </a:p>
+            <a:p>
+              <a:r>
+                <a:rPr kumimoji="1" lang="en-US" altLang="ja-JP" sz="4000" dirty="0">
+                  <a:solidFill>
+                    <a:schemeClr val="tx1"/>
+                  </a:solidFill>
+                  <a:latin typeface="Abadi" panose="020B0604020104020204" pitchFamily="34" charset="0"/>
+                </a:rPr>
+                <a:t>Defend Country ABC</a:t>
+              </a:r>
+              <a:endParaRPr kumimoji="1" lang="ja-JP" altLang="en-US" sz="4000" dirty="0">
+                <a:solidFill>
+                  <a:schemeClr val="tx1"/>
+                </a:solidFill>
+                <a:latin typeface="Abadi" panose="020B0604020104020204" pitchFamily="34" charset="0"/>
+              </a:endParaRPr>
+            </a:p>
+          </p:txBody>
+        </p:sp>
+        <p:sp>
+          <p:nvSpPr>
+            <p:cNvPr id="8" name="Rectangle 7">
+              <a:extLst>
+                <a:ext uri="{FF2B5EF4-FFF2-40B4-BE49-F238E27FC236}">
+                  <a16:creationId xmlns:a16="http://schemas.microsoft.com/office/drawing/2014/main" id="{5EC25DA9-A6B1-C162-F752-C5186A07E2BC}"/>
+                </a:ext>
+              </a:extLst>
+            </p:cNvPr>
+            <p:cNvSpPr/>
+            <p:nvPr/>
+          </p:nvSpPr>
+          <p:spPr>
+            <a:xfrm>
+              <a:off x="8542629" y="733933"/>
+              <a:ext cx="3135795" cy="707886"/>
+            </a:xfrm>
+            <a:prstGeom prst="rect">
+              <a:avLst/>
+            </a:prstGeom>
+            <a:solidFill>
+              <a:schemeClr val="bg1"/>
+            </a:solidFill>
+            <a:ln w="38100">
+              <a:solidFill>
+                <a:schemeClr val="tx1"/>
+              </a:solidFill>
+            </a:ln>
+            <a:effectLst>
+              <a:outerShdw blurRad="50800" dist="38100" dir="2700000" algn="tl" rotWithShape="0">
+                <a:prstClr val="black">
+                  <a:alpha val="40000"/>
+                </a:prstClr>
+              </a:outerShdw>
+            </a:effectLst>
+          </p:spPr>
+          <p:style>
+            <a:lnRef idx="2">
+              <a:schemeClr val="accent1">
+                <a:shade val="50000"/>
+              </a:schemeClr>
+            </a:lnRef>
+            <a:fillRef idx="1">
+              <a:schemeClr val="accent1"/>
+            </a:fillRef>
+            <a:effectRef idx="0">
+              <a:schemeClr val="accent1"/>
+            </a:effectRef>
+            <a:fontRef idx="minor">
+              <a:schemeClr val="lt1"/>
+            </a:fontRef>
+          </p:style>
+          <p:txBody>
+            <a:bodyPr wrap="none" rtlCol="0" anchor="ctr">
+              <a:noAutofit/>
+            </a:bodyPr>
+            <a:lstStyle/>
+            <a:p>
+              <a:r>
+                <a:rPr kumimoji="1" lang="en-US" altLang="ja-JP" sz="4000" dirty="0">
+                  <a:solidFill>
+                    <a:schemeClr val="tx1"/>
+                  </a:solidFill>
+                  <a:latin typeface="Abadi" panose="020B0604020104020204" pitchFamily="34" charset="0"/>
+                </a:rPr>
+                <a:t>Country XYZ</a:t>
+              </a:r>
+              <a:endParaRPr kumimoji="1" lang="ja-JP" altLang="en-US" sz="4000" dirty="0">
+                <a:solidFill>
+                  <a:schemeClr val="tx1"/>
+                </a:solidFill>
+                <a:latin typeface="Abadi" panose="020B0604020104020204" pitchFamily="34" charset="0"/>
+              </a:endParaRPr>
+            </a:p>
+          </p:txBody>
+        </p:sp>
+        <p:sp>
+          <p:nvSpPr>
+            <p:cNvPr id="9" name="Rectangle 8">
+              <a:extLst>
+                <a:ext uri="{FF2B5EF4-FFF2-40B4-BE49-F238E27FC236}">
+                  <a16:creationId xmlns:a16="http://schemas.microsoft.com/office/drawing/2014/main" id="{A6241E52-0430-57CA-26B4-8D608C778A70}"/>
+                </a:ext>
+              </a:extLst>
+            </p:cNvPr>
+            <p:cNvSpPr/>
+            <p:nvPr/>
+          </p:nvSpPr>
+          <p:spPr>
+            <a:xfrm>
+              <a:off x="517790" y="2500799"/>
+              <a:ext cx="5173211" cy="707886"/>
+            </a:xfrm>
+            <a:prstGeom prst="rect">
+              <a:avLst/>
+            </a:prstGeom>
+            <a:solidFill>
+              <a:schemeClr val="bg1"/>
+            </a:solidFill>
+            <a:ln w="38100">
+              <a:solidFill>
+                <a:schemeClr val="tx1"/>
+              </a:solidFill>
+            </a:ln>
+            <a:effectLst>
+              <a:outerShdw blurRad="50800" dist="38100" dir="2700000" algn="tl" rotWithShape="0">
+                <a:prstClr val="black">
+                  <a:alpha val="40000"/>
+                </a:prstClr>
+              </a:outerShdw>
+            </a:effectLst>
+          </p:spPr>
+          <p:style>
+            <a:lnRef idx="2">
+              <a:schemeClr val="accent1">
+                <a:shade val="50000"/>
+              </a:schemeClr>
+            </a:lnRef>
+            <a:fillRef idx="1">
+              <a:schemeClr val="accent1"/>
+            </a:fillRef>
+            <a:effectRef idx="0">
+              <a:schemeClr val="accent1"/>
+            </a:effectRef>
+            <a:fontRef idx="minor">
+              <a:schemeClr val="lt1"/>
+            </a:fontRef>
+          </p:style>
+          <p:txBody>
+            <a:bodyPr wrap="square" rtlCol="0" anchor="ctr">
+              <a:spAutoFit/>
+            </a:bodyPr>
+            <a:lstStyle/>
+            <a:p>
+              <a:r>
+                <a:rPr kumimoji="1" lang="en-US" altLang="ja-JP" sz="4000" dirty="0">
+                  <a:solidFill>
+                    <a:schemeClr val="tx1"/>
+                  </a:solidFill>
+                  <a:latin typeface="Abadi" panose="020B0604020104020204" pitchFamily="34" charset="0"/>
+                </a:rPr>
+                <a:t>NPO/</a:t>
+              </a:r>
+              <a:r>
+                <a:rPr lang="en-US" altLang="ja-JP" sz="4000" dirty="0">
+                  <a:solidFill>
+                    <a:schemeClr val="tx1"/>
+                  </a:solidFill>
+                  <a:latin typeface="Abadi" panose="020B0604020104020204" pitchFamily="34" charset="0"/>
+                </a:rPr>
+                <a:t>NGO/Government</a:t>
+              </a:r>
+            </a:p>
+          </p:txBody>
+        </p:sp>
+        <p:sp>
+          <p:nvSpPr>
+            <p:cNvPr id="10" name="Rectangle 9">
+              <a:extLst>
+                <a:ext uri="{FF2B5EF4-FFF2-40B4-BE49-F238E27FC236}">
+                  <a16:creationId xmlns:a16="http://schemas.microsoft.com/office/drawing/2014/main" id="{BC587A21-D888-9FD5-1CF2-2782C6B52681}"/>
+                </a:ext>
+              </a:extLst>
+            </p:cNvPr>
+            <p:cNvSpPr/>
+            <p:nvPr/>
+          </p:nvSpPr>
+          <p:spPr>
+            <a:xfrm>
+              <a:off x="9465959" y="3695974"/>
+              <a:ext cx="2212465" cy="707886"/>
+            </a:xfrm>
+            <a:prstGeom prst="rect">
+              <a:avLst/>
+            </a:prstGeom>
+            <a:solidFill>
+              <a:schemeClr val="bg1"/>
+            </a:solidFill>
+            <a:ln w="38100">
+              <a:solidFill>
+                <a:schemeClr val="tx1"/>
+              </a:solidFill>
+            </a:ln>
+            <a:effectLst>
+              <a:outerShdw blurRad="50800" dist="38100" dir="2700000" algn="tl" rotWithShape="0">
+                <a:prstClr val="black">
+                  <a:alpha val="40000"/>
+                </a:prstClr>
+              </a:outerShdw>
+            </a:effectLst>
+          </p:spPr>
+          <p:style>
+            <a:lnRef idx="2">
+              <a:schemeClr val="accent1">
+                <a:shade val="50000"/>
+              </a:schemeClr>
+            </a:lnRef>
+            <a:fillRef idx="1">
+              <a:schemeClr val="accent1"/>
+            </a:fillRef>
+            <a:effectRef idx="0">
+              <a:schemeClr val="accent1"/>
+            </a:effectRef>
+            <a:fontRef idx="minor">
+              <a:schemeClr val="lt1"/>
+            </a:fontRef>
+          </p:style>
+          <p:txBody>
+            <a:bodyPr wrap="none" rtlCol="0" anchor="ctr">
+              <a:noAutofit/>
+            </a:bodyPr>
+            <a:lstStyle/>
+            <a:p>
+              <a:r>
+                <a:rPr kumimoji="1" lang="en-US" altLang="ja-JP" sz="4000" dirty="0">
+                  <a:solidFill>
+                    <a:schemeClr val="tx1"/>
+                  </a:solidFill>
+                  <a:latin typeface="Abadi" panose="020B0604020104020204" pitchFamily="34" charset="0"/>
+                </a:rPr>
+                <a:t>Backer 1</a:t>
+              </a:r>
+              <a:endParaRPr kumimoji="1" lang="ja-JP" altLang="en-US" sz="4000" dirty="0">
+                <a:solidFill>
+                  <a:schemeClr val="tx1"/>
+                </a:solidFill>
+                <a:latin typeface="Abadi" panose="020B0604020104020204" pitchFamily="34" charset="0"/>
+              </a:endParaRPr>
+            </a:p>
+          </p:txBody>
+        </p:sp>
+        <p:sp>
+          <p:nvSpPr>
+            <p:cNvPr id="11" name="Rectangle 10">
+              <a:extLst>
+                <a:ext uri="{FF2B5EF4-FFF2-40B4-BE49-F238E27FC236}">
+                  <a16:creationId xmlns:a16="http://schemas.microsoft.com/office/drawing/2014/main" id="{9A0EF367-9F94-EB21-940F-301FF4FDAE7F}"/>
+                </a:ext>
+              </a:extLst>
+            </p:cNvPr>
+            <p:cNvSpPr/>
+            <p:nvPr/>
+          </p:nvSpPr>
+          <p:spPr>
+            <a:xfrm>
+              <a:off x="9465959" y="4587550"/>
+              <a:ext cx="2212465" cy="707886"/>
+            </a:xfrm>
+            <a:prstGeom prst="rect">
+              <a:avLst/>
+            </a:prstGeom>
+            <a:solidFill>
+              <a:schemeClr val="bg1"/>
+            </a:solidFill>
+            <a:ln w="38100">
+              <a:solidFill>
+                <a:schemeClr val="tx1"/>
+              </a:solidFill>
+            </a:ln>
+            <a:effectLst>
+              <a:outerShdw blurRad="50800" dist="38100" dir="2700000" algn="tl" rotWithShape="0">
+                <a:prstClr val="black">
+                  <a:alpha val="40000"/>
+                </a:prstClr>
+              </a:outerShdw>
+            </a:effectLst>
+          </p:spPr>
+          <p:style>
+            <a:lnRef idx="2">
+              <a:schemeClr val="accent1">
+                <a:shade val="50000"/>
+              </a:schemeClr>
+            </a:lnRef>
+            <a:fillRef idx="1">
+              <a:schemeClr val="accent1"/>
+            </a:fillRef>
+            <a:effectRef idx="0">
+              <a:schemeClr val="accent1"/>
+            </a:effectRef>
+            <a:fontRef idx="minor">
+              <a:schemeClr val="lt1"/>
+            </a:fontRef>
+          </p:style>
+          <p:txBody>
+            <a:bodyPr wrap="none" rtlCol="0" anchor="ctr">
+              <a:noAutofit/>
+            </a:bodyPr>
+            <a:lstStyle/>
+            <a:p>
+              <a:r>
+                <a:rPr kumimoji="1" lang="en-US" altLang="ja-JP" sz="4000" dirty="0">
+                  <a:solidFill>
+                    <a:schemeClr val="tx1"/>
+                  </a:solidFill>
+                  <a:latin typeface="Abadi" panose="020B0604020104020204" pitchFamily="34" charset="0"/>
+                </a:rPr>
+                <a:t>Backer 2</a:t>
+              </a:r>
+              <a:endParaRPr kumimoji="1" lang="ja-JP" altLang="en-US" sz="4000" dirty="0">
+                <a:solidFill>
+                  <a:schemeClr val="tx1"/>
+                </a:solidFill>
+                <a:latin typeface="Abadi" panose="020B0604020104020204" pitchFamily="34" charset="0"/>
+              </a:endParaRPr>
+            </a:p>
+          </p:txBody>
+        </p:sp>
+        <p:sp>
+          <p:nvSpPr>
+            <p:cNvPr id="12" name="Rectangle 11">
+              <a:extLst>
+                <a:ext uri="{FF2B5EF4-FFF2-40B4-BE49-F238E27FC236}">
+                  <a16:creationId xmlns:a16="http://schemas.microsoft.com/office/drawing/2014/main" id="{DC7E2B36-8E3B-5B80-73CF-8C305E830563}"/>
+                </a:ext>
+              </a:extLst>
+            </p:cNvPr>
+            <p:cNvSpPr/>
+            <p:nvPr/>
+          </p:nvSpPr>
+          <p:spPr>
+            <a:xfrm>
+              <a:off x="9465959" y="5479125"/>
+              <a:ext cx="2212465" cy="707886"/>
+            </a:xfrm>
+            <a:prstGeom prst="rect">
+              <a:avLst/>
+            </a:prstGeom>
+            <a:solidFill>
+              <a:schemeClr val="bg1"/>
+            </a:solidFill>
+            <a:ln w="38100">
+              <a:solidFill>
+                <a:schemeClr val="tx1"/>
+              </a:solidFill>
+            </a:ln>
+            <a:effectLst>
+              <a:outerShdw blurRad="50800" dist="38100" dir="2700000" algn="tl" rotWithShape="0">
+                <a:prstClr val="black">
+                  <a:alpha val="40000"/>
+                </a:prstClr>
+              </a:outerShdw>
+            </a:effectLst>
+          </p:spPr>
+          <p:style>
+            <a:lnRef idx="2">
+              <a:schemeClr val="accent1">
+                <a:shade val="50000"/>
+              </a:schemeClr>
+            </a:lnRef>
+            <a:fillRef idx="1">
+              <a:schemeClr val="accent1"/>
+            </a:fillRef>
+            <a:effectRef idx="0">
+              <a:schemeClr val="accent1"/>
+            </a:effectRef>
+            <a:fontRef idx="minor">
+              <a:schemeClr val="lt1"/>
+            </a:fontRef>
+          </p:style>
+          <p:txBody>
+            <a:bodyPr wrap="none" rtlCol="0" anchor="ctr">
+              <a:noAutofit/>
+            </a:bodyPr>
+            <a:lstStyle/>
+            <a:p>
+              <a:r>
+                <a:rPr kumimoji="1" lang="en-US" altLang="ja-JP" sz="4000" dirty="0">
+                  <a:solidFill>
+                    <a:schemeClr val="tx1"/>
+                  </a:solidFill>
+                  <a:latin typeface="Abadi" panose="020B0604020104020204" pitchFamily="34" charset="0"/>
+                </a:rPr>
+                <a:t>Backer 3</a:t>
+              </a:r>
+              <a:endParaRPr kumimoji="1" lang="ja-JP" altLang="en-US" sz="4000" dirty="0">
+                <a:solidFill>
+                  <a:schemeClr val="tx1"/>
+                </a:solidFill>
+                <a:latin typeface="Abadi" panose="020B0604020104020204" pitchFamily="34" charset="0"/>
+              </a:endParaRPr>
+            </a:p>
+          </p:txBody>
+        </p:sp>
+        <p:cxnSp>
+          <p:nvCxnSpPr>
+            <p:cNvPr id="14" name="Straight Arrow Connector 13">
+              <a:extLst>
+                <a:ext uri="{FF2B5EF4-FFF2-40B4-BE49-F238E27FC236}">
+                  <a16:creationId xmlns:a16="http://schemas.microsoft.com/office/drawing/2014/main" id="{A6AA82F3-BCD4-1B4A-7DA4-6852281DCA1F}"/>
+                </a:ext>
+              </a:extLst>
+            </p:cNvPr>
+            <p:cNvCxnSpPr>
+              <a:cxnSpLocks/>
+              <a:stCxn id="10" idx="1"/>
+            </p:cNvCxnSpPr>
+            <p:nvPr/>
+          </p:nvCxnSpPr>
+          <p:spPr>
+            <a:xfrm flipH="1">
+              <a:off x="5514011" y="4049917"/>
+              <a:ext cx="3951948" cy="0"/>
+            </a:xfrm>
+            <a:prstGeom prst="straightConnector1">
+              <a:avLst/>
+            </a:prstGeom>
+            <a:ln w="38100">
+              <a:solidFill>
+                <a:schemeClr val="tx1"/>
+              </a:solidFill>
+              <a:tailEnd type="arrow"/>
+            </a:ln>
+            <a:effectLst>
+              <a:outerShdw blurRad="50800" dist="38100" dir="2700000" algn="tl" rotWithShape="0">
+                <a:prstClr val="black">
+                  <a:alpha val="40000"/>
+                </a:prstClr>
+              </a:outerShdw>
+            </a:effectLst>
+          </p:spPr>
+          <p:style>
+            <a:lnRef idx="1">
+              <a:schemeClr val="accent1"/>
+            </a:lnRef>
+            <a:fillRef idx="0">
+              <a:schemeClr val="accent1"/>
+            </a:fillRef>
+            <a:effectRef idx="0">
+              <a:schemeClr val="accent1"/>
+            </a:effectRef>
+            <a:fontRef idx="minor">
+              <a:schemeClr val="tx1"/>
+            </a:fontRef>
+          </p:style>
+        </p:cxnSp>
+        <p:cxnSp>
+          <p:nvCxnSpPr>
+            <p:cNvPr id="15" name="Straight Arrow Connector 14">
+              <a:extLst>
+                <a:ext uri="{FF2B5EF4-FFF2-40B4-BE49-F238E27FC236}">
+                  <a16:creationId xmlns:a16="http://schemas.microsoft.com/office/drawing/2014/main" id="{1D39921A-6D75-829F-4EA5-FD9D1AFA1154}"/>
+                </a:ext>
+              </a:extLst>
+            </p:cNvPr>
+            <p:cNvCxnSpPr>
+              <a:cxnSpLocks/>
+              <a:stCxn id="11" idx="1"/>
+            </p:cNvCxnSpPr>
+            <p:nvPr/>
+          </p:nvCxnSpPr>
+          <p:spPr>
+            <a:xfrm flipH="1" flipV="1">
+              <a:off x="5514011" y="4240695"/>
+              <a:ext cx="3951948" cy="700798"/>
+            </a:xfrm>
+            <a:prstGeom prst="straightConnector1">
+              <a:avLst/>
+            </a:prstGeom>
+            <a:ln w="38100">
+              <a:solidFill>
+                <a:schemeClr val="tx1"/>
+              </a:solidFill>
+              <a:tailEnd type="arrow"/>
+            </a:ln>
+            <a:effectLst>
+              <a:outerShdw blurRad="50800" dist="38100" dir="2700000" algn="tl" rotWithShape="0">
+                <a:prstClr val="black">
+                  <a:alpha val="40000"/>
+                </a:prstClr>
+              </a:outerShdw>
+            </a:effectLst>
+          </p:spPr>
+          <p:style>
+            <a:lnRef idx="1">
+              <a:schemeClr val="accent1"/>
+            </a:lnRef>
+            <a:fillRef idx="0">
+              <a:schemeClr val="accent1"/>
+            </a:fillRef>
+            <a:effectRef idx="0">
+              <a:schemeClr val="accent1"/>
+            </a:effectRef>
+            <a:fontRef idx="minor">
+              <a:schemeClr val="tx1"/>
+            </a:fontRef>
+          </p:style>
+        </p:cxnSp>
+        <p:cxnSp>
+          <p:nvCxnSpPr>
+            <p:cNvPr id="18" name="Straight Arrow Connector 17">
+              <a:extLst>
+                <a:ext uri="{FF2B5EF4-FFF2-40B4-BE49-F238E27FC236}">
+                  <a16:creationId xmlns:a16="http://schemas.microsoft.com/office/drawing/2014/main" id="{971B25AE-DD50-45C7-A7A9-A672835C1FA8}"/>
+                </a:ext>
+              </a:extLst>
+            </p:cNvPr>
+            <p:cNvCxnSpPr>
+              <a:cxnSpLocks/>
+              <a:stCxn id="12" idx="1"/>
+            </p:cNvCxnSpPr>
+            <p:nvPr/>
+          </p:nvCxnSpPr>
+          <p:spPr>
+            <a:xfrm flipH="1" flipV="1">
+              <a:off x="5537200" y="4457700"/>
+              <a:ext cx="3928759" cy="1375368"/>
+            </a:xfrm>
+            <a:prstGeom prst="straightConnector1">
+              <a:avLst/>
+            </a:prstGeom>
+            <a:ln w="38100">
+              <a:solidFill>
+                <a:schemeClr val="tx1"/>
+              </a:solidFill>
+              <a:tailEnd type="arrow"/>
+            </a:ln>
+            <a:effectLst>
+              <a:outerShdw blurRad="50800" dist="38100" dir="2700000" algn="tl" rotWithShape="0">
+                <a:prstClr val="black">
+                  <a:alpha val="40000"/>
+                </a:prstClr>
+              </a:outerShdw>
+            </a:effectLst>
+          </p:spPr>
+          <p:style>
+            <a:lnRef idx="1">
+              <a:schemeClr val="accent1"/>
+            </a:lnRef>
+            <a:fillRef idx="0">
+              <a:schemeClr val="accent1"/>
+            </a:fillRef>
+            <a:effectRef idx="0">
+              <a:schemeClr val="accent1"/>
+            </a:effectRef>
+            <a:fontRef idx="minor">
+              <a:schemeClr val="tx1"/>
+            </a:fontRef>
+          </p:style>
+        </p:cxnSp>
+        <p:pic>
+          <p:nvPicPr>
+            <p:cNvPr id="47" name="Graphic 46" descr="Heart with solid fill">
+              <a:extLst>
+                <a:ext uri="{FF2B5EF4-FFF2-40B4-BE49-F238E27FC236}">
+                  <a16:creationId xmlns:a16="http://schemas.microsoft.com/office/drawing/2014/main" id="{090BCEC4-41CF-4AFA-090A-0C8FAFC2132F}"/>
+                </a:ext>
+              </a:extLst>
+            </p:cNvPr>
+            <p:cNvPicPr>
+              <a:picLocks noChangeAspect="1"/>
+            </p:cNvPicPr>
+            <p:nvPr/>
+          </p:nvPicPr>
+          <p:blipFill>
+            <a:blip r:embed="rId2">
+              <a:extLst>
+                <a:ext uri="{28A0092B-C50C-407E-A947-70E740481C1C}">
+                  <a14:useLocalDpi xmlns:a14="http://schemas.microsoft.com/office/drawing/2010/main" val="0"/>
+                </a:ext>
+                <a:ext uri="{96DAC541-7B7A-43D3-8B79-37D633B846F1}">
+                  <asvg:svgBlip xmlns:asvg="http://schemas.microsoft.com/office/drawing/2016/SVG/main" r:embed="rId3"/>
+                </a:ext>
+              </a:extLst>
+            </a:blip>
+            <a:stretch>
+              <a:fillRect/>
+            </a:stretch>
+          </p:blipFill>
+          <p:spPr>
+            <a:xfrm>
+              <a:off x="5640907" y="630676"/>
+              <a:ext cx="914400" cy="914400"/>
+            </a:xfrm>
+            <a:prstGeom prst="rect">
+              <a:avLst/>
+            </a:prstGeom>
+          </p:spPr>
+        </p:pic>
+        <p:cxnSp>
+          <p:nvCxnSpPr>
+            <p:cNvPr id="48" name="Straight Arrow Connector 47">
+              <a:extLst>
+                <a:ext uri="{FF2B5EF4-FFF2-40B4-BE49-F238E27FC236}">
+                  <a16:creationId xmlns:a16="http://schemas.microsoft.com/office/drawing/2014/main" id="{27DC37A0-E3BE-3C01-6480-9601754209FC}"/>
+                </a:ext>
+              </a:extLst>
+            </p:cNvPr>
+            <p:cNvCxnSpPr>
+              <a:cxnSpLocks/>
+              <a:stCxn id="9" idx="2"/>
+              <a:endCxn id="5" idx="0"/>
+            </p:cNvCxnSpPr>
+            <p:nvPr/>
+          </p:nvCxnSpPr>
+          <p:spPr>
+            <a:xfrm>
+              <a:off x="3104396" y="3208685"/>
+              <a:ext cx="0" cy="1032010"/>
+            </a:xfrm>
+            <a:prstGeom prst="straightConnector1">
+              <a:avLst/>
+            </a:prstGeom>
+            <a:ln w="38100">
+              <a:solidFill>
+                <a:schemeClr val="tx1"/>
+              </a:solidFill>
+              <a:tailEnd type="arrow"/>
+            </a:ln>
+            <a:effectLst>
+              <a:outerShdw blurRad="50800" dist="38100" dir="2700000" algn="tl" rotWithShape="0">
+                <a:prstClr val="black">
+                  <a:alpha val="40000"/>
+                </a:prstClr>
+              </a:outerShdw>
+            </a:effectLst>
+          </p:spPr>
+          <p:style>
+            <a:lnRef idx="1">
+              <a:schemeClr val="accent1"/>
+            </a:lnRef>
+            <a:fillRef idx="0">
+              <a:schemeClr val="accent1"/>
+            </a:fillRef>
+            <a:effectRef idx="0">
+              <a:schemeClr val="accent1"/>
+            </a:effectRef>
+            <a:fontRef idx="minor">
+              <a:schemeClr val="tx1"/>
+            </a:fontRef>
+          </p:style>
+        </p:cxnSp>
+        <p:cxnSp>
+          <p:nvCxnSpPr>
+            <p:cNvPr id="67" name="Straight Arrow Connector 66">
+              <a:extLst>
+                <a:ext uri="{FF2B5EF4-FFF2-40B4-BE49-F238E27FC236}">
+                  <a16:creationId xmlns:a16="http://schemas.microsoft.com/office/drawing/2014/main" id="{BEF61221-B548-5507-E1CD-405194AF51BC}"/>
+                </a:ext>
+              </a:extLst>
+            </p:cNvPr>
+            <p:cNvCxnSpPr>
+              <a:cxnSpLocks/>
+              <a:stCxn id="8" idx="1"/>
+              <a:endCxn id="47" idx="3"/>
+            </p:cNvCxnSpPr>
+            <p:nvPr/>
+          </p:nvCxnSpPr>
+          <p:spPr>
+            <a:xfrm flipH="1">
+              <a:off x="6555307" y="1087876"/>
+              <a:ext cx="1987322" cy="0"/>
+            </a:xfrm>
+            <a:prstGeom prst="straightConnector1">
+              <a:avLst/>
+            </a:prstGeom>
+            <a:ln w="38100">
+              <a:solidFill>
+                <a:schemeClr val="tx1"/>
+              </a:solidFill>
+              <a:tailEnd type="arrow"/>
+            </a:ln>
+            <a:effectLst>
+              <a:outerShdw blurRad="50800" dist="38100" dir="2700000" algn="tl" rotWithShape="0">
+                <a:prstClr val="black">
+                  <a:alpha val="40000"/>
+                </a:prstClr>
+              </a:outerShdw>
+            </a:effectLst>
+          </p:spPr>
+          <p:style>
+            <a:lnRef idx="1">
+              <a:schemeClr val="accent1"/>
+            </a:lnRef>
+            <a:fillRef idx="0">
+              <a:schemeClr val="accent1"/>
+            </a:fillRef>
+            <a:effectRef idx="0">
+              <a:schemeClr val="accent1"/>
+            </a:effectRef>
+            <a:fontRef idx="minor">
+              <a:schemeClr val="tx1"/>
+            </a:fontRef>
+          </p:style>
+        </p:cxnSp>
+        <p:grpSp>
+          <p:nvGrpSpPr>
+            <p:cNvPr id="23" name="Group 22">
+              <a:extLst>
+                <a:ext uri="{FF2B5EF4-FFF2-40B4-BE49-F238E27FC236}">
+                  <a16:creationId xmlns:a16="http://schemas.microsoft.com/office/drawing/2014/main" id="{C435ED2C-7759-EA2D-2B68-8EA0C9B7332D}"/>
+                </a:ext>
+              </a:extLst>
+            </p:cNvPr>
+            <p:cNvGrpSpPr/>
+            <p:nvPr/>
+          </p:nvGrpSpPr>
+          <p:grpSpPr>
+            <a:xfrm>
+              <a:off x="4619686" y="3718255"/>
+              <a:ext cx="1071315" cy="1071315"/>
+              <a:chOff x="4619686" y="4277055"/>
+              <a:chExt cx="1071315" cy="1071315"/>
             </a:xfrm>
           </p:grpSpPr>
           <p:sp>
             <p:nvSpPr>
-              <p:cNvPr id="5" name="Rectangle 4">
+              <p:cNvPr id="21" name="Rectangle 20">
                 <a:extLst>
                   <a:ext uri="{FF2B5EF4-FFF2-40B4-BE49-F238E27FC236}">
-                    <a16:creationId xmlns:a16="http://schemas.microsoft.com/office/drawing/2014/main" id="{FFAA4ED3-AF98-08E8-E041-8D09BB31A0CE}"/>
+                    <a16:creationId xmlns:a16="http://schemas.microsoft.com/office/drawing/2014/main" id="{E0357B57-BA03-10BE-367D-8510B9AC0A51}"/>
                   </a:ext>
                 </a:extLst>
               </p:cNvPr>
@@ -2676,11 +6069,2073 @@
             </p:nvSpPr>
             <p:spPr>
               <a:xfrm>
-                <a:off x="517790" y="4139095"/>
-                <a:ext cx="5173211" cy="1323439"/>
+                <a:off x="4782967" y="4414930"/>
+                <a:ext cx="731044" cy="711938"/>
               </a:xfrm>
               <a:prstGeom prst="rect">
                 <a:avLst/>
+              </a:prstGeom>
+              <a:solidFill>
+                <a:schemeClr val="bg1"/>
+              </a:solidFill>
+              <a:ln>
+                <a:noFill/>
+              </a:ln>
+            </p:spPr>
+            <p:style>
+              <a:lnRef idx="2">
+                <a:schemeClr val="accent1">
+                  <a:shade val="50000"/>
+                </a:schemeClr>
+              </a:lnRef>
+              <a:fillRef idx="1">
+                <a:schemeClr val="accent1"/>
+              </a:fillRef>
+              <a:effectRef idx="0">
+                <a:schemeClr val="accent1"/>
+              </a:effectRef>
+              <a:fontRef idx="minor">
+                <a:schemeClr val="lt1"/>
+              </a:fontRef>
+            </p:style>
+            <p:txBody>
+              <a:bodyPr rtlCol="0" anchor="ctr"/>
+              <a:lstStyle/>
+              <a:p>
+                <a:pPr algn="ctr"/>
+                <a:endParaRPr kumimoji="1" lang="ja-JP" altLang="en-US"/>
+              </a:p>
+            </p:txBody>
+          </p:sp>
+          <p:pic>
+            <p:nvPicPr>
+              <p:cNvPr id="22" name="Graphic 21" descr="Safe with solid fill">
+                <a:extLst>
+                  <a:ext uri="{FF2B5EF4-FFF2-40B4-BE49-F238E27FC236}">
+                    <a16:creationId xmlns:a16="http://schemas.microsoft.com/office/drawing/2014/main" id="{2BA67465-F5D1-47D4-D10B-CDBE111EFB73}"/>
+                  </a:ext>
+                </a:extLst>
+              </p:cNvPr>
+              <p:cNvPicPr>
+                <a:picLocks noChangeAspect="1"/>
+              </p:cNvPicPr>
+              <p:nvPr/>
+            </p:nvPicPr>
+            <p:blipFill>
+              <a:blip r:embed="rId4">
+                <a:extLst>
+                  <a:ext uri="{28A0092B-C50C-407E-A947-70E740481C1C}">
+                    <a14:useLocalDpi xmlns:a14="http://schemas.microsoft.com/office/drawing/2010/main" val="0"/>
+                  </a:ext>
+                  <a:ext uri="{96DAC541-7B7A-43D3-8B79-37D633B846F1}">
+                    <asvg:svgBlip xmlns:asvg="http://schemas.microsoft.com/office/drawing/2016/SVG/main" r:embed="rId5"/>
+                  </a:ext>
+                </a:extLst>
+              </a:blip>
+              <a:stretch>
+                <a:fillRect/>
+              </a:stretch>
+            </p:blipFill>
+            <p:spPr>
+              <a:xfrm>
+                <a:off x="4619686" y="4277055"/>
+                <a:ext cx="1071315" cy="1071315"/>
+              </a:xfrm>
+              <a:prstGeom prst="rect">
+                <a:avLst/>
+              </a:prstGeom>
+              <a:effectLst>
+                <a:outerShdw blurRad="50800" dist="38100" dir="2700000" algn="tl" rotWithShape="0">
+                  <a:prstClr val="black">
+                    <a:alpha val="40000"/>
+                  </a:prstClr>
+                </a:outerShdw>
+              </a:effectLst>
+            </p:spPr>
+          </p:pic>
+        </p:grpSp>
+        <p:pic>
+          <p:nvPicPr>
+            <p:cNvPr id="17" name="Picture 16">
+              <a:extLst>
+                <a:ext uri="{FF2B5EF4-FFF2-40B4-BE49-F238E27FC236}">
+                  <a16:creationId xmlns:a16="http://schemas.microsoft.com/office/drawing/2014/main" id="{7DDD06BA-C783-7B7C-EE58-7C5F1D3BE537}"/>
+                </a:ext>
+              </a:extLst>
+            </p:cNvPr>
+            <p:cNvPicPr>
+              <a:picLocks noChangeAspect="1"/>
+            </p:cNvPicPr>
+            <p:nvPr/>
+          </p:nvPicPr>
+          <p:blipFill>
+            <a:blip r:embed="rId6"/>
+            <a:stretch>
+              <a:fillRect/>
+            </a:stretch>
+          </p:blipFill>
+          <p:spPr>
+            <a:xfrm>
+              <a:off x="8952383" y="3656030"/>
+              <a:ext cx="426201" cy="332186"/>
+            </a:xfrm>
+            <a:prstGeom prst="rect">
+              <a:avLst/>
+            </a:prstGeom>
+            <a:effectLst>
+              <a:outerShdw blurRad="50800" dist="38100" dir="2700000" algn="tl" rotWithShape="0">
+                <a:prstClr val="black">
+                  <a:alpha val="40000"/>
+                </a:prstClr>
+              </a:outerShdw>
+            </a:effectLst>
+          </p:spPr>
+        </p:pic>
+        <p:pic>
+          <p:nvPicPr>
+            <p:cNvPr id="19" name="Picture 18">
+              <a:extLst>
+                <a:ext uri="{FF2B5EF4-FFF2-40B4-BE49-F238E27FC236}">
+                  <a16:creationId xmlns:a16="http://schemas.microsoft.com/office/drawing/2014/main" id="{6DA03032-2D91-ED6B-7E4C-AD841C4D4248}"/>
+                </a:ext>
+              </a:extLst>
+            </p:cNvPr>
+            <p:cNvPicPr>
+              <a:picLocks noChangeAspect="1"/>
+            </p:cNvPicPr>
+            <p:nvPr/>
+          </p:nvPicPr>
+          <p:blipFill>
+            <a:blip r:embed="rId6"/>
+            <a:stretch>
+              <a:fillRect/>
+            </a:stretch>
+          </p:blipFill>
+          <p:spPr>
+            <a:xfrm>
+              <a:off x="8952383" y="4457384"/>
+              <a:ext cx="426201" cy="332186"/>
+            </a:xfrm>
+            <a:prstGeom prst="rect">
+              <a:avLst/>
+            </a:prstGeom>
+            <a:effectLst>
+              <a:outerShdw blurRad="50800" dist="38100" dir="2700000" algn="tl" rotWithShape="0">
+                <a:prstClr val="black">
+                  <a:alpha val="40000"/>
+                </a:prstClr>
+              </a:outerShdw>
+            </a:effectLst>
+          </p:spPr>
+        </p:pic>
+        <p:pic>
+          <p:nvPicPr>
+            <p:cNvPr id="20" name="Picture 19">
+              <a:extLst>
+                <a:ext uri="{FF2B5EF4-FFF2-40B4-BE49-F238E27FC236}">
+                  <a16:creationId xmlns:a16="http://schemas.microsoft.com/office/drawing/2014/main" id="{ACD6167C-71AE-887F-F580-6A84F3FD7F22}"/>
+                </a:ext>
+              </a:extLst>
+            </p:cNvPr>
+            <p:cNvPicPr>
+              <a:picLocks noChangeAspect="1"/>
+            </p:cNvPicPr>
+            <p:nvPr/>
+          </p:nvPicPr>
+          <p:blipFill>
+            <a:blip r:embed="rId6"/>
+            <a:stretch>
+              <a:fillRect/>
+            </a:stretch>
+          </p:blipFill>
+          <p:spPr>
+            <a:xfrm>
+              <a:off x="8952383" y="5275239"/>
+              <a:ext cx="426201" cy="332186"/>
+            </a:xfrm>
+            <a:prstGeom prst="rect">
+              <a:avLst/>
+            </a:prstGeom>
+            <a:effectLst>
+              <a:outerShdw blurRad="50800" dist="38100" dir="2700000" algn="tl" rotWithShape="0">
+                <a:prstClr val="black">
+                  <a:alpha val="40000"/>
+                </a:prstClr>
+              </a:outerShdw>
+            </a:effectLst>
+          </p:spPr>
+        </p:pic>
+        <p:sp>
+          <p:nvSpPr>
+            <p:cNvPr id="26" name="TextBox 25">
+              <a:extLst>
+                <a:ext uri="{FF2B5EF4-FFF2-40B4-BE49-F238E27FC236}">
+                  <a16:creationId xmlns:a16="http://schemas.microsoft.com/office/drawing/2014/main" id="{D6B65A55-43AB-9217-8478-2EFE60450037}"/>
+                </a:ext>
+              </a:extLst>
+            </p:cNvPr>
+            <p:cNvSpPr txBox="1"/>
+            <p:nvPr/>
+          </p:nvSpPr>
+          <p:spPr>
+            <a:xfrm>
+              <a:off x="8277607" y="1784066"/>
+              <a:ext cx="3798279" cy="1569660"/>
+            </a:xfrm>
+            <a:prstGeom prst="rect">
+              <a:avLst/>
+            </a:prstGeom>
+            <a:noFill/>
+          </p:spPr>
+          <p:txBody>
+            <a:bodyPr wrap="square">
+              <a:spAutoFit/>
+            </a:bodyPr>
+            <a:lstStyle/>
+            <a:p>
+              <a:r>
+                <a:rPr lang="en-US" altLang="ja-JP" sz="2400" dirty="0">
+                  <a:solidFill>
+                    <a:schemeClr val="tx1"/>
+                  </a:solidFill>
+                  <a:latin typeface="Abadi" panose="020B0604020104020204" pitchFamily="34" charset="0"/>
+                </a:rPr>
+                <a:t>The blockchain is immutable and cannot be altered or deleted by anyone, even Country XYZ.</a:t>
+              </a:r>
+            </a:p>
+          </p:txBody>
+        </p:sp>
+        <p:sp>
+          <p:nvSpPr>
+            <p:cNvPr id="27" name="TextBox 26">
+              <a:extLst>
+                <a:ext uri="{FF2B5EF4-FFF2-40B4-BE49-F238E27FC236}">
+                  <a16:creationId xmlns:a16="http://schemas.microsoft.com/office/drawing/2014/main" id="{88776677-559F-4142-5D2E-1BE858D86F73}"/>
+                </a:ext>
+              </a:extLst>
+            </p:cNvPr>
+            <p:cNvSpPr txBox="1"/>
+            <p:nvPr/>
+          </p:nvSpPr>
+          <p:spPr>
+            <a:xfrm>
+              <a:off x="517790" y="5642441"/>
+              <a:ext cx="8257602" cy="830997"/>
+            </a:xfrm>
+            <a:prstGeom prst="rect">
+              <a:avLst/>
+            </a:prstGeom>
+            <a:noFill/>
+          </p:spPr>
+          <p:txBody>
+            <a:bodyPr wrap="square">
+              <a:spAutoFit/>
+            </a:bodyPr>
+            <a:lstStyle/>
+            <a:p>
+              <a:r>
+                <a:rPr lang="en-US" altLang="ja-JP" sz="2400" dirty="0">
+                  <a:solidFill>
+                    <a:schemeClr val="tx1"/>
+                  </a:solidFill>
+                  <a:latin typeface="Abadi" panose="020B0604020104020204" pitchFamily="34" charset="0"/>
+                </a:rPr>
+                <a:t>All projects are managed on the Solana blockchain, which is decentralized, scalable, fast, and energy-efficient blockchain.</a:t>
+              </a:r>
+              <a:endParaRPr lang="ja-JP" altLang="en-US" sz="2400" dirty="0">
+                <a:latin typeface="Abadi" panose="020B0604020104020204" pitchFamily="34" charset="0"/>
+              </a:endParaRPr>
+            </a:p>
+          </p:txBody>
+        </p:sp>
+        <p:grpSp>
+          <p:nvGrpSpPr>
+            <p:cNvPr id="31" name="Group 30">
+              <a:extLst>
+                <a:ext uri="{FF2B5EF4-FFF2-40B4-BE49-F238E27FC236}">
+                  <a16:creationId xmlns:a16="http://schemas.microsoft.com/office/drawing/2014/main" id="{2EA63F63-3FFB-952C-622E-CE62C7148F0C}"/>
+                </a:ext>
+              </a:extLst>
+            </p:cNvPr>
+            <p:cNvGrpSpPr/>
+            <p:nvPr/>
+          </p:nvGrpSpPr>
+          <p:grpSpPr>
+            <a:xfrm>
+              <a:off x="6469517" y="3459490"/>
+              <a:ext cx="2365899" cy="2365899"/>
+              <a:chOff x="6469517" y="3459490"/>
+              <a:chExt cx="2365899" cy="2365899"/>
+            </a:xfrm>
+          </p:grpSpPr>
+          <p:pic>
+            <p:nvPicPr>
+              <p:cNvPr id="13" name="Graphic 12" descr="Blockchain with solid fill">
+                <a:extLst>
+                  <a:ext uri="{FF2B5EF4-FFF2-40B4-BE49-F238E27FC236}">
+                    <a16:creationId xmlns:a16="http://schemas.microsoft.com/office/drawing/2014/main" id="{7EC00B3B-C534-3676-E13E-2DFC7F99C15A}"/>
+                  </a:ext>
+                </a:extLst>
+              </p:cNvPr>
+              <p:cNvPicPr>
+                <a:picLocks noChangeAspect="1"/>
+              </p:cNvPicPr>
+              <p:nvPr/>
+            </p:nvPicPr>
+            <p:blipFill>
+              <a:blip r:embed="rId7">
+                <a:extLst>
+                  <a:ext uri="{28A0092B-C50C-407E-A947-70E740481C1C}">
+                    <a14:useLocalDpi xmlns:a14="http://schemas.microsoft.com/office/drawing/2010/main" val="0"/>
+                  </a:ext>
+                  <a:ext uri="{96DAC541-7B7A-43D3-8B79-37D633B846F1}">
+                    <asvg:svgBlip xmlns:asvg="http://schemas.microsoft.com/office/drawing/2016/SVG/main" r:embed="rId8"/>
+                  </a:ext>
+                </a:extLst>
+              </a:blip>
+              <a:stretch>
+                <a:fillRect/>
+              </a:stretch>
+            </p:blipFill>
+            <p:spPr>
+              <a:xfrm>
+                <a:off x="6469517" y="3459490"/>
+                <a:ext cx="2365899" cy="2365899"/>
+              </a:xfrm>
+              <a:prstGeom prst="rect">
+                <a:avLst/>
+              </a:prstGeom>
+            </p:spPr>
+          </p:pic>
+          <p:pic>
+            <p:nvPicPr>
+              <p:cNvPr id="30" name="Graphic 29" descr="Blockchain with solid fill">
+                <a:extLst>
+                  <a:ext uri="{FF2B5EF4-FFF2-40B4-BE49-F238E27FC236}">
+                    <a16:creationId xmlns:a16="http://schemas.microsoft.com/office/drawing/2014/main" id="{FC84E24C-CCCE-B5A6-FB02-5E0219932E0C}"/>
+                  </a:ext>
+                </a:extLst>
+              </p:cNvPr>
+              <p:cNvPicPr>
+                <a:picLocks noChangeAspect="1"/>
+              </p:cNvPicPr>
+              <p:nvPr/>
+            </p:nvPicPr>
+            <p:blipFill>
+              <a:blip r:embed="rId9">
+                <a:extLst>
+                  <a:ext uri="{28A0092B-C50C-407E-A947-70E740481C1C}">
+                    <a14:useLocalDpi xmlns:a14="http://schemas.microsoft.com/office/drawing/2010/main" val="0"/>
+                  </a:ext>
+                  <a:ext uri="{96DAC541-7B7A-43D3-8B79-37D633B846F1}">
+                    <asvg:svgBlip xmlns:asvg="http://schemas.microsoft.com/office/drawing/2016/SVG/main" r:embed="rId10"/>
+                  </a:ext>
+                </a:extLst>
+              </a:blip>
+              <a:stretch>
+                <a:fillRect/>
+              </a:stretch>
+            </p:blipFill>
+            <p:spPr>
+              <a:xfrm>
+                <a:off x="6622778" y="3612751"/>
+                <a:ext cx="2059377" cy="2059377"/>
+              </a:xfrm>
+              <a:prstGeom prst="rect">
+                <a:avLst/>
+              </a:prstGeom>
+              <a:effectLst>
+                <a:outerShdw blurRad="50800" dist="38100" dir="2700000" algn="tl" rotWithShape="0">
+                  <a:prstClr val="black">
+                    <a:alpha val="40000"/>
+                  </a:prstClr>
+                </a:outerShdw>
+              </a:effectLst>
+            </p:spPr>
+          </p:pic>
+        </p:grpSp>
+        <p:sp>
+          <p:nvSpPr>
+            <p:cNvPr id="32" name="Arrow: Down 31">
+              <a:extLst>
+                <a:ext uri="{FF2B5EF4-FFF2-40B4-BE49-F238E27FC236}">
+                  <a16:creationId xmlns:a16="http://schemas.microsoft.com/office/drawing/2014/main" id="{084D1E08-CFD3-DA9A-5C83-90D4AB2C7684}"/>
+                </a:ext>
+              </a:extLst>
+            </p:cNvPr>
+            <p:cNvSpPr/>
+            <p:nvPr/>
+          </p:nvSpPr>
+          <p:spPr>
+            <a:xfrm>
+              <a:off x="7292485" y="1658508"/>
+              <a:ext cx="719962" cy="1037057"/>
+            </a:xfrm>
+            <a:prstGeom prst="downArrow">
+              <a:avLst/>
+            </a:prstGeom>
+            <a:solidFill>
+              <a:schemeClr val="bg1"/>
+            </a:solidFill>
+            <a:ln w="38100">
+              <a:solidFill>
+                <a:schemeClr val="tx1"/>
+              </a:solidFill>
+            </a:ln>
+            <a:effectLst>
+              <a:outerShdw blurRad="50800" dist="38100" dir="2700000" algn="tl" rotWithShape="0">
+                <a:prstClr val="black">
+                  <a:alpha val="40000"/>
+                </a:prstClr>
+              </a:outerShdw>
+            </a:effectLst>
+          </p:spPr>
+          <p:style>
+            <a:lnRef idx="2">
+              <a:schemeClr val="accent1">
+                <a:shade val="50000"/>
+              </a:schemeClr>
+            </a:lnRef>
+            <a:fillRef idx="1">
+              <a:schemeClr val="accent1"/>
+            </a:fillRef>
+            <a:effectRef idx="0">
+              <a:schemeClr val="accent1"/>
+            </a:effectRef>
+            <a:fontRef idx="minor">
+              <a:schemeClr val="lt1"/>
+            </a:fontRef>
+          </p:style>
+          <p:txBody>
+            <a:bodyPr wrap="none" rtlCol="0" anchor="ctr">
+              <a:noAutofit/>
+            </a:bodyPr>
+            <a:lstStyle/>
+            <a:p>
+              <a:endParaRPr lang="ja-JP" altLang="en-US" sz="4000">
+                <a:solidFill>
+                  <a:schemeClr val="tx1"/>
+                </a:solidFill>
+                <a:latin typeface="Abadi" panose="020B0604020104020204" pitchFamily="34" charset="0"/>
+              </a:endParaRPr>
+            </a:p>
+          </p:txBody>
+        </p:sp>
+        <p:pic>
+          <p:nvPicPr>
+            <p:cNvPr id="34" name="Graphic 33" descr="Stop with solid fill">
+              <a:extLst>
+                <a:ext uri="{FF2B5EF4-FFF2-40B4-BE49-F238E27FC236}">
+                  <a16:creationId xmlns:a16="http://schemas.microsoft.com/office/drawing/2014/main" id="{75033736-8F0F-40DA-7814-70E0EB7A51BC}"/>
+                </a:ext>
+              </a:extLst>
+            </p:cNvPr>
+            <p:cNvPicPr>
+              <a:picLocks noChangeAspect="1"/>
+            </p:cNvPicPr>
+            <p:nvPr/>
+          </p:nvPicPr>
+          <p:blipFill>
+            <a:blip r:embed="rId11">
+              <a:extLst>
+                <a:ext uri="{28A0092B-C50C-407E-A947-70E740481C1C}">
+                  <a14:useLocalDpi xmlns:a14="http://schemas.microsoft.com/office/drawing/2010/main" val="0"/>
+                </a:ext>
+                <a:ext uri="{96DAC541-7B7A-43D3-8B79-37D633B846F1}">
+                  <asvg:svgBlip xmlns:asvg="http://schemas.microsoft.com/office/drawing/2016/SVG/main" r:embed="rId12"/>
+                </a:ext>
+              </a:extLst>
+            </a:blip>
+            <a:stretch>
+              <a:fillRect/>
+            </a:stretch>
+          </p:blipFill>
+          <p:spPr>
+            <a:xfrm>
+              <a:off x="7139348" y="2695566"/>
+              <a:ext cx="1026237" cy="1026237"/>
+            </a:xfrm>
+            <a:prstGeom prst="rect">
+              <a:avLst/>
+            </a:prstGeom>
+            <a:effectLst>
+              <a:outerShdw blurRad="50800" dist="38100" dir="2700000" algn="tl" rotWithShape="0">
+                <a:prstClr val="black">
+                  <a:alpha val="40000"/>
+                </a:prstClr>
+              </a:outerShdw>
+            </a:effectLst>
+          </p:spPr>
+        </p:pic>
+      </p:grpSp>
+    </p:spTree>
+    <p:extLst>
+      <p:ext uri="{BB962C8B-B14F-4D97-AF65-F5344CB8AC3E}">
+        <p14:creationId xmlns:p14="http://schemas.microsoft.com/office/powerpoint/2010/main" val="3475160724"/>
+      </p:ext>
+    </p:extLst>
+  </p:cSld>
+  <p:clrMapOvr>
+    <a:masterClrMapping/>
+  </p:clrMapOvr>
+</p:sld>
+</file>
+
+<file path=ppt/slides/slide5.xml><?xml version="1.0" encoding="utf-8"?>
+<p:sld xmlns:a="http://schemas.openxmlformats.org/drawingml/2006/main" xmlns:r="http://schemas.openxmlformats.org/officeDocument/2006/relationships" xmlns:p="http://schemas.openxmlformats.org/presentationml/2006/main">
+  <p:cSld>
+    <p:spTree>
+      <p:nvGrpSpPr>
+        <p:cNvPr id="1" name=""/>
+        <p:cNvGrpSpPr/>
+        <p:nvPr/>
+      </p:nvGrpSpPr>
+      <p:grpSpPr>
+        <a:xfrm>
+          <a:off x="0" y="0"/>
+          <a:ext cx="0" cy="0"/>
+          <a:chOff x="0" y="0"/>
+          <a:chExt cx="0" cy="0"/>
+        </a:xfrm>
+      </p:grpSpPr>
+      <p:grpSp>
+        <p:nvGrpSpPr>
+          <p:cNvPr id="72" name="Group 71">
+            <a:extLst>
+              <a:ext uri="{FF2B5EF4-FFF2-40B4-BE49-F238E27FC236}">
+                <a16:creationId xmlns:a16="http://schemas.microsoft.com/office/drawing/2014/main" id="{3BF8C8E1-057D-4B8F-9B77-567C3D5605AB}"/>
+              </a:ext>
+            </a:extLst>
+          </p:cNvPr>
+          <p:cNvGrpSpPr/>
+          <p:nvPr/>
+        </p:nvGrpSpPr>
+        <p:grpSpPr>
+          <a:xfrm>
+            <a:off x="0" y="0"/>
+            <a:ext cx="12317810" cy="6858000"/>
+            <a:chOff x="0" y="0"/>
+            <a:chExt cx="12317810" cy="6858000"/>
+          </a:xfrm>
+        </p:grpSpPr>
+        <p:sp>
+          <p:nvSpPr>
+            <p:cNvPr id="52" name="Rectangle 51">
+              <a:extLst>
+                <a:ext uri="{FF2B5EF4-FFF2-40B4-BE49-F238E27FC236}">
+                  <a16:creationId xmlns:a16="http://schemas.microsoft.com/office/drawing/2014/main" id="{74D394E6-53DA-48CD-B891-1EBF0BC34D24}"/>
+                </a:ext>
+              </a:extLst>
+            </p:cNvPr>
+            <p:cNvSpPr/>
+            <p:nvPr/>
+          </p:nvSpPr>
+          <p:spPr>
+            <a:xfrm>
+              <a:off x="0" y="0"/>
+              <a:ext cx="12192000" cy="6858000"/>
+            </a:xfrm>
+            <a:prstGeom prst="rect">
+              <a:avLst/>
+            </a:prstGeom>
+            <a:solidFill>
+              <a:schemeClr val="bg1"/>
+            </a:solidFill>
+            <a:ln w="38100">
+              <a:solidFill>
+                <a:schemeClr val="tx1"/>
+              </a:solidFill>
+            </a:ln>
+          </p:spPr>
+          <p:style>
+            <a:lnRef idx="2">
+              <a:schemeClr val="accent1">
+                <a:shade val="50000"/>
+              </a:schemeClr>
+            </a:lnRef>
+            <a:fillRef idx="1">
+              <a:schemeClr val="accent1"/>
+            </a:fillRef>
+            <a:effectRef idx="0">
+              <a:schemeClr val="accent1"/>
+            </a:effectRef>
+            <a:fontRef idx="minor">
+              <a:schemeClr val="lt1"/>
+            </a:fontRef>
+          </p:style>
+          <p:txBody>
+            <a:bodyPr rtlCol="0" anchor="ctr"/>
+            <a:lstStyle/>
+            <a:p>
+              <a:pPr algn="ctr"/>
+              <a:endParaRPr kumimoji="1" lang="ja-JP" altLang="en-US"/>
+            </a:p>
+          </p:txBody>
+        </p:sp>
+        <p:sp>
+          <p:nvSpPr>
+            <p:cNvPr id="5" name="Rectangle 4">
+              <a:extLst>
+                <a:ext uri="{FF2B5EF4-FFF2-40B4-BE49-F238E27FC236}">
+                  <a16:creationId xmlns:a16="http://schemas.microsoft.com/office/drawing/2014/main" id="{FFAA4ED3-AF98-08E8-E041-8D09BB31A0CE}"/>
+                </a:ext>
+              </a:extLst>
+            </p:cNvPr>
+            <p:cNvSpPr/>
+            <p:nvPr/>
+          </p:nvSpPr>
+          <p:spPr>
+            <a:xfrm>
+              <a:off x="517790" y="4252328"/>
+              <a:ext cx="5173211" cy="1323439"/>
+            </a:xfrm>
+            <a:prstGeom prst="rect">
+              <a:avLst/>
+            </a:prstGeom>
+            <a:solidFill>
+              <a:schemeClr val="bg1"/>
+            </a:solidFill>
+            <a:ln w="38100">
+              <a:solidFill>
+                <a:schemeClr val="tx1"/>
+              </a:solidFill>
+            </a:ln>
+            <a:effectLst>
+              <a:outerShdw blurRad="50800" dist="38100" dir="2700000" algn="tl" rotWithShape="0">
+                <a:prstClr val="black">
+                  <a:alpha val="40000"/>
+                </a:prstClr>
+              </a:outerShdw>
+            </a:effectLst>
+          </p:spPr>
+          <p:style>
+            <a:lnRef idx="2">
+              <a:schemeClr val="accent1">
+                <a:shade val="50000"/>
+              </a:schemeClr>
+            </a:lnRef>
+            <a:fillRef idx="1">
+              <a:schemeClr val="accent1"/>
+            </a:fillRef>
+            <a:effectRef idx="0">
+              <a:schemeClr val="accent1"/>
+            </a:effectRef>
+            <a:fontRef idx="minor">
+              <a:schemeClr val="lt1"/>
+            </a:fontRef>
+          </p:style>
+          <p:txBody>
+            <a:bodyPr wrap="none" rtlCol="0" anchor="ctr">
+              <a:noAutofit/>
+            </a:bodyPr>
+            <a:lstStyle/>
+            <a:p>
+              <a:r>
+                <a:rPr kumimoji="1" lang="en-US" altLang="ja-JP" sz="4000" dirty="0">
+                  <a:solidFill>
+                    <a:schemeClr val="tx1"/>
+                  </a:solidFill>
+                  <a:latin typeface="Abadi" panose="020B0604020104020204" pitchFamily="34" charset="0"/>
+                </a:rPr>
+                <a:t>Project</a:t>
+              </a:r>
+              <a:r>
+                <a:rPr lang="en-US" altLang="ja-JP" sz="4000" dirty="0">
+                  <a:solidFill>
+                    <a:schemeClr val="tx1"/>
+                  </a:solidFill>
+                  <a:latin typeface="Abadi" panose="020B0604020104020204" pitchFamily="34" charset="0"/>
+                </a:rPr>
+                <a:t>:</a:t>
+              </a:r>
+            </a:p>
+            <a:p>
+              <a:r>
+                <a:rPr kumimoji="1" lang="en-US" altLang="ja-JP" sz="4000" dirty="0">
+                  <a:solidFill>
+                    <a:schemeClr val="tx1"/>
+                  </a:solidFill>
+                  <a:latin typeface="Abadi" panose="020B0604020104020204" pitchFamily="34" charset="0"/>
+                </a:rPr>
+                <a:t>Defend Country ABC</a:t>
+              </a:r>
+              <a:endParaRPr kumimoji="1" lang="ja-JP" altLang="en-US" sz="4000" dirty="0">
+                <a:solidFill>
+                  <a:schemeClr val="tx1"/>
+                </a:solidFill>
+                <a:latin typeface="Abadi" panose="020B0604020104020204" pitchFamily="34" charset="0"/>
+              </a:endParaRPr>
+            </a:p>
+          </p:txBody>
+        </p:sp>
+        <p:sp>
+          <p:nvSpPr>
+            <p:cNvPr id="7" name="Rectangle 6">
+              <a:extLst>
+                <a:ext uri="{FF2B5EF4-FFF2-40B4-BE49-F238E27FC236}">
+                  <a16:creationId xmlns:a16="http://schemas.microsoft.com/office/drawing/2014/main" id="{C26116B9-10D2-0B22-C30B-DF7604E9938C}"/>
+                </a:ext>
+              </a:extLst>
+            </p:cNvPr>
+            <p:cNvSpPr/>
+            <p:nvPr/>
+          </p:nvSpPr>
+          <p:spPr>
+            <a:xfrm>
+              <a:off x="517790" y="757412"/>
+              <a:ext cx="3135795" cy="707886"/>
+            </a:xfrm>
+            <a:prstGeom prst="rect">
+              <a:avLst/>
+            </a:prstGeom>
+            <a:solidFill>
+              <a:schemeClr val="bg1"/>
+            </a:solidFill>
+            <a:ln w="38100">
+              <a:solidFill>
+                <a:schemeClr val="tx1"/>
+              </a:solidFill>
+            </a:ln>
+            <a:effectLst>
+              <a:outerShdw blurRad="50800" dist="38100" dir="2700000" algn="tl" rotWithShape="0">
+                <a:prstClr val="black">
+                  <a:alpha val="40000"/>
+                </a:prstClr>
+              </a:outerShdw>
+            </a:effectLst>
+          </p:spPr>
+          <p:style>
+            <a:lnRef idx="2">
+              <a:schemeClr val="accent1">
+                <a:shade val="50000"/>
+              </a:schemeClr>
+            </a:lnRef>
+            <a:fillRef idx="1">
+              <a:schemeClr val="accent1"/>
+            </a:fillRef>
+            <a:effectRef idx="0">
+              <a:schemeClr val="accent1"/>
+            </a:effectRef>
+            <a:fontRef idx="minor">
+              <a:schemeClr val="lt1"/>
+            </a:fontRef>
+          </p:style>
+          <p:txBody>
+            <a:bodyPr wrap="none" rtlCol="0" anchor="ctr">
+              <a:noAutofit/>
+            </a:bodyPr>
+            <a:lstStyle/>
+            <a:p>
+              <a:r>
+                <a:rPr kumimoji="1" lang="en-US" altLang="ja-JP" sz="4000" dirty="0">
+                  <a:solidFill>
+                    <a:schemeClr val="tx1"/>
+                  </a:solidFill>
+                  <a:latin typeface="Abadi" panose="020B0604020104020204" pitchFamily="34" charset="0"/>
+                </a:rPr>
+                <a:t>Country ABC</a:t>
+              </a:r>
+              <a:endParaRPr kumimoji="1" lang="ja-JP" altLang="en-US" sz="4000" dirty="0">
+                <a:solidFill>
+                  <a:schemeClr val="tx1"/>
+                </a:solidFill>
+                <a:latin typeface="Abadi" panose="020B0604020104020204" pitchFamily="34" charset="0"/>
+              </a:endParaRPr>
+            </a:p>
+          </p:txBody>
+        </p:sp>
+        <p:sp>
+          <p:nvSpPr>
+            <p:cNvPr id="8" name="Rectangle 7">
+              <a:extLst>
+                <a:ext uri="{FF2B5EF4-FFF2-40B4-BE49-F238E27FC236}">
+                  <a16:creationId xmlns:a16="http://schemas.microsoft.com/office/drawing/2014/main" id="{5EC25DA9-A6B1-C162-F752-C5186A07E2BC}"/>
+                </a:ext>
+              </a:extLst>
+            </p:cNvPr>
+            <p:cNvSpPr/>
+            <p:nvPr/>
+          </p:nvSpPr>
+          <p:spPr>
+            <a:xfrm>
+              <a:off x="8542629" y="757412"/>
+              <a:ext cx="3135795" cy="707886"/>
+            </a:xfrm>
+            <a:prstGeom prst="rect">
+              <a:avLst/>
+            </a:prstGeom>
+            <a:solidFill>
+              <a:schemeClr val="bg1"/>
+            </a:solidFill>
+            <a:ln w="38100">
+              <a:solidFill>
+                <a:schemeClr val="tx1"/>
+              </a:solidFill>
+            </a:ln>
+            <a:effectLst>
+              <a:outerShdw blurRad="50800" dist="38100" dir="2700000" algn="tl" rotWithShape="0">
+                <a:prstClr val="black">
+                  <a:alpha val="40000"/>
+                </a:prstClr>
+              </a:outerShdw>
+            </a:effectLst>
+          </p:spPr>
+          <p:style>
+            <a:lnRef idx="2">
+              <a:schemeClr val="accent1">
+                <a:shade val="50000"/>
+              </a:schemeClr>
+            </a:lnRef>
+            <a:fillRef idx="1">
+              <a:schemeClr val="accent1"/>
+            </a:fillRef>
+            <a:effectRef idx="0">
+              <a:schemeClr val="accent1"/>
+            </a:effectRef>
+            <a:fontRef idx="minor">
+              <a:schemeClr val="lt1"/>
+            </a:fontRef>
+          </p:style>
+          <p:txBody>
+            <a:bodyPr wrap="none" rtlCol="0" anchor="ctr">
+              <a:noAutofit/>
+            </a:bodyPr>
+            <a:lstStyle/>
+            <a:p>
+              <a:r>
+                <a:rPr kumimoji="1" lang="en-US" altLang="ja-JP" sz="4000" dirty="0">
+                  <a:solidFill>
+                    <a:schemeClr val="tx1"/>
+                  </a:solidFill>
+                  <a:latin typeface="Abadi" panose="020B0604020104020204" pitchFamily="34" charset="0"/>
+                </a:rPr>
+                <a:t>Country XYZ</a:t>
+              </a:r>
+              <a:endParaRPr kumimoji="1" lang="ja-JP" altLang="en-US" sz="4000" dirty="0">
+                <a:solidFill>
+                  <a:schemeClr val="tx1"/>
+                </a:solidFill>
+                <a:latin typeface="Abadi" panose="020B0604020104020204" pitchFamily="34" charset="0"/>
+              </a:endParaRPr>
+            </a:p>
+          </p:txBody>
+        </p:sp>
+        <p:sp>
+          <p:nvSpPr>
+            <p:cNvPr id="9" name="Rectangle 8">
+              <a:extLst>
+                <a:ext uri="{FF2B5EF4-FFF2-40B4-BE49-F238E27FC236}">
+                  <a16:creationId xmlns:a16="http://schemas.microsoft.com/office/drawing/2014/main" id="{A6241E52-0430-57CA-26B4-8D608C778A70}"/>
+                </a:ext>
+              </a:extLst>
+            </p:cNvPr>
+            <p:cNvSpPr/>
+            <p:nvPr/>
+          </p:nvSpPr>
+          <p:spPr>
+            <a:xfrm>
+              <a:off x="517790" y="2512432"/>
+              <a:ext cx="5173211" cy="707886"/>
+            </a:xfrm>
+            <a:prstGeom prst="rect">
+              <a:avLst/>
+            </a:prstGeom>
+            <a:solidFill>
+              <a:schemeClr val="bg1"/>
+            </a:solidFill>
+            <a:ln w="38100">
+              <a:solidFill>
+                <a:schemeClr val="tx1"/>
+              </a:solidFill>
+            </a:ln>
+            <a:effectLst>
+              <a:outerShdw blurRad="50800" dist="38100" dir="2700000" algn="tl" rotWithShape="0">
+                <a:prstClr val="black">
+                  <a:alpha val="40000"/>
+                </a:prstClr>
+              </a:outerShdw>
+            </a:effectLst>
+          </p:spPr>
+          <p:style>
+            <a:lnRef idx="2">
+              <a:schemeClr val="accent1">
+                <a:shade val="50000"/>
+              </a:schemeClr>
+            </a:lnRef>
+            <a:fillRef idx="1">
+              <a:schemeClr val="accent1"/>
+            </a:fillRef>
+            <a:effectRef idx="0">
+              <a:schemeClr val="accent1"/>
+            </a:effectRef>
+            <a:fontRef idx="minor">
+              <a:schemeClr val="lt1"/>
+            </a:fontRef>
+          </p:style>
+          <p:txBody>
+            <a:bodyPr wrap="square" rtlCol="0" anchor="ctr">
+              <a:spAutoFit/>
+            </a:bodyPr>
+            <a:lstStyle/>
+            <a:p>
+              <a:r>
+                <a:rPr kumimoji="1" lang="en-US" altLang="ja-JP" sz="4000" dirty="0">
+                  <a:solidFill>
+                    <a:schemeClr val="tx1"/>
+                  </a:solidFill>
+                  <a:latin typeface="Abadi" panose="020B0604020104020204" pitchFamily="34" charset="0"/>
+                </a:rPr>
+                <a:t>NPO/</a:t>
+              </a:r>
+              <a:r>
+                <a:rPr lang="en-US" altLang="ja-JP" sz="4000" dirty="0">
+                  <a:solidFill>
+                    <a:schemeClr val="tx1"/>
+                  </a:solidFill>
+                  <a:latin typeface="Abadi" panose="020B0604020104020204" pitchFamily="34" charset="0"/>
+                </a:rPr>
+                <a:t>NGO/Government</a:t>
+              </a:r>
+            </a:p>
+          </p:txBody>
+        </p:sp>
+        <p:sp>
+          <p:nvSpPr>
+            <p:cNvPr id="10" name="Rectangle 9">
+              <a:extLst>
+                <a:ext uri="{FF2B5EF4-FFF2-40B4-BE49-F238E27FC236}">
+                  <a16:creationId xmlns:a16="http://schemas.microsoft.com/office/drawing/2014/main" id="{BC587A21-D888-9FD5-1CF2-2782C6B52681}"/>
+                </a:ext>
+              </a:extLst>
+            </p:cNvPr>
+            <p:cNvSpPr/>
+            <p:nvPr/>
+          </p:nvSpPr>
+          <p:spPr>
+            <a:xfrm>
+              <a:off x="9465959" y="3707607"/>
+              <a:ext cx="2212465" cy="707886"/>
+            </a:xfrm>
+            <a:prstGeom prst="rect">
+              <a:avLst/>
+            </a:prstGeom>
+            <a:solidFill>
+              <a:schemeClr val="bg1"/>
+            </a:solidFill>
+            <a:ln w="38100">
+              <a:solidFill>
+                <a:schemeClr val="tx1"/>
+              </a:solidFill>
+            </a:ln>
+            <a:effectLst>
+              <a:outerShdw blurRad="50800" dist="38100" dir="2700000" algn="tl" rotWithShape="0">
+                <a:prstClr val="black">
+                  <a:alpha val="40000"/>
+                </a:prstClr>
+              </a:outerShdw>
+            </a:effectLst>
+          </p:spPr>
+          <p:style>
+            <a:lnRef idx="2">
+              <a:schemeClr val="accent1">
+                <a:shade val="50000"/>
+              </a:schemeClr>
+            </a:lnRef>
+            <a:fillRef idx="1">
+              <a:schemeClr val="accent1"/>
+            </a:fillRef>
+            <a:effectRef idx="0">
+              <a:schemeClr val="accent1"/>
+            </a:effectRef>
+            <a:fontRef idx="minor">
+              <a:schemeClr val="lt1"/>
+            </a:fontRef>
+          </p:style>
+          <p:txBody>
+            <a:bodyPr wrap="none" rtlCol="0" anchor="ctr">
+              <a:noAutofit/>
+            </a:bodyPr>
+            <a:lstStyle/>
+            <a:p>
+              <a:r>
+                <a:rPr kumimoji="1" lang="en-US" altLang="ja-JP" sz="4000" dirty="0">
+                  <a:solidFill>
+                    <a:schemeClr val="tx1"/>
+                  </a:solidFill>
+                  <a:latin typeface="Abadi" panose="020B0604020104020204" pitchFamily="34" charset="0"/>
+                </a:rPr>
+                <a:t>Backer 1</a:t>
+              </a:r>
+              <a:endParaRPr kumimoji="1" lang="ja-JP" altLang="en-US" sz="4000" dirty="0">
+                <a:solidFill>
+                  <a:schemeClr val="tx1"/>
+                </a:solidFill>
+                <a:latin typeface="Abadi" panose="020B0604020104020204" pitchFamily="34" charset="0"/>
+              </a:endParaRPr>
+            </a:p>
+          </p:txBody>
+        </p:sp>
+        <p:sp>
+          <p:nvSpPr>
+            <p:cNvPr id="11" name="Rectangle 10">
+              <a:extLst>
+                <a:ext uri="{FF2B5EF4-FFF2-40B4-BE49-F238E27FC236}">
+                  <a16:creationId xmlns:a16="http://schemas.microsoft.com/office/drawing/2014/main" id="{9A0EF367-9F94-EB21-940F-301FF4FDAE7F}"/>
+                </a:ext>
+              </a:extLst>
+            </p:cNvPr>
+            <p:cNvSpPr/>
+            <p:nvPr/>
+          </p:nvSpPr>
+          <p:spPr>
+            <a:xfrm>
+              <a:off x="9465959" y="4599183"/>
+              <a:ext cx="2212465" cy="707886"/>
+            </a:xfrm>
+            <a:prstGeom prst="rect">
+              <a:avLst/>
+            </a:prstGeom>
+            <a:solidFill>
+              <a:schemeClr val="bg1"/>
+            </a:solidFill>
+            <a:ln w="38100">
+              <a:solidFill>
+                <a:schemeClr val="tx1"/>
+              </a:solidFill>
+            </a:ln>
+            <a:effectLst>
+              <a:outerShdw blurRad="50800" dist="38100" dir="2700000" algn="tl" rotWithShape="0">
+                <a:prstClr val="black">
+                  <a:alpha val="40000"/>
+                </a:prstClr>
+              </a:outerShdw>
+            </a:effectLst>
+          </p:spPr>
+          <p:style>
+            <a:lnRef idx="2">
+              <a:schemeClr val="accent1">
+                <a:shade val="50000"/>
+              </a:schemeClr>
+            </a:lnRef>
+            <a:fillRef idx="1">
+              <a:schemeClr val="accent1"/>
+            </a:fillRef>
+            <a:effectRef idx="0">
+              <a:schemeClr val="accent1"/>
+            </a:effectRef>
+            <a:fontRef idx="minor">
+              <a:schemeClr val="lt1"/>
+            </a:fontRef>
+          </p:style>
+          <p:txBody>
+            <a:bodyPr wrap="none" rtlCol="0" anchor="ctr">
+              <a:noAutofit/>
+            </a:bodyPr>
+            <a:lstStyle/>
+            <a:p>
+              <a:r>
+                <a:rPr kumimoji="1" lang="en-US" altLang="ja-JP" sz="4000" dirty="0">
+                  <a:solidFill>
+                    <a:schemeClr val="tx1"/>
+                  </a:solidFill>
+                  <a:latin typeface="Abadi" panose="020B0604020104020204" pitchFamily="34" charset="0"/>
+                </a:rPr>
+                <a:t>Backer 2</a:t>
+              </a:r>
+              <a:endParaRPr kumimoji="1" lang="ja-JP" altLang="en-US" sz="4000" dirty="0">
+                <a:solidFill>
+                  <a:schemeClr val="tx1"/>
+                </a:solidFill>
+                <a:latin typeface="Abadi" panose="020B0604020104020204" pitchFamily="34" charset="0"/>
+              </a:endParaRPr>
+            </a:p>
+          </p:txBody>
+        </p:sp>
+        <p:sp>
+          <p:nvSpPr>
+            <p:cNvPr id="12" name="Rectangle 11">
+              <a:extLst>
+                <a:ext uri="{FF2B5EF4-FFF2-40B4-BE49-F238E27FC236}">
+                  <a16:creationId xmlns:a16="http://schemas.microsoft.com/office/drawing/2014/main" id="{DC7E2B36-8E3B-5B80-73CF-8C305E830563}"/>
+                </a:ext>
+              </a:extLst>
+            </p:cNvPr>
+            <p:cNvSpPr/>
+            <p:nvPr/>
+          </p:nvSpPr>
+          <p:spPr>
+            <a:xfrm>
+              <a:off x="9465959" y="5490758"/>
+              <a:ext cx="2212465" cy="707886"/>
+            </a:xfrm>
+            <a:prstGeom prst="rect">
+              <a:avLst/>
+            </a:prstGeom>
+            <a:solidFill>
+              <a:schemeClr val="bg1"/>
+            </a:solidFill>
+            <a:ln w="38100">
+              <a:solidFill>
+                <a:schemeClr val="tx1"/>
+              </a:solidFill>
+            </a:ln>
+            <a:effectLst>
+              <a:outerShdw blurRad="50800" dist="38100" dir="2700000" algn="tl" rotWithShape="0">
+                <a:prstClr val="black">
+                  <a:alpha val="40000"/>
+                </a:prstClr>
+              </a:outerShdw>
+            </a:effectLst>
+          </p:spPr>
+          <p:style>
+            <a:lnRef idx="2">
+              <a:schemeClr val="accent1">
+                <a:shade val="50000"/>
+              </a:schemeClr>
+            </a:lnRef>
+            <a:fillRef idx="1">
+              <a:schemeClr val="accent1"/>
+            </a:fillRef>
+            <a:effectRef idx="0">
+              <a:schemeClr val="accent1"/>
+            </a:effectRef>
+            <a:fontRef idx="minor">
+              <a:schemeClr val="lt1"/>
+            </a:fontRef>
+          </p:style>
+          <p:txBody>
+            <a:bodyPr wrap="none" rtlCol="0" anchor="ctr">
+              <a:noAutofit/>
+            </a:bodyPr>
+            <a:lstStyle/>
+            <a:p>
+              <a:r>
+                <a:rPr kumimoji="1" lang="en-US" altLang="ja-JP" sz="4000" dirty="0">
+                  <a:solidFill>
+                    <a:schemeClr val="tx1"/>
+                  </a:solidFill>
+                  <a:latin typeface="Abadi" panose="020B0604020104020204" pitchFamily="34" charset="0"/>
+                </a:rPr>
+                <a:t>Backer 3</a:t>
+              </a:r>
+              <a:endParaRPr kumimoji="1" lang="ja-JP" altLang="en-US" sz="4000" dirty="0">
+                <a:solidFill>
+                  <a:schemeClr val="tx1"/>
+                </a:solidFill>
+                <a:latin typeface="Abadi" panose="020B0604020104020204" pitchFamily="34" charset="0"/>
+              </a:endParaRPr>
+            </a:p>
+          </p:txBody>
+        </p:sp>
+        <p:cxnSp>
+          <p:nvCxnSpPr>
+            <p:cNvPr id="48" name="Straight Arrow Connector 47">
+              <a:extLst>
+                <a:ext uri="{FF2B5EF4-FFF2-40B4-BE49-F238E27FC236}">
+                  <a16:creationId xmlns:a16="http://schemas.microsoft.com/office/drawing/2014/main" id="{27DC37A0-E3BE-3C01-6480-9601754209FC}"/>
+                </a:ext>
+              </a:extLst>
+            </p:cNvPr>
+            <p:cNvCxnSpPr>
+              <a:cxnSpLocks/>
+            </p:cNvCxnSpPr>
+            <p:nvPr/>
+          </p:nvCxnSpPr>
+          <p:spPr>
+            <a:xfrm flipV="1">
+              <a:off x="3104396" y="3220318"/>
+              <a:ext cx="0" cy="1032010"/>
+            </a:xfrm>
+            <a:prstGeom prst="straightConnector1">
+              <a:avLst/>
+            </a:prstGeom>
+            <a:ln w="38100">
+              <a:solidFill>
+                <a:schemeClr val="tx1"/>
+              </a:solidFill>
+              <a:tailEnd type="arrow"/>
+            </a:ln>
+            <a:effectLst>
+              <a:outerShdw blurRad="50800" dist="38100" dir="2700000" algn="tl" rotWithShape="0">
+                <a:prstClr val="black">
+                  <a:alpha val="40000"/>
+                </a:prstClr>
+              </a:outerShdw>
+            </a:effectLst>
+          </p:spPr>
+          <p:style>
+            <a:lnRef idx="1">
+              <a:schemeClr val="accent1"/>
+            </a:lnRef>
+            <a:fillRef idx="0">
+              <a:schemeClr val="accent1"/>
+            </a:fillRef>
+            <a:effectRef idx="0">
+              <a:schemeClr val="accent1"/>
+            </a:effectRef>
+            <a:fontRef idx="minor">
+              <a:schemeClr val="tx1"/>
+            </a:fontRef>
+          </p:style>
+        </p:cxnSp>
+        <p:cxnSp>
+          <p:nvCxnSpPr>
+            <p:cNvPr id="67" name="Straight Arrow Connector 66">
+              <a:extLst>
+                <a:ext uri="{FF2B5EF4-FFF2-40B4-BE49-F238E27FC236}">
+                  <a16:creationId xmlns:a16="http://schemas.microsoft.com/office/drawing/2014/main" id="{BEF61221-B548-5507-E1CD-405194AF51BC}"/>
+                </a:ext>
+              </a:extLst>
+            </p:cNvPr>
+            <p:cNvCxnSpPr>
+              <a:cxnSpLocks/>
+              <a:stCxn id="8" idx="1"/>
+            </p:cNvCxnSpPr>
+            <p:nvPr/>
+          </p:nvCxnSpPr>
+          <p:spPr>
+            <a:xfrm flipH="1">
+              <a:off x="3653585" y="1111355"/>
+              <a:ext cx="4889044" cy="0"/>
+            </a:xfrm>
+            <a:prstGeom prst="straightConnector1">
+              <a:avLst/>
+            </a:prstGeom>
+            <a:ln w="38100">
+              <a:solidFill>
+                <a:schemeClr val="tx1"/>
+              </a:solidFill>
+              <a:tailEnd type="arrow"/>
+            </a:ln>
+            <a:effectLst>
+              <a:outerShdw blurRad="50800" dist="38100" dir="2700000" algn="tl" rotWithShape="0">
+                <a:prstClr val="black">
+                  <a:alpha val="40000"/>
+                </a:prstClr>
+              </a:outerShdw>
+            </a:effectLst>
+          </p:spPr>
+          <p:style>
+            <a:lnRef idx="1">
+              <a:schemeClr val="accent1"/>
+            </a:lnRef>
+            <a:fillRef idx="0">
+              <a:schemeClr val="accent1"/>
+            </a:fillRef>
+            <a:effectRef idx="0">
+              <a:schemeClr val="accent1"/>
+            </a:effectRef>
+            <a:fontRef idx="minor">
+              <a:schemeClr val="tx1"/>
+            </a:fontRef>
+          </p:style>
+        </p:cxnSp>
+        <p:pic>
+          <p:nvPicPr>
+            <p:cNvPr id="19" name="Picture 18">
+              <a:extLst>
+                <a:ext uri="{FF2B5EF4-FFF2-40B4-BE49-F238E27FC236}">
+                  <a16:creationId xmlns:a16="http://schemas.microsoft.com/office/drawing/2014/main" id="{2A536AF4-F667-F712-A9C9-7476662CF58F}"/>
+                </a:ext>
+              </a:extLst>
+            </p:cNvPr>
+            <p:cNvPicPr>
+              <a:picLocks noChangeAspect="1"/>
+            </p:cNvPicPr>
+            <p:nvPr/>
+          </p:nvPicPr>
+          <p:blipFill>
+            <a:blip r:embed="rId2"/>
+            <a:stretch>
+              <a:fillRect/>
+            </a:stretch>
+          </p:blipFill>
+          <p:spPr>
+            <a:xfrm>
+              <a:off x="4610010" y="1711274"/>
+              <a:ext cx="426201" cy="332186"/>
+            </a:xfrm>
+            <a:prstGeom prst="rect">
+              <a:avLst/>
+            </a:prstGeom>
+            <a:effectLst>
+              <a:outerShdw blurRad="50800" dist="38100" dir="2700000" algn="tl" rotWithShape="0">
+                <a:prstClr val="black">
+                  <a:alpha val="40000"/>
+                </a:prstClr>
+              </a:outerShdw>
+            </a:effectLst>
+          </p:spPr>
+        </p:pic>
+        <p:pic>
+          <p:nvPicPr>
+            <p:cNvPr id="20" name="Picture 19">
+              <a:extLst>
+                <a:ext uri="{FF2B5EF4-FFF2-40B4-BE49-F238E27FC236}">
+                  <a16:creationId xmlns:a16="http://schemas.microsoft.com/office/drawing/2014/main" id="{0B94C63D-5E0F-B50E-FDE4-000975FC4DB4}"/>
+                </a:ext>
+              </a:extLst>
+            </p:cNvPr>
+            <p:cNvPicPr>
+              <a:picLocks noChangeAspect="1"/>
+            </p:cNvPicPr>
+            <p:nvPr/>
+          </p:nvPicPr>
+          <p:blipFill>
+            <a:blip r:embed="rId2"/>
+            <a:stretch>
+              <a:fillRect/>
+            </a:stretch>
+          </p:blipFill>
+          <p:spPr>
+            <a:xfrm>
+              <a:off x="5063862" y="1711274"/>
+              <a:ext cx="426201" cy="332186"/>
+            </a:xfrm>
+            <a:prstGeom prst="rect">
+              <a:avLst/>
+            </a:prstGeom>
+            <a:effectLst>
+              <a:outerShdw blurRad="50800" dist="38100" dir="2700000" algn="tl" rotWithShape="0">
+                <a:prstClr val="black">
+                  <a:alpha val="40000"/>
+                </a:prstClr>
+              </a:outerShdw>
+            </a:effectLst>
+          </p:spPr>
+        </p:pic>
+        <p:pic>
+          <p:nvPicPr>
+            <p:cNvPr id="21" name="Picture 20">
+              <a:extLst>
+                <a:ext uri="{FF2B5EF4-FFF2-40B4-BE49-F238E27FC236}">
+                  <a16:creationId xmlns:a16="http://schemas.microsoft.com/office/drawing/2014/main" id="{47BDFE8D-8850-703E-3D90-75315424B70F}"/>
+                </a:ext>
+              </a:extLst>
+            </p:cNvPr>
+            <p:cNvPicPr>
+              <a:picLocks noChangeAspect="1"/>
+            </p:cNvPicPr>
+            <p:nvPr/>
+          </p:nvPicPr>
+          <p:blipFill>
+            <a:blip r:embed="rId2"/>
+            <a:stretch>
+              <a:fillRect/>
+            </a:stretch>
+          </p:blipFill>
+          <p:spPr>
+            <a:xfrm>
+              <a:off x="4836936" y="2077640"/>
+              <a:ext cx="426201" cy="332186"/>
+            </a:xfrm>
+            <a:prstGeom prst="rect">
+              <a:avLst/>
+            </a:prstGeom>
+            <a:effectLst>
+              <a:outerShdw blurRad="50800" dist="38100" dir="2700000" algn="tl" rotWithShape="0">
+                <a:prstClr val="black">
+                  <a:alpha val="40000"/>
+                </a:prstClr>
+              </a:outerShdw>
+            </a:effectLst>
+          </p:spPr>
+        </p:pic>
+        <p:grpSp>
+          <p:nvGrpSpPr>
+            <p:cNvPr id="33" name="Group 32">
+              <a:extLst>
+                <a:ext uri="{FF2B5EF4-FFF2-40B4-BE49-F238E27FC236}">
+                  <a16:creationId xmlns:a16="http://schemas.microsoft.com/office/drawing/2014/main" id="{ACE9E6D8-CEA7-E84B-AE05-2538C4DC2159}"/>
+                </a:ext>
+              </a:extLst>
+            </p:cNvPr>
+            <p:cNvGrpSpPr/>
+            <p:nvPr/>
+          </p:nvGrpSpPr>
+          <p:grpSpPr>
+            <a:xfrm>
+              <a:off x="4420203" y="3787534"/>
+              <a:ext cx="1080521" cy="876422"/>
+              <a:chOff x="4420203" y="4334701"/>
+              <a:chExt cx="1080521" cy="876422"/>
+            </a:xfrm>
+          </p:grpSpPr>
+          <p:sp>
+            <p:nvSpPr>
+              <p:cNvPr id="32" name="Rectangle 31">
+                <a:extLst>
+                  <a:ext uri="{FF2B5EF4-FFF2-40B4-BE49-F238E27FC236}">
+                    <a16:creationId xmlns:a16="http://schemas.microsoft.com/office/drawing/2014/main" id="{6A567D29-2A16-EC9B-136F-B9869FFE2027}"/>
+                  </a:ext>
+                </a:extLst>
+              </p:cNvPr>
+              <p:cNvSpPr/>
+              <p:nvPr/>
+            </p:nvSpPr>
+            <p:spPr>
+              <a:xfrm>
+                <a:off x="4695826" y="4377146"/>
+                <a:ext cx="731044" cy="711938"/>
+              </a:xfrm>
+              <a:prstGeom prst="rect">
+                <a:avLst/>
+              </a:prstGeom>
+              <a:solidFill>
+                <a:schemeClr val="bg1"/>
+              </a:solidFill>
+              <a:ln>
+                <a:noFill/>
+              </a:ln>
+            </p:spPr>
+            <p:style>
+              <a:lnRef idx="2">
+                <a:schemeClr val="accent1">
+                  <a:shade val="50000"/>
+                </a:schemeClr>
+              </a:lnRef>
+              <a:fillRef idx="1">
+                <a:schemeClr val="accent1"/>
+              </a:fillRef>
+              <a:effectRef idx="0">
+                <a:schemeClr val="accent1"/>
+              </a:effectRef>
+              <a:fontRef idx="minor">
+                <a:schemeClr val="lt1"/>
+              </a:fontRef>
+            </p:style>
+            <p:txBody>
+              <a:bodyPr rtlCol="0" anchor="ctr"/>
+              <a:lstStyle/>
+              <a:p>
+                <a:pPr algn="ctr"/>
+                <a:endParaRPr kumimoji="1" lang="ja-JP" altLang="en-US"/>
+              </a:p>
+            </p:txBody>
+          </p:sp>
+          <p:pic>
+            <p:nvPicPr>
+              <p:cNvPr id="29" name="Picture 28">
+                <a:extLst>
+                  <a:ext uri="{FF2B5EF4-FFF2-40B4-BE49-F238E27FC236}">
+                    <a16:creationId xmlns:a16="http://schemas.microsoft.com/office/drawing/2014/main" id="{0BDC6565-6B96-FADE-E0ED-EB2387CB25B4}"/>
+                  </a:ext>
+                </a:extLst>
+              </p:cNvPr>
+              <p:cNvPicPr>
+                <a:picLocks noChangeAspect="1"/>
+              </p:cNvPicPr>
+              <p:nvPr/>
+            </p:nvPicPr>
+            <p:blipFill>
+              <a:blip r:embed="rId3"/>
+              <a:stretch>
+                <a:fillRect/>
+              </a:stretch>
+            </p:blipFill>
+            <p:spPr>
+              <a:xfrm>
+                <a:off x="4624302" y="4334701"/>
+                <a:ext cx="876422" cy="876422"/>
+              </a:xfrm>
+              <a:prstGeom prst="rect">
+                <a:avLst/>
+              </a:prstGeom>
+              <a:noFill/>
+              <a:effectLst>
+                <a:outerShdw blurRad="50800" dist="38100" dir="2700000" algn="tl" rotWithShape="0">
+                  <a:prstClr val="black">
+                    <a:alpha val="40000"/>
+                  </a:prstClr>
+                </a:outerShdw>
+              </a:effectLst>
+            </p:spPr>
+          </p:pic>
+          <p:pic>
+            <p:nvPicPr>
+              <p:cNvPr id="31" name="Picture 30">
+                <a:extLst>
+                  <a:ext uri="{FF2B5EF4-FFF2-40B4-BE49-F238E27FC236}">
+                    <a16:creationId xmlns:a16="http://schemas.microsoft.com/office/drawing/2014/main" id="{85276DD5-FDD8-5611-9287-5E077140874D}"/>
+                  </a:ext>
+                </a:extLst>
+              </p:cNvPr>
+              <p:cNvPicPr>
+                <a:picLocks noChangeAspect="1"/>
+              </p:cNvPicPr>
+              <p:nvPr/>
+            </p:nvPicPr>
+            <p:blipFill>
+              <a:blip r:embed="rId4"/>
+              <a:stretch>
+                <a:fillRect/>
+              </a:stretch>
+            </p:blipFill>
+            <p:spPr>
+              <a:xfrm>
+                <a:off x="4420203" y="4456851"/>
+                <a:ext cx="543001" cy="552527"/>
+              </a:xfrm>
+              <a:prstGeom prst="rect">
+                <a:avLst/>
+              </a:prstGeom>
+              <a:noFill/>
+              <a:effectLst>
+                <a:outerShdw blurRad="50800" dist="38100" dir="2700000" algn="tl" rotWithShape="0">
+                  <a:prstClr val="black">
+                    <a:alpha val="40000"/>
+                  </a:prstClr>
+                </a:outerShdw>
+              </a:effectLst>
+            </p:spPr>
+          </p:pic>
+        </p:grpSp>
+        <p:cxnSp>
+          <p:nvCxnSpPr>
+            <p:cNvPr id="35" name="Connector: Curved 34">
+              <a:extLst>
+                <a:ext uri="{FF2B5EF4-FFF2-40B4-BE49-F238E27FC236}">
+                  <a16:creationId xmlns:a16="http://schemas.microsoft.com/office/drawing/2014/main" id="{CEC5993C-60BC-BCB8-D3D7-81561B53E20E}"/>
+                </a:ext>
+              </a:extLst>
+            </p:cNvPr>
+            <p:cNvCxnSpPr>
+              <a:cxnSpLocks/>
+              <a:stCxn id="56" idx="3"/>
+              <a:endCxn id="58" idx="3"/>
+            </p:cNvCxnSpPr>
+            <p:nvPr/>
+          </p:nvCxnSpPr>
+          <p:spPr>
+            <a:xfrm flipV="1">
+              <a:off x="5228052" y="2123514"/>
+              <a:ext cx="198818" cy="1926403"/>
+            </a:xfrm>
+            <a:prstGeom prst="curvedConnector3">
+              <a:avLst>
+                <a:gd name="adj1" fmla="val 638397"/>
+              </a:avLst>
+            </a:prstGeom>
+            <a:ln w="38100">
+              <a:solidFill>
+                <a:schemeClr val="tx1"/>
+              </a:solidFill>
+              <a:tailEnd type="arrow"/>
+            </a:ln>
+            <a:effectLst>
+              <a:outerShdw blurRad="50800" dist="38100" dir="2700000" algn="tl" rotWithShape="0">
+                <a:prstClr val="black">
+                  <a:alpha val="40000"/>
+                </a:prstClr>
+              </a:outerShdw>
+            </a:effectLst>
+          </p:spPr>
+          <p:style>
+            <a:lnRef idx="1">
+              <a:schemeClr val="accent1"/>
+            </a:lnRef>
+            <a:fillRef idx="0">
+              <a:schemeClr val="accent1"/>
+            </a:fillRef>
+            <a:effectRef idx="0">
+              <a:schemeClr val="accent1"/>
+            </a:effectRef>
+            <a:fontRef idx="minor">
+              <a:schemeClr val="tx1"/>
+            </a:fontRef>
+          </p:style>
+        </p:cxnSp>
+        <p:cxnSp>
+          <p:nvCxnSpPr>
+            <p:cNvPr id="53" name="Straight Arrow Connector 52">
+              <a:extLst>
+                <a:ext uri="{FF2B5EF4-FFF2-40B4-BE49-F238E27FC236}">
+                  <a16:creationId xmlns:a16="http://schemas.microsoft.com/office/drawing/2014/main" id="{D9571D26-FFE9-D95F-4047-AF0AC54E28A5}"/>
+                </a:ext>
+              </a:extLst>
+            </p:cNvPr>
+            <p:cNvCxnSpPr>
+              <a:cxnSpLocks/>
+            </p:cNvCxnSpPr>
+            <p:nvPr/>
+          </p:nvCxnSpPr>
+          <p:spPr>
+            <a:xfrm flipV="1">
+              <a:off x="3104396" y="1480422"/>
+              <a:ext cx="0" cy="1032010"/>
+            </a:xfrm>
+            <a:prstGeom prst="straightConnector1">
+              <a:avLst/>
+            </a:prstGeom>
+            <a:ln w="38100">
+              <a:solidFill>
+                <a:schemeClr val="tx1"/>
+              </a:solidFill>
+              <a:tailEnd type="arrow"/>
+            </a:ln>
+            <a:effectLst>
+              <a:outerShdw blurRad="50800" dist="38100" dir="2700000" algn="tl" rotWithShape="0">
+                <a:prstClr val="black">
+                  <a:alpha val="40000"/>
+                </a:prstClr>
+              </a:outerShdw>
+            </a:effectLst>
+          </p:spPr>
+          <p:style>
+            <a:lnRef idx="1">
+              <a:schemeClr val="accent1"/>
+            </a:lnRef>
+            <a:fillRef idx="0">
+              <a:schemeClr val="accent1"/>
+            </a:fillRef>
+            <a:effectRef idx="0">
+              <a:schemeClr val="accent1"/>
+            </a:effectRef>
+            <a:fontRef idx="minor">
+              <a:schemeClr val="tx1"/>
+            </a:fontRef>
+          </p:style>
+        </p:cxnSp>
+        <p:sp>
+          <p:nvSpPr>
+            <p:cNvPr id="56" name="Rectangle 55">
+              <a:extLst>
+                <a:ext uri="{FF2B5EF4-FFF2-40B4-BE49-F238E27FC236}">
+                  <a16:creationId xmlns:a16="http://schemas.microsoft.com/office/drawing/2014/main" id="{A896BD46-C81F-FE98-3B4A-056985624FFF}"/>
+                </a:ext>
+              </a:extLst>
+            </p:cNvPr>
+            <p:cNvSpPr/>
+            <p:nvPr/>
+          </p:nvSpPr>
+          <p:spPr>
+            <a:xfrm>
+              <a:off x="4963204" y="3917493"/>
+              <a:ext cx="264848" cy="264848"/>
+            </a:xfrm>
+            <a:prstGeom prst="rect">
+              <a:avLst/>
+            </a:prstGeom>
+            <a:noFill/>
+            <a:ln>
+              <a:noFill/>
+            </a:ln>
+          </p:spPr>
+          <p:style>
+            <a:lnRef idx="2">
+              <a:schemeClr val="accent1">
+                <a:shade val="50000"/>
+              </a:schemeClr>
+            </a:lnRef>
+            <a:fillRef idx="1">
+              <a:schemeClr val="accent1"/>
+            </a:fillRef>
+            <a:effectRef idx="0">
+              <a:schemeClr val="accent1"/>
+            </a:effectRef>
+            <a:fontRef idx="minor">
+              <a:schemeClr val="lt1"/>
+            </a:fontRef>
+          </p:style>
+          <p:txBody>
+            <a:bodyPr rtlCol="0" anchor="ctr"/>
+            <a:lstStyle/>
+            <a:p>
+              <a:pPr algn="ctr"/>
+              <a:endParaRPr kumimoji="1" lang="ja-JP" altLang="en-US"/>
+            </a:p>
+          </p:txBody>
+        </p:sp>
+        <p:sp>
+          <p:nvSpPr>
+            <p:cNvPr id="58" name="Rectangle 57">
+              <a:extLst>
+                <a:ext uri="{FF2B5EF4-FFF2-40B4-BE49-F238E27FC236}">
+                  <a16:creationId xmlns:a16="http://schemas.microsoft.com/office/drawing/2014/main" id="{9DFAD12F-8FAF-CB11-8015-0C79462D536E}"/>
+                </a:ext>
+              </a:extLst>
+            </p:cNvPr>
+            <p:cNvSpPr/>
+            <p:nvPr/>
+          </p:nvSpPr>
+          <p:spPr>
+            <a:xfrm>
+              <a:off x="5162022" y="1991090"/>
+              <a:ext cx="264848" cy="264848"/>
+            </a:xfrm>
+            <a:prstGeom prst="rect">
+              <a:avLst/>
+            </a:prstGeom>
+            <a:noFill/>
+            <a:ln>
+              <a:noFill/>
+            </a:ln>
+          </p:spPr>
+          <p:style>
+            <a:lnRef idx="2">
+              <a:schemeClr val="accent1">
+                <a:shade val="50000"/>
+              </a:schemeClr>
+            </a:lnRef>
+            <a:fillRef idx="1">
+              <a:schemeClr val="accent1"/>
+            </a:fillRef>
+            <a:effectRef idx="0">
+              <a:schemeClr val="accent1"/>
+            </a:effectRef>
+            <a:fontRef idx="minor">
+              <a:schemeClr val="lt1"/>
+            </a:fontRef>
+          </p:style>
+          <p:txBody>
+            <a:bodyPr rtlCol="0" anchor="ctr"/>
+            <a:lstStyle/>
+            <a:p>
+              <a:pPr algn="ctr"/>
+              <a:endParaRPr kumimoji="1" lang="ja-JP" altLang="en-US"/>
+            </a:p>
+          </p:txBody>
+        </p:sp>
+        <p:sp>
+          <p:nvSpPr>
+            <p:cNvPr id="63" name="TextBox 62">
+              <a:extLst>
+                <a:ext uri="{FF2B5EF4-FFF2-40B4-BE49-F238E27FC236}">
+                  <a16:creationId xmlns:a16="http://schemas.microsoft.com/office/drawing/2014/main" id="{0C206F3F-EBDE-6C0A-9D18-B6FFBAA1D5CF}"/>
+                </a:ext>
+              </a:extLst>
+            </p:cNvPr>
+            <p:cNvSpPr txBox="1"/>
+            <p:nvPr/>
+          </p:nvSpPr>
+          <p:spPr>
+            <a:xfrm>
+              <a:off x="517790" y="5642441"/>
+              <a:ext cx="7885146" cy="830997"/>
+            </a:xfrm>
+            <a:prstGeom prst="rect">
+              <a:avLst/>
+            </a:prstGeom>
+            <a:noFill/>
+          </p:spPr>
+          <p:txBody>
+            <a:bodyPr wrap="square">
+              <a:spAutoFit/>
+            </a:bodyPr>
+            <a:lstStyle/>
+            <a:p>
+              <a:r>
+                <a:rPr lang="en-US" altLang="ja-JP" sz="2400" dirty="0">
+                  <a:latin typeface="Abadi" panose="020B0604020104020204" pitchFamily="34" charset="0"/>
+                </a:rPr>
+                <a:t>As like the opened vault, </a:t>
+              </a:r>
+              <a:r>
+                <a:rPr lang="en-US" altLang="ja-JP" sz="2400" dirty="0">
+                  <a:solidFill>
+                    <a:schemeClr val="tx1"/>
+                  </a:solidFill>
+                  <a:latin typeface="Abadi" panose="020B0604020104020204" pitchFamily="34" charset="0"/>
+                </a:rPr>
+                <a:t>the NPO/NGO/Government can withdraw the pooled Solana to support the Country ABC</a:t>
+              </a:r>
+            </a:p>
+          </p:txBody>
+        </p:sp>
+        <p:sp>
+          <p:nvSpPr>
+            <p:cNvPr id="69" name="Rectangle 68">
+              <a:extLst>
+                <a:ext uri="{FF2B5EF4-FFF2-40B4-BE49-F238E27FC236}">
+                  <a16:creationId xmlns:a16="http://schemas.microsoft.com/office/drawing/2014/main" id="{4B0597A4-9B31-04E7-AEF1-6C78F5060446}"/>
+                </a:ext>
+              </a:extLst>
+            </p:cNvPr>
+            <p:cNvSpPr/>
+            <p:nvPr/>
+          </p:nvSpPr>
+          <p:spPr>
+            <a:xfrm>
+              <a:off x="5847736" y="757412"/>
+              <a:ext cx="631625" cy="615117"/>
+            </a:xfrm>
+            <a:prstGeom prst="rect">
+              <a:avLst/>
+            </a:prstGeom>
+            <a:solidFill>
+              <a:schemeClr val="bg1"/>
+            </a:solidFill>
+            <a:ln>
+              <a:noFill/>
+            </a:ln>
+          </p:spPr>
+          <p:style>
+            <a:lnRef idx="2">
+              <a:schemeClr val="accent1">
+                <a:shade val="50000"/>
+              </a:schemeClr>
+            </a:lnRef>
+            <a:fillRef idx="1">
+              <a:schemeClr val="accent1"/>
+            </a:fillRef>
+            <a:effectRef idx="0">
+              <a:schemeClr val="accent1"/>
+            </a:effectRef>
+            <a:fontRef idx="minor">
+              <a:schemeClr val="lt1"/>
+            </a:fontRef>
+          </p:style>
+          <p:txBody>
+            <a:bodyPr rtlCol="0" anchor="ctr"/>
+            <a:lstStyle/>
+            <a:p>
+              <a:pPr algn="ctr"/>
+              <a:endParaRPr kumimoji="1" lang="ja-JP" altLang="en-US"/>
+            </a:p>
+          </p:txBody>
+        </p:sp>
+        <p:pic>
+          <p:nvPicPr>
+            <p:cNvPr id="2" name="Graphic 1" descr="Badge Heart with solid fill">
+              <a:extLst>
+                <a:ext uri="{FF2B5EF4-FFF2-40B4-BE49-F238E27FC236}">
+                  <a16:creationId xmlns:a16="http://schemas.microsoft.com/office/drawing/2014/main" id="{7F452974-C9B6-5E24-6665-BA9A66743CEC}"/>
+                </a:ext>
+              </a:extLst>
+            </p:cNvPr>
+            <p:cNvPicPr>
+              <a:picLocks noChangeAspect="1"/>
+            </p:cNvPicPr>
+            <p:nvPr/>
+          </p:nvPicPr>
+          <p:blipFill>
+            <a:blip r:embed="rId5">
+              <a:extLst>
+                <a:ext uri="{28A0092B-C50C-407E-A947-70E740481C1C}">
+                  <a14:useLocalDpi xmlns:a14="http://schemas.microsoft.com/office/drawing/2010/main" val="0"/>
+                </a:ext>
+                <a:ext uri="{96DAC541-7B7A-43D3-8B79-37D633B846F1}">
+                  <asvg:svgBlip xmlns:asvg="http://schemas.microsoft.com/office/drawing/2016/SVG/main" r:embed="rId6"/>
+                </a:ext>
+              </a:extLst>
+            </a:blip>
+            <a:stretch>
+              <a:fillRect/>
+            </a:stretch>
+          </p:blipFill>
+          <p:spPr>
+            <a:xfrm>
+              <a:off x="5447896" y="374214"/>
+              <a:ext cx="1327970" cy="1327970"/>
+            </a:xfrm>
+            <a:prstGeom prst="rect">
+              <a:avLst/>
+            </a:prstGeom>
+            <a:effectLst>
+              <a:outerShdw blurRad="50800" dist="38100" dir="2700000" algn="tl" rotWithShape="0">
+                <a:prstClr val="black">
+                  <a:alpha val="40000"/>
+                </a:prstClr>
+              </a:outerShdw>
+            </a:effectLst>
+          </p:spPr>
+        </p:pic>
+        <p:cxnSp>
+          <p:nvCxnSpPr>
+            <p:cNvPr id="16" name="Straight Arrow Connector 15">
+              <a:extLst>
+                <a:ext uri="{FF2B5EF4-FFF2-40B4-BE49-F238E27FC236}">
+                  <a16:creationId xmlns:a16="http://schemas.microsoft.com/office/drawing/2014/main" id="{E52DD156-BAD2-1A67-6955-65A27679FD75}"/>
+                </a:ext>
+              </a:extLst>
+            </p:cNvPr>
+            <p:cNvCxnSpPr>
+              <a:cxnSpLocks/>
+            </p:cNvCxnSpPr>
+            <p:nvPr/>
+          </p:nvCxnSpPr>
+          <p:spPr>
+            <a:xfrm flipH="1">
+              <a:off x="5514011" y="4049917"/>
+              <a:ext cx="3951948" cy="0"/>
+            </a:xfrm>
+            <a:prstGeom prst="straightConnector1">
+              <a:avLst/>
+            </a:prstGeom>
+            <a:ln w="38100">
+              <a:solidFill>
+                <a:schemeClr val="tx1"/>
+              </a:solidFill>
+              <a:tailEnd type="arrow"/>
+            </a:ln>
+            <a:effectLst>
+              <a:outerShdw blurRad="50800" dist="38100" dir="2700000" algn="tl" rotWithShape="0">
+                <a:prstClr val="black">
+                  <a:alpha val="40000"/>
+                </a:prstClr>
+              </a:outerShdw>
+            </a:effectLst>
+          </p:spPr>
+          <p:style>
+            <a:lnRef idx="1">
+              <a:schemeClr val="accent1"/>
+            </a:lnRef>
+            <a:fillRef idx="0">
+              <a:schemeClr val="accent1"/>
+            </a:fillRef>
+            <a:effectRef idx="0">
+              <a:schemeClr val="accent1"/>
+            </a:effectRef>
+            <a:fontRef idx="minor">
+              <a:schemeClr val="tx1"/>
+            </a:fontRef>
+          </p:style>
+        </p:cxnSp>
+        <p:cxnSp>
+          <p:nvCxnSpPr>
+            <p:cNvPr id="17" name="Straight Arrow Connector 16">
+              <a:extLst>
+                <a:ext uri="{FF2B5EF4-FFF2-40B4-BE49-F238E27FC236}">
+                  <a16:creationId xmlns:a16="http://schemas.microsoft.com/office/drawing/2014/main" id="{0EADA5C4-BFF1-102B-AD54-07AC14BFDD4C}"/>
+                </a:ext>
+              </a:extLst>
+            </p:cNvPr>
+            <p:cNvCxnSpPr>
+              <a:cxnSpLocks/>
+            </p:cNvCxnSpPr>
+            <p:nvPr/>
+          </p:nvCxnSpPr>
+          <p:spPr>
+            <a:xfrm flipH="1" flipV="1">
+              <a:off x="5514011" y="4240695"/>
+              <a:ext cx="3951948" cy="700798"/>
+            </a:xfrm>
+            <a:prstGeom prst="straightConnector1">
+              <a:avLst/>
+            </a:prstGeom>
+            <a:ln w="38100">
+              <a:solidFill>
+                <a:schemeClr val="tx1"/>
+              </a:solidFill>
+              <a:tailEnd type="arrow"/>
+            </a:ln>
+            <a:effectLst>
+              <a:outerShdw blurRad="50800" dist="38100" dir="2700000" algn="tl" rotWithShape="0">
+                <a:prstClr val="black">
+                  <a:alpha val="40000"/>
+                </a:prstClr>
+              </a:outerShdw>
+            </a:effectLst>
+          </p:spPr>
+          <p:style>
+            <a:lnRef idx="1">
+              <a:schemeClr val="accent1"/>
+            </a:lnRef>
+            <a:fillRef idx="0">
+              <a:schemeClr val="accent1"/>
+            </a:fillRef>
+            <a:effectRef idx="0">
+              <a:schemeClr val="accent1"/>
+            </a:effectRef>
+            <a:fontRef idx="minor">
+              <a:schemeClr val="tx1"/>
+            </a:fontRef>
+          </p:style>
+        </p:cxnSp>
+        <p:cxnSp>
+          <p:nvCxnSpPr>
+            <p:cNvPr id="22" name="Straight Arrow Connector 21">
+              <a:extLst>
+                <a:ext uri="{FF2B5EF4-FFF2-40B4-BE49-F238E27FC236}">
+                  <a16:creationId xmlns:a16="http://schemas.microsoft.com/office/drawing/2014/main" id="{4B008238-9D15-7A9F-31B2-4EB6F6BE14B1}"/>
+                </a:ext>
+              </a:extLst>
+            </p:cNvPr>
+            <p:cNvCxnSpPr>
+              <a:cxnSpLocks/>
+            </p:cNvCxnSpPr>
+            <p:nvPr/>
+          </p:nvCxnSpPr>
+          <p:spPr>
+            <a:xfrm flipH="1" flipV="1">
+              <a:off x="5537200" y="4457700"/>
+              <a:ext cx="3928759" cy="1375368"/>
+            </a:xfrm>
+            <a:prstGeom prst="straightConnector1">
+              <a:avLst/>
+            </a:prstGeom>
+            <a:ln w="38100">
+              <a:solidFill>
+                <a:schemeClr val="tx1"/>
+              </a:solidFill>
+              <a:tailEnd type="arrow"/>
+            </a:ln>
+            <a:effectLst>
+              <a:outerShdw blurRad="50800" dist="38100" dir="2700000" algn="tl" rotWithShape="0">
+                <a:prstClr val="black">
+                  <a:alpha val="40000"/>
+                </a:prstClr>
+              </a:outerShdw>
+            </a:effectLst>
+          </p:spPr>
+          <p:style>
+            <a:lnRef idx="1">
+              <a:schemeClr val="accent1"/>
+            </a:lnRef>
+            <a:fillRef idx="0">
+              <a:schemeClr val="accent1"/>
+            </a:fillRef>
+            <a:effectRef idx="0">
+              <a:schemeClr val="accent1"/>
+            </a:effectRef>
+            <a:fontRef idx="minor">
+              <a:schemeClr val="tx1"/>
+            </a:fontRef>
+          </p:style>
+        </p:cxnSp>
+        <p:grpSp>
+          <p:nvGrpSpPr>
+            <p:cNvPr id="60" name="Group 59">
+              <a:extLst>
+                <a:ext uri="{FF2B5EF4-FFF2-40B4-BE49-F238E27FC236}">
+                  <a16:creationId xmlns:a16="http://schemas.microsoft.com/office/drawing/2014/main" id="{B3010296-194D-D565-45CA-A18CE767EB7D}"/>
+                </a:ext>
+              </a:extLst>
+            </p:cNvPr>
+            <p:cNvGrpSpPr/>
+            <p:nvPr/>
+          </p:nvGrpSpPr>
+          <p:grpSpPr>
+            <a:xfrm>
+              <a:off x="7198638" y="3241964"/>
+              <a:ext cx="4829628" cy="3405580"/>
+              <a:chOff x="3964509" y="2712271"/>
+              <a:chExt cx="4829628" cy="3405580"/>
+            </a:xfrm>
+          </p:grpSpPr>
+          <p:sp>
+            <p:nvSpPr>
+              <p:cNvPr id="4" name="Speech Bubble: Rectangle with Corners Rounded 3">
+                <a:extLst>
+                  <a:ext uri="{FF2B5EF4-FFF2-40B4-BE49-F238E27FC236}">
+                    <a16:creationId xmlns:a16="http://schemas.microsoft.com/office/drawing/2014/main" id="{480A60BF-CB2F-CFD8-092C-0F6C587C20BE}"/>
+                  </a:ext>
+                </a:extLst>
+              </p:cNvPr>
+              <p:cNvSpPr/>
+              <p:nvPr/>
+            </p:nvSpPr>
+            <p:spPr>
+              <a:xfrm>
+                <a:off x="3964509" y="2712271"/>
+                <a:ext cx="4804894" cy="3405580"/>
+              </a:xfrm>
+              <a:prstGeom prst="wedgeRoundRectCallout">
+                <a:avLst>
+                  <a:gd name="adj1" fmla="val 34458"/>
+                  <a:gd name="adj2" fmla="val 4848"/>
+                  <a:gd name="adj3" fmla="val 16667"/>
+                </a:avLst>
               </a:prstGeom>
               <a:solidFill>
                 <a:schemeClr val="bg1"/>
@@ -2720,36 +8175,7 @@
               </a:bodyPr>
               <a:lstStyle/>
               <a:p>
-                <a:r>
-                  <a:rPr kumimoji="1" lang="en-US" altLang="ja-JP" sz="4000" dirty="0">
-                    <a:solidFill>
-                      <a:schemeClr val="tx1"/>
-                    </a:solidFill>
-                    <a:latin typeface="Abadi" panose="020B0604020104020204" pitchFamily="34" charset="0"/>
-                  </a:rPr>
-                  <a:t>Project</a:t>
-                </a:r>
-                <a:r>
-                  <a:rPr lang="en-US" altLang="ja-JP" sz="4000" dirty="0">
-                    <a:solidFill>
-                      <a:schemeClr val="tx1"/>
-                    </a:solidFill>
-                    <a:latin typeface="Abadi" panose="020B0604020104020204" pitchFamily="34" charset="0"/>
-                  </a:rPr>
-                  <a:t>:</a:t>
-                </a:r>
-              </a:p>
-              <a:p>
-                <a:r>
-                  <a:rPr kumimoji="1" lang="en-US" altLang="ja-JP" sz="4000" dirty="0">
-                    <a:solidFill>
-                      <a:schemeClr val="tx1"/>
-                    </a:solidFill>
-                    <a:latin typeface="Abadi" panose="020B0604020104020204" pitchFamily="34" charset="0"/>
-                  </a:rPr>
-                  <a:t>Defend Country ABC</a:t>
-                </a:r>
-                <a:endParaRPr kumimoji="1" lang="ja-JP" altLang="en-US" sz="4000" dirty="0">
+                <a:endParaRPr lang="ja-JP" altLang="en-US" sz="4000">
                   <a:solidFill>
                     <a:schemeClr val="tx1"/>
                   </a:solidFill>
@@ -2758,24 +8184,640 @@
               </a:p>
             </p:txBody>
           </p:sp>
-          <p:sp>
-            <p:nvSpPr>
-              <p:cNvPr id="7" name="Rectangle 6">
+          <p:grpSp>
+            <p:nvGrpSpPr>
+              <p:cNvPr id="37" name="Group 36">
                 <a:extLst>
                   <a:ext uri="{FF2B5EF4-FFF2-40B4-BE49-F238E27FC236}">
-                    <a16:creationId xmlns:a16="http://schemas.microsoft.com/office/drawing/2014/main" id="{C26116B9-10D2-0B22-C30B-DF7604E9938C}"/>
+                    <a16:creationId xmlns:a16="http://schemas.microsoft.com/office/drawing/2014/main" id="{F3382CAB-6F69-352B-F451-E426141AAFF1}"/>
                   </a:ext>
                 </a:extLst>
               </p:cNvPr>
-              <p:cNvSpPr/>
+              <p:cNvGrpSpPr/>
               <p:nvPr/>
-            </p:nvSpPr>
+            </p:nvGrpSpPr>
+            <p:grpSpPr>
+              <a:xfrm>
+                <a:off x="4094502" y="2786245"/>
+                <a:ext cx="4529097" cy="3326977"/>
+                <a:chOff x="6905860" y="1883127"/>
+                <a:chExt cx="4529097" cy="3326977"/>
+              </a:xfrm>
+            </p:grpSpPr>
+            <p:sp>
+              <p:nvSpPr>
+                <p:cNvPr id="13" name="TextBox 12">
+                  <a:extLst>
+                    <a:ext uri="{FF2B5EF4-FFF2-40B4-BE49-F238E27FC236}">
+                      <a16:creationId xmlns:a16="http://schemas.microsoft.com/office/drawing/2014/main" id="{123CEEBE-8874-0F8A-819B-AD63F73A5CD4}"/>
+                    </a:ext>
+                  </a:extLst>
+                </p:cNvPr>
+                <p:cNvSpPr txBox="1"/>
+                <p:nvPr/>
+              </p:nvSpPr>
+              <p:spPr>
+                <a:xfrm>
+                  <a:off x="6905860" y="1883127"/>
+                  <a:ext cx="1345240" cy="461665"/>
+                </a:xfrm>
+                <a:prstGeom prst="rect">
+                  <a:avLst/>
+                </a:prstGeom>
+                <a:noFill/>
+              </p:spPr>
+              <p:txBody>
+                <a:bodyPr wrap="none">
+                  <a:spAutoFit/>
+                </a:bodyPr>
+                <a:lstStyle/>
+                <a:p>
+                  <a:r>
+                    <a:rPr lang="en-US" altLang="ja-JP" sz="2400" b="1" dirty="0">
+                      <a:latin typeface="Abadi" panose="020B0604020104020204" pitchFamily="34" charset="0"/>
+                    </a:rPr>
+                    <a:t>Backer 1</a:t>
+                  </a:r>
+                  <a:endParaRPr lang="ja-JP" altLang="en-US" sz="2400" b="1" dirty="0"/>
+                </a:p>
+              </p:txBody>
+            </p:sp>
+            <p:pic>
+              <p:nvPicPr>
+                <p:cNvPr id="18" name="Graphic 17" descr="Envelope with solid fill">
+                  <a:extLst>
+                    <a:ext uri="{FF2B5EF4-FFF2-40B4-BE49-F238E27FC236}">
+                      <a16:creationId xmlns:a16="http://schemas.microsoft.com/office/drawing/2014/main" id="{2E58F3B3-1087-78AC-6875-3301F703B92F}"/>
+                    </a:ext>
+                  </a:extLst>
+                </p:cNvPr>
+                <p:cNvPicPr>
+                  <a:picLocks noChangeAspect="1"/>
+                </p:cNvPicPr>
+                <p:nvPr/>
+              </p:nvPicPr>
+              <p:blipFill>
+                <a:blip r:embed="rId7">
+                  <a:extLst>
+                    <a:ext uri="{28A0092B-C50C-407E-A947-70E740481C1C}">
+                      <a14:useLocalDpi xmlns:a14="http://schemas.microsoft.com/office/drawing/2010/main" val="0"/>
+                    </a:ext>
+                    <a:ext uri="{96DAC541-7B7A-43D3-8B79-37D633B846F1}">
+                      <asvg:svgBlip xmlns:asvg="http://schemas.microsoft.com/office/drawing/2016/SVG/main" r:embed="rId8"/>
+                    </a:ext>
+                  </a:extLst>
+                </a:blip>
+                <a:stretch>
+                  <a:fillRect/>
+                </a:stretch>
+              </p:blipFill>
+              <p:spPr>
+                <a:xfrm>
+                  <a:off x="7121280" y="2197826"/>
+                  <a:ext cx="914400" cy="914400"/>
+                </a:xfrm>
+                <a:prstGeom prst="rect">
+                  <a:avLst/>
+                </a:prstGeom>
+                <a:effectLst>
+                  <a:outerShdw blurRad="50800" dist="38100" dir="2700000" algn="tl" rotWithShape="0">
+                    <a:prstClr val="black">
+                      <a:alpha val="40000"/>
+                    </a:prstClr>
+                  </a:outerShdw>
+                </a:effectLst>
+              </p:spPr>
+            </p:pic>
+            <p:sp>
+              <p:nvSpPr>
+                <p:cNvPr id="23" name="TextBox 22">
+                  <a:extLst>
+                    <a:ext uri="{FF2B5EF4-FFF2-40B4-BE49-F238E27FC236}">
+                      <a16:creationId xmlns:a16="http://schemas.microsoft.com/office/drawing/2014/main" id="{CE06392B-3821-CE3B-67F8-111D5AEB1E59}"/>
+                    </a:ext>
+                  </a:extLst>
+                </p:cNvPr>
+                <p:cNvSpPr txBox="1"/>
+                <p:nvPr/>
+              </p:nvSpPr>
+              <p:spPr>
+                <a:xfrm>
+                  <a:off x="6977995" y="2965261"/>
+                  <a:ext cx="1200970" cy="830997"/>
+                </a:xfrm>
+                <a:prstGeom prst="rect">
+                  <a:avLst/>
+                </a:prstGeom>
+                <a:noFill/>
+              </p:spPr>
+              <p:txBody>
+                <a:bodyPr wrap="none">
+                  <a:spAutoFit/>
+                </a:bodyPr>
+                <a:lstStyle/>
+                <a:p>
+                  <a:pPr algn="ctr"/>
+                  <a:r>
+                    <a:rPr lang="en-US" altLang="ja-JP" sz="2400" u="sng" dirty="0">
+                      <a:latin typeface="Abadi" panose="020B0604020104020204" pitchFamily="34" charset="0"/>
+                    </a:rPr>
+                    <a:t>Happen</a:t>
+                  </a:r>
+                </a:p>
+                <a:p>
+                  <a:pPr algn="ctr"/>
+                  <a:r>
+                    <a:rPr lang="en-US" altLang="ja-JP" sz="2400" dirty="0">
+                      <a:latin typeface="Abadi" panose="020B0604020104020204" pitchFamily="34" charset="0"/>
+                    </a:rPr>
+                    <a:t>1 SOL</a:t>
+                  </a:r>
+                  <a:endParaRPr lang="ja-JP" altLang="en-US" sz="2400" dirty="0"/>
+                </a:p>
+              </p:txBody>
+            </p:sp>
+            <p:sp>
+              <p:nvSpPr>
+                <p:cNvPr id="49" name="TextBox 48">
+                  <a:extLst>
+                    <a:ext uri="{FF2B5EF4-FFF2-40B4-BE49-F238E27FC236}">
+                      <a16:creationId xmlns:a16="http://schemas.microsoft.com/office/drawing/2014/main" id="{E8CF2BF0-B336-B2A7-1169-6CC64C867143}"/>
+                    </a:ext>
+                  </a:extLst>
+                </p:cNvPr>
+                <p:cNvSpPr txBox="1"/>
+                <p:nvPr/>
+              </p:nvSpPr>
+              <p:spPr>
+                <a:xfrm>
+                  <a:off x="7684345" y="4379107"/>
+                  <a:ext cx="1255473" cy="830997"/>
+                </a:xfrm>
+                <a:prstGeom prst="rect">
+                  <a:avLst/>
+                </a:prstGeom>
+                <a:noFill/>
+              </p:spPr>
+              <p:txBody>
+                <a:bodyPr wrap="none">
+                  <a:spAutoFit/>
+                </a:bodyPr>
+                <a:lstStyle/>
+                <a:p>
+                  <a:pPr algn="ctr"/>
+                  <a:r>
+                    <a:rPr lang="en-US" altLang="ja-JP" sz="2400" u="sng" dirty="0">
+                      <a:latin typeface="Abadi" panose="020B0604020104020204" pitchFamily="34" charset="0"/>
+                    </a:rPr>
+                    <a:t>Happen</a:t>
+                  </a:r>
+                </a:p>
+                <a:p>
+                  <a:pPr algn="ctr"/>
+                  <a:r>
+                    <a:rPr lang="en-US" altLang="ja-JP" sz="2400" dirty="0">
+                      <a:latin typeface="Abadi" panose="020B0604020104020204" pitchFamily="34" charset="0"/>
+                    </a:rPr>
+                    <a:t>1.5 SOL</a:t>
+                  </a:r>
+                  <a:endParaRPr lang="ja-JP" altLang="en-US" sz="2400" dirty="0"/>
+                </a:p>
+              </p:txBody>
+            </p:sp>
+            <p:sp>
+              <p:nvSpPr>
+                <p:cNvPr id="51" name="TextBox 50">
+                  <a:extLst>
+                    <a:ext uri="{FF2B5EF4-FFF2-40B4-BE49-F238E27FC236}">
+                      <a16:creationId xmlns:a16="http://schemas.microsoft.com/office/drawing/2014/main" id="{EF4C8D2D-3E4B-6C7D-CD6D-65F7464E61D1}"/>
+                    </a:ext>
+                  </a:extLst>
+                </p:cNvPr>
+                <p:cNvSpPr txBox="1"/>
+                <p:nvPr/>
+              </p:nvSpPr>
+              <p:spPr>
+                <a:xfrm>
+                  <a:off x="9669730" y="4379107"/>
+                  <a:ext cx="1765227" cy="830997"/>
+                </a:xfrm>
+                <a:prstGeom prst="rect">
+                  <a:avLst/>
+                </a:prstGeom>
+                <a:noFill/>
+              </p:spPr>
+              <p:txBody>
+                <a:bodyPr wrap="none">
+                  <a:spAutoFit/>
+                </a:bodyPr>
+                <a:lstStyle/>
+                <a:p>
+                  <a:pPr algn="ctr"/>
+                  <a:r>
+                    <a:rPr lang="en-US" altLang="ja-JP" sz="2400" u="sng" dirty="0">
+                      <a:latin typeface="Abadi" panose="020B0604020104020204" pitchFamily="34" charset="0"/>
+                    </a:rPr>
+                    <a:t>Not happen</a:t>
+                  </a:r>
+                </a:p>
+                <a:p>
+                  <a:pPr algn="ctr"/>
+                  <a:r>
+                    <a:rPr lang="en-US" altLang="ja-JP" sz="2400" dirty="0">
+                      <a:latin typeface="Abadi" panose="020B0604020104020204" pitchFamily="34" charset="0"/>
+                    </a:rPr>
+                    <a:t>1.2 SOL</a:t>
+                  </a:r>
+                  <a:endParaRPr lang="ja-JP" altLang="en-US" sz="2400" dirty="0"/>
+                </a:p>
+              </p:txBody>
+            </p:sp>
+          </p:grpSp>
+          <p:grpSp>
+            <p:nvGrpSpPr>
+              <p:cNvPr id="38" name="Group 37">
+                <a:extLst>
+                  <a:ext uri="{FF2B5EF4-FFF2-40B4-BE49-F238E27FC236}">
+                    <a16:creationId xmlns:a16="http://schemas.microsoft.com/office/drawing/2014/main" id="{B98DF727-1987-95F7-6434-70B3603A9C9D}"/>
+                  </a:ext>
+                </a:extLst>
+              </p:cNvPr>
+              <p:cNvGrpSpPr/>
+              <p:nvPr/>
+            </p:nvGrpSpPr>
+            <p:grpSpPr>
+              <a:xfrm>
+                <a:off x="5561706" y="2786245"/>
+                <a:ext cx="1345240" cy="1913131"/>
+                <a:chOff x="8328718" y="1883127"/>
+                <a:chExt cx="1345240" cy="1913131"/>
+              </a:xfrm>
+            </p:grpSpPr>
+            <p:sp>
+              <p:nvSpPr>
+                <p:cNvPr id="25" name="TextBox 24">
+                  <a:extLst>
+                    <a:ext uri="{FF2B5EF4-FFF2-40B4-BE49-F238E27FC236}">
+                      <a16:creationId xmlns:a16="http://schemas.microsoft.com/office/drawing/2014/main" id="{71D0157E-99AD-7133-9ABB-90D4F011312D}"/>
+                    </a:ext>
+                  </a:extLst>
+                </p:cNvPr>
+                <p:cNvSpPr txBox="1"/>
+                <p:nvPr/>
+              </p:nvSpPr>
+              <p:spPr>
+                <a:xfrm>
+                  <a:off x="8328718" y="1883127"/>
+                  <a:ext cx="1345240" cy="461665"/>
+                </a:xfrm>
+                <a:prstGeom prst="rect">
+                  <a:avLst/>
+                </a:prstGeom>
+                <a:noFill/>
+              </p:spPr>
+              <p:txBody>
+                <a:bodyPr wrap="none">
+                  <a:spAutoFit/>
+                </a:bodyPr>
+                <a:lstStyle/>
+                <a:p>
+                  <a:r>
+                    <a:rPr lang="en-US" altLang="ja-JP" sz="2400" b="1" dirty="0">
+                      <a:latin typeface="Abadi" panose="020B0604020104020204" pitchFamily="34" charset="0"/>
+                    </a:rPr>
+                    <a:t>Backer 2</a:t>
+                  </a:r>
+                  <a:endParaRPr lang="ja-JP" altLang="en-US" sz="2400" b="1" dirty="0"/>
+                </a:p>
+              </p:txBody>
+            </p:sp>
+            <p:pic>
+              <p:nvPicPr>
+                <p:cNvPr id="26" name="Graphic 25" descr="Envelope with solid fill">
+                  <a:extLst>
+                    <a:ext uri="{FF2B5EF4-FFF2-40B4-BE49-F238E27FC236}">
+                      <a16:creationId xmlns:a16="http://schemas.microsoft.com/office/drawing/2014/main" id="{11B7E504-9E86-4EB8-B0EC-C3FB360569A1}"/>
+                    </a:ext>
+                  </a:extLst>
+                </p:cNvPr>
+                <p:cNvPicPr>
+                  <a:picLocks noChangeAspect="1"/>
+                </p:cNvPicPr>
+                <p:nvPr/>
+              </p:nvPicPr>
+              <p:blipFill>
+                <a:blip r:embed="rId7">
+                  <a:extLst>
+                    <a:ext uri="{28A0092B-C50C-407E-A947-70E740481C1C}">
+                      <a14:useLocalDpi xmlns:a14="http://schemas.microsoft.com/office/drawing/2010/main" val="0"/>
+                    </a:ext>
+                    <a:ext uri="{96DAC541-7B7A-43D3-8B79-37D633B846F1}">
+                      <asvg:svgBlip xmlns:asvg="http://schemas.microsoft.com/office/drawing/2016/SVG/main" r:embed="rId8"/>
+                    </a:ext>
+                  </a:extLst>
+                </a:blip>
+                <a:stretch>
+                  <a:fillRect/>
+                </a:stretch>
+              </p:blipFill>
+              <p:spPr>
+                <a:xfrm>
+                  <a:off x="8544138" y="2197826"/>
+                  <a:ext cx="914400" cy="914400"/>
+                </a:xfrm>
+                <a:prstGeom prst="rect">
+                  <a:avLst/>
+                </a:prstGeom>
+                <a:effectLst>
+                  <a:outerShdw blurRad="50800" dist="38100" dir="2700000" algn="tl" rotWithShape="0">
+                    <a:prstClr val="black">
+                      <a:alpha val="40000"/>
+                    </a:prstClr>
+                  </a:outerShdw>
+                </a:effectLst>
+              </p:spPr>
+            </p:pic>
+            <p:sp>
+              <p:nvSpPr>
+                <p:cNvPr id="27" name="TextBox 26">
+                  <a:extLst>
+                    <a:ext uri="{FF2B5EF4-FFF2-40B4-BE49-F238E27FC236}">
+                      <a16:creationId xmlns:a16="http://schemas.microsoft.com/office/drawing/2014/main" id="{FBBE0AD0-D656-3CCD-23FB-0A6AAFE5389E}"/>
+                    </a:ext>
+                  </a:extLst>
+                </p:cNvPr>
+                <p:cNvSpPr txBox="1"/>
+                <p:nvPr/>
+              </p:nvSpPr>
+              <p:spPr>
+                <a:xfrm>
+                  <a:off x="8373604" y="2965261"/>
+                  <a:ext cx="1255472" cy="830997"/>
+                </a:xfrm>
+                <a:prstGeom prst="rect">
+                  <a:avLst/>
+                </a:prstGeom>
+                <a:noFill/>
+              </p:spPr>
+              <p:txBody>
+                <a:bodyPr wrap="none">
+                  <a:spAutoFit/>
+                </a:bodyPr>
+                <a:lstStyle/>
+                <a:p>
+                  <a:pPr algn="ctr"/>
+                  <a:r>
+                    <a:rPr lang="en-US" altLang="ja-JP" sz="2400" u="sng" dirty="0">
+                      <a:latin typeface="Abadi" panose="020B0604020104020204" pitchFamily="34" charset="0"/>
+                    </a:rPr>
+                    <a:t>Happen</a:t>
+                  </a:r>
+                </a:p>
+                <a:p>
+                  <a:pPr algn="ctr"/>
+                  <a:r>
+                    <a:rPr lang="en-US" altLang="ja-JP" sz="2400" dirty="0">
+                      <a:latin typeface="Abadi" panose="020B0604020104020204" pitchFamily="34" charset="0"/>
+                    </a:rPr>
+                    <a:t>0.5 SOL</a:t>
+                  </a:r>
+                  <a:endParaRPr lang="ja-JP" altLang="en-US" sz="2400" dirty="0"/>
+                </a:p>
+              </p:txBody>
+            </p:sp>
+          </p:grpSp>
+          <p:grpSp>
+            <p:nvGrpSpPr>
+              <p:cNvPr id="39" name="Group 38">
+                <a:extLst>
+                  <a:ext uri="{FF2B5EF4-FFF2-40B4-BE49-F238E27FC236}">
+                    <a16:creationId xmlns:a16="http://schemas.microsoft.com/office/drawing/2014/main" id="{70A12343-431E-A40C-6097-8102CAF920E8}"/>
+                  </a:ext>
+                </a:extLst>
+              </p:cNvPr>
+              <p:cNvGrpSpPr/>
+              <p:nvPr/>
+            </p:nvGrpSpPr>
+            <p:grpSpPr>
+              <a:xfrm>
+                <a:off x="7028909" y="2786245"/>
+                <a:ext cx="1765228" cy="1913131"/>
+                <a:chOff x="9840267" y="1883127"/>
+                <a:chExt cx="1765228" cy="1913131"/>
+              </a:xfrm>
+            </p:grpSpPr>
+            <p:sp>
+              <p:nvSpPr>
+                <p:cNvPr id="28" name="TextBox 27">
+                  <a:extLst>
+                    <a:ext uri="{FF2B5EF4-FFF2-40B4-BE49-F238E27FC236}">
+                      <a16:creationId xmlns:a16="http://schemas.microsoft.com/office/drawing/2014/main" id="{EF01581A-2B02-15EC-6168-BD71EA79ACF1}"/>
+                    </a:ext>
+                  </a:extLst>
+                </p:cNvPr>
+                <p:cNvSpPr txBox="1"/>
+                <p:nvPr/>
+              </p:nvSpPr>
+              <p:spPr>
+                <a:xfrm>
+                  <a:off x="10050259" y="1883127"/>
+                  <a:ext cx="1345240" cy="461665"/>
+                </a:xfrm>
+                <a:prstGeom prst="rect">
+                  <a:avLst/>
+                </a:prstGeom>
+                <a:noFill/>
+              </p:spPr>
+              <p:txBody>
+                <a:bodyPr wrap="none">
+                  <a:spAutoFit/>
+                </a:bodyPr>
+                <a:lstStyle/>
+                <a:p>
+                  <a:r>
+                    <a:rPr lang="en-US" altLang="ja-JP" sz="2400" b="1" dirty="0">
+                      <a:latin typeface="Abadi" panose="020B0604020104020204" pitchFamily="34" charset="0"/>
+                    </a:rPr>
+                    <a:t>Backer 3</a:t>
+                  </a:r>
+                  <a:endParaRPr lang="ja-JP" altLang="en-US" sz="2400" b="1" dirty="0"/>
+                </a:p>
+              </p:txBody>
+            </p:sp>
+            <p:pic>
+              <p:nvPicPr>
+                <p:cNvPr id="30" name="Graphic 29" descr="Envelope with solid fill">
+                  <a:extLst>
+                    <a:ext uri="{FF2B5EF4-FFF2-40B4-BE49-F238E27FC236}">
+                      <a16:creationId xmlns:a16="http://schemas.microsoft.com/office/drawing/2014/main" id="{B0D0221A-5650-29D2-A6FD-86BE42DDF1B2}"/>
+                    </a:ext>
+                  </a:extLst>
+                </p:cNvPr>
+                <p:cNvPicPr>
+                  <a:picLocks noChangeAspect="1"/>
+                </p:cNvPicPr>
+                <p:nvPr/>
+              </p:nvPicPr>
+              <p:blipFill>
+                <a:blip r:embed="rId7">
+                  <a:extLst>
+                    <a:ext uri="{28A0092B-C50C-407E-A947-70E740481C1C}">
+                      <a14:useLocalDpi xmlns:a14="http://schemas.microsoft.com/office/drawing/2010/main" val="0"/>
+                    </a:ext>
+                    <a:ext uri="{96DAC541-7B7A-43D3-8B79-37D633B846F1}">
+                      <asvg:svgBlip xmlns:asvg="http://schemas.microsoft.com/office/drawing/2016/SVG/main" r:embed="rId8"/>
+                    </a:ext>
+                  </a:extLst>
+                </a:blip>
+                <a:stretch>
+                  <a:fillRect/>
+                </a:stretch>
+              </p:blipFill>
+              <p:spPr>
+                <a:xfrm>
+                  <a:off x="10265679" y="2197826"/>
+                  <a:ext cx="914400" cy="914400"/>
+                </a:xfrm>
+                <a:prstGeom prst="rect">
+                  <a:avLst/>
+                </a:prstGeom>
+                <a:effectLst>
+                  <a:outerShdw blurRad="50800" dist="38100" dir="2700000" algn="tl" rotWithShape="0">
+                    <a:prstClr val="black">
+                      <a:alpha val="40000"/>
+                    </a:prstClr>
+                  </a:outerShdw>
+                </a:effectLst>
+              </p:spPr>
+            </p:pic>
+            <p:sp>
+              <p:nvSpPr>
+                <p:cNvPr id="34" name="TextBox 33">
+                  <a:extLst>
+                    <a:ext uri="{FF2B5EF4-FFF2-40B4-BE49-F238E27FC236}">
+                      <a16:creationId xmlns:a16="http://schemas.microsoft.com/office/drawing/2014/main" id="{C5B83B55-1603-411D-0A88-2F00EB0470A9}"/>
+                    </a:ext>
+                  </a:extLst>
+                </p:cNvPr>
+                <p:cNvSpPr txBox="1"/>
+                <p:nvPr/>
+              </p:nvSpPr>
+              <p:spPr>
+                <a:xfrm>
+                  <a:off x="9840267" y="2965261"/>
+                  <a:ext cx="1765228" cy="830997"/>
+                </a:xfrm>
+                <a:prstGeom prst="rect">
+                  <a:avLst/>
+                </a:prstGeom>
+                <a:noFill/>
+              </p:spPr>
+              <p:txBody>
+                <a:bodyPr wrap="none">
+                  <a:spAutoFit/>
+                </a:bodyPr>
+                <a:lstStyle/>
+                <a:p>
+                  <a:pPr algn="ctr"/>
+                  <a:r>
+                    <a:rPr lang="en-US" altLang="ja-JP" sz="2400" u="sng" dirty="0">
+                      <a:latin typeface="Abadi" panose="020B0604020104020204" pitchFamily="34" charset="0"/>
+                    </a:rPr>
+                    <a:t>Not happen</a:t>
+                  </a:r>
+                </a:p>
+                <a:p>
+                  <a:pPr algn="ctr"/>
+                  <a:r>
+                    <a:rPr lang="en-US" altLang="ja-JP" sz="2400" dirty="0">
+                      <a:latin typeface="Abadi" panose="020B0604020104020204" pitchFamily="34" charset="0"/>
+                    </a:rPr>
+                    <a:t>1.2 SOL</a:t>
+                  </a:r>
+                  <a:endParaRPr lang="ja-JP" altLang="en-US" sz="2400" dirty="0"/>
+                </a:p>
+              </p:txBody>
+            </p:sp>
+          </p:grpSp>
+          <p:cxnSp>
+            <p:nvCxnSpPr>
+              <p:cNvPr id="41" name="Connector: Elbow 40">
+                <a:extLst>
+                  <a:ext uri="{FF2B5EF4-FFF2-40B4-BE49-F238E27FC236}">
+                    <a16:creationId xmlns:a16="http://schemas.microsoft.com/office/drawing/2014/main" id="{2748B5DD-B1FF-58AD-22FF-D602891EC1ED}"/>
+                  </a:ext>
+                </a:extLst>
+              </p:cNvPr>
+              <p:cNvCxnSpPr>
+                <a:cxnSpLocks/>
+                <a:stCxn id="23" idx="2"/>
+                <a:endCxn id="27" idx="2"/>
+              </p:cNvCxnSpPr>
+              <p:nvPr/>
+            </p:nvCxnSpPr>
+            <p:spPr>
+              <a:xfrm rot="16200000" flipH="1">
+                <a:off x="5500725" y="3965773"/>
+                <a:ext cx="12700" cy="1467206"/>
+              </a:xfrm>
+              <a:prstGeom prst="bentConnector3">
+                <a:avLst>
+                  <a:gd name="adj1" fmla="val 1800000"/>
+                </a:avLst>
+              </a:prstGeom>
+              <a:solidFill>
+                <a:schemeClr val="bg1"/>
+              </a:solidFill>
+              <a:ln w="38100">
+                <a:solidFill>
+                  <a:schemeClr val="tx1"/>
+                </a:solidFill>
+                <a:headEnd type="oval"/>
+                <a:tailEnd type="oval"/>
+              </a:ln>
+              <a:effectLst>
+                <a:outerShdw blurRad="50800" dist="38100" dir="2700000" algn="tl" rotWithShape="0">
+                  <a:prstClr val="black">
+                    <a:alpha val="40000"/>
+                  </a:prstClr>
+                </a:outerShdw>
+              </a:effectLst>
+            </p:spPr>
+            <p:style>
+              <a:lnRef idx="2">
+                <a:schemeClr val="accent1">
+                  <a:shade val="50000"/>
+                </a:schemeClr>
+              </a:lnRef>
+              <a:fillRef idx="1">
+                <a:schemeClr val="accent1"/>
+              </a:fillRef>
+              <a:effectRef idx="0">
+                <a:schemeClr val="accent1"/>
+              </a:effectRef>
+              <a:fontRef idx="minor">
+                <a:schemeClr val="lt1"/>
+              </a:fontRef>
+            </p:style>
+          </p:cxnSp>
+          <p:cxnSp>
+            <p:nvCxnSpPr>
+              <p:cNvPr id="46" name="Straight Connector 45">
+                <a:extLst>
+                  <a:ext uri="{FF2B5EF4-FFF2-40B4-BE49-F238E27FC236}">
+                    <a16:creationId xmlns:a16="http://schemas.microsoft.com/office/drawing/2014/main" id="{0D206630-FD30-5E6E-3891-7BF39127CD96}"/>
+                  </a:ext>
+                </a:extLst>
+              </p:cNvPr>
+              <p:cNvCxnSpPr/>
+              <p:nvPr/>
+            </p:nvCxnSpPr>
             <p:spPr>
               <a:xfrm>
-                <a:off x="517790" y="644179"/>
-                <a:ext cx="3135795" cy="707886"/>
+                <a:off x="5500724" y="4946894"/>
+                <a:ext cx="0" cy="440084"/>
               </a:xfrm>
-              <a:prstGeom prst="rect">
+              <a:prstGeom prst="line">
                 <a:avLst/>
               </a:prstGeom>
               <a:solidFill>
@@ -2784,6 +8826,239 @@
               <a:ln w="38100">
                 <a:solidFill>
                   <a:schemeClr val="tx1"/>
+                </a:solidFill>
+                <a:headEnd type="oval"/>
+                <a:tailEnd type="arrow"/>
+              </a:ln>
+              <a:effectLst>
+                <a:outerShdw blurRad="50800" dist="38100" dir="2700000" algn="tl" rotWithShape="0">
+                  <a:prstClr val="black">
+                    <a:alpha val="40000"/>
+                  </a:prstClr>
+                </a:outerShdw>
+              </a:effectLst>
+            </p:spPr>
+            <p:style>
+              <a:lnRef idx="2">
+                <a:schemeClr val="accent1">
+                  <a:shade val="50000"/>
+                </a:schemeClr>
+              </a:lnRef>
+              <a:fillRef idx="1">
+                <a:schemeClr val="accent1"/>
+              </a:fillRef>
+              <a:effectRef idx="0">
+                <a:schemeClr val="accent1"/>
+              </a:effectRef>
+              <a:fontRef idx="minor">
+                <a:schemeClr val="lt1"/>
+              </a:fontRef>
+            </p:style>
+          </p:cxnSp>
+          <p:cxnSp>
+            <p:nvCxnSpPr>
+              <p:cNvPr id="54" name="Straight Connector 53">
+                <a:extLst>
+                  <a:ext uri="{FF2B5EF4-FFF2-40B4-BE49-F238E27FC236}">
+                    <a16:creationId xmlns:a16="http://schemas.microsoft.com/office/drawing/2014/main" id="{A8C1B8D7-0BF4-190D-7BC6-FD399B39F18B}"/>
+                  </a:ext>
+                </a:extLst>
+              </p:cNvPr>
+              <p:cNvCxnSpPr>
+                <a:cxnSpLocks/>
+                <a:stCxn id="34" idx="2"/>
+              </p:cNvCxnSpPr>
+              <p:nvPr/>
+            </p:nvCxnSpPr>
+            <p:spPr>
+              <a:xfrm>
+                <a:off x="7911523" y="4699376"/>
+                <a:ext cx="0" cy="687602"/>
+              </a:xfrm>
+              <a:prstGeom prst="line">
+                <a:avLst/>
+              </a:prstGeom>
+              <a:solidFill>
+                <a:schemeClr val="bg1"/>
+              </a:solidFill>
+              <a:ln w="38100">
+                <a:solidFill>
+                  <a:schemeClr val="tx1"/>
+                </a:solidFill>
+                <a:headEnd type="oval"/>
+                <a:tailEnd type="arrow"/>
+              </a:ln>
+              <a:effectLst>
+                <a:outerShdw blurRad="50800" dist="38100" dir="2700000" algn="tl" rotWithShape="0">
+                  <a:prstClr val="black">
+                    <a:alpha val="40000"/>
+                  </a:prstClr>
+                </a:outerShdw>
+              </a:effectLst>
+            </p:spPr>
+            <p:style>
+              <a:lnRef idx="2">
+                <a:schemeClr val="accent1">
+                  <a:shade val="50000"/>
+                </a:schemeClr>
+              </a:lnRef>
+              <a:fillRef idx="1">
+                <a:schemeClr val="accent1"/>
+              </a:fillRef>
+              <a:effectRef idx="0">
+                <a:schemeClr val="accent1"/>
+              </a:effectRef>
+              <a:fontRef idx="minor">
+                <a:schemeClr val="lt1"/>
+              </a:fontRef>
+            </p:style>
+          </p:cxnSp>
+        </p:grpSp>
+        <p:sp>
+          <p:nvSpPr>
+            <p:cNvPr id="61" name="TextBox 60">
+              <a:extLst>
+                <a:ext uri="{FF2B5EF4-FFF2-40B4-BE49-F238E27FC236}">
+                  <a16:creationId xmlns:a16="http://schemas.microsoft.com/office/drawing/2014/main" id="{DE594D7C-B379-241A-C7E3-2893BA26B524}"/>
+                </a:ext>
+              </a:extLst>
+            </p:cNvPr>
+            <p:cNvSpPr txBox="1"/>
+            <p:nvPr/>
+          </p:nvSpPr>
+          <p:spPr>
+            <a:xfrm>
+              <a:off x="6733811" y="1568801"/>
+              <a:ext cx="5583999" cy="1569660"/>
+            </a:xfrm>
+            <a:prstGeom prst="rect">
+              <a:avLst/>
+            </a:prstGeom>
+            <a:noFill/>
+          </p:spPr>
+          <p:txBody>
+            <a:bodyPr wrap="square">
+              <a:spAutoFit/>
+            </a:bodyPr>
+            <a:lstStyle/>
+            <a:p>
+              <a:r>
+                <a:rPr lang="en-US" altLang="ja-JP" sz="2400" dirty="0">
+                  <a:solidFill>
+                    <a:schemeClr val="tx1"/>
+                  </a:solidFill>
+                  <a:latin typeface="Abadi" panose="020B0604020104020204" pitchFamily="34" charset="0"/>
+                </a:rPr>
+                <a:t>The decision if the “incident happened” will be decided by the DAO basis on the weighted average of the backers’ votes and their donations.</a:t>
+              </a:r>
+            </a:p>
+          </p:txBody>
+        </p:sp>
+        <p:sp>
+          <p:nvSpPr>
+            <p:cNvPr id="66" name="Oval 65">
+              <a:extLst>
+                <a:ext uri="{FF2B5EF4-FFF2-40B4-BE49-F238E27FC236}">
+                  <a16:creationId xmlns:a16="http://schemas.microsoft.com/office/drawing/2014/main" id="{F154FA36-4E7B-72AD-85AA-11B070EA3542}"/>
+                </a:ext>
+              </a:extLst>
+            </p:cNvPr>
+            <p:cNvSpPr/>
+            <p:nvPr/>
+          </p:nvSpPr>
+          <p:spPr>
+            <a:xfrm>
+              <a:off x="7843228" y="5776686"/>
+              <a:ext cx="1808771" cy="972457"/>
+            </a:xfrm>
+            <a:prstGeom prst="ellipse">
+              <a:avLst/>
+            </a:prstGeom>
+            <a:noFill/>
+            <a:ln w="76200">
+              <a:solidFill>
+                <a:srgbClr val="FF0000"/>
+              </a:solidFill>
+            </a:ln>
+            <a:effectLst>
+              <a:outerShdw blurRad="50800" dist="38100" dir="2700000" algn="tl" rotWithShape="0">
+                <a:prstClr val="black">
+                  <a:alpha val="40000"/>
+                </a:prstClr>
+              </a:outerShdw>
+            </a:effectLst>
+          </p:spPr>
+          <p:style>
+            <a:lnRef idx="2">
+              <a:schemeClr val="accent1">
+                <a:shade val="50000"/>
+              </a:schemeClr>
+            </a:lnRef>
+            <a:fillRef idx="1">
+              <a:schemeClr val="accent1"/>
+            </a:fillRef>
+            <a:effectRef idx="0">
+              <a:schemeClr val="accent1"/>
+            </a:effectRef>
+            <a:fontRef idx="minor">
+              <a:schemeClr val="lt1"/>
+            </a:fontRef>
+          </p:style>
+          <p:txBody>
+            <a:bodyPr rtlCol="0" anchor="ctr"/>
+            <a:lstStyle/>
+            <a:p>
+              <a:pPr algn="ctr"/>
+              <a:endParaRPr kumimoji="1" lang="ja-JP" altLang="en-US"/>
+            </a:p>
+          </p:txBody>
+        </p:sp>
+        <p:grpSp>
+          <p:nvGrpSpPr>
+            <p:cNvPr id="71" name="Group 70">
+              <a:extLst>
+                <a:ext uri="{FF2B5EF4-FFF2-40B4-BE49-F238E27FC236}">
+                  <a16:creationId xmlns:a16="http://schemas.microsoft.com/office/drawing/2014/main" id="{05F510DF-FAB8-7005-6EAD-F3CCDA966C5D}"/>
+                </a:ext>
+              </a:extLst>
+            </p:cNvPr>
+            <p:cNvGrpSpPr/>
+            <p:nvPr/>
+          </p:nvGrpSpPr>
+          <p:grpSpPr>
+            <a:xfrm rot="376611">
+              <a:off x="5216225" y="4700291"/>
+              <a:ext cx="2939895" cy="780420"/>
+              <a:chOff x="5047352" y="4873269"/>
+              <a:chExt cx="2939895" cy="780420"/>
+            </a:xfrm>
+          </p:grpSpPr>
+          <p:sp>
+            <p:nvSpPr>
+              <p:cNvPr id="62" name="Arrow: Down 61">
+                <a:extLst>
+                  <a:ext uri="{FF2B5EF4-FFF2-40B4-BE49-F238E27FC236}">
+                    <a16:creationId xmlns:a16="http://schemas.microsoft.com/office/drawing/2014/main" id="{06DCA82A-350B-4FA3-6F72-02D95D4FDCED}"/>
+                  </a:ext>
+                </a:extLst>
+              </p:cNvPr>
+              <p:cNvSpPr/>
+              <p:nvPr/>
+            </p:nvSpPr>
+            <p:spPr>
+              <a:xfrm rot="17997790" flipV="1">
+                <a:off x="6127090" y="3793531"/>
+                <a:ext cx="780420" cy="2939895"/>
+              </a:xfrm>
+              <a:prstGeom prst="downArrow">
+                <a:avLst/>
+              </a:prstGeom>
+              <a:solidFill>
+                <a:schemeClr val="bg1"/>
+              </a:solidFill>
+              <a:ln w="38100">
+                <a:solidFill>
+                  <a:srgbClr val="FF0000"/>
                 </a:solidFill>
               </a:ln>
               <a:effectLst>
@@ -2816,16 +9091,7 @@
               </a:bodyPr>
               <a:lstStyle/>
               <a:p>
-                <a:r>
-                  <a:rPr kumimoji="1" lang="en-US" altLang="ja-JP" sz="4000" dirty="0">
-                    <a:solidFill>
-                      <a:schemeClr val="tx1"/>
-                    </a:solidFill>
-                    <a:latin typeface="Abadi" panose="020B0604020104020204" pitchFamily="34" charset="0"/>
-                  </a:rPr>
-                  <a:t>Country ABC</a:t>
-                </a:r>
-                <a:endParaRPr kumimoji="1" lang="ja-JP" altLang="en-US" sz="4000" dirty="0">
+                <a:endParaRPr lang="ja-JP" altLang="en-US" sz="4000" dirty="0">
                   <a:solidFill>
                     <a:schemeClr val="tx1"/>
                   </a:solidFill>
@@ -2836,653 +9102,10 @@
           </p:sp>
           <p:sp>
             <p:nvSpPr>
-              <p:cNvPr id="8" name="Rectangle 7">
+              <p:cNvPr id="70" name="TextBox 69">
                 <a:extLst>
                   <a:ext uri="{FF2B5EF4-FFF2-40B4-BE49-F238E27FC236}">
-                    <a16:creationId xmlns:a16="http://schemas.microsoft.com/office/drawing/2014/main" id="{5EC25DA9-A6B1-C162-F752-C5186A07E2BC}"/>
-                  </a:ext>
-                </a:extLst>
-              </p:cNvPr>
-              <p:cNvSpPr/>
-              <p:nvPr/>
-            </p:nvSpPr>
-            <p:spPr>
-              <a:xfrm>
-                <a:off x="8542629" y="644179"/>
-                <a:ext cx="3135795" cy="707886"/>
-              </a:xfrm>
-              <a:prstGeom prst="rect">
-                <a:avLst/>
-              </a:prstGeom>
-              <a:solidFill>
-                <a:schemeClr val="bg1"/>
-              </a:solidFill>
-              <a:ln w="38100">
-                <a:solidFill>
-                  <a:schemeClr val="tx1"/>
-                </a:solidFill>
-              </a:ln>
-              <a:effectLst>
-                <a:outerShdw blurRad="50800" dist="38100" dir="2700000" algn="tl" rotWithShape="0">
-                  <a:prstClr val="black">
-                    <a:alpha val="40000"/>
-                  </a:prstClr>
-                </a:outerShdw>
-              </a:effectLst>
-            </p:spPr>
-            <p:style>
-              <a:lnRef idx="2">
-                <a:schemeClr val="accent1">
-                  <a:shade val="50000"/>
-                </a:schemeClr>
-              </a:lnRef>
-              <a:fillRef idx="1">
-                <a:schemeClr val="accent1"/>
-              </a:fillRef>
-              <a:effectRef idx="0">
-                <a:schemeClr val="accent1"/>
-              </a:effectRef>
-              <a:fontRef idx="minor">
-                <a:schemeClr val="lt1"/>
-              </a:fontRef>
-            </p:style>
-            <p:txBody>
-              <a:bodyPr wrap="none" rtlCol="0" anchor="ctr">
-                <a:noAutofit/>
-              </a:bodyPr>
-              <a:lstStyle/>
-              <a:p>
-                <a:r>
-                  <a:rPr kumimoji="1" lang="en-US" altLang="ja-JP" sz="4000" dirty="0">
-                    <a:solidFill>
-                      <a:schemeClr val="tx1"/>
-                    </a:solidFill>
-                    <a:latin typeface="Abadi" panose="020B0604020104020204" pitchFamily="34" charset="0"/>
-                  </a:rPr>
-                  <a:t>Country XYZ</a:t>
-                </a:r>
-                <a:endParaRPr kumimoji="1" lang="ja-JP" altLang="en-US" sz="4000" dirty="0">
-                  <a:solidFill>
-                    <a:schemeClr val="tx1"/>
-                  </a:solidFill>
-                  <a:latin typeface="Abadi" panose="020B0604020104020204" pitchFamily="34" charset="0"/>
-                </a:endParaRPr>
-              </a:p>
-            </p:txBody>
-          </p:sp>
-          <p:sp>
-            <p:nvSpPr>
-              <p:cNvPr id="9" name="Rectangle 8">
-                <a:extLst>
-                  <a:ext uri="{FF2B5EF4-FFF2-40B4-BE49-F238E27FC236}">
-                    <a16:creationId xmlns:a16="http://schemas.microsoft.com/office/drawing/2014/main" id="{A6241E52-0430-57CA-26B4-8D608C778A70}"/>
-                  </a:ext>
-                </a:extLst>
-              </p:cNvPr>
-              <p:cNvSpPr/>
-              <p:nvPr/>
-            </p:nvSpPr>
-            <p:spPr>
-              <a:xfrm>
-                <a:off x="517790" y="2399199"/>
-                <a:ext cx="5173211" cy="707886"/>
-              </a:xfrm>
-              <a:prstGeom prst="rect">
-                <a:avLst/>
-              </a:prstGeom>
-              <a:solidFill>
-                <a:schemeClr val="bg1"/>
-              </a:solidFill>
-              <a:ln w="38100">
-                <a:solidFill>
-                  <a:schemeClr val="tx1"/>
-                </a:solidFill>
-              </a:ln>
-              <a:effectLst>
-                <a:outerShdw blurRad="50800" dist="38100" dir="2700000" algn="tl" rotWithShape="0">
-                  <a:prstClr val="black">
-                    <a:alpha val="40000"/>
-                  </a:prstClr>
-                </a:outerShdw>
-              </a:effectLst>
-            </p:spPr>
-            <p:style>
-              <a:lnRef idx="2">
-                <a:schemeClr val="accent1">
-                  <a:shade val="50000"/>
-                </a:schemeClr>
-              </a:lnRef>
-              <a:fillRef idx="1">
-                <a:schemeClr val="accent1"/>
-              </a:fillRef>
-              <a:effectRef idx="0">
-                <a:schemeClr val="accent1"/>
-              </a:effectRef>
-              <a:fontRef idx="minor">
-                <a:schemeClr val="lt1"/>
-              </a:fontRef>
-            </p:style>
-            <p:txBody>
-              <a:bodyPr wrap="square" rtlCol="0" anchor="ctr">
-                <a:spAutoFit/>
-              </a:bodyPr>
-              <a:lstStyle/>
-              <a:p>
-                <a:r>
-                  <a:rPr kumimoji="1" lang="en-US" altLang="ja-JP" sz="4000" dirty="0">
-                    <a:solidFill>
-                      <a:schemeClr val="tx1"/>
-                    </a:solidFill>
-                    <a:latin typeface="Abadi" panose="020B0604020104020204" pitchFamily="34" charset="0"/>
-                  </a:rPr>
-                  <a:t>NPO/</a:t>
-                </a:r>
-                <a:r>
-                  <a:rPr lang="en-US" altLang="ja-JP" sz="4000" dirty="0">
-                    <a:solidFill>
-                      <a:schemeClr val="tx1"/>
-                    </a:solidFill>
-                    <a:latin typeface="Abadi" panose="020B0604020104020204" pitchFamily="34" charset="0"/>
-                  </a:rPr>
-                  <a:t>NGO/Government</a:t>
-                </a:r>
-              </a:p>
-            </p:txBody>
-          </p:sp>
-          <p:sp>
-            <p:nvSpPr>
-              <p:cNvPr id="10" name="Rectangle 9">
-                <a:extLst>
-                  <a:ext uri="{FF2B5EF4-FFF2-40B4-BE49-F238E27FC236}">
-                    <a16:creationId xmlns:a16="http://schemas.microsoft.com/office/drawing/2014/main" id="{BC587A21-D888-9FD5-1CF2-2782C6B52681}"/>
-                  </a:ext>
-                </a:extLst>
-              </p:cNvPr>
-              <p:cNvSpPr/>
-              <p:nvPr/>
-            </p:nvSpPr>
-            <p:spPr>
-              <a:xfrm>
-                <a:off x="9465959" y="3594374"/>
-                <a:ext cx="2212465" cy="707886"/>
-              </a:xfrm>
-              <a:prstGeom prst="rect">
-                <a:avLst/>
-              </a:prstGeom>
-              <a:solidFill>
-                <a:schemeClr val="bg1"/>
-              </a:solidFill>
-              <a:ln w="38100">
-                <a:solidFill>
-                  <a:schemeClr val="tx1"/>
-                </a:solidFill>
-              </a:ln>
-              <a:effectLst>
-                <a:outerShdw blurRad="50800" dist="38100" dir="2700000" algn="tl" rotWithShape="0">
-                  <a:prstClr val="black">
-                    <a:alpha val="40000"/>
-                  </a:prstClr>
-                </a:outerShdw>
-              </a:effectLst>
-            </p:spPr>
-            <p:style>
-              <a:lnRef idx="2">
-                <a:schemeClr val="accent1">
-                  <a:shade val="50000"/>
-                </a:schemeClr>
-              </a:lnRef>
-              <a:fillRef idx="1">
-                <a:schemeClr val="accent1"/>
-              </a:fillRef>
-              <a:effectRef idx="0">
-                <a:schemeClr val="accent1"/>
-              </a:effectRef>
-              <a:fontRef idx="minor">
-                <a:schemeClr val="lt1"/>
-              </a:fontRef>
-            </p:style>
-            <p:txBody>
-              <a:bodyPr wrap="none" rtlCol="0" anchor="ctr">
-                <a:noAutofit/>
-              </a:bodyPr>
-              <a:lstStyle/>
-              <a:p>
-                <a:r>
-                  <a:rPr kumimoji="1" lang="en-US" altLang="ja-JP" sz="4000" dirty="0">
-                    <a:solidFill>
-                      <a:schemeClr val="tx1"/>
-                    </a:solidFill>
-                    <a:latin typeface="Abadi" panose="020B0604020104020204" pitchFamily="34" charset="0"/>
-                  </a:rPr>
-                  <a:t>Backer 1</a:t>
-                </a:r>
-                <a:endParaRPr kumimoji="1" lang="ja-JP" altLang="en-US" sz="4000" dirty="0">
-                  <a:solidFill>
-                    <a:schemeClr val="tx1"/>
-                  </a:solidFill>
-                  <a:latin typeface="Abadi" panose="020B0604020104020204" pitchFamily="34" charset="0"/>
-                </a:endParaRPr>
-              </a:p>
-            </p:txBody>
-          </p:sp>
-          <p:sp>
-            <p:nvSpPr>
-              <p:cNvPr id="11" name="Rectangle 10">
-                <a:extLst>
-                  <a:ext uri="{FF2B5EF4-FFF2-40B4-BE49-F238E27FC236}">
-                    <a16:creationId xmlns:a16="http://schemas.microsoft.com/office/drawing/2014/main" id="{9A0EF367-9F94-EB21-940F-301FF4FDAE7F}"/>
-                  </a:ext>
-                </a:extLst>
-              </p:cNvPr>
-              <p:cNvSpPr/>
-              <p:nvPr/>
-            </p:nvSpPr>
-            <p:spPr>
-              <a:xfrm>
-                <a:off x="9465959" y="4485950"/>
-                <a:ext cx="2212465" cy="707886"/>
-              </a:xfrm>
-              <a:prstGeom prst="rect">
-                <a:avLst/>
-              </a:prstGeom>
-              <a:solidFill>
-                <a:schemeClr val="bg1"/>
-              </a:solidFill>
-              <a:ln w="38100">
-                <a:solidFill>
-                  <a:schemeClr val="tx1"/>
-                </a:solidFill>
-              </a:ln>
-              <a:effectLst>
-                <a:outerShdw blurRad="50800" dist="38100" dir="2700000" algn="tl" rotWithShape="0">
-                  <a:prstClr val="black">
-                    <a:alpha val="40000"/>
-                  </a:prstClr>
-                </a:outerShdw>
-              </a:effectLst>
-            </p:spPr>
-            <p:style>
-              <a:lnRef idx="2">
-                <a:schemeClr val="accent1">
-                  <a:shade val="50000"/>
-                </a:schemeClr>
-              </a:lnRef>
-              <a:fillRef idx="1">
-                <a:schemeClr val="accent1"/>
-              </a:fillRef>
-              <a:effectRef idx="0">
-                <a:schemeClr val="accent1"/>
-              </a:effectRef>
-              <a:fontRef idx="minor">
-                <a:schemeClr val="lt1"/>
-              </a:fontRef>
-            </p:style>
-            <p:txBody>
-              <a:bodyPr wrap="none" rtlCol="0" anchor="ctr">
-                <a:noAutofit/>
-              </a:bodyPr>
-              <a:lstStyle/>
-              <a:p>
-                <a:r>
-                  <a:rPr kumimoji="1" lang="en-US" altLang="ja-JP" sz="4000" dirty="0">
-                    <a:solidFill>
-                      <a:schemeClr val="tx1"/>
-                    </a:solidFill>
-                    <a:latin typeface="Abadi" panose="020B0604020104020204" pitchFamily="34" charset="0"/>
-                  </a:rPr>
-                  <a:t>Backer 2</a:t>
-                </a:r>
-                <a:endParaRPr kumimoji="1" lang="ja-JP" altLang="en-US" sz="4000" dirty="0">
-                  <a:solidFill>
-                    <a:schemeClr val="tx1"/>
-                  </a:solidFill>
-                  <a:latin typeface="Abadi" panose="020B0604020104020204" pitchFamily="34" charset="0"/>
-                </a:endParaRPr>
-              </a:p>
-            </p:txBody>
-          </p:sp>
-          <p:sp>
-            <p:nvSpPr>
-              <p:cNvPr id="12" name="Rectangle 11">
-                <a:extLst>
-                  <a:ext uri="{FF2B5EF4-FFF2-40B4-BE49-F238E27FC236}">
-                    <a16:creationId xmlns:a16="http://schemas.microsoft.com/office/drawing/2014/main" id="{DC7E2B36-8E3B-5B80-73CF-8C305E830563}"/>
-                  </a:ext>
-                </a:extLst>
-              </p:cNvPr>
-              <p:cNvSpPr/>
-              <p:nvPr/>
-            </p:nvSpPr>
-            <p:spPr>
-              <a:xfrm>
-                <a:off x="9465959" y="5377525"/>
-                <a:ext cx="2212465" cy="707886"/>
-              </a:xfrm>
-              <a:prstGeom prst="rect">
-                <a:avLst/>
-              </a:prstGeom>
-              <a:solidFill>
-                <a:schemeClr val="bg1"/>
-              </a:solidFill>
-              <a:ln w="38100">
-                <a:solidFill>
-                  <a:schemeClr val="tx1"/>
-                </a:solidFill>
-              </a:ln>
-              <a:effectLst>
-                <a:outerShdw blurRad="50800" dist="38100" dir="2700000" algn="tl" rotWithShape="0">
-                  <a:prstClr val="black">
-                    <a:alpha val="40000"/>
-                  </a:prstClr>
-                </a:outerShdw>
-              </a:effectLst>
-            </p:spPr>
-            <p:style>
-              <a:lnRef idx="2">
-                <a:schemeClr val="accent1">
-                  <a:shade val="50000"/>
-                </a:schemeClr>
-              </a:lnRef>
-              <a:fillRef idx="1">
-                <a:schemeClr val="accent1"/>
-              </a:fillRef>
-              <a:effectRef idx="0">
-                <a:schemeClr val="accent1"/>
-              </a:effectRef>
-              <a:fontRef idx="minor">
-                <a:schemeClr val="lt1"/>
-              </a:fontRef>
-            </p:style>
-            <p:txBody>
-              <a:bodyPr wrap="none" rtlCol="0" anchor="ctr">
-                <a:noAutofit/>
-              </a:bodyPr>
-              <a:lstStyle/>
-              <a:p>
-                <a:r>
-                  <a:rPr kumimoji="1" lang="en-US" altLang="ja-JP" sz="4000" dirty="0">
-                    <a:solidFill>
-                      <a:schemeClr val="tx1"/>
-                    </a:solidFill>
-                    <a:latin typeface="Abadi" panose="020B0604020104020204" pitchFamily="34" charset="0"/>
-                  </a:rPr>
-                  <a:t>Backer 3</a:t>
-                </a:r>
-                <a:endParaRPr kumimoji="1" lang="ja-JP" altLang="en-US" sz="4000" dirty="0">
-                  <a:solidFill>
-                    <a:schemeClr val="tx1"/>
-                  </a:solidFill>
-                  <a:latin typeface="Abadi" panose="020B0604020104020204" pitchFamily="34" charset="0"/>
-                </a:endParaRPr>
-              </a:p>
-            </p:txBody>
-          </p:sp>
-          <p:cxnSp>
-            <p:nvCxnSpPr>
-              <p:cNvPr id="14" name="Straight Arrow Connector 13">
-                <a:extLst>
-                  <a:ext uri="{FF2B5EF4-FFF2-40B4-BE49-F238E27FC236}">
-                    <a16:creationId xmlns:a16="http://schemas.microsoft.com/office/drawing/2014/main" id="{A6AA82F3-BCD4-1B4A-7DA4-6852281DCA1F}"/>
-                  </a:ext>
-                </a:extLst>
-              </p:cNvPr>
-              <p:cNvCxnSpPr>
-                <a:cxnSpLocks/>
-                <a:stCxn id="10" idx="1"/>
-              </p:cNvCxnSpPr>
-              <p:nvPr/>
-            </p:nvCxnSpPr>
-            <p:spPr>
-              <a:xfrm flipH="1">
-                <a:off x="5691001" y="3948317"/>
-                <a:ext cx="3774958" cy="494654"/>
-              </a:xfrm>
-              <a:prstGeom prst="straightConnector1">
-                <a:avLst/>
-              </a:prstGeom>
-              <a:ln w="38100">
-                <a:solidFill>
-                  <a:schemeClr val="tx1"/>
-                </a:solidFill>
-                <a:tailEnd type="arrow"/>
-              </a:ln>
-              <a:effectLst>
-                <a:outerShdw blurRad="50800" dist="38100" dir="2700000" algn="tl" rotWithShape="0">
-                  <a:prstClr val="black">
-                    <a:alpha val="40000"/>
-                  </a:prstClr>
-                </a:outerShdw>
-              </a:effectLst>
-            </p:spPr>
-            <p:style>
-              <a:lnRef idx="1">
-                <a:schemeClr val="accent1"/>
-              </a:lnRef>
-              <a:fillRef idx="0">
-                <a:schemeClr val="accent1"/>
-              </a:fillRef>
-              <a:effectRef idx="0">
-                <a:schemeClr val="accent1"/>
-              </a:effectRef>
-              <a:fontRef idx="minor">
-                <a:schemeClr val="tx1"/>
-              </a:fontRef>
-            </p:style>
-          </p:cxnSp>
-          <p:cxnSp>
-            <p:nvCxnSpPr>
-              <p:cNvPr id="15" name="Straight Arrow Connector 14">
-                <a:extLst>
-                  <a:ext uri="{FF2B5EF4-FFF2-40B4-BE49-F238E27FC236}">
-                    <a16:creationId xmlns:a16="http://schemas.microsoft.com/office/drawing/2014/main" id="{1D39921A-6D75-829F-4EA5-FD9D1AFA1154}"/>
-                  </a:ext>
-                </a:extLst>
-              </p:cNvPr>
-              <p:cNvCxnSpPr>
-                <a:cxnSpLocks/>
-                <a:stCxn id="11" idx="1"/>
-                <a:endCxn id="5" idx="3"/>
-              </p:cNvCxnSpPr>
-              <p:nvPr/>
-            </p:nvCxnSpPr>
-            <p:spPr>
-              <a:xfrm flipH="1" flipV="1">
-                <a:off x="5691001" y="4800815"/>
-                <a:ext cx="3774958" cy="39078"/>
-              </a:xfrm>
-              <a:prstGeom prst="straightConnector1">
-                <a:avLst/>
-              </a:prstGeom>
-              <a:ln w="38100">
-                <a:solidFill>
-                  <a:schemeClr val="tx1"/>
-                </a:solidFill>
-                <a:tailEnd type="arrow"/>
-              </a:ln>
-              <a:effectLst>
-                <a:outerShdw blurRad="50800" dist="38100" dir="2700000" algn="tl" rotWithShape="0">
-                  <a:prstClr val="black">
-                    <a:alpha val="40000"/>
-                  </a:prstClr>
-                </a:outerShdw>
-              </a:effectLst>
-            </p:spPr>
-            <p:style>
-              <a:lnRef idx="1">
-                <a:schemeClr val="accent1"/>
-              </a:lnRef>
-              <a:fillRef idx="0">
-                <a:schemeClr val="accent1"/>
-              </a:fillRef>
-              <a:effectRef idx="0">
-                <a:schemeClr val="accent1"/>
-              </a:effectRef>
-              <a:fontRef idx="minor">
-                <a:schemeClr val="tx1"/>
-              </a:fontRef>
-            </p:style>
-          </p:cxnSp>
-          <p:cxnSp>
-            <p:nvCxnSpPr>
-              <p:cNvPr id="18" name="Straight Arrow Connector 17">
-                <a:extLst>
-                  <a:ext uri="{FF2B5EF4-FFF2-40B4-BE49-F238E27FC236}">
-                    <a16:creationId xmlns:a16="http://schemas.microsoft.com/office/drawing/2014/main" id="{971B25AE-DD50-45C7-A7A9-A672835C1FA8}"/>
-                  </a:ext>
-                </a:extLst>
-              </p:cNvPr>
-              <p:cNvCxnSpPr>
-                <a:cxnSpLocks/>
-                <a:stCxn id="12" idx="1"/>
-              </p:cNvCxnSpPr>
-              <p:nvPr/>
-            </p:nvCxnSpPr>
-            <p:spPr>
-              <a:xfrm flipH="1" flipV="1">
-                <a:off x="5691001" y="5193836"/>
-                <a:ext cx="3774958" cy="537632"/>
-              </a:xfrm>
-              <a:prstGeom prst="straightConnector1">
-                <a:avLst/>
-              </a:prstGeom>
-              <a:ln w="38100">
-                <a:solidFill>
-                  <a:schemeClr val="tx1"/>
-                </a:solidFill>
-                <a:tailEnd type="arrow"/>
-              </a:ln>
-              <a:effectLst>
-                <a:outerShdw blurRad="50800" dist="38100" dir="2700000" algn="tl" rotWithShape="0">
-                  <a:prstClr val="black">
-                    <a:alpha val="40000"/>
-                  </a:prstClr>
-                </a:outerShdw>
-              </a:effectLst>
-            </p:spPr>
-            <p:style>
-              <a:lnRef idx="1">
-                <a:schemeClr val="accent1"/>
-              </a:lnRef>
-              <a:fillRef idx="0">
-                <a:schemeClr val="accent1"/>
-              </a:fillRef>
-              <a:effectRef idx="0">
-                <a:schemeClr val="accent1"/>
-              </a:effectRef>
-              <a:fontRef idx="minor">
-                <a:schemeClr val="tx1"/>
-              </a:fontRef>
-            </p:style>
-          </p:cxnSp>
-          <p:cxnSp>
-            <p:nvCxnSpPr>
-              <p:cNvPr id="48" name="Straight Arrow Connector 47">
-                <a:extLst>
-                  <a:ext uri="{FF2B5EF4-FFF2-40B4-BE49-F238E27FC236}">
-                    <a16:creationId xmlns:a16="http://schemas.microsoft.com/office/drawing/2014/main" id="{27DC37A0-E3BE-3C01-6480-9601754209FC}"/>
-                  </a:ext>
-                </a:extLst>
-              </p:cNvPr>
-              <p:cNvCxnSpPr>
-                <a:cxnSpLocks/>
-              </p:cNvCxnSpPr>
-              <p:nvPr/>
-            </p:nvCxnSpPr>
-            <p:spPr>
-              <a:xfrm flipV="1">
-                <a:off x="3104396" y="3107085"/>
-                <a:ext cx="0" cy="1032010"/>
-              </a:xfrm>
-              <a:prstGeom prst="straightConnector1">
-                <a:avLst/>
-              </a:prstGeom>
-              <a:ln w="38100">
-                <a:solidFill>
-                  <a:schemeClr val="tx1"/>
-                </a:solidFill>
-                <a:tailEnd type="arrow"/>
-              </a:ln>
-              <a:effectLst>
-                <a:outerShdw blurRad="50800" dist="38100" dir="2700000" algn="tl" rotWithShape="0">
-                  <a:prstClr val="black">
-                    <a:alpha val="40000"/>
-                  </a:prstClr>
-                </a:outerShdw>
-              </a:effectLst>
-            </p:spPr>
-            <p:style>
-              <a:lnRef idx="1">
-                <a:schemeClr val="accent1"/>
-              </a:lnRef>
-              <a:fillRef idx="0">
-                <a:schemeClr val="accent1"/>
-              </a:fillRef>
-              <a:effectRef idx="0">
-                <a:schemeClr val="accent1"/>
-              </a:effectRef>
-              <a:fontRef idx="minor">
-                <a:schemeClr val="tx1"/>
-              </a:fontRef>
-            </p:style>
-          </p:cxnSp>
-          <p:cxnSp>
-            <p:nvCxnSpPr>
-              <p:cNvPr id="67" name="Straight Arrow Connector 66">
-                <a:extLst>
-                  <a:ext uri="{FF2B5EF4-FFF2-40B4-BE49-F238E27FC236}">
-                    <a16:creationId xmlns:a16="http://schemas.microsoft.com/office/drawing/2014/main" id="{BEF61221-B548-5507-E1CD-405194AF51BC}"/>
-                  </a:ext>
-                </a:extLst>
-              </p:cNvPr>
-              <p:cNvCxnSpPr>
-                <a:cxnSpLocks/>
-                <a:stCxn id="8" idx="1"/>
-              </p:cNvCxnSpPr>
-              <p:nvPr/>
-            </p:nvCxnSpPr>
-            <p:spPr>
-              <a:xfrm flipH="1">
-                <a:off x="3653585" y="998122"/>
-                <a:ext cx="4889044" cy="0"/>
-              </a:xfrm>
-              <a:prstGeom prst="straightConnector1">
-                <a:avLst/>
-              </a:prstGeom>
-              <a:ln w="38100">
-                <a:solidFill>
-                  <a:schemeClr val="tx1"/>
-                </a:solidFill>
-                <a:tailEnd type="arrow"/>
-              </a:ln>
-              <a:effectLst>
-                <a:outerShdw blurRad="50800" dist="38100" dir="2700000" algn="tl" rotWithShape="0">
-                  <a:prstClr val="black">
-                    <a:alpha val="40000"/>
-                  </a:prstClr>
-                </a:outerShdw>
-              </a:effectLst>
-            </p:spPr>
-            <p:style>
-              <a:lnRef idx="1">
-                <a:schemeClr val="accent1"/>
-              </a:lnRef>
-              <a:fillRef idx="0">
-                <a:schemeClr val="accent1"/>
-              </a:fillRef>
-              <a:effectRef idx="0">
-                <a:schemeClr val="accent1"/>
-              </a:effectRef>
-              <a:fontRef idx="minor">
-                <a:schemeClr val="tx1"/>
-              </a:fontRef>
-            </p:style>
-          </p:cxnSp>
-          <p:sp>
-            <p:nvSpPr>
-              <p:cNvPr id="3" name="TextBox 2">
-                <a:extLst>
-                  <a:ext uri="{FF2B5EF4-FFF2-40B4-BE49-F238E27FC236}">
-                    <a16:creationId xmlns:a16="http://schemas.microsoft.com/office/drawing/2014/main" id="{9DF35020-EFFE-BA04-2326-C8A6EBB10CA9}"/>
+                    <a16:creationId xmlns:a16="http://schemas.microsoft.com/office/drawing/2014/main" id="{2DB61359-E001-7CD4-B9D8-CDCE037B0F70}"/>
                   </a:ext>
                 </a:extLst>
               </p:cNvPr>
@@ -3490,9 +9113,9 @@
               <p:nvPr/>
             </p:nvSpPr>
             <p:spPr>
-              <a:xfrm>
-                <a:off x="6613792" y="2104641"/>
-                <a:ext cx="5578208" cy="1569660"/>
+              <a:xfrm rot="1779378">
+                <a:off x="5522410" y="5065861"/>
+                <a:ext cx="2159566" cy="461665"/>
               </a:xfrm>
               <a:prstGeom prst="rect">
                 <a:avLst/>
@@ -3500,685 +9123,35 @@
               <a:noFill/>
             </p:spPr>
             <p:txBody>
-              <a:bodyPr wrap="square">
+              <a:bodyPr wrap="none">
                 <a:spAutoFit/>
               </a:bodyPr>
               <a:lstStyle/>
               <a:p>
                 <a:r>
-                  <a:rPr lang="en-US" altLang="ja-JP" sz="2400" dirty="0">
+                  <a:rPr lang="en-US" altLang="ja-JP" sz="2400" b="1" dirty="0">
                     <a:solidFill>
-                      <a:schemeClr val="tx1"/>
+                      <a:srgbClr val="FF0000"/>
                     </a:solidFill>
                     <a:latin typeface="Abadi" panose="020B0604020104020204" pitchFamily="34" charset="0"/>
                   </a:rPr>
-                  <a:t>If the pooled amount is visible to Country XYZ and enough huge, it can be expected to suppress the incident happen.</a:t>
+                  <a:t>Open the vault!</a:t>
                 </a:r>
-                <a:endParaRPr lang="ja-JP" altLang="en-US" sz="2400" dirty="0">
+                <a:endParaRPr lang="ja-JP" altLang="en-US" sz="2400" b="1" dirty="0">
+                  <a:solidFill>
+                    <a:srgbClr val="FF0000"/>
+                  </a:solidFill>
                   <a:latin typeface="Abadi" panose="020B0604020104020204" pitchFamily="34" charset="0"/>
                 </a:endParaRPr>
               </a:p>
             </p:txBody>
           </p:sp>
-          <p:pic>
-            <p:nvPicPr>
-              <p:cNvPr id="19" name="Picture 18">
-                <a:extLst>
-                  <a:ext uri="{FF2B5EF4-FFF2-40B4-BE49-F238E27FC236}">
-                    <a16:creationId xmlns:a16="http://schemas.microsoft.com/office/drawing/2014/main" id="{2A536AF4-F667-F712-A9C9-7476662CF58F}"/>
-                  </a:ext>
-                </a:extLst>
-              </p:cNvPr>
-              <p:cNvPicPr>
-                <a:picLocks noChangeAspect="1"/>
-              </p:cNvPicPr>
-              <p:nvPr/>
-            </p:nvPicPr>
-            <p:blipFill>
-              <a:blip r:embed="rId2"/>
-              <a:stretch>
-                <a:fillRect/>
-              </a:stretch>
-            </p:blipFill>
-            <p:spPr>
-              <a:xfrm>
-                <a:off x="4563886" y="1311042"/>
-                <a:ext cx="595589" cy="464209"/>
-              </a:xfrm>
-              <a:prstGeom prst="rect">
-                <a:avLst/>
-              </a:prstGeom>
-              <a:effectLst>
-                <a:outerShdw blurRad="50800" dist="38100" dir="2700000" algn="tl" rotWithShape="0">
-                  <a:prstClr val="black">
-                    <a:alpha val="40000"/>
-                  </a:prstClr>
-                </a:outerShdw>
-              </a:effectLst>
-            </p:spPr>
-          </p:pic>
-          <p:pic>
-            <p:nvPicPr>
-              <p:cNvPr id="20" name="Picture 19">
-                <a:extLst>
-                  <a:ext uri="{FF2B5EF4-FFF2-40B4-BE49-F238E27FC236}">
-                    <a16:creationId xmlns:a16="http://schemas.microsoft.com/office/drawing/2014/main" id="{0B94C63D-5E0F-B50E-FDE4-000975FC4DB4}"/>
-                  </a:ext>
-                </a:extLst>
-              </p:cNvPr>
-              <p:cNvPicPr>
-                <a:picLocks noChangeAspect="1"/>
-              </p:cNvPicPr>
-              <p:nvPr/>
-            </p:nvPicPr>
-            <p:blipFill>
-              <a:blip r:embed="rId2"/>
-              <a:stretch>
-                <a:fillRect/>
-              </a:stretch>
-            </p:blipFill>
-            <p:spPr>
-              <a:xfrm>
-                <a:off x="5135727" y="1311042"/>
-                <a:ext cx="595589" cy="464209"/>
-              </a:xfrm>
-              <a:prstGeom prst="rect">
-                <a:avLst/>
-              </a:prstGeom>
-              <a:effectLst>
-                <a:outerShdw blurRad="50800" dist="38100" dir="2700000" algn="tl" rotWithShape="0">
-                  <a:prstClr val="black">
-                    <a:alpha val="40000"/>
-                  </a:prstClr>
-                </a:outerShdw>
-              </a:effectLst>
-            </p:spPr>
-          </p:pic>
-          <p:pic>
-            <p:nvPicPr>
-              <p:cNvPr id="21" name="Picture 20">
-                <a:extLst>
-                  <a:ext uri="{FF2B5EF4-FFF2-40B4-BE49-F238E27FC236}">
-                    <a16:creationId xmlns:a16="http://schemas.microsoft.com/office/drawing/2014/main" id="{47BDFE8D-8850-703E-3D90-75315424B70F}"/>
-                  </a:ext>
-                </a:extLst>
-              </p:cNvPr>
-              <p:cNvPicPr>
-                <a:picLocks noChangeAspect="1"/>
-              </p:cNvPicPr>
-              <p:nvPr/>
-            </p:nvPicPr>
-            <p:blipFill>
-              <a:blip r:embed="rId2"/>
-              <a:stretch>
-                <a:fillRect/>
-              </a:stretch>
-            </p:blipFill>
-            <p:spPr>
-              <a:xfrm>
-                <a:off x="4804639" y="1832384"/>
-                <a:ext cx="595589" cy="464209"/>
-              </a:xfrm>
-              <a:prstGeom prst="rect">
-                <a:avLst/>
-              </a:prstGeom>
-              <a:effectLst>
-                <a:outerShdw blurRad="50800" dist="38100" dir="2700000" algn="tl" rotWithShape="0">
-                  <a:prstClr val="black">
-                    <a:alpha val="40000"/>
-                  </a:prstClr>
-                </a:outerShdw>
-              </a:effectLst>
-            </p:spPr>
-          </p:pic>
-          <p:grpSp>
-            <p:nvGrpSpPr>
-              <p:cNvPr id="33" name="Group 32">
-                <a:extLst>
-                  <a:ext uri="{FF2B5EF4-FFF2-40B4-BE49-F238E27FC236}">
-                    <a16:creationId xmlns:a16="http://schemas.microsoft.com/office/drawing/2014/main" id="{ACE9E6D8-CEA7-E84B-AE05-2538C4DC2159}"/>
-                  </a:ext>
-                </a:extLst>
-              </p:cNvPr>
-              <p:cNvGrpSpPr/>
-              <p:nvPr/>
-            </p:nvGrpSpPr>
-            <p:grpSpPr>
-              <a:xfrm>
-                <a:off x="4420203" y="3674301"/>
-                <a:ext cx="1080521" cy="876422"/>
-                <a:chOff x="4420203" y="4334701"/>
-                <a:chExt cx="1080521" cy="876422"/>
-              </a:xfrm>
-            </p:grpSpPr>
-            <p:sp>
-              <p:nvSpPr>
-                <p:cNvPr id="32" name="Rectangle 31">
-                  <a:extLst>
-                    <a:ext uri="{FF2B5EF4-FFF2-40B4-BE49-F238E27FC236}">
-                      <a16:creationId xmlns:a16="http://schemas.microsoft.com/office/drawing/2014/main" id="{6A567D29-2A16-EC9B-136F-B9869FFE2027}"/>
-                    </a:ext>
-                  </a:extLst>
-                </p:cNvPr>
-                <p:cNvSpPr/>
-                <p:nvPr/>
-              </p:nvSpPr>
-              <p:spPr>
-                <a:xfrm>
-                  <a:off x="4695826" y="4377146"/>
-                  <a:ext cx="731044" cy="711938"/>
-                </a:xfrm>
-                <a:prstGeom prst="rect">
-                  <a:avLst/>
-                </a:prstGeom>
-                <a:solidFill>
-                  <a:schemeClr val="bg1"/>
-                </a:solidFill>
-                <a:ln>
-                  <a:noFill/>
-                </a:ln>
-              </p:spPr>
-              <p:style>
-                <a:lnRef idx="2">
-                  <a:schemeClr val="accent1">
-                    <a:shade val="50000"/>
-                  </a:schemeClr>
-                </a:lnRef>
-                <a:fillRef idx="1">
-                  <a:schemeClr val="accent1"/>
-                </a:fillRef>
-                <a:effectRef idx="0">
-                  <a:schemeClr val="accent1"/>
-                </a:effectRef>
-                <a:fontRef idx="minor">
-                  <a:schemeClr val="lt1"/>
-                </a:fontRef>
-              </p:style>
-              <p:txBody>
-                <a:bodyPr rtlCol="0" anchor="ctr"/>
-                <a:lstStyle/>
-                <a:p>
-                  <a:pPr algn="ctr"/>
-                  <a:endParaRPr kumimoji="1" lang="ja-JP" altLang="en-US"/>
-                </a:p>
-              </p:txBody>
-            </p:sp>
-            <p:pic>
-              <p:nvPicPr>
-                <p:cNvPr id="29" name="Picture 28">
-                  <a:extLst>
-                    <a:ext uri="{FF2B5EF4-FFF2-40B4-BE49-F238E27FC236}">
-                      <a16:creationId xmlns:a16="http://schemas.microsoft.com/office/drawing/2014/main" id="{0BDC6565-6B96-FADE-E0ED-EB2387CB25B4}"/>
-                    </a:ext>
-                  </a:extLst>
-                </p:cNvPr>
-                <p:cNvPicPr>
-                  <a:picLocks noChangeAspect="1"/>
-                </p:cNvPicPr>
-                <p:nvPr/>
-              </p:nvPicPr>
-              <p:blipFill>
-                <a:blip r:embed="rId3"/>
-                <a:stretch>
-                  <a:fillRect/>
-                </a:stretch>
-              </p:blipFill>
-              <p:spPr>
-                <a:xfrm>
-                  <a:off x="4624302" y="4334701"/>
-                  <a:ext cx="876422" cy="876422"/>
-                </a:xfrm>
-                <a:prstGeom prst="rect">
-                  <a:avLst/>
-                </a:prstGeom>
-                <a:noFill/>
-                <a:effectLst>
-                  <a:outerShdw blurRad="50800" dist="38100" dir="2700000" algn="tl" rotWithShape="0">
-                    <a:prstClr val="black">
-                      <a:alpha val="40000"/>
-                    </a:prstClr>
-                  </a:outerShdw>
-                </a:effectLst>
-              </p:spPr>
-            </p:pic>
-            <p:pic>
-              <p:nvPicPr>
-                <p:cNvPr id="31" name="Picture 30">
-                  <a:extLst>
-                    <a:ext uri="{FF2B5EF4-FFF2-40B4-BE49-F238E27FC236}">
-                      <a16:creationId xmlns:a16="http://schemas.microsoft.com/office/drawing/2014/main" id="{85276DD5-FDD8-5611-9287-5E077140874D}"/>
-                    </a:ext>
-                  </a:extLst>
-                </p:cNvPr>
-                <p:cNvPicPr>
-                  <a:picLocks noChangeAspect="1"/>
-                </p:cNvPicPr>
-                <p:nvPr/>
-              </p:nvPicPr>
-              <p:blipFill>
-                <a:blip r:embed="rId4"/>
-                <a:stretch>
-                  <a:fillRect/>
-                </a:stretch>
-              </p:blipFill>
-              <p:spPr>
-                <a:xfrm>
-                  <a:off x="4420203" y="4456851"/>
-                  <a:ext cx="543001" cy="552527"/>
-                </a:xfrm>
-                <a:prstGeom prst="rect">
-                  <a:avLst/>
-                </a:prstGeom>
-                <a:noFill/>
-                <a:effectLst>
-                  <a:outerShdw blurRad="50800" dist="38100" dir="2700000" algn="tl" rotWithShape="0">
-                    <a:prstClr val="black">
-                      <a:alpha val="40000"/>
-                    </a:prstClr>
-                  </a:outerShdw>
-                </a:effectLst>
-              </p:spPr>
-            </p:pic>
-          </p:grpSp>
-          <p:cxnSp>
-            <p:nvCxnSpPr>
-              <p:cNvPr id="35" name="Connector: Curved 34">
-                <a:extLst>
-                  <a:ext uri="{FF2B5EF4-FFF2-40B4-BE49-F238E27FC236}">
-                    <a16:creationId xmlns:a16="http://schemas.microsoft.com/office/drawing/2014/main" id="{CEC5993C-60BC-BCB8-D3D7-81561B53E20E}"/>
-                  </a:ext>
-                </a:extLst>
-              </p:cNvPr>
-              <p:cNvCxnSpPr>
-                <a:cxnSpLocks/>
-                <a:stCxn id="56" idx="3"/>
-                <a:endCxn id="58" idx="3"/>
-              </p:cNvCxnSpPr>
-              <p:nvPr/>
-            </p:nvCxnSpPr>
-            <p:spPr>
-              <a:xfrm flipV="1">
-                <a:off x="5228052" y="2010281"/>
-                <a:ext cx="619684" cy="2070460"/>
-              </a:xfrm>
-              <a:prstGeom prst="curvedConnector3">
-                <a:avLst>
-                  <a:gd name="adj1" fmla="val 218867"/>
-                </a:avLst>
-              </a:prstGeom>
-              <a:ln w="38100">
-                <a:solidFill>
-                  <a:schemeClr val="tx1"/>
-                </a:solidFill>
-                <a:tailEnd type="arrow"/>
-              </a:ln>
-              <a:effectLst>
-                <a:outerShdw blurRad="50800" dist="38100" dir="2700000" algn="tl" rotWithShape="0">
-                  <a:prstClr val="black">
-                    <a:alpha val="40000"/>
-                  </a:prstClr>
-                </a:outerShdw>
-              </a:effectLst>
-            </p:spPr>
-            <p:style>
-              <a:lnRef idx="1">
-                <a:schemeClr val="accent1"/>
-              </a:lnRef>
-              <a:fillRef idx="0">
-                <a:schemeClr val="accent1"/>
-              </a:fillRef>
-              <a:effectRef idx="0">
-                <a:schemeClr val="accent1"/>
-              </a:effectRef>
-              <a:fontRef idx="minor">
-                <a:schemeClr val="tx1"/>
-              </a:fontRef>
-            </p:style>
-          </p:cxnSp>
-          <p:cxnSp>
-            <p:nvCxnSpPr>
-              <p:cNvPr id="53" name="Straight Arrow Connector 52">
-                <a:extLst>
-                  <a:ext uri="{FF2B5EF4-FFF2-40B4-BE49-F238E27FC236}">
-                    <a16:creationId xmlns:a16="http://schemas.microsoft.com/office/drawing/2014/main" id="{D9571D26-FFE9-D95F-4047-AF0AC54E28A5}"/>
-                  </a:ext>
-                </a:extLst>
-              </p:cNvPr>
-              <p:cNvCxnSpPr>
-                <a:cxnSpLocks/>
-              </p:cNvCxnSpPr>
-              <p:nvPr/>
-            </p:nvCxnSpPr>
-            <p:spPr>
-              <a:xfrm flipV="1">
-                <a:off x="3104396" y="1367189"/>
-                <a:ext cx="0" cy="1032010"/>
-              </a:xfrm>
-              <a:prstGeom prst="straightConnector1">
-                <a:avLst/>
-              </a:prstGeom>
-              <a:ln w="38100">
-                <a:solidFill>
-                  <a:schemeClr val="tx1"/>
-                </a:solidFill>
-                <a:tailEnd type="arrow"/>
-              </a:ln>
-              <a:effectLst>
-                <a:outerShdw blurRad="50800" dist="38100" dir="2700000" algn="tl" rotWithShape="0">
-                  <a:prstClr val="black">
-                    <a:alpha val="40000"/>
-                  </a:prstClr>
-                </a:outerShdw>
-              </a:effectLst>
-            </p:spPr>
-            <p:style>
-              <a:lnRef idx="1">
-                <a:schemeClr val="accent1"/>
-              </a:lnRef>
-              <a:fillRef idx="0">
-                <a:schemeClr val="accent1"/>
-              </a:fillRef>
-              <a:effectRef idx="0">
-                <a:schemeClr val="accent1"/>
-              </a:effectRef>
-              <a:fontRef idx="minor">
-                <a:schemeClr val="tx1"/>
-              </a:fontRef>
-            </p:style>
-          </p:cxnSp>
-          <p:sp>
-            <p:nvSpPr>
-              <p:cNvPr id="55" name="TextBox 54">
-                <a:extLst>
-                  <a:ext uri="{FF2B5EF4-FFF2-40B4-BE49-F238E27FC236}">
-                    <a16:creationId xmlns:a16="http://schemas.microsoft.com/office/drawing/2014/main" id="{A44CE296-8ED7-E940-26E3-75A94EBD4E75}"/>
-                  </a:ext>
-                </a:extLst>
-              </p:cNvPr>
-              <p:cNvSpPr txBox="1"/>
-              <p:nvPr/>
-            </p:nvSpPr>
-            <p:spPr>
-              <a:xfrm>
-                <a:off x="6096000" y="1481161"/>
-                <a:ext cx="5460079" cy="461665"/>
-              </a:xfrm>
-              <a:prstGeom prst="rect">
-                <a:avLst/>
-              </a:prstGeom>
-              <a:noFill/>
-            </p:spPr>
-            <p:txBody>
-              <a:bodyPr wrap="square">
-                <a:spAutoFit/>
-              </a:bodyPr>
-              <a:lstStyle/>
-              <a:p>
-                <a:r>
-                  <a:rPr lang="en-US" altLang="ja-JP" sz="2400" dirty="0">
-                    <a:solidFill>
-                      <a:schemeClr val="tx1"/>
-                    </a:solidFill>
-                    <a:latin typeface="Abadi" panose="020B0604020104020204" pitchFamily="34" charset="0"/>
-                  </a:rPr>
-                  <a:t>Once “incident” actually happen</a:t>
-                </a:r>
-                <a:endParaRPr lang="ja-JP" altLang="en-US" sz="2400" dirty="0">
-                  <a:latin typeface="Abadi" panose="020B0604020104020204" pitchFamily="34" charset="0"/>
-                </a:endParaRPr>
-              </a:p>
-            </p:txBody>
-          </p:sp>
-          <p:sp>
-            <p:nvSpPr>
-              <p:cNvPr id="56" name="Rectangle 55">
-                <a:extLst>
-                  <a:ext uri="{FF2B5EF4-FFF2-40B4-BE49-F238E27FC236}">
-                    <a16:creationId xmlns:a16="http://schemas.microsoft.com/office/drawing/2014/main" id="{A896BD46-C81F-FE98-3B4A-056985624FFF}"/>
-                  </a:ext>
-                </a:extLst>
-              </p:cNvPr>
-              <p:cNvSpPr/>
-              <p:nvPr/>
-            </p:nvSpPr>
-            <p:spPr>
-              <a:xfrm>
-                <a:off x="4963204" y="3948317"/>
-                <a:ext cx="264848" cy="264848"/>
-              </a:xfrm>
-              <a:prstGeom prst="rect">
-                <a:avLst/>
-              </a:prstGeom>
-              <a:noFill/>
-              <a:ln>
-                <a:noFill/>
-              </a:ln>
-            </p:spPr>
-            <p:style>
-              <a:lnRef idx="2">
-                <a:schemeClr val="accent1">
-                  <a:shade val="50000"/>
-                </a:schemeClr>
-              </a:lnRef>
-              <a:fillRef idx="1">
-                <a:schemeClr val="accent1"/>
-              </a:fillRef>
-              <a:effectRef idx="0">
-                <a:schemeClr val="accent1"/>
-              </a:effectRef>
-              <a:fontRef idx="minor">
-                <a:schemeClr val="lt1"/>
-              </a:fontRef>
-            </p:style>
-            <p:txBody>
-              <a:bodyPr rtlCol="0" anchor="ctr"/>
-              <a:lstStyle/>
-              <a:p>
-                <a:pPr algn="ctr"/>
-                <a:endParaRPr kumimoji="1" lang="ja-JP" altLang="en-US"/>
-              </a:p>
-            </p:txBody>
-          </p:sp>
-          <p:sp>
-            <p:nvSpPr>
-              <p:cNvPr id="58" name="Rectangle 57">
-                <a:extLst>
-                  <a:ext uri="{FF2B5EF4-FFF2-40B4-BE49-F238E27FC236}">
-                    <a16:creationId xmlns:a16="http://schemas.microsoft.com/office/drawing/2014/main" id="{9DFAD12F-8FAF-CB11-8015-0C79462D536E}"/>
-                  </a:ext>
-                </a:extLst>
-              </p:cNvPr>
-              <p:cNvSpPr/>
-              <p:nvPr/>
-            </p:nvSpPr>
-            <p:spPr>
-              <a:xfrm>
-                <a:off x="5582888" y="1877857"/>
-                <a:ext cx="264848" cy="264848"/>
-              </a:xfrm>
-              <a:prstGeom prst="rect">
-                <a:avLst/>
-              </a:prstGeom>
-              <a:noFill/>
-              <a:ln>
-                <a:noFill/>
-              </a:ln>
-            </p:spPr>
-            <p:style>
-              <a:lnRef idx="2">
-                <a:schemeClr val="accent1">
-                  <a:shade val="50000"/>
-                </a:schemeClr>
-              </a:lnRef>
-              <a:fillRef idx="1">
-                <a:schemeClr val="accent1"/>
-              </a:fillRef>
-              <a:effectRef idx="0">
-                <a:schemeClr val="accent1"/>
-              </a:effectRef>
-              <a:fontRef idx="minor">
-                <a:schemeClr val="lt1"/>
-              </a:fontRef>
-            </p:style>
-            <p:txBody>
-              <a:bodyPr rtlCol="0" anchor="ctr"/>
-              <a:lstStyle/>
-              <a:p>
-                <a:pPr algn="ctr"/>
-                <a:endParaRPr kumimoji="1" lang="ja-JP" altLang="en-US"/>
-              </a:p>
-            </p:txBody>
-          </p:sp>
-          <p:sp>
-            <p:nvSpPr>
-              <p:cNvPr id="63" name="TextBox 62">
-                <a:extLst>
-                  <a:ext uri="{FF2B5EF4-FFF2-40B4-BE49-F238E27FC236}">
-                    <a16:creationId xmlns:a16="http://schemas.microsoft.com/office/drawing/2014/main" id="{0C206F3F-EBDE-6C0A-9D18-B6FFBAA1D5CF}"/>
-                  </a:ext>
-                </a:extLst>
-              </p:cNvPr>
-              <p:cNvSpPr txBox="1"/>
-              <p:nvPr/>
-            </p:nvSpPr>
-            <p:spPr>
-              <a:xfrm>
-                <a:off x="1206503" y="5428845"/>
-                <a:ext cx="7885146" cy="830997"/>
-              </a:xfrm>
-              <a:prstGeom prst="rect">
-                <a:avLst/>
-              </a:prstGeom>
-              <a:noFill/>
-            </p:spPr>
-            <p:txBody>
-              <a:bodyPr wrap="square">
-                <a:spAutoFit/>
-              </a:bodyPr>
-              <a:lstStyle/>
-              <a:p>
-                <a:r>
-                  <a:rPr lang="en-US" altLang="ja-JP" sz="2400" dirty="0">
-                    <a:latin typeface="Abadi" panose="020B0604020104020204" pitchFamily="34" charset="0"/>
-                  </a:rPr>
-                  <a:t>As like the opened vault, </a:t>
-                </a:r>
-                <a:r>
-                  <a:rPr lang="en-US" altLang="ja-JP" sz="2400" dirty="0">
-                    <a:solidFill>
-                      <a:schemeClr val="tx1"/>
-                    </a:solidFill>
-                    <a:latin typeface="Abadi" panose="020B0604020104020204" pitchFamily="34" charset="0"/>
-                  </a:rPr>
-                  <a:t>the NPO/NGO/Government can withdraw the pooled Solana to support the Country ABC</a:t>
-                </a:r>
-              </a:p>
-            </p:txBody>
-          </p:sp>
-          <p:sp>
-            <p:nvSpPr>
-              <p:cNvPr id="69" name="Rectangle 68">
-                <a:extLst>
-                  <a:ext uri="{FF2B5EF4-FFF2-40B4-BE49-F238E27FC236}">
-                    <a16:creationId xmlns:a16="http://schemas.microsoft.com/office/drawing/2014/main" id="{4B0597A4-9B31-04E7-AEF1-6C78F5060446}"/>
-                  </a:ext>
-                </a:extLst>
-              </p:cNvPr>
-              <p:cNvSpPr/>
-              <p:nvPr/>
-            </p:nvSpPr>
-            <p:spPr>
-              <a:xfrm>
-                <a:off x="5847736" y="644179"/>
-                <a:ext cx="631625" cy="615117"/>
-              </a:xfrm>
-              <a:prstGeom prst="rect">
-                <a:avLst/>
-              </a:prstGeom>
-              <a:solidFill>
-                <a:schemeClr val="bg1"/>
-              </a:solidFill>
-              <a:ln>
-                <a:noFill/>
-              </a:ln>
-            </p:spPr>
-            <p:style>
-              <a:lnRef idx="2">
-                <a:schemeClr val="accent1">
-                  <a:shade val="50000"/>
-                </a:schemeClr>
-              </a:lnRef>
-              <a:fillRef idx="1">
-                <a:schemeClr val="accent1"/>
-              </a:fillRef>
-              <a:effectRef idx="0">
-                <a:schemeClr val="accent1"/>
-              </a:effectRef>
-              <a:fontRef idx="minor">
-                <a:schemeClr val="lt1"/>
-              </a:fontRef>
-            </p:style>
-            <p:txBody>
-              <a:bodyPr rtlCol="0" anchor="ctr"/>
-              <a:lstStyle/>
-              <a:p>
-                <a:pPr algn="ctr"/>
-                <a:endParaRPr kumimoji="1" lang="ja-JP" altLang="en-US"/>
-              </a:p>
-            </p:txBody>
-          </p:sp>
-          <p:pic>
-            <p:nvPicPr>
-              <p:cNvPr id="2" name="Graphic 1" descr="Badge Heart with solid fill">
-                <a:extLst>
-                  <a:ext uri="{FF2B5EF4-FFF2-40B4-BE49-F238E27FC236}">
-                    <a16:creationId xmlns:a16="http://schemas.microsoft.com/office/drawing/2014/main" id="{7F452974-C9B6-5E24-6665-BA9A66743CEC}"/>
-                  </a:ext>
-                </a:extLst>
-              </p:cNvPr>
-              <p:cNvPicPr>
-                <a:picLocks noChangeAspect="1"/>
-              </p:cNvPicPr>
-              <p:nvPr/>
-            </p:nvPicPr>
-            <p:blipFill>
-              <a:blip r:embed="rId5">
-                <a:extLst>
-                  <a:ext uri="{28A0092B-C50C-407E-A947-70E740481C1C}">
-                    <a14:useLocalDpi xmlns:a14="http://schemas.microsoft.com/office/drawing/2010/main" val="0"/>
-                  </a:ext>
-                  <a:ext uri="{96DAC541-7B7A-43D3-8B79-37D633B846F1}">
-                    <asvg:svgBlip xmlns:asvg="http://schemas.microsoft.com/office/drawing/2016/SVG/main" r:embed="rId6"/>
-                  </a:ext>
-                </a:extLst>
-              </a:blip>
-              <a:stretch>
-                <a:fillRect/>
-              </a:stretch>
-            </p:blipFill>
-            <p:spPr>
-              <a:xfrm>
-                <a:off x="5447896" y="260981"/>
-                <a:ext cx="1327970" cy="1327970"/>
-              </a:xfrm>
-              <a:prstGeom prst="rect">
-                <a:avLst/>
-              </a:prstGeom>
-              <a:effectLst>
-                <a:outerShdw blurRad="50800" dist="38100" dir="2700000" algn="tl" rotWithShape="0">
-                  <a:prstClr val="black">
-                    <a:alpha val="40000"/>
-                  </a:prstClr>
-                </a:outerShdw>
-              </a:effectLst>
-            </p:spPr>
-          </p:pic>
         </p:grpSp>
       </p:grpSp>
     </p:spTree>
     <p:extLst>
       <p:ext uri="{BB962C8B-B14F-4D97-AF65-F5344CB8AC3E}">
-        <p14:creationId xmlns:p14="http://schemas.microsoft.com/office/powerpoint/2010/main" val="2561892258"/>
+        <p14:creationId xmlns:p14="http://schemas.microsoft.com/office/powerpoint/2010/main" val="1957784742"/>
       </p:ext>
     </p:extLst>
   </p:cSld>

--- a/images/DOVE.pptx
+++ b/images/DOVE.pptx
@@ -5,7 +5,7 @@
     <p:sldMasterId id="2147483648" r:id="rId1"/>
   </p:sldMasterIdLst>
   <p:sldIdLst>
-    <p:sldId id="260" r:id="rId2"/>
+    <p:sldId id="267" r:id="rId2"/>
     <p:sldId id="262" r:id="rId3"/>
     <p:sldId id="263" r:id="rId4"/>
     <p:sldId id="264" r:id="rId5"/>
@@ -276,7 +276,7 @@
           <a:p>
             <a:fld id="{02BD01DE-522C-426B-89E7-00E0408C2CFD}" type="datetimeFigureOut">
               <a:rPr kumimoji="1" lang="ja-JP" altLang="en-US" smtClean="0"/>
-              <a:t>2023/4/10</a:t>
+              <a:t>2023/6/30</a:t>
             </a:fld>
             <a:endParaRPr kumimoji="1" lang="ja-JP" altLang="en-US"/>
           </a:p>
@@ -389,7 +389,7 @@
           <a:p>
             <a:fld id="{02BD01DE-522C-426B-89E7-00E0408C2CFD}" type="datetimeFigureOut">
               <a:rPr kumimoji="1" lang="ja-JP" altLang="en-US" smtClean="0"/>
-              <a:t>2023/4/10</a:t>
+              <a:t>2023/6/30</a:t>
             </a:fld>
             <a:endParaRPr kumimoji="1" lang="ja-JP" altLang="en-US"/>
           </a:p>
@@ -648,7 +648,7 @@
           <a:p>
             <a:fld id="{02BD01DE-522C-426B-89E7-00E0408C2CFD}" type="datetimeFigureOut">
               <a:rPr kumimoji="1" lang="ja-JP" altLang="en-US" smtClean="0"/>
-              <a:t>2023/4/10</a:t>
+              <a:t>2023/6/30</a:t>
             </a:fld>
             <a:endParaRPr kumimoji="1" lang="ja-JP" altLang="en-US"/>
           </a:p>
@@ -1102,11 +1102,17 @@
           <a:p>
             <a:r>
               <a:rPr kumimoji="1" lang="en-US" altLang="ja-JP" sz="30000" dirty="0">
+                <a:solidFill>
+                  <a:srgbClr val="1D9BF0"/>
+                </a:solidFill>
                 <a:latin typeface="Bauhaus 93" panose="04030905020B02020C02" pitchFamily="82" charset="0"/>
               </a:rPr>
               <a:t>D   VE</a:t>
             </a:r>
             <a:endParaRPr kumimoji="1" lang="ja-JP" altLang="en-US" sz="30000" dirty="0">
+              <a:solidFill>
+                <a:srgbClr val="1D9BF0"/>
+              </a:solidFill>
               <a:latin typeface="Bauhaus 93" panose="04030905020B02020C02" pitchFamily="82" charset="0"/>
             </a:endParaRPr>
           </a:p>
@@ -1154,7 +1160,7 @@
     </p:spTree>
     <p:extLst>
       <p:ext uri="{BB962C8B-B14F-4D97-AF65-F5344CB8AC3E}">
-        <p14:creationId xmlns:p14="http://schemas.microsoft.com/office/powerpoint/2010/main" val="3814117887"/>
+        <p14:creationId xmlns:p14="http://schemas.microsoft.com/office/powerpoint/2010/main" val="107348400"/>
       </p:ext>
     </p:extLst>
   </p:cSld>
@@ -1226,7 +1232,7 @@
             </a:solidFill>
             <a:ln w="38100">
               <a:solidFill>
-                <a:schemeClr val="tx1"/>
+                <a:srgbClr val="1D9BF0"/>
               </a:solidFill>
             </a:ln>
           </p:spPr>
@@ -1305,7 +1311,7 @@
                 </a:avLst>
               </a:prstGeom>
               <a:solidFill>
-                <a:srgbClr val="FF0000"/>
+                <a:srgbClr val="F09BF0"/>
               </a:solidFill>
               <a:ln>
                 <a:noFill/>
@@ -1359,7 +1365,7 @@
                 </a:avLst>
               </a:prstGeom>
               <a:solidFill>
-                <a:srgbClr val="FF0000"/>
+                <a:srgbClr val="F09BF0"/>
               </a:solidFill>
               <a:ln>
                 <a:noFill/>
@@ -1413,7 +1419,7 @@
                 </a:avLst>
               </a:prstGeom>
               <a:solidFill>
-                <a:srgbClr val="FF0000"/>
+                <a:srgbClr val="F09BF0"/>
               </a:solidFill>
               <a:ln>
                 <a:noFill/>
@@ -1495,7 +1501,7 @@
                 </a:avLst>
               </a:prstGeom>
               <a:solidFill>
-                <a:srgbClr val="FF0000"/>
+                <a:srgbClr val="F09BF0"/>
               </a:solidFill>
               <a:ln>
                 <a:noFill/>
@@ -1549,7 +1555,7 @@
                 </a:avLst>
               </a:prstGeom>
               <a:solidFill>
-                <a:srgbClr val="FF0000"/>
+                <a:srgbClr val="F09BF0"/>
               </a:solidFill>
               <a:ln>
                 <a:noFill/>
@@ -1603,7 +1609,7 @@
                 </a:avLst>
               </a:prstGeom>
               <a:solidFill>
-                <a:srgbClr val="FF0000"/>
+                <a:srgbClr val="F09BF0"/>
               </a:solidFill>
               <a:ln>
                 <a:noFill/>
@@ -1685,7 +1691,7 @@
                 </a:avLst>
               </a:prstGeom>
               <a:solidFill>
-                <a:srgbClr val="FF0000"/>
+                <a:srgbClr val="F09BF0"/>
               </a:solidFill>
               <a:ln>
                 <a:noFill/>
@@ -1739,7 +1745,7 @@
                 </a:avLst>
               </a:prstGeom>
               <a:solidFill>
-                <a:srgbClr val="FF0000"/>
+                <a:srgbClr val="F09BF0"/>
               </a:solidFill>
               <a:ln>
                 <a:noFill/>
@@ -1793,7 +1799,7 @@
                 </a:avLst>
               </a:prstGeom>
               <a:solidFill>
-                <a:srgbClr val="FF0000"/>
+                <a:srgbClr val="F09BF0"/>
               </a:solidFill>
               <a:ln>
                 <a:noFill/>
@@ -1850,7 +1856,7 @@
             </a:solidFill>
             <a:ln w="38100">
               <a:solidFill>
-                <a:schemeClr val="tx1"/>
+                <a:srgbClr val="1D9BF0"/>
               </a:solidFill>
             </a:ln>
             <a:effectLst>
@@ -1886,7 +1892,7 @@
               <a:r>
                 <a:rPr kumimoji="1" lang="en-US" altLang="ja-JP" sz="4000" dirty="0">
                   <a:solidFill>
-                    <a:schemeClr val="tx1"/>
+                    <a:srgbClr val="757575"/>
                   </a:solidFill>
                   <a:latin typeface="Abadi" panose="020B0604020104020204" pitchFamily="34" charset="0"/>
                 </a:rPr>
@@ -1894,7 +1900,7 @@
               </a:r>
               <a:endParaRPr kumimoji="1" lang="ja-JP" altLang="en-US" sz="4000" dirty="0">
                 <a:solidFill>
-                  <a:schemeClr val="tx1"/>
+                  <a:srgbClr val="757575"/>
                 </a:solidFill>
                 <a:latin typeface="Abadi" panose="020B0604020104020204" pitchFamily="34" charset="0"/>
               </a:endParaRPr>
@@ -1926,7 +1932,7 @@
             </a:solidFill>
             <a:ln w="38100">
               <a:solidFill>
-                <a:schemeClr val="tx1"/>
+                <a:srgbClr val="1D9BF0"/>
               </a:solidFill>
             </a:ln>
             <a:effectLst>
@@ -1962,7 +1968,7 @@
               <a:r>
                 <a:rPr kumimoji="1" lang="en-US" altLang="ja-JP" sz="4000" dirty="0">
                   <a:solidFill>
-                    <a:schemeClr val="tx1"/>
+                    <a:srgbClr val="757575"/>
                   </a:solidFill>
                   <a:latin typeface="Abadi" panose="020B0604020104020204" pitchFamily="34" charset="0"/>
                 </a:rPr>
@@ -1971,7 +1977,7 @@
               <a:r>
                 <a:rPr lang="en-US" altLang="ja-JP" sz="4000" dirty="0">
                   <a:solidFill>
-                    <a:schemeClr val="tx1"/>
+                    <a:srgbClr val="757575"/>
                   </a:solidFill>
                   <a:latin typeface="Abadi" panose="020B0604020104020204" pitchFamily="34" charset="0"/>
                 </a:rPr>
@@ -1982,7 +1988,7 @@
               <a:r>
                 <a:rPr kumimoji="1" lang="en-US" altLang="ja-JP" sz="4000" dirty="0">
                   <a:solidFill>
-                    <a:schemeClr val="tx1"/>
+                    <a:srgbClr val="757575"/>
                   </a:solidFill>
                   <a:latin typeface="Abadi" panose="020B0604020104020204" pitchFamily="34" charset="0"/>
                 </a:rPr>
@@ -1990,7 +1996,7 @@
               </a:r>
               <a:endParaRPr kumimoji="1" lang="ja-JP" altLang="en-US" sz="4000" dirty="0">
                 <a:solidFill>
-                  <a:schemeClr val="tx1"/>
+                  <a:srgbClr val="757575"/>
                 </a:solidFill>
                 <a:latin typeface="Abadi" panose="020B0604020104020204" pitchFamily="34" charset="0"/>
               </a:endParaRPr>
@@ -2022,7 +2028,7 @@
             </a:solidFill>
             <a:ln w="38100">
               <a:solidFill>
-                <a:schemeClr val="tx1"/>
+                <a:srgbClr val="1D9BF0"/>
               </a:solidFill>
             </a:ln>
             <a:effectLst>
@@ -2058,7 +2064,7 @@
               <a:r>
                 <a:rPr kumimoji="1" lang="en-US" altLang="ja-JP" sz="4000" dirty="0">
                   <a:solidFill>
-                    <a:schemeClr val="tx1"/>
+                    <a:srgbClr val="757575"/>
                   </a:solidFill>
                   <a:latin typeface="Abadi" panose="020B0604020104020204" pitchFamily="34" charset="0"/>
                 </a:rPr>
@@ -2066,7 +2072,7 @@
               </a:r>
               <a:endParaRPr kumimoji="1" lang="ja-JP" altLang="en-US" sz="4000" dirty="0">
                 <a:solidFill>
-                  <a:schemeClr val="tx1"/>
+                  <a:srgbClr val="757575"/>
                 </a:solidFill>
                 <a:latin typeface="Abadi" panose="020B0604020104020204" pitchFamily="34" charset="0"/>
               </a:endParaRPr>
@@ -2098,7 +2104,7 @@
             </a:solidFill>
             <a:ln w="38100">
               <a:solidFill>
-                <a:schemeClr val="tx1"/>
+                <a:srgbClr val="1D9BF0"/>
               </a:solidFill>
             </a:ln>
             <a:effectLst>
@@ -2134,7 +2140,7 @@
               <a:r>
                 <a:rPr kumimoji="1" lang="en-US" altLang="ja-JP" sz="4000" dirty="0">
                   <a:solidFill>
-                    <a:schemeClr val="tx1"/>
+                    <a:srgbClr val="757575"/>
                   </a:solidFill>
                   <a:latin typeface="Abadi" panose="020B0604020104020204" pitchFamily="34" charset="0"/>
                 </a:rPr>
@@ -2143,7 +2149,7 @@
               <a:r>
                 <a:rPr lang="en-US" altLang="ja-JP" sz="4000" dirty="0">
                   <a:solidFill>
-                    <a:schemeClr val="tx1"/>
+                    <a:srgbClr val="757575"/>
                   </a:solidFill>
                   <a:latin typeface="Abadi" panose="020B0604020104020204" pitchFamily="34" charset="0"/>
                 </a:rPr>
@@ -2177,7 +2183,7 @@
             </a:solidFill>
             <a:ln w="38100">
               <a:solidFill>
-                <a:schemeClr val="tx1"/>
+                <a:srgbClr val="1D9BF0"/>
               </a:solidFill>
             </a:ln>
             <a:effectLst>
@@ -2213,7 +2219,7 @@
               <a:r>
                 <a:rPr kumimoji="1" lang="en-US" altLang="ja-JP" sz="4000" dirty="0">
                   <a:solidFill>
-                    <a:schemeClr val="tx1"/>
+                    <a:srgbClr val="757575"/>
                   </a:solidFill>
                   <a:latin typeface="Abadi" panose="020B0604020104020204" pitchFamily="34" charset="0"/>
                 </a:rPr>
@@ -2221,7 +2227,7 @@
               </a:r>
               <a:endParaRPr kumimoji="1" lang="ja-JP" altLang="en-US" sz="4000" dirty="0">
                 <a:solidFill>
-                  <a:schemeClr val="tx1"/>
+                  <a:srgbClr val="757575"/>
                 </a:solidFill>
                 <a:latin typeface="Abadi" panose="020B0604020104020204" pitchFamily="34" charset="0"/>
               </a:endParaRPr>
@@ -2253,7 +2259,7 @@
             </a:solidFill>
             <a:ln w="38100">
               <a:solidFill>
-                <a:schemeClr val="tx1"/>
+                <a:srgbClr val="1D9BF0"/>
               </a:solidFill>
             </a:ln>
             <a:effectLst>
@@ -2289,7 +2295,7 @@
               <a:r>
                 <a:rPr kumimoji="1" lang="en-US" altLang="ja-JP" sz="4000" dirty="0">
                   <a:solidFill>
-                    <a:schemeClr val="tx1"/>
+                    <a:srgbClr val="757575"/>
                   </a:solidFill>
                   <a:latin typeface="Abadi" panose="020B0604020104020204" pitchFamily="34" charset="0"/>
                 </a:rPr>
@@ -2297,7 +2303,7 @@
               </a:r>
               <a:endParaRPr kumimoji="1" lang="ja-JP" altLang="en-US" sz="4000" dirty="0">
                 <a:solidFill>
-                  <a:schemeClr val="tx1"/>
+                  <a:srgbClr val="757575"/>
                 </a:solidFill>
                 <a:latin typeface="Abadi" panose="020B0604020104020204" pitchFamily="34" charset="0"/>
               </a:endParaRPr>
@@ -2329,7 +2335,7 @@
             </a:solidFill>
             <a:ln w="38100">
               <a:solidFill>
-                <a:schemeClr val="tx1"/>
+                <a:srgbClr val="1D9BF0"/>
               </a:solidFill>
             </a:ln>
             <a:effectLst>
@@ -2365,7 +2371,7 @@
               <a:r>
                 <a:rPr kumimoji="1" lang="en-US" altLang="ja-JP" sz="4000" dirty="0">
                   <a:solidFill>
-                    <a:schemeClr val="tx1"/>
+                    <a:srgbClr val="757575"/>
                   </a:solidFill>
                   <a:latin typeface="Abadi" panose="020B0604020104020204" pitchFamily="34" charset="0"/>
                 </a:rPr>
@@ -2373,7 +2379,7 @@
               </a:r>
               <a:endParaRPr kumimoji="1" lang="ja-JP" altLang="en-US" sz="4000" dirty="0">
                 <a:solidFill>
-                  <a:schemeClr val="tx1"/>
+                  <a:srgbClr val="757575"/>
                 </a:solidFill>
                 <a:latin typeface="Abadi" panose="020B0604020104020204" pitchFamily="34" charset="0"/>
               </a:endParaRPr>
@@ -2405,7 +2411,7 @@
             </a:prstGeom>
             <a:ln w="38100">
               <a:solidFill>
-                <a:srgbClr val="FF0000"/>
+                <a:srgbClr val="F09BF0"/>
               </a:solidFill>
               <a:tailEnd type="arrow"/>
             </a:ln>
@@ -2457,7 +2463,7 @@
             </a:prstGeom>
             <a:ln w="38100">
               <a:solidFill>
-                <a:srgbClr val="FF0000"/>
+                <a:srgbClr val="F09BF0"/>
               </a:solidFill>
               <a:tailEnd type="arrow"/>
             </a:ln>
@@ -2509,7 +2515,7 @@
             </a:prstGeom>
             <a:ln w="38100">
               <a:solidFill>
-                <a:srgbClr val="FF0000"/>
+                <a:srgbClr val="F09BF0"/>
               </a:solidFill>
               <a:tailEnd type="arrow"/>
             </a:ln>
@@ -2601,7 +2607,7 @@
             </a:prstGeom>
             <a:ln w="38100">
               <a:solidFill>
-                <a:schemeClr val="tx1"/>
+                <a:srgbClr val="1D9BF0"/>
               </a:solidFill>
               <a:tailEnd type="arrow"/>
             </a:ln>
@@ -2654,7 +2660,7 @@
             </a:prstGeom>
             <a:ln w="38100">
               <a:solidFill>
-                <a:schemeClr val="tx1"/>
+                <a:srgbClr val="1D9BF0"/>
               </a:solidFill>
               <a:tailEnd type="arrow"/>
             </a:ln>
@@ -2712,7 +2718,7 @@
               <a:r>
                 <a:rPr lang="en-US" altLang="ja-JP" sz="2400" dirty="0">
                   <a:solidFill>
-                    <a:schemeClr val="tx1"/>
+                    <a:srgbClr val="757575"/>
                   </a:solidFill>
                   <a:latin typeface="Abadi" panose="020B0604020104020204" pitchFamily="34" charset="0"/>
                 </a:rPr>
@@ -2721,7 +2727,7 @@
               <a:r>
                 <a:rPr lang="ja-JP" altLang="en-US" sz="2400" dirty="0">
                   <a:solidFill>
-                    <a:schemeClr val="tx1"/>
+                    <a:srgbClr val="757575"/>
                   </a:solidFill>
                   <a:latin typeface="Abadi" panose="020B0604020104020204" pitchFamily="34" charset="0"/>
                 </a:rPr>
@@ -2730,13 +2736,16 @@
               <a:r>
                 <a:rPr lang="en-US" altLang="ja-JP" sz="2400" dirty="0">
                   <a:solidFill>
-                    <a:schemeClr val="tx1"/>
+                    <a:srgbClr val="757575"/>
                   </a:solidFill>
                   <a:latin typeface="Abadi" panose="020B0604020104020204" pitchFamily="34" charset="0"/>
                 </a:rPr>
                 <a:t>created project to defend Country ABC from the attack from Country XYZ</a:t>
               </a:r>
               <a:endParaRPr lang="ja-JP" altLang="en-US" sz="2400" dirty="0">
+                <a:solidFill>
+                  <a:srgbClr val="757575"/>
+                </a:solidFill>
                 <a:latin typeface="Abadi" panose="020B0604020104020204" pitchFamily="34" charset="0"/>
               </a:endParaRPr>
             </a:p>
@@ -2773,13 +2782,16 @@
               <a:r>
                 <a:rPr lang="en-US" altLang="ja-JP" sz="2400" dirty="0">
                   <a:solidFill>
-                    <a:schemeClr val="tx1"/>
+                    <a:srgbClr val="757575"/>
                   </a:solidFill>
                   <a:latin typeface="Abadi" panose="020B0604020104020204" pitchFamily="34" charset="0"/>
                 </a:rPr>
                 <a:t>Suspicious “incident” activities</a:t>
               </a:r>
               <a:endParaRPr lang="ja-JP" altLang="en-US" sz="2400" dirty="0">
+                <a:solidFill>
+                  <a:srgbClr val="757575"/>
+                </a:solidFill>
                 <a:latin typeface="Abadi" panose="020B0604020104020204" pitchFamily="34" charset="0"/>
               </a:endParaRPr>
             </a:p>
@@ -2815,27 +2827,30 @@
             <a:p>
               <a:r>
                 <a:rPr lang="en-US" altLang="ja-JP" sz="2400" dirty="0">
+                  <a:solidFill>
+                    <a:srgbClr val="757575"/>
+                  </a:solidFill>
                   <a:latin typeface="Abadi" panose="020B0604020104020204" pitchFamily="34" charset="0"/>
                 </a:rPr>
                 <a:t>Create and</a:t>
               </a:r>
               <a:br>
                 <a:rPr lang="en-US" altLang="ja-JP" sz="2400" dirty="0">
+                  <a:solidFill>
+                    <a:srgbClr val="757575"/>
+                  </a:solidFill>
                   <a:latin typeface="Abadi" panose="020B0604020104020204" pitchFamily="34" charset="0"/>
                 </a:rPr>
               </a:br>
               <a:r>
                 <a:rPr lang="en-US" altLang="ja-JP" sz="2400" dirty="0">
+                  <a:solidFill>
+                    <a:srgbClr val="757575"/>
+                  </a:solidFill>
                   <a:latin typeface="Abadi" panose="020B0604020104020204" pitchFamily="34" charset="0"/>
                 </a:rPr>
                 <a:t>manage Project</a:t>
               </a:r>
-              <a:endParaRPr lang="en-US" altLang="ja-JP" sz="2400" dirty="0">
-                <a:solidFill>
-                  <a:schemeClr val="tx1"/>
-                </a:solidFill>
-                <a:latin typeface="Abadi" panose="020B0604020104020204" pitchFamily="34" charset="0"/>
-              </a:endParaRPr>
             </a:p>
           </p:txBody>
         </p:sp>
@@ -2989,7 +3004,7 @@
               <a:r>
                 <a:rPr lang="en-US" altLang="ja-JP" sz="2400" dirty="0">
                   <a:solidFill>
-                    <a:schemeClr val="tx1"/>
+                    <a:srgbClr val="757575"/>
                   </a:solidFill>
                   <a:latin typeface="Abadi" panose="020B0604020104020204" pitchFamily="34" charset="0"/>
                 </a:rPr>
@@ -2998,7 +3013,7 @@
               <a:br>
                 <a:rPr lang="en-US" altLang="ja-JP" sz="2400" dirty="0">
                   <a:solidFill>
-                    <a:schemeClr val="tx1"/>
+                    <a:srgbClr val="757575"/>
                   </a:solidFill>
                   <a:latin typeface="Abadi" panose="020B0604020104020204" pitchFamily="34" charset="0"/>
                 </a:rPr>
@@ -3006,7 +3021,7 @@
               <a:r>
                 <a:rPr lang="en-US" altLang="ja-JP" sz="2400" dirty="0">
                   <a:solidFill>
-                    <a:schemeClr val="tx1"/>
+                    <a:srgbClr val="757575"/>
                   </a:solidFill>
                   <a:latin typeface="Abadi" panose="020B0604020104020204" pitchFamily="34" charset="0"/>
                 </a:rPr>
@@ -3091,7 +3106,7 @@
             </a:solidFill>
             <a:ln w="38100">
               <a:solidFill>
-                <a:schemeClr val="tx1"/>
+                <a:srgbClr val="1D9BF0"/>
               </a:solidFill>
             </a:ln>
           </p:spPr>
@@ -3190,7 +3205,7 @@
                   </a:avLst>
                 </a:prstGeom>
                 <a:solidFill>
-                  <a:srgbClr val="FF0000"/>
+                  <a:srgbClr val="F09BF0"/>
                 </a:solidFill>
                 <a:ln>
                   <a:noFill/>
@@ -3244,7 +3259,7 @@
                   </a:avLst>
                 </a:prstGeom>
                 <a:solidFill>
-                  <a:srgbClr val="FF0000"/>
+                  <a:srgbClr val="F09BF0"/>
                 </a:solidFill>
                 <a:ln>
                   <a:noFill/>
@@ -3298,7 +3313,7 @@
                   </a:avLst>
                 </a:prstGeom>
                 <a:solidFill>
-                  <a:srgbClr val="FF0000"/>
+                  <a:srgbClr val="F09BF0"/>
                 </a:solidFill>
                 <a:ln>
                   <a:noFill/>
@@ -3373,7 +3388,7 @@
                   </a:avLst>
                 </a:prstGeom>
                 <a:solidFill>
-                  <a:srgbClr val="FF0000"/>
+                  <a:srgbClr val="F09BF0"/>
                 </a:solidFill>
                 <a:ln>
                   <a:noFill/>
@@ -3427,7 +3442,7 @@
                   </a:avLst>
                 </a:prstGeom>
                 <a:solidFill>
-                  <a:srgbClr val="FF0000"/>
+                  <a:srgbClr val="F09BF0"/>
                 </a:solidFill>
                 <a:ln>
                   <a:noFill/>
@@ -3481,7 +3496,7 @@
                   </a:avLst>
                 </a:prstGeom>
                 <a:solidFill>
-                  <a:srgbClr val="FF0000"/>
+                  <a:srgbClr val="F09BF0"/>
                 </a:solidFill>
                 <a:ln>
                   <a:noFill/>
@@ -3556,7 +3571,7 @@
                   </a:avLst>
                 </a:prstGeom>
                 <a:solidFill>
-                  <a:srgbClr val="FF0000"/>
+                  <a:srgbClr val="F09BF0"/>
                 </a:solidFill>
                 <a:ln>
                   <a:noFill/>
@@ -3610,7 +3625,7 @@
                   </a:avLst>
                 </a:prstGeom>
                 <a:solidFill>
-                  <a:srgbClr val="FF0000"/>
+                  <a:srgbClr val="F09BF0"/>
                 </a:solidFill>
                 <a:ln>
                   <a:noFill/>
@@ -3664,7 +3679,7 @@
                   </a:avLst>
                 </a:prstGeom>
                 <a:solidFill>
-                  <a:srgbClr val="FF0000"/>
+                  <a:srgbClr val="F09BF0"/>
                 </a:solidFill>
                 <a:ln>
                   <a:noFill/>
@@ -3722,7 +3737,7 @@
             </a:solidFill>
             <a:ln w="38100">
               <a:solidFill>
-                <a:schemeClr val="tx1"/>
+                <a:srgbClr val="1D9BF0"/>
               </a:solidFill>
             </a:ln>
             <a:effectLst>
@@ -3758,7 +3773,7 @@
               <a:r>
                 <a:rPr kumimoji="1" lang="en-US" altLang="ja-JP" sz="4000" dirty="0">
                   <a:solidFill>
-                    <a:schemeClr val="tx1"/>
+                    <a:srgbClr val="757575"/>
                   </a:solidFill>
                   <a:latin typeface="Abadi" panose="020B0604020104020204" pitchFamily="34" charset="0"/>
                 </a:rPr>
@@ -3767,7 +3782,7 @@
               <a:r>
                 <a:rPr lang="en-US" altLang="ja-JP" sz="4000" dirty="0">
                   <a:solidFill>
-                    <a:schemeClr val="tx1"/>
+                    <a:srgbClr val="757575"/>
                   </a:solidFill>
                   <a:latin typeface="Abadi" panose="020B0604020104020204" pitchFamily="34" charset="0"/>
                 </a:rPr>
@@ -3778,7 +3793,7 @@
               <a:r>
                 <a:rPr kumimoji="1" lang="en-US" altLang="ja-JP" sz="4000" dirty="0">
                   <a:solidFill>
-                    <a:schemeClr val="tx1"/>
+                    <a:srgbClr val="757575"/>
                   </a:solidFill>
                   <a:latin typeface="Abadi" panose="020B0604020104020204" pitchFamily="34" charset="0"/>
                 </a:rPr>
@@ -3786,7 +3801,7 @@
               </a:r>
               <a:endParaRPr kumimoji="1" lang="ja-JP" altLang="en-US" sz="4000" dirty="0">
                 <a:solidFill>
-                  <a:schemeClr val="tx1"/>
+                  <a:srgbClr val="757575"/>
                 </a:solidFill>
                 <a:latin typeface="Abadi" panose="020B0604020104020204" pitchFamily="34" charset="0"/>
               </a:endParaRPr>
@@ -3818,7 +3833,7 @@
             </a:solidFill>
             <a:ln w="38100">
               <a:solidFill>
-                <a:schemeClr val="tx1"/>
+                <a:srgbClr val="1D9BF0"/>
               </a:solidFill>
             </a:ln>
             <a:effectLst>
@@ -3854,7 +3869,7 @@
               <a:r>
                 <a:rPr kumimoji="1" lang="en-US" altLang="ja-JP" sz="4000" dirty="0">
                   <a:solidFill>
-                    <a:schemeClr val="tx1"/>
+                    <a:srgbClr val="757575"/>
                   </a:solidFill>
                   <a:latin typeface="Abadi" panose="020B0604020104020204" pitchFamily="34" charset="0"/>
                 </a:rPr>
@@ -3862,7 +3877,7 @@
               </a:r>
               <a:endParaRPr kumimoji="1" lang="ja-JP" altLang="en-US" sz="4000" dirty="0">
                 <a:solidFill>
-                  <a:schemeClr val="tx1"/>
+                  <a:srgbClr val="757575"/>
                 </a:solidFill>
                 <a:latin typeface="Abadi" panose="020B0604020104020204" pitchFamily="34" charset="0"/>
               </a:endParaRPr>
@@ -3894,7 +3909,7 @@
             </a:solidFill>
             <a:ln w="38100">
               <a:solidFill>
-                <a:schemeClr val="tx1"/>
+                <a:srgbClr val="1D9BF0"/>
               </a:solidFill>
             </a:ln>
             <a:effectLst>
@@ -3930,7 +3945,7 @@
               <a:r>
                 <a:rPr kumimoji="1" lang="en-US" altLang="ja-JP" sz="4000" dirty="0">
                   <a:solidFill>
-                    <a:schemeClr val="tx1"/>
+                    <a:srgbClr val="757575"/>
                   </a:solidFill>
                   <a:latin typeface="Abadi" panose="020B0604020104020204" pitchFamily="34" charset="0"/>
                 </a:rPr>
@@ -3938,7 +3953,7 @@
               </a:r>
               <a:endParaRPr kumimoji="1" lang="ja-JP" altLang="en-US" sz="4000" dirty="0">
                 <a:solidFill>
-                  <a:schemeClr val="tx1"/>
+                  <a:srgbClr val="757575"/>
                 </a:solidFill>
                 <a:latin typeface="Abadi" panose="020B0604020104020204" pitchFamily="34" charset="0"/>
               </a:endParaRPr>
@@ -3970,7 +3985,7 @@
             </a:solidFill>
             <a:ln w="38100">
               <a:solidFill>
-                <a:schemeClr val="tx1"/>
+                <a:srgbClr val="1D9BF0"/>
               </a:solidFill>
             </a:ln>
             <a:effectLst>
@@ -4006,7 +4021,7 @@
               <a:r>
                 <a:rPr kumimoji="1" lang="en-US" altLang="ja-JP" sz="4000" dirty="0">
                   <a:solidFill>
-                    <a:schemeClr val="tx1"/>
+                    <a:srgbClr val="757575"/>
                   </a:solidFill>
                   <a:latin typeface="Abadi" panose="020B0604020104020204" pitchFamily="34" charset="0"/>
                 </a:rPr>
@@ -4015,7 +4030,7 @@
               <a:r>
                 <a:rPr lang="en-US" altLang="ja-JP" sz="4000" dirty="0">
                   <a:solidFill>
-                    <a:schemeClr val="tx1"/>
+                    <a:srgbClr val="757575"/>
                   </a:solidFill>
                   <a:latin typeface="Abadi" panose="020B0604020104020204" pitchFamily="34" charset="0"/>
                 </a:rPr>
@@ -4049,7 +4064,7 @@
             </a:solidFill>
             <a:ln w="38100">
               <a:solidFill>
-                <a:schemeClr val="tx1"/>
+                <a:srgbClr val="1D9BF0"/>
               </a:solidFill>
             </a:ln>
             <a:effectLst>
@@ -4085,7 +4100,7 @@
               <a:r>
                 <a:rPr kumimoji="1" lang="en-US" altLang="ja-JP" sz="4000" dirty="0">
                   <a:solidFill>
-                    <a:schemeClr val="tx1"/>
+                    <a:srgbClr val="757575"/>
                   </a:solidFill>
                   <a:latin typeface="Abadi" panose="020B0604020104020204" pitchFamily="34" charset="0"/>
                 </a:rPr>
@@ -4093,7 +4108,7 @@
               </a:r>
               <a:endParaRPr kumimoji="1" lang="ja-JP" altLang="en-US" sz="4000" dirty="0">
                 <a:solidFill>
-                  <a:schemeClr val="tx1"/>
+                  <a:srgbClr val="757575"/>
                 </a:solidFill>
                 <a:latin typeface="Abadi" panose="020B0604020104020204" pitchFamily="34" charset="0"/>
               </a:endParaRPr>
@@ -4125,7 +4140,7 @@
             </a:solidFill>
             <a:ln w="38100">
               <a:solidFill>
-                <a:schemeClr val="tx1"/>
+                <a:srgbClr val="1D9BF0"/>
               </a:solidFill>
             </a:ln>
             <a:effectLst>
@@ -4161,7 +4176,7 @@
               <a:r>
                 <a:rPr kumimoji="1" lang="en-US" altLang="ja-JP" sz="4000" dirty="0">
                   <a:solidFill>
-                    <a:schemeClr val="tx1"/>
+                    <a:srgbClr val="757575"/>
                   </a:solidFill>
                   <a:latin typeface="Abadi" panose="020B0604020104020204" pitchFamily="34" charset="0"/>
                 </a:rPr>
@@ -4169,7 +4184,7 @@
               </a:r>
               <a:endParaRPr kumimoji="1" lang="ja-JP" altLang="en-US" sz="4000" dirty="0">
                 <a:solidFill>
-                  <a:schemeClr val="tx1"/>
+                  <a:srgbClr val="757575"/>
                 </a:solidFill>
                 <a:latin typeface="Abadi" panose="020B0604020104020204" pitchFamily="34" charset="0"/>
               </a:endParaRPr>
@@ -4201,7 +4216,7 @@
             </a:solidFill>
             <a:ln w="38100">
               <a:solidFill>
-                <a:schemeClr val="tx1"/>
+                <a:srgbClr val="1D9BF0"/>
               </a:solidFill>
             </a:ln>
             <a:effectLst>
@@ -4237,7 +4252,7 @@
               <a:r>
                 <a:rPr kumimoji="1" lang="en-US" altLang="ja-JP" sz="4000" dirty="0">
                   <a:solidFill>
-                    <a:schemeClr val="tx1"/>
+                    <a:srgbClr val="757575"/>
                   </a:solidFill>
                   <a:latin typeface="Abadi" panose="020B0604020104020204" pitchFamily="34" charset="0"/>
                 </a:rPr>
@@ -4245,7 +4260,7 @@
               </a:r>
               <a:endParaRPr kumimoji="1" lang="ja-JP" altLang="en-US" sz="4000" dirty="0">
                 <a:solidFill>
-                  <a:schemeClr val="tx1"/>
+                  <a:srgbClr val="757575"/>
                 </a:solidFill>
                 <a:latin typeface="Abadi" panose="020B0604020104020204" pitchFamily="34" charset="0"/>
               </a:endParaRPr>
@@ -4276,7 +4291,7 @@
             </a:prstGeom>
             <a:ln w="38100">
               <a:solidFill>
-                <a:schemeClr val="tx1"/>
+                <a:srgbClr val="1D9BF0"/>
               </a:solidFill>
               <a:tailEnd type="arrow"/>
             </a:ln>
@@ -4328,7 +4343,7 @@
             </a:prstGeom>
             <a:ln w="38100">
               <a:solidFill>
-                <a:schemeClr val="tx1"/>
+                <a:srgbClr val="1D9BF0"/>
               </a:solidFill>
               <a:tailEnd type="arrow"/>
             </a:ln>
@@ -4386,13 +4401,16 @@
               <a:r>
                 <a:rPr lang="en-US" altLang="ja-JP" sz="2400" dirty="0">
                   <a:solidFill>
-                    <a:schemeClr val="tx1"/>
+                    <a:srgbClr val="757575"/>
                   </a:solidFill>
                   <a:latin typeface="Abadi" panose="020B0604020104020204" pitchFamily="34" charset="0"/>
                 </a:rPr>
                 <a:t>If the pooled amount is visible to Country XYZ and enough huge, it can be expected to suppress the incident happen.</a:t>
               </a:r>
               <a:endParaRPr lang="ja-JP" altLang="en-US" sz="2400" dirty="0">
+                <a:solidFill>
+                  <a:srgbClr val="757575"/>
+                </a:solidFill>
                 <a:latin typeface="Abadi" panose="020B0604020104020204" pitchFamily="34" charset="0"/>
               </a:endParaRPr>
             </a:p>
@@ -4450,84 +4468,6 @@
             </a:p>
           </p:txBody>
         </p:sp>
-        <p:pic>
-          <p:nvPicPr>
-            <p:cNvPr id="29" name="Picture 28">
-              <a:extLst>
-                <a:ext uri="{FF2B5EF4-FFF2-40B4-BE49-F238E27FC236}">
-                  <a16:creationId xmlns:a16="http://schemas.microsoft.com/office/drawing/2014/main" id="{0BDC6565-6B96-FADE-E0ED-EB2387CB25B4}"/>
-                </a:ext>
-              </a:extLst>
-            </p:cNvPr>
-            <p:cNvPicPr>
-              <a:picLocks noChangeAspect="1"/>
-            </p:cNvPicPr>
-            <p:nvPr/>
-          </p:nvPicPr>
-          <p:blipFill>
-            <a:blip r:embed="rId2"/>
-            <a:stretch>
-              <a:fillRect/>
-            </a:stretch>
-          </p:blipFill>
-          <p:spPr>
-            <a:xfrm>
-              <a:off x="4624302" y="3787534"/>
-              <a:ext cx="876422" cy="876422"/>
-            </a:xfrm>
-            <a:prstGeom prst="rect">
-              <a:avLst/>
-            </a:prstGeom>
-            <a:noFill/>
-            <a:effectLst>
-              <a:outerShdw blurRad="50800" dist="38100" dir="2700000" algn="tl" rotWithShape="0">
-                <a:prstClr val="black">
-                  <a:alpha val="40000"/>
-                </a:prstClr>
-              </a:outerShdw>
-            </a:effectLst>
-          </p:spPr>
-        </p:pic>
-        <p:pic>
-          <p:nvPicPr>
-            <p:cNvPr id="31" name="Picture 30">
-              <a:extLst>
-                <a:ext uri="{FF2B5EF4-FFF2-40B4-BE49-F238E27FC236}">
-                  <a16:creationId xmlns:a16="http://schemas.microsoft.com/office/drawing/2014/main" id="{85276DD5-FDD8-5611-9287-5E077140874D}"/>
-                </a:ext>
-              </a:extLst>
-            </p:cNvPr>
-            <p:cNvPicPr>
-              <a:picLocks noChangeAspect="1"/>
-            </p:cNvPicPr>
-            <p:nvPr/>
-          </p:nvPicPr>
-          <p:blipFill>
-            <a:blip r:embed="rId3"/>
-            <a:stretch>
-              <a:fillRect/>
-            </a:stretch>
-          </p:blipFill>
-          <p:spPr>
-            <a:xfrm>
-              <a:off x="4420203" y="3909684"/>
-              <a:ext cx="543001" cy="552527"/>
-            </a:xfrm>
-            <a:prstGeom prst="rect">
-              <a:avLst/>
-            </a:prstGeom>
-            <a:solidFill>
-              <a:schemeClr val="bg1"/>
-            </a:solidFill>
-            <a:effectLst>
-              <a:outerShdw blurRad="50800" dist="38100" dir="2700000" algn="tl" rotWithShape="0">
-                <a:prstClr val="black">
-                  <a:alpha val="40000"/>
-                </a:prstClr>
-              </a:outerShdw>
-            </a:effectLst>
-          </p:spPr>
-        </p:pic>
         <p:cxnSp>
           <p:nvCxnSpPr>
             <p:cNvPr id="35" name="Connector: Curved 34">
@@ -4556,7 +4496,7 @@
             </a:prstGeom>
             <a:ln w="38100">
               <a:solidFill>
-                <a:srgbClr val="FF0000"/>
+                <a:srgbClr val="1D9BF0"/>
               </a:solidFill>
               <a:tailEnd type="arrow"/>
             </a:ln>
@@ -4607,7 +4547,7 @@
             </a:prstGeom>
             <a:ln w="38100">
               <a:solidFill>
-                <a:schemeClr val="tx1"/>
+                <a:srgbClr val="1D9BF0"/>
               </a:solidFill>
               <a:tailEnd type="arrow"/>
             </a:ln>
@@ -4665,13 +4605,16 @@
               <a:r>
                 <a:rPr lang="en-US" altLang="ja-JP" sz="2400" dirty="0">
                   <a:solidFill>
-                    <a:schemeClr val="tx1"/>
+                    <a:srgbClr val="757575"/>
                   </a:solidFill>
                   <a:latin typeface="Abadi" panose="020B0604020104020204" pitchFamily="34" charset="0"/>
                 </a:rPr>
                 <a:t>Once “incident” actually happen</a:t>
               </a:r>
               <a:endParaRPr lang="ja-JP" altLang="en-US" sz="2400" dirty="0">
+                <a:solidFill>
+                  <a:srgbClr val="757575"/>
+                </a:solidFill>
                 <a:latin typeface="Abadi" panose="020B0604020104020204" pitchFamily="34" charset="0"/>
               </a:endParaRPr>
             </a:p>
@@ -4807,18 +4750,12 @@
             <a:p>
               <a:r>
                 <a:rPr lang="en-US" altLang="ja-JP" sz="2400" dirty="0">
-                  <a:latin typeface="Abadi" panose="020B0604020104020204" pitchFamily="34" charset="0"/>
-                </a:rPr>
-                <a:t>As like the opened vault, </a:t>
-              </a:r>
-              <a:r>
-                <a:rPr lang="en-US" altLang="ja-JP" sz="2400" dirty="0">
                   <a:solidFill>
-                    <a:schemeClr val="tx1"/>
+                    <a:srgbClr val="757575"/>
                   </a:solidFill>
                   <a:latin typeface="Abadi" panose="020B0604020104020204" pitchFamily="34" charset="0"/>
                 </a:rPr>
-                <a:t>the NPO/NGO/Government can withdraw the pooled Solana to support the Country ABC</a:t>
+                <a:t>As like the opened vault, the NPO/NGO/Government can withdraw the pooled Solana to support the Country ABC</a:t>
               </a:r>
             </a:p>
           </p:txBody>
@@ -4890,13 +4827,13 @@
             <p:nvPr/>
           </p:nvPicPr>
           <p:blipFill>
-            <a:blip r:embed="rId4">
+            <a:blip r:embed="rId2">
               <a:extLst>
                 <a:ext uri="{28A0092B-C50C-407E-A947-70E740481C1C}">
                   <a14:useLocalDpi xmlns:a14="http://schemas.microsoft.com/office/drawing/2010/main" val="0"/>
                 </a:ext>
                 <a:ext uri="{96DAC541-7B7A-43D3-8B79-37D633B846F1}">
-                  <asvg:svgBlip xmlns:asvg="http://schemas.microsoft.com/office/drawing/2016/SVG/main" r:embed="rId5"/>
+                  <asvg:svgBlip xmlns:asvg="http://schemas.microsoft.com/office/drawing/2016/SVG/main" r:embed="rId3"/>
                 </a:ext>
               </a:extLst>
             </a:blip>
@@ -4945,7 +4882,7 @@
             </a:prstGeom>
             <a:ln w="38100">
               <a:solidFill>
-                <a:schemeClr val="tx1"/>
+                <a:srgbClr val="1D9BF0"/>
               </a:solidFill>
               <a:tailEnd type="arrow"/>
             </a:ln>
@@ -4996,7 +4933,7 @@
             </a:prstGeom>
             <a:ln w="38100">
               <a:solidFill>
-                <a:schemeClr val="tx1"/>
+                <a:srgbClr val="1D9BF0"/>
               </a:solidFill>
               <a:tailEnd type="arrow"/>
             </a:ln>
@@ -5047,7 +4984,7 @@
             </a:prstGeom>
             <a:ln w="38100">
               <a:solidFill>
-                <a:schemeClr val="tx1"/>
+                <a:srgbClr val="1D9BF0"/>
               </a:solidFill>
               <a:tailEnd type="arrow"/>
             </a:ln>
@@ -5075,6 +5012,156 @@
           </p:style>
         </p:cxnSp>
       </p:grpSp>
+      <p:pic>
+        <p:nvPicPr>
+          <p:cNvPr id="21" name="Graphic 20" descr="Safe with solid fill">
+            <a:extLst>
+              <a:ext uri="{FF2B5EF4-FFF2-40B4-BE49-F238E27FC236}">
+                <a16:creationId xmlns:a16="http://schemas.microsoft.com/office/drawing/2014/main" id="{26F684F3-1A5B-75B5-73F0-4C10F3BC6FC2}"/>
+              </a:ext>
+            </a:extLst>
+          </p:cNvPr>
+          <p:cNvPicPr>
+            <a:picLocks noChangeAspect="1"/>
+          </p:cNvPicPr>
+          <p:nvPr/>
+        </p:nvPicPr>
+        <p:blipFill>
+          <a:blip r:embed="rId4">
+            <a:extLst>
+              <a:ext uri="{28A0092B-C50C-407E-A947-70E740481C1C}">
+                <a14:useLocalDpi xmlns:a14="http://schemas.microsoft.com/office/drawing/2010/main" val="0"/>
+              </a:ext>
+              <a:ext uri="{96DAC541-7B7A-43D3-8B79-37D633B846F1}">
+                <asvg:svgBlip xmlns:asvg="http://schemas.microsoft.com/office/drawing/2016/SVG/main" r:embed="rId5"/>
+              </a:ext>
+            </a:extLst>
+          </a:blip>
+          <a:stretch>
+            <a:fillRect/>
+          </a:stretch>
+        </p:blipFill>
+        <p:spPr>
+          <a:xfrm>
+            <a:off x="4619686" y="3718255"/>
+            <a:ext cx="1071315" cy="1071315"/>
+          </a:xfrm>
+          <a:prstGeom prst="rect">
+            <a:avLst/>
+          </a:prstGeom>
+          <a:effectLst>
+            <a:outerShdw blurRad="50800" dist="38100" dir="2700000" algn="tl" rotWithShape="0">
+              <a:prstClr val="black">
+                <a:alpha val="40000"/>
+              </a:prstClr>
+            </a:outerShdw>
+          </a:effectLst>
+        </p:spPr>
+      </p:pic>
+      <p:sp>
+        <p:nvSpPr>
+          <p:cNvPr id="34" name="Rectangle 33">
+            <a:extLst>
+              <a:ext uri="{FF2B5EF4-FFF2-40B4-BE49-F238E27FC236}">
+                <a16:creationId xmlns:a16="http://schemas.microsoft.com/office/drawing/2014/main" id="{65D64238-23CC-0685-55C0-CF10105B54AA}"/>
+              </a:ext>
+            </a:extLst>
+          </p:cNvPr>
+          <p:cNvSpPr/>
+          <p:nvPr/>
+        </p:nvSpPr>
+        <p:spPr>
+          <a:xfrm>
+            <a:off x="4842510" y="3907550"/>
+            <a:ext cx="624840" cy="626349"/>
+          </a:xfrm>
+          <a:prstGeom prst="rect">
+            <a:avLst/>
+          </a:prstGeom>
+          <a:solidFill>
+            <a:schemeClr val="bg1"/>
+          </a:solidFill>
+          <a:ln>
+            <a:noFill/>
+          </a:ln>
+          <a:effectLst>
+            <a:innerShdw blurRad="63500" dist="50800" dir="13500000">
+              <a:prstClr val="black">
+                <a:alpha val="50000"/>
+              </a:prstClr>
+            </a:innerShdw>
+          </a:effectLst>
+        </p:spPr>
+        <p:style>
+          <a:lnRef idx="2">
+            <a:schemeClr val="accent1">
+              <a:shade val="15000"/>
+            </a:schemeClr>
+          </a:lnRef>
+          <a:fillRef idx="1">
+            <a:schemeClr val="accent1"/>
+          </a:fillRef>
+          <a:effectRef idx="0">
+            <a:schemeClr val="accent1"/>
+          </a:effectRef>
+          <a:fontRef idx="minor">
+            <a:schemeClr val="lt1"/>
+          </a:fontRef>
+        </p:style>
+        <p:txBody>
+          <a:bodyPr rtlCol="0" anchor="ctr"/>
+          <a:lstStyle/>
+          <a:p>
+            <a:pPr algn="ctr"/>
+            <a:endParaRPr kumimoji="1" lang="ja-JP" altLang="en-US"/>
+          </a:p>
+        </p:txBody>
+      </p:sp>
+      <p:pic>
+        <p:nvPicPr>
+          <p:cNvPr id="19" name="Graphic 18" descr="Safe with solid fill">
+            <a:extLst>
+              <a:ext uri="{FF2B5EF4-FFF2-40B4-BE49-F238E27FC236}">
+                <a16:creationId xmlns:a16="http://schemas.microsoft.com/office/drawing/2014/main" id="{B70656D3-A9B2-B5FE-FF6A-2E4A21D648F5}"/>
+              </a:ext>
+            </a:extLst>
+          </p:cNvPr>
+          <p:cNvPicPr>
+            <a:picLocks noChangeAspect="1"/>
+          </p:cNvPicPr>
+          <p:nvPr/>
+        </p:nvPicPr>
+        <p:blipFill rotWithShape="1">
+          <a:blip r:embed="rId4">
+            <a:extLst>
+              <a:ext uri="{28A0092B-C50C-407E-A947-70E740481C1C}">
+                <a14:useLocalDpi xmlns:a14="http://schemas.microsoft.com/office/drawing/2010/main" val="0"/>
+              </a:ext>
+              <a:ext uri="{96DAC541-7B7A-43D3-8B79-37D633B846F1}">
+                <asvg:svgBlip xmlns:asvg="http://schemas.microsoft.com/office/drawing/2016/SVG/main" r:embed="rId5"/>
+              </a:ext>
+            </a:extLst>
+          </a:blip>
+          <a:srcRect l="22636" t="19075" r="22951" b="25336"/>
+          <a:stretch/>
+        </p:blipFill>
+        <p:spPr>
+          <a:xfrm>
+            <a:off x="4504383" y="3604087"/>
+            <a:ext cx="582931" cy="595535"/>
+          </a:xfrm>
+          <a:prstGeom prst="rect">
+            <a:avLst/>
+          </a:prstGeom>
+          <a:effectLst>
+            <a:outerShdw blurRad="50800" dist="38100" dir="2700000" algn="tl" rotWithShape="0">
+              <a:prstClr val="black">
+                <a:alpha val="40000"/>
+              </a:prstClr>
+            </a:outerShdw>
+          </a:effectLst>
+        </p:spPr>
+      </p:pic>
     </p:spTree>
     <p:extLst>
       <p:ext uri="{BB962C8B-B14F-4D97-AF65-F5344CB8AC3E}">
@@ -5150,7 +5237,7 @@
             </a:solidFill>
             <a:ln w="38100">
               <a:solidFill>
-                <a:schemeClr val="tx1"/>
+                <a:srgbClr val="1D9BF0"/>
               </a:solidFill>
             </a:ln>
           </p:spPr>
@@ -5204,7 +5291,7 @@
             </a:solidFill>
             <a:ln w="38100">
               <a:solidFill>
-                <a:schemeClr val="tx1"/>
+                <a:srgbClr val="1D9BF0"/>
               </a:solidFill>
             </a:ln>
             <a:effectLst>
@@ -5240,7 +5327,7 @@
               <a:r>
                 <a:rPr kumimoji="1" lang="en-US" altLang="ja-JP" sz="4000" dirty="0">
                   <a:solidFill>
-                    <a:schemeClr val="tx1"/>
+                    <a:srgbClr val="757575"/>
                   </a:solidFill>
                   <a:latin typeface="Abadi" panose="020B0604020104020204" pitchFamily="34" charset="0"/>
                 </a:rPr>
@@ -5248,7 +5335,7 @@
               </a:r>
               <a:endParaRPr kumimoji="1" lang="ja-JP" altLang="en-US" sz="4000" dirty="0">
                 <a:solidFill>
-                  <a:schemeClr val="tx1"/>
+                  <a:srgbClr val="757575"/>
                 </a:solidFill>
                 <a:latin typeface="Abadi" panose="020B0604020104020204" pitchFamily="34" charset="0"/>
               </a:endParaRPr>
@@ -5280,7 +5367,7 @@
             </a:solidFill>
             <a:ln w="38100">
               <a:solidFill>
-                <a:schemeClr val="tx1"/>
+                <a:srgbClr val="1D9BF0"/>
               </a:solidFill>
             </a:ln>
             <a:effectLst>
@@ -5316,7 +5403,7 @@
               <a:r>
                 <a:rPr kumimoji="1" lang="en-US" altLang="ja-JP" sz="4000" dirty="0">
                   <a:solidFill>
-                    <a:schemeClr val="tx1"/>
+                    <a:srgbClr val="757575"/>
                   </a:solidFill>
                   <a:latin typeface="Abadi" panose="020B0604020104020204" pitchFamily="34" charset="0"/>
                 </a:rPr>
@@ -5325,7 +5412,7 @@
               <a:r>
                 <a:rPr lang="en-US" altLang="ja-JP" sz="4000" dirty="0">
                   <a:solidFill>
-                    <a:schemeClr val="tx1"/>
+                    <a:srgbClr val="757575"/>
                   </a:solidFill>
                   <a:latin typeface="Abadi" panose="020B0604020104020204" pitchFamily="34" charset="0"/>
                 </a:rPr>
@@ -5336,7 +5423,7 @@
               <a:r>
                 <a:rPr kumimoji="1" lang="en-US" altLang="ja-JP" sz="4000" dirty="0">
                   <a:solidFill>
-                    <a:schemeClr val="tx1"/>
+                    <a:srgbClr val="757575"/>
                   </a:solidFill>
                   <a:latin typeface="Abadi" panose="020B0604020104020204" pitchFamily="34" charset="0"/>
                 </a:rPr>
@@ -5344,7 +5431,7 @@
               </a:r>
               <a:endParaRPr kumimoji="1" lang="ja-JP" altLang="en-US" sz="4000" dirty="0">
                 <a:solidFill>
-                  <a:schemeClr val="tx1"/>
+                  <a:srgbClr val="757575"/>
                 </a:solidFill>
                 <a:latin typeface="Abadi" panose="020B0604020104020204" pitchFamily="34" charset="0"/>
               </a:endParaRPr>
@@ -5376,7 +5463,7 @@
             </a:solidFill>
             <a:ln w="38100">
               <a:solidFill>
-                <a:schemeClr val="tx1"/>
+                <a:srgbClr val="1D9BF0"/>
               </a:solidFill>
             </a:ln>
             <a:effectLst>
@@ -5412,7 +5499,7 @@
               <a:r>
                 <a:rPr kumimoji="1" lang="en-US" altLang="ja-JP" sz="4000" dirty="0">
                   <a:solidFill>
-                    <a:schemeClr val="tx1"/>
+                    <a:srgbClr val="757575"/>
                   </a:solidFill>
                   <a:latin typeface="Abadi" panose="020B0604020104020204" pitchFamily="34" charset="0"/>
                 </a:rPr>
@@ -5420,7 +5507,7 @@
               </a:r>
               <a:endParaRPr kumimoji="1" lang="ja-JP" altLang="en-US" sz="4000" dirty="0">
                 <a:solidFill>
-                  <a:schemeClr val="tx1"/>
+                  <a:srgbClr val="757575"/>
                 </a:solidFill>
                 <a:latin typeface="Abadi" panose="020B0604020104020204" pitchFamily="34" charset="0"/>
               </a:endParaRPr>
@@ -5452,7 +5539,7 @@
             </a:solidFill>
             <a:ln w="38100">
               <a:solidFill>
-                <a:schemeClr val="tx1"/>
+                <a:srgbClr val="1D9BF0"/>
               </a:solidFill>
             </a:ln>
             <a:effectLst>
@@ -5488,7 +5575,7 @@
               <a:r>
                 <a:rPr kumimoji="1" lang="en-US" altLang="ja-JP" sz="4000" dirty="0">
                   <a:solidFill>
-                    <a:schemeClr val="tx1"/>
+                    <a:srgbClr val="757575"/>
                   </a:solidFill>
                   <a:latin typeface="Abadi" panose="020B0604020104020204" pitchFamily="34" charset="0"/>
                 </a:rPr>
@@ -5497,7 +5584,7 @@
               <a:r>
                 <a:rPr lang="en-US" altLang="ja-JP" sz="4000" dirty="0">
                   <a:solidFill>
-                    <a:schemeClr val="tx1"/>
+                    <a:srgbClr val="757575"/>
                   </a:solidFill>
                   <a:latin typeface="Abadi" panose="020B0604020104020204" pitchFamily="34" charset="0"/>
                 </a:rPr>
@@ -5531,7 +5618,7 @@
             </a:solidFill>
             <a:ln w="38100">
               <a:solidFill>
-                <a:schemeClr val="tx1"/>
+                <a:srgbClr val="1D9BF0"/>
               </a:solidFill>
             </a:ln>
             <a:effectLst>
@@ -5567,7 +5654,7 @@
               <a:r>
                 <a:rPr kumimoji="1" lang="en-US" altLang="ja-JP" sz="4000" dirty="0">
                   <a:solidFill>
-                    <a:schemeClr val="tx1"/>
+                    <a:srgbClr val="757575"/>
                   </a:solidFill>
                   <a:latin typeface="Abadi" panose="020B0604020104020204" pitchFamily="34" charset="0"/>
                 </a:rPr>
@@ -5575,7 +5662,7 @@
               </a:r>
               <a:endParaRPr kumimoji="1" lang="ja-JP" altLang="en-US" sz="4000" dirty="0">
                 <a:solidFill>
-                  <a:schemeClr val="tx1"/>
+                  <a:srgbClr val="757575"/>
                 </a:solidFill>
                 <a:latin typeface="Abadi" panose="020B0604020104020204" pitchFamily="34" charset="0"/>
               </a:endParaRPr>
@@ -5607,7 +5694,7 @@
             </a:solidFill>
             <a:ln w="38100">
               <a:solidFill>
-                <a:schemeClr val="tx1"/>
+                <a:srgbClr val="1D9BF0"/>
               </a:solidFill>
             </a:ln>
             <a:effectLst>
@@ -5643,7 +5730,7 @@
               <a:r>
                 <a:rPr kumimoji="1" lang="en-US" altLang="ja-JP" sz="4000" dirty="0">
                   <a:solidFill>
-                    <a:schemeClr val="tx1"/>
+                    <a:srgbClr val="757575"/>
                   </a:solidFill>
                   <a:latin typeface="Abadi" panose="020B0604020104020204" pitchFamily="34" charset="0"/>
                 </a:rPr>
@@ -5651,7 +5738,7 @@
               </a:r>
               <a:endParaRPr kumimoji="1" lang="ja-JP" altLang="en-US" sz="4000" dirty="0">
                 <a:solidFill>
-                  <a:schemeClr val="tx1"/>
+                  <a:srgbClr val="757575"/>
                 </a:solidFill>
                 <a:latin typeface="Abadi" panose="020B0604020104020204" pitchFamily="34" charset="0"/>
               </a:endParaRPr>
@@ -5683,7 +5770,7 @@
             </a:solidFill>
             <a:ln w="38100">
               <a:solidFill>
-                <a:schemeClr val="tx1"/>
+                <a:srgbClr val="1D9BF0"/>
               </a:solidFill>
             </a:ln>
             <a:effectLst>
@@ -5719,7 +5806,7 @@
               <a:r>
                 <a:rPr kumimoji="1" lang="en-US" altLang="ja-JP" sz="4000" dirty="0">
                   <a:solidFill>
-                    <a:schemeClr val="tx1"/>
+                    <a:srgbClr val="757575"/>
                   </a:solidFill>
                   <a:latin typeface="Abadi" panose="020B0604020104020204" pitchFamily="34" charset="0"/>
                 </a:rPr>
@@ -5727,7 +5814,7 @@
               </a:r>
               <a:endParaRPr kumimoji="1" lang="ja-JP" altLang="en-US" sz="4000" dirty="0">
                 <a:solidFill>
-                  <a:schemeClr val="tx1"/>
+                  <a:srgbClr val="757575"/>
                 </a:solidFill>
                 <a:latin typeface="Abadi" panose="020B0604020104020204" pitchFamily="34" charset="0"/>
               </a:endParaRPr>
@@ -5759,7 +5846,7 @@
             </a:prstGeom>
             <a:ln w="38100">
               <a:solidFill>
-                <a:schemeClr val="tx1"/>
+                <a:srgbClr val="1D9BF0"/>
               </a:solidFill>
               <a:tailEnd type="arrow"/>
             </a:ln>
@@ -5811,7 +5898,7 @@
             </a:prstGeom>
             <a:ln w="38100">
               <a:solidFill>
-                <a:schemeClr val="tx1"/>
+                <a:srgbClr val="1D9BF0"/>
               </a:solidFill>
               <a:tailEnd type="arrow"/>
             </a:ln>
@@ -5863,7 +5950,7 @@
             </a:prstGeom>
             <a:ln w="38100">
               <a:solidFill>
-                <a:schemeClr val="tx1"/>
+                <a:srgbClr val="1D9BF0"/>
               </a:solidFill>
               <a:tailEnd type="arrow"/>
             </a:ln>
@@ -5955,7 +6042,7 @@
             </a:prstGeom>
             <a:ln w="38100">
               <a:solidFill>
-                <a:schemeClr val="tx1"/>
+                <a:srgbClr val="1D9BF0"/>
               </a:solidFill>
               <a:tailEnd type="arrow"/>
             </a:ln>
@@ -6008,7 +6095,7 @@
             </a:prstGeom>
             <a:ln w="38100">
               <a:solidFill>
-                <a:schemeClr val="tx1"/>
+                <a:srgbClr val="1D9BF0"/>
               </a:solidFill>
               <a:tailEnd type="arrow"/>
             </a:ln>
@@ -6154,117 +6241,6 @@
             </p:spPr>
           </p:pic>
         </p:grpSp>
-        <p:pic>
-          <p:nvPicPr>
-            <p:cNvPr id="17" name="Picture 16">
-              <a:extLst>
-                <a:ext uri="{FF2B5EF4-FFF2-40B4-BE49-F238E27FC236}">
-                  <a16:creationId xmlns:a16="http://schemas.microsoft.com/office/drawing/2014/main" id="{7DDD06BA-C783-7B7C-EE58-7C5F1D3BE537}"/>
-                </a:ext>
-              </a:extLst>
-            </p:cNvPr>
-            <p:cNvPicPr>
-              <a:picLocks noChangeAspect="1"/>
-            </p:cNvPicPr>
-            <p:nvPr/>
-          </p:nvPicPr>
-          <p:blipFill>
-            <a:blip r:embed="rId6"/>
-            <a:stretch>
-              <a:fillRect/>
-            </a:stretch>
-          </p:blipFill>
-          <p:spPr>
-            <a:xfrm>
-              <a:off x="8952383" y="3656030"/>
-              <a:ext cx="426201" cy="332186"/>
-            </a:xfrm>
-            <a:prstGeom prst="rect">
-              <a:avLst/>
-            </a:prstGeom>
-            <a:effectLst>
-              <a:outerShdw blurRad="50800" dist="38100" dir="2700000" algn="tl" rotWithShape="0">
-                <a:prstClr val="black">
-                  <a:alpha val="40000"/>
-                </a:prstClr>
-              </a:outerShdw>
-            </a:effectLst>
-          </p:spPr>
-        </p:pic>
-        <p:pic>
-          <p:nvPicPr>
-            <p:cNvPr id="19" name="Picture 18">
-              <a:extLst>
-                <a:ext uri="{FF2B5EF4-FFF2-40B4-BE49-F238E27FC236}">
-                  <a16:creationId xmlns:a16="http://schemas.microsoft.com/office/drawing/2014/main" id="{6DA03032-2D91-ED6B-7E4C-AD841C4D4248}"/>
-                </a:ext>
-              </a:extLst>
-            </p:cNvPr>
-            <p:cNvPicPr>
-              <a:picLocks noChangeAspect="1"/>
-            </p:cNvPicPr>
-            <p:nvPr/>
-          </p:nvPicPr>
-          <p:blipFill>
-            <a:blip r:embed="rId6"/>
-            <a:stretch>
-              <a:fillRect/>
-            </a:stretch>
-          </p:blipFill>
-          <p:spPr>
-            <a:xfrm>
-              <a:off x="8952383" y="4457384"/>
-              <a:ext cx="426201" cy="332186"/>
-            </a:xfrm>
-            <a:prstGeom prst="rect">
-              <a:avLst/>
-            </a:prstGeom>
-            <a:effectLst>
-              <a:outerShdw blurRad="50800" dist="38100" dir="2700000" algn="tl" rotWithShape="0">
-                <a:prstClr val="black">
-                  <a:alpha val="40000"/>
-                </a:prstClr>
-              </a:outerShdw>
-            </a:effectLst>
-          </p:spPr>
-        </p:pic>
-        <p:pic>
-          <p:nvPicPr>
-            <p:cNvPr id="20" name="Picture 19">
-              <a:extLst>
-                <a:ext uri="{FF2B5EF4-FFF2-40B4-BE49-F238E27FC236}">
-                  <a16:creationId xmlns:a16="http://schemas.microsoft.com/office/drawing/2014/main" id="{ACD6167C-71AE-887F-F580-6A84F3FD7F22}"/>
-                </a:ext>
-              </a:extLst>
-            </p:cNvPr>
-            <p:cNvPicPr>
-              <a:picLocks noChangeAspect="1"/>
-            </p:cNvPicPr>
-            <p:nvPr/>
-          </p:nvPicPr>
-          <p:blipFill>
-            <a:blip r:embed="rId6"/>
-            <a:stretch>
-              <a:fillRect/>
-            </a:stretch>
-          </p:blipFill>
-          <p:spPr>
-            <a:xfrm>
-              <a:off x="8952383" y="5275239"/>
-              <a:ext cx="426201" cy="332186"/>
-            </a:xfrm>
-            <a:prstGeom prst="rect">
-              <a:avLst/>
-            </a:prstGeom>
-            <a:effectLst>
-              <a:outerShdw blurRad="50800" dist="38100" dir="2700000" algn="tl" rotWithShape="0">
-                <a:prstClr val="black">
-                  <a:alpha val="40000"/>
-                </a:prstClr>
-              </a:outerShdw>
-            </a:effectLst>
-          </p:spPr>
-        </p:pic>
         <p:sp>
           <p:nvSpPr>
             <p:cNvPr id="26" name="TextBox 25">
@@ -6296,7 +6272,7 @@
               <a:r>
                 <a:rPr lang="en-US" altLang="ja-JP" sz="2400" dirty="0">
                   <a:solidFill>
-                    <a:schemeClr val="tx1"/>
+                    <a:srgbClr val="757575"/>
                   </a:solidFill>
                   <a:latin typeface="Abadi" panose="020B0604020104020204" pitchFamily="34" charset="0"/>
                 </a:rPr>
@@ -6336,13 +6312,16 @@
               <a:r>
                 <a:rPr lang="en-US" altLang="ja-JP" sz="2400" dirty="0">
                   <a:solidFill>
-                    <a:schemeClr val="tx1"/>
+                    <a:srgbClr val="757575"/>
                   </a:solidFill>
                   <a:latin typeface="Abadi" panose="020B0604020104020204" pitchFamily="34" charset="0"/>
                 </a:rPr>
                 <a:t>All projects are managed on the Solana blockchain, which is decentralized, scalable, fast, and energy-efficient blockchain.</a:t>
               </a:r>
               <a:endParaRPr lang="ja-JP" altLang="en-US" sz="2400" dirty="0">
+                <a:solidFill>
+                  <a:srgbClr val="757575"/>
+                </a:solidFill>
                 <a:latin typeface="Abadi" panose="020B0604020104020204" pitchFamily="34" charset="0"/>
               </a:endParaRPr>
             </a:p>
@@ -6383,13 +6362,13 @@
               <p:nvPr/>
             </p:nvPicPr>
             <p:blipFill>
-              <a:blip r:embed="rId7">
+              <a:blip r:embed="rId6">
                 <a:extLst>
                   <a:ext uri="{28A0092B-C50C-407E-A947-70E740481C1C}">
                     <a14:useLocalDpi xmlns:a14="http://schemas.microsoft.com/office/drawing/2010/main" val="0"/>
                   </a:ext>
                   <a:ext uri="{96DAC541-7B7A-43D3-8B79-37D633B846F1}">
-                    <asvg:svgBlip xmlns:asvg="http://schemas.microsoft.com/office/drawing/2016/SVG/main" r:embed="rId8"/>
+                    <asvg:svgBlip xmlns:asvg="http://schemas.microsoft.com/office/drawing/2016/SVG/main" r:embed="rId7"/>
                   </a:ext>
                 </a:extLst>
               </a:blip>
@@ -6422,13 +6401,13 @@
               <p:nvPr/>
             </p:nvPicPr>
             <p:blipFill>
-              <a:blip r:embed="rId9">
+              <a:blip r:embed="rId8">
                 <a:extLst>
                   <a:ext uri="{28A0092B-C50C-407E-A947-70E740481C1C}">
                     <a14:useLocalDpi xmlns:a14="http://schemas.microsoft.com/office/drawing/2010/main" val="0"/>
                   </a:ext>
                   <a:ext uri="{96DAC541-7B7A-43D3-8B79-37D633B846F1}">
-                    <asvg:svgBlip xmlns:asvg="http://schemas.microsoft.com/office/drawing/2016/SVG/main" r:embed="rId10"/>
+                    <asvg:svgBlip xmlns:asvg="http://schemas.microsoft.com/office/drawing/2016/SVG/main" r:embed="rId9"/>
                   </a:ext>
                 </a:extLst>
               </a:blip>
@@ -6479,7 +6458,7 @@
             </a:solidFill>
             <a:ln w="38100">
               <a:solidFill>
-                <a:schemeClr val="tx1"/>
+                <a:srgbClr val="1D9BF0"/>
               </a:solidFill>
             </a:ln>
             <a:effectLst>
@@ -6536,13 +6515,13 @@
             <p:nvPr/>
           </p:nvPicPr>
           <p:blipFill>
-            <a:blip r:embed="rId11">
+            <a:blip r:embed="rId10">
               <a:extLst>
                 <a:ext uri="{28A0092B-C50C-407E-A947-70E740481C1C}">
                   <a14:useLocalDpi xmlns:a14="http://schemas.microsoft.com/office/drawing/2010/main" val="0"/>
                 </a:ext>
                 <a:ext uri="{96DAC541-7B7A-43D3-8B79-37D633B846F1}">
-                  <asvg:svgBlip xmlns:asvg="http://schemas.microsoft.com/office/drawing/2016/SVG/main" r:embed="rId12"/>
+                  <asvg:svgBlip xmlns:asvg="http://schemas.microsoft.com/office/drawing/2016/SVG/main" r:embed="rId11"/>
                 </a:ext>
               </a:extLst>
             </a:blip>
@@ -6568,6 +6547,555 @@
           </p:spPr>
         </p:pic>
       </p:grpSp>
+      <p:sp>
+        <p:nvSpPr>
+          <p:cNvPr id="7" name="Parallelogram 6">
+            <a:extLst>
+              <a:ext uri="{FF2B5EF4-FFF2-40B4-BE49-F238E27FC236}">
+                <a16:creationId xmlns:a16="http://schemas.microsoft.com/office/drawing/2014/main" id="{16EB096F-51AE-D0C2-262D-F39589207EF8}"/>
+              </a:ext>
+            </a:extLst>
+          </p:cNvPr>
+          <p:cNvSpPr/>
+          <p:nvPr/>
+        </p:nvSpPr>
+        <p:spPr>
+          <a:xfrm>
+            <a:off x="8937012" y="3909954"/>
+            <a:ext cx="441572" cy="78262"/>
+          </a:xfrm>
+          <a:prstGeom prst="parallelogram">
+            <a:avLst>
+              <a:gd name="adj" fmla="val 97027"/>
+            </a:avLst>
+          </a:prstGeom>
+          <a:solidFill>
+            <a:srgbClr val="1D9BF0"/>
+          </a:solidFill>
+          <a:ln>
+            <a:noFill/>
+          </a:ln>
+          <a:effectLst>
+            <a:outerShdw blurRad="50800" dist="38100" dir="2700000" algn="tl" rotWithShape="0">
+              <a:prstClr val="black">
+                <a:alpha val="40000"/>
+              </a:prstClr>
+            </a:outerShdw>
+          </a:effectLst>
+        </p:spPr>
+        <p:style>
+          <a:lnRef idx="2">
+            <a:schemeClr val="accent1">
+              <a:shade val="50000"/>
+            </a:schemeClr>
+          </a:lnRef>
+          <a:fillRef idx="1">
+            <a:schemeClr val="accent1"/>
+          </a:fillRef>
+          <a:effectRef idx="0">
+            <a:schemeClr val="accent1"/>
+          </a:effectRef>
+          <a:fontRef idx="minor">
+            <a:schemeClr val="lt1"/>
+          </a:fontRef>
+        </p:style>
+        <p:txBody>
+          <a:bodyPr rtlCol="0" anchor="ctr"/>
+          <a:lstStyle/>
+          <a:p>
+            <a:pPr algn="ctr"/>
+            <a:endParaRPr kumimoji="1" lang="ja-JP" altLang="en-US"/>
+          </a:p>
+        </p:txBody>
+      </p:sp>
+      <p:sp>
+        <p:nvSpPr>
+          <p:cNvPr id="16" name="Parallelogram 15">
+            <a:extLst>
+              <a:ext uri="{FF2B5EF4-FFF2-40B4-BE49-F238E27FC236}">
+                <a16:creationId xmlns:a16="http://schemas.microsoft.com/office/drawing/2014/main" id="{1B62E7F7-80D7-864C-B24B-08AC230446C5}"/>
+              </a:ext>
+            </a:extLst>
+          </p:cNvPr>
+          <p:cNvSpPr/>
+          <p:nvPr/>
+        </p:nvSpPr>
+        <p:spPr>
+          <a:xfrm>
+            <a:off x="8937012" y="3662314"/>
+            <a:ext cx="441572" cy="78262"/>
+          </a:xfrm>
+          <a:prstGeom prst="parallelogram">
+            <a:avLst>
+              <a:gd name="adj" fmla="val 97027"/>
+            </a:avLst>
+          </a:prstGeom>
+          <a:solidFill>
+            <a:srgbClr val="1D9BF0"/>
+          </a:solidFill>
+          <a:ln>
+            <a:noFill/>
+          </a:ln>
+          <a:effectLst>
+            <a:outerShdw blurRad="50800" dist="38100" dir="2700000" algn="tl" rotWithShape="0">
+              <a:prstClr val="black">
+                <a:alpha val="40000"/>
+              </a:prstClr>
+            </a:outerShdw>
+          </a:effectLst>
+        </p:spPr>
+        <p:style>
+          <a:lnRef idx="2">
+            <a:schemeClr val="accent1">
+              <a:shade val="50000"/>
+            </a:schemeClr>
+          </a:lnRef>
+          <a:fillRef idx="1">
+            <a:schemeClr val="accent1"/>
+          </a:fillRef>
+          <a:effectRef idx="0">
+            <a:schemeClr val="accent1"/>
+          </a:effectRef>
+          <a:fontRef idx="minor">
+            <a:schemeClr val="lt1"/>
+          </a:fontRef>
+        </p:style>
+        <p:txBody>
+          <a:bodyPr rtlCol="0" anchor="ctr"/>
+          <a:lstStyle/>
+          <a:p>
+            <a:pPr algn="ctr"/>
+            <a:endParaRPr kumimoji="1" lang="ja-JP" altLang="en-US"/>
+          </a:p>
+        </p:txBody>
+      </p:sp>
+      <p:sp>
+        <p:nvSpPr>
+          <p:cNvPr id="25" name="Parallelogram 24">
+            <a:extLst>
+              <a:ext uri="{FF2B5EF4-FFF2-40B4-BE49-F238E27FC236}">
+                <a16:creationId xmlns:a16="http://schemas.microsoft.com/office/drawing/2014/main" id="{72E59A1B-9008-1FE3-2ACA-D76BDAD4414E}"/>
+              </a:ext>
+            </a:extLst>
+          </p:cNvPr>
+          <p:cNvSpPr/>
+          <p:nvPr/>
+        </p:nvSpPr>
+        <p:spPr>
+          <a:xfrm flipH="1">
+            <a:off x="8937012" y="3783571"/>
+            <a:ext cx="441572" cy="78262"/>
+          </a:xfrm>
+          <a:prstGeom prst="parallelogram">
+            <a:avLst>
+              <a:gd name="adj" fmla="val 97027"/>
+            </a:avLst>
+          </a:prstGeom>
+          <a:solidFill>
+            <a:srgbClr val="1D9BF0"/>
+          </a:solidFill>
+          <a:ln>
+            <a:noFill/>
+          </a:ln>
+          <a:effectLst>
+            <a:outerShdw blurRad="50800" dist="38100" dir="2700000" algn="tl" rotWithShape="0">
+              <a:prstClr val="black">
+                <a:alpha val="40000"/>
+              </a:prstClr>
+            </a:outerShdw>
+          </a:effectLst>
+        </p:spPr>
+        <p:style>
+          <a:lnRef idx="2">
+            <a:schemeClr val="accent1">
+              <a:shade val="50000"/>
+            </a:schemeClr>
+          </a:lnRef>
+          <a:fillRef idx="1">
+            <a:schemeClr val="accent1"/>
+          </a:fillRef>
+          <a:effectRef idx="0">
+            <a:schemeClr val="accent1"/>
+          </a:effectRef>
+          <a:fontRef idx="minor">
+            <a:schemeClr val="lt1"/>
+          </a:fontRef>
+        </p:style>
+        <p:txBody>
+          <a:bodyPr rtlCol="0" anchor="ctr"/>
+          <a:lstStyle/>
+          <a:p>
+            <a:pPr algn="ctr"/>
+            <a:endParaRPr kumimoji="1" lang="ja-JP" altLang="en-US"/>
+          </a:p>
+        </p:txBody>
+      </p:sp>
+      <p:sp>
+        <p:nvSpPr>
+          <p:cNvPr id="28" name="Parallelogram 27">
+            <a:extLst>
+              <a:ext uri="{FF2B5EF4-FFF2-40B4-BE49-F238E27FC236}">
+                <a16:creationId xmlns:a16="http://schemas.microsoft.com/office/drawing/2014/main" id="{04174267-A0EC-2A5F-29BF-C9F1CCBF4386}"/>
+              </a:ext>
+            </a:extLst>
+          </p:cNvPr>
+          <p:cNvSpPr/>
+          <p:nvPr/>
+        </p:nvSpPr>
+        <p:spPr>
+          <a:xfrm>
+            <a:off x="8937012" y="4705024"/>
+            <a:ext cx="441572" cy="78262"/>
+          </a:xfrm>
+          <a:prstGeom prst="parallelogram">
+            <a:avLst>
+              <a:gd name="adj" fmla="val 97027"/>
+            </a:avLst>
+          </a:prstGeom>
+          <a:solidFill>
+            <a:srgbClr val="1D9BF0"/>
+          </a:solidFill>
+          <a:ln>
+            <a:noFill/>
+          </a:ln>
+          <a:effectLst>
+            <a:outerShdw blurRad="50800" dist="38100" dir="2700000" algn="tl" rotWithShape="0">
+              <a:prstClr val="black">
+                <a:alpha val="40000"/>
+              </a:prstClr>
+            </a:outerShdw>
+          </a:effectLst>
+        </p:spPr>
+        <p:style>
+          <a:lnRef idx="2">
+            <a:schemeClr val="accent1">
+              <a:shade val="50000"/>
+            </a:schemeClr>
+          </a:lnRef>
+          <a:fillRef idx="1">
+            <a:schemeClr val="accent1"/>
+          </a:fillRef>
+          <a:effectRef idx="0">
+            <a:schemeClr val="accent1"/>
+          </a:effectRef>
+          <a:fontRef idx="minor">
+            <a:schemeClr val="lt1"/>
+          </a:fontRef>
+        </p:style>
+        <p:txBody>
+          <a:bodyPr rtlCol="0" anchor="ctr"/>
+          <a:lstStyle/>
+          <a:p>
+            <a:pPr algn="ctr"/>
+            <a:endParaRPr kumimoji="1" lang="ja-JP" altLang="en-US"/>
+          </a:p>
+        </p:txBody>
+      </p:sp>
+      <p:sp>
+        <p:nvSpPr>
+          <p:cNvPr id="29" name="Parallelogram 28">
+            <a:extLst>
+              <a:ext uri="{FF2B5EF4-FFF2-40B4-BE49-F238E27FC236}">
+                <a16:creationId xmlns:a16="http://schemas.microsoft.com/office/drawing/2014/main" id="{1DEF2E0B-E1B0-FD0C-81A7-C080F5515B67}"/>
+              </a:ext>
+            </a:extLst>
+          </p:cNvPr>
+          <p:cNvSpPr/>
+          <p:nvPr/>
+        </p:nvSpPr>
+        <p:spPr>
+          <a:xfrm>
+            <a:off x="8937012" y="4457384"/>
+            <a:ext cx="441572" cy="78262"/>
+          </a:xfrm>
+          <a:prstGeom prst="parallelogram">
+            <a:avLst>
+              <a:gd name="adj" fmla="val 97027"/>
+            </a:avLst>
+          </a:prstGeom>
+          <a:solidFill>
+            <a:srgbClr val="1D9BF0"/>
+          </a:solidFill>
+          <a:ln>
+            <a:noFill/>
+          </a:ln>
+          <a:effectLst>
+            <a:outerShdw blurRad="50800" dist="38100" dir="2700000" algn="tl" rotWithShape="0">
+              <a:prstClr val="black">
+                <a:alpha val="40000"/>
+              </a:prstClr>
+            </a:outerShdw>
+          </a:effectLst>
+        </p:spPr>
+        <p:style>
+          <a:lnRef idx="2">
+            <a:schemeClr val="accent1">
+              <a:shade val="50000"/>
+            </a:schemeClr>
+          </a:lnRef>
+          <a:fillRef idx="1">
+            <a:schemeClr val="accent1"/>
+          </a:fillRef>
+          <a:effectRef idx="0">
+            <a:schemeClr val="accent1"/>
+          </a:effectRef>
+          <a:fontRef idx="minor">
+            <a:schemeClr val="lt1"/>
+          </a:fontRef>
+        </p:style>
+        <p:txBody>
+          <a:bodyPr rtlCol="0" anchor="ctr"/>
+          <a:lstStyle/>
+          <a:p>
+            <a:pPr algn="ctr"/>
+            <a:endParaRPr kumimoji="1" lang="ja-JP" altLang="en-US"/>
+          </a:p>
+        </p:txBody>
+      </p:sp>
+      <p:sp>
+        <p:nvSpPr>
+          <p:cNvPr id="33" name="Parallelogram 32">
+            <a:extLst>
+              <a:ext uri="{FF2B5EF4-FFF2-40B4-BE49-F238E27FC236}">
+                <a16:creationId xmlns:a16="http://schemas.microsoft.com/office/drawing/2014/main" id="{841BF0E8-0D24-24D1-A789-8C2C49F4B9DF}"/>
+              </a:ext>
+            </a:extLst>
+          </p:cNvPr>
+          <p:cNvSpPr/>
+          <p:nvPr/>
+        </p:nvSpPr>
+        <p:spPr>
+          <a:xfrm flipH="1">
+            <a:off x="8937012" y="4578641"/>
+            <a:ext cx="441572" cy="78262"/>
+          </a:xfrm>
+          <a:prstGeom prst="parallelogram">
+            <a:avLst>
+              <a:gd name="adj" fmla="val 97027"/>
+            </a:avLst>
+          </a:prstGeom>
+          <a:solidFill>
+            <a:srgbClr val="1D9BF0"/>
+          </a:solidFill>
+          <a:ln>
+            <a:noFill/>
+          </a:ln>
+          <a:effectLst>
+            <a:outerShdw blurRad="50800" dist="38100" dir="2700000" algn="tl" rotWithShape="0">
+              <a:prstClr val="black">
+                <a:alpha val="40000"/>
+              </a:prstClr>
+            </a:outerShdw>
+          </a:effectLst>
+        </p:spPr>
+        <p:style>
+          <a:lnRef idx="2">
+            <a:schemeClr val="accent1">
+              <a:shade val="50000"/>
+            </a:schemeClr>
+          </a:lnRef>
+          <a:fillRef idx="1">
+            <a:schemeClr val="accent1"/>
+          </a:fillRef>
+          <a:effectRef idx="0">
+            <a:schemeClr val="accent1"/>
+          </a:effectRef>
+          <a:fontRef idx="minor">
+            <a:schemeClr val="lt1"/>
+          </a:fontRef>
+        </p:style>
+        <p:txBody>
+          <a:bodyPr rtlCol="0" anchor="ctr"/>
+          <a:lstStyle/>
+          <a:p>
+            <a:pPr algn="ctr"/>
+            <a:endParaRPr kumimoji="1" lang="ja-JP" altLang="en-US"/>
+          </a:p>
+        </p:txBody>
+      </p:sp>
+      <p:sp>
+        <p:nvSpPr>
+          <p:cNvPr id="35" name="Parallelogram 34">
+            <a:extLst>
+              <a:ext uri="{FF2B5EF4-FFF2-40B4-BE49-F238E27FC236}">
+                <a16:creationId xmlns:a16="http://schemas.microsoft.com/office/drawing/2014/main" id="{DC56EFC0-7493-F140-674C-2C28FCFEBA93}"/>
+              </a:ext>
+            </a:extLst>
+          </p:cNvPr>
+          <p:cNvSpPr/>
+          <p:nvPr/>
+        </p:nvSpPr>
+        <p:spPr>
+          <a:xfrm>
+            <a:off x="8937012" y="5522879"/>
+            <a:ext cx="441572" cy="78262"/>
+          </a:xfrm>
+          <a:prstGeom prst="parallelogram">
+            <a:avLst>
+              <a:gd name="adj" fmla="val 97027"/>
+            </a:avLst>
+          </a:prstGeom>
+          <a:solidFill>
+            <a:srgbClr val="1D9BF0"/>
+          </a:solidFill>
+          <a:ln>
+            <a:noFill/>
+          </a:ln>
+          <a:effectLst>
+            <a:outerShdw blurRad="50800" dist="38100" dir="2700000" algn="tl" rotWithShape="0">
+              <a:prstClr val="black">
+                <a:alpha val="40000"/>
+              </a:prstClr>
+            </a:outerShdw>
+          </a:effectLst>
+        </p:spPr>
+        <p:style>
+          <a:lnRef idx="2">
+            <a:schemeClr val="accent1">
+              <a:shade val="50000"/>
+            </a:schemeClr>
+          </a:lnRef>
+          <a:fillRef idx="1">
+            <a:schemeClr val="accent1"/>
+          </a:fillRef>
+          <a:effectRef idx="0">
+            <a:schemeClr val="accent1"/>
+          </a:effectRef>
+          <a:fontRef idx="minor">
+            <a:schemeClr val="lt1"/>
+          </a:fontRef>
+        </p:style>
+        <p:txBody>
+          <a:bodyPr rtlCol="0" anchor="ctr"/>
+          <a:lstStyle/>
+          <a:p>
+            <a:pPr algn="ctr"/>
+            <a:endParaRPr kumimoji="1" lang="ja-JP" altLang="en-US"/>
+          </a:p>
+        </p:txBody>
+      </p:sp>
+      <p:sp>
+        <p:nvSpPr>
+          <p:cNvPr id="36" name="Parallelogram 35">
+            <a:extLst>
+              <a:ext uri="{FF2B5EF4-FFF2-40B4-BE49-F238E27FC236}">
+                <a16:creationId xmlns:a16="http://schemas.microsoft.com/office/drawing/2014/main" id="{5F7A2079-5387-236A-7DB1-495650BF6049}"/>
+              </a:ext>
+            </a:extLst>
+          </p:cNvPr>
+          <p:cNvSpPr/>
+          <p:nvPr/>
+        </p:nvSpPr>
+        <p:spPr>
+          <a:xfrm>
+            <a:off x="8937012" y="5275239"/>
+            <a:ext cx="441572" cy="78262"/>
+          </a:xfrm>
+          <a:prstGeom prst="parallelogram">
+            <a:avLst>
+              <a:gd name="adj" fmla="val 97027"/>
+            </a:avLst>
+          </a:prstGeom>
+          <a:solidFill>
+            <a:srgbClr val="1D9BF0"/>
+          </a:solidFill>
+          <a:ln>
+            <a:noFill/>
+          </a:ln>
+          <a:effectLst>
+            <a:outerShdw blurRad="50800" dist="38100" dir="2700000" algn="tl" rotWithShape="0">
+              <a:prstClr val="black">
+                <a:alpha val="40000"/>
+              </a:prstClr>
+            </a:outerShdw>
+          </a:effectLst>
+        </p:spPr>
+        <p:style>
+          <a:lnRef idx="2">
+            <a:schemeClr val="accent1">
+              <a:shade val="50000"/>
+            </a:schemeClr>
+          </a:lnRef>
+          <a:fillRef idx="1">
+            <a:schemeClr val="accent1"/>
+          </a:fillRef>
+          <a:effectRef idx="0">
+            <a:schemeClr val="accent1"/>
+          </a:effectRef>
+          <a:fontRef idx="minor">
+            <a:schemeClr val="lt1"/>
+          </a:fontRef>
+        </p:style>
+        <p:txBody>
+          <a:bodyPr rtlCol="0" anchor="ctr"/>
+          <a:lstStyle/>
+          <a:p>
+            <a:pPr algn="ctr"/>
+            <a:endParaRPr kumimoji="1" lang="ja-JP" altLang="en-US"/>
+          </a:p>
+        </p:txBody>
+      </p:sp>
+      <p:sp>
+        <p:nvSpPr>
+          <p:cNvPr id="38" name="Parallelogram 37">
+            <a:extLst>
+              <a:ext uri="{FF2B5EF4-FFF2-40B4-BE49-F238E27FC236}">
+                <a16:creationId xmlns:a16="http://schemas.microsoft.com/office/drawing/2014/main" id="{F000C7FF-72CC-4728-E3E4-1A91DF1CEBD6}"/>
+              </a:ext>
+            </a:extLst>
+          </p:cNvPr>
+          <p:cNvSpPr/>
+          <p:nvPr/>
+        </p:nvSpPr>
+        <p:spPr>
+          <a:xfrm flipH="1">
+            <a:off x="8937012" y="5396496"/>
+            <a:ext cx="441572" cy="78262"/>
+          </a:xfrm>
+          <a:prstGeom prst="parallelogram">
+            <a:avLst>
+              <a:gd name="adj" fmla="val 97027"/>
+            </a:avLst>
+          </a:prstGeom>
+          <a:solidFill>
+            <a:srgbClr val="1D9BF0"/>
+          </a:solidFill>
+          <a:ln>
+            <a:noFill/>
+          </a:ln>
+          <a:effectLst>
+            <a:outerShdw blurRad="50800" dist="38100" dir="2700000" algn="tl" rotWithShape="0">
+              <a:prstClr val="black">
+                <a:alpha val="40000"/>
+              </a:prstClr>
+            </a:outerShdw>
+          </a:effectLst>
+        </p:spPr>
+        <p:style>
+          <a:lnRef idx="2">
+            <a:schemeClr val="accent1">
+              <a:shade val="50000"/>
+            </a:schemeClr>
+          </a:lnRef>
+          <a:fillRef idx="1">
+            <a:schemeClr val="accent1"/>
+          </a:fillRef>
+          <a:effectRef idx="0">
+            <a:schemeClr val="accent1"/>
+          </a:effectRef>
+          <a:fontRef idx="minor">
+            <a:schemeClr val="lt1"/>
+          </a:fontRef>
+        </p:style>
+        <p:txBody>
+          <a:bodyPr rtlCol="0" anchor="ctr"/>
+          <a:lstStyle/>
+          <a:p>
+            <a:pPr algn="ctr"/>
+            <a:endParaRPr kumimoji="1" lang="ja-JP" altLang="en-US"/>
+          </a:p>
+        </p:txBody>
+      </p:sp>
     </p:spTree>
     <p:extLst>
       <p:ext uri="{BB962C8B-B14F-4D97-AF65-F5344CB8AC3E}">
@@ -6643,7 +7171,7 @@
             </a:solidFill>
             <a:ln w="38100">
               <a:solidFill>
-                <a:schemeClr val="tx1"/>
+                <a:srgbClr val="1D9BF0"/>
               </a:solidFill>
             </a:ln>
           </p:spPr>
@@ -6697,7 +7225,7 @@
             </a:solidFill>
             <a:ln w="38100">
               <a:solidFill>
-                <a:schemeClr val="tx1"/>
+                <a:srgbClr val="1D9BF0"/>
               </a:solidFill>
             </a:ln>
             <a:effectLst>
@@ -6733,7 +7261,7 @@
               <a:r>
                 <a:rPr kumimoji="1" lang="en-US" altLang="ja-JP" sz="4000" dirty="0">
                   <a:solidFill>
-                    <a:schemeClr val="tx1"/>
+                    <a:srgbClr val="757575"/>
                   </a:solidFill>
                   <a:latin typeface="Abadi" panose="020B0604020104020204" pitchFamily="34" charset="0"/>
                 </a:rPr>
@@ -6742,7 +7270,7 @@
               <a:r>
                 <a:rPr lang="en-US" altLang="ja-JP" sz="4000" dirty="0">
                   <a:solidFill>
-                    <a:schemeClr val="tx1"/>
+                    <a:srgbClr val="757575"/>
                   </a:solidFill>
                   <a:latin typeface="Abadi" panose="020B0604020104020204" pitchFamily="34" charset="0"/>
                 </a:rPr>
@@ -6753,7 +7281,7 @@
               <a:r>
                 <a:rPr kumimoji="1" lang="en-US" altLang="ja-JP" sz="4000" dirty="0">
                   <a:solidFill>
-                    <a:schemeClr val="tx1"/>
+                    <a:srgbClr val="757575"/>
                   </a:solidFill>
                   <a:latin typeface="Abadi" panose="020B0604020104020204" pitchFamily="34" charset="0"/>
                 </a:rPr>
@@ -6761,7 +7289,7 @@
               </a:r>
               <a:endParaRPr kumimoji="1" lang="ja-JP" altLang="en-US" sz="4000" dirty="0">
                 <a:solidFill>
-                  <a:schemeClr val="tx1"/>
+                  <a:srgbClr val="757575"/>
                 </a:solidFill>
                 <a:latin typeface="Abadi" panose="020B0604020104020204" pitchFamily="34" charset="0"/>
               </a:endParaRPr>
@@ -6793,7 +7321,7 @@
             </a:solidFill>
             <a:ln w="38100">
               <a:solidFill>
-                <a:schemeClr val="tx1"/>
+                <a:srgbClr val="1D9BF0"/>
               </a:solidFill>
             </a:ln>
             <a:effectLst>
@@ -6829,7 +7357,7 @@
               <a:r>
                 <a:rPr kumimoji="1" lang="en-US" altLang="ja-JP" sz="4000" dirty="0">
                   <a:solidFill>
-                    <a:schemeClr val="tx1"/>
+                    <a:srgbClr val="757575"/>
                   </a:solidFill>
                   <a:latin typeface="Abadi" panose="020B0604020104020204" pitchFamily="34" charset="0"/>
                 </a:rPr>
@@ -6837,7 +7365,7 @@
               </a:r>
               <a:endParaRPr kumimoji="1" lang="ja-JP" altLang="en-US" sz="4000" dirty="0">
                 <a:solidFill>
-                  <a:schemeClr val="tx1"/>
+                  <a:srgbClr val="757575"/>
                 </a:solidFill>
                 <a:latin typeface="Abadi" panose="020B0604020104020204" pitchFamily="34" charset="0"/>
               </a:endParaRPr>
@@ -6869,7 +7397,7 @@
             </a:solidFill>
             <a:ln w="38100">
               <a:solidFill>
-                <a:schemeClr val="tx1"/>
+                <a:srgbClr val="1D9BF0"/>
               </a:solidFill>
             </a:ln>
             <a:effectLst>
@@ -6905,7 +7433,7 @@
               <a:r>
                 <a:rPr kumimoji="1" lang="en-US" altLang="ja-JP" sz="4000" dirty="0">
                   <a:solidFill>
-                    <a:schemeClr val="tx1"/>
+                    <a:srgbClr val="757575"/>
                   </a:solidFill>
                   <a:latin typeface="Abadi" panose="020B0604020104020204" pitchFamily="34" charset="0"/>
                 </a:rPr>
@@ -6913,7 +7441,7 @@
               </a:r>
               <a:endParaRPr kumimoji="1" lang="ja-JP" altLang="en-US" sz="4000" dirty="0">
                 <a:solidFill>
-                  <a:schemeClr val="tx1"/>
+                  <a:srgbClr val="757575"/>
                 </a:solidFill>
                 <a:latin typeface="Abadi" panose="020B0604020104020204" pitchFamily="34" charset="0"/>
               </a:endParaRPr>
@@ -6945,7 +7473,7 @@
             </a:solidFill>
             <a:ln w="38100">
               <a:solidFill>
-                <a:schemeClr val="tx1"/>
+                <a:srgbClr val="1D9BF0"/>
               </a:solidFill>
             </a:ln>
             <a:effectLst>
@@ -6981,7 +7509,7 @@
               <a:r>
                 <a:rPr kumimoji="1" lang="en-US" altLang="ja-JP" sz="4000" dirty="0">
                   <a:solidFill>
-                    <a:schemeClr val="tx1"/>
+                    <a:srgbClr val="757575"/>
                   </a:solidFill>
                   <a:latin typeface="Abadi" panose="020B0604020104020204" pitchFamily="34" charset="0"/>
                 </a:rPr>
@@ -6990,7 +7518,7 @@
               <a:r>
                 <a:rPr lang="en-US" altLang="ja-JP" sz="4000" dirty="0">
                   <a:solidFill>
-                    <a:schemeClr val="tx1"/>
+                    <a:srgbClr val="757575"/>
                   </a:solidFill>
                   <a:latin typeface="Abadi" panose="020B0604020104020204" pitchFamily="34" charset="0"/>
                 </a:rPr>
@@ -7251,7 +7779,7 @@
             </a:prstGeom>
             <a:ln w="38100">
               <a:solidFill>
-                <a:schemeClr val="tx1"/>
+                <a:srgbClr val="1D9BF0"/>
               </a:solidFill>
               <a:tailEnd type="arrow"/>
             </a:ln>
@@ -7303,7 +7831,7 @@
             </a:prstGeom>
             <a:ln w="38100">
               <a:solidFill>
-                <a:schemeClr val="tx1"/>
+                <a:srgbClr val="1D9BF0"/>
               </a:solidFill>
               <a:tailEnd type="arrow"/>
             </a:ln>
@@ -7330,266 +7858,58 @@
             </a:fontRef>
           </p:style>
         </p:cxnSp>
-        <p:pic>
-          <p:nvPicPr>
-            <p:cNvPr id="19" name="Picture 18">
+        <p:sp>
+          <p:nvSpPr>
+            <p:cNvPr id="32" name="Rectangle 31">
               <a:extLst>
                 <a:ext uri="{FF2B5EF4-FFF2-40B4-BE49-F238E27FC236}">
-                  <a16:creationId xmlns:a16="http://schemas.microsoft.com/office/drawing/2014/main" id="{2A536AF4-F667-F712-A9C9-7476662CF58F}"/>
+                  <a16:creationId xmlns:a16="http://schemas.microsoft.com/office/drawing/2014/main" id="{6A567D29-2A16-EC9B-136F-B9869FFE2027}"/>
                 </a:ext>
               </a:extLst>
             </p:cNvPr>
-            <p:cNvPicPr>
-              <a:picLocks noChangeAspect="1"/>
-            </p:cNvPicPr>
+            <p:cNvSpPr/>
             <p:nvPr/>
-          </p:nvPicPr>
-          <p:blipFill>
-            <a:blip r:embed="rId2"/>
-            <a:stretch>
-              <a:fillRect/>
-            </a:stretch>
-          </p:blipFill>
+          </p:nvSpPr>
           <p:spPr>
             <a:xfrm>
-              <a:off x="4610010" y="1711274"/>
-              <a:ext cx="426201" cy="332186"/>
+              <a:off x="4695826" y="3829979"/>
+              <a:ext cx="731044" cy="711938"/>
             </a:xfrm>
             <a:prstGeom prst="rect">
               <a:avLst/>
             </a:prstGeom>
-            <a:effectLst>
-              <a:outerShdw blurRad="50800" dist="38100" dir="2700000" algn="tl" rotWithShape="0">
-                <a:prstClr val="black">
-                  <a:alpha val="40000"/>
-                </a:prstClr>
-              </a:outerShdw>
-            </a:effectLst>
+            <a:solidFill>
+              <a:schemeClr val="bg1"/>
+            </a:solidFill>
+            <a:ln>
+              <a:noFill/>
+            </a:ln>
           </p:spPr>
-        </p:pic>
-        <p:pic>
-          <p:nvPicPr>
-            <p:cNvPr id="20" name="Picture 19">
-              <a:extLst>
-                <a:ext uri="{FF2B5EF4-FFF2-40B4-BE49-F238E27FC236}">
-                  <a16:creationId xmlns:a16="http://schemas.microsoft.com/office/drawing/2014/main" id="{0B94C63D-5E0F-B50E-FDE4-000975FC4DB4}"/>
-                </a:ext>
-              </a:extLst>
-            </p:cNvPr>
-            <p:cNvPicPr>
-              <a:picLocks noChangeAspect="1"/>
-            </p:cNvPicPr>
-            <p:nvPr/>
-          </p:nvPicPr>
-          <p:blipFill>
-            <a:blip r:embed="rId2"/>
-            <a:stretch>
-              <a:fillRect/>
-            </a:stretch>
-          </p:blipFill>
-          <p:spPr>
-            <a:xfrm>
-              <a:off x="5063862" y="1711274"/>
-              <a:ext cx="426201" cy="332186"/>
-            </a:xfrm>
-            <a:prstGeom prst="rect">
-              <a:avLst/>
-            </a:prstGeom>
-            <a:effectLst>
-              <a:outerShdw blurRad="50800" dist="38100" dir="2700000" algn="tl" rotWithShape="0">
-                <a:prstClr val="black">
-                  <a:alpha val="40000"/>
-                </a:prstClr>
-              </a:outerShdw>
-            </a:effectLst>
-          </p:spPr>
-        </p:pic>
-        <p:pic>
-          <p:nvPicPr>
-            <p:cNvPr id="21" name="Picture 20">
-              <a:extLst>
-                <a:ext uri="{FF2B5EF4-FFF2-40B4-BE49-F238E27FC236}">
-                  <a16:creationId xmlns:a16="http://schemas.microsoft.com/office/drawing/2014/main" id="{47BDFE8D-8850-703E-3D90-75315424B70F}"/>
-                </a:ext>
-              </a:extLst>
-            </p:cNvPr>
-            <p:cNvPicPr>
-              <a:picLocks noChangeAspect="1"/>
-            </p:cNvPicPr>
-            <p:nvPr/>
-          </p:nvPicPr>
-          <p:blipFill>
-            <a:blip r:embed="rId2"/>
-            <a:stretch>
-              <a:fillRect/>
-            </a:stretch>
-          </p:blipFill>
-          <p:spPr>
-            <a:xfrm>
-              <a:off x="4836936" y="2077640"/>
-              <a:ext cx="426201" cy="332186"/>
-            </a:xfrm>
-            <a:prstGeom prst="rect">
-              <a:avLst/>
-            </a:prstGeom>
-            <a:effectLst>
-              <a:outerShdw blurRad="50800" dist="38100" dir="2700000" algn="tl" rotWithShape="0">
-                <a:prstClr val="black">
-                  <a:alpha val="40000"/>
-                </a:prstClr>
-              </a:outerShdw>
-            </a:effectLst>
-          </p:spPr>
-        </p:pic>
-        <p:grpSp>
-          <p:nvGrpSpPr>
-            <p:cNvPr id="33" name="Group 32">
-              <a:extLst>
-                <a:ext uri="{FF2B5EF4-FFF2-40B4-BE49-F238E27FC236}">
-                  <a16:creationId xmlns:a16="http://schemas.microsoft.com/office/drawing/2014/main" id="{ACE9E6D8-CEA7-E84B-AE05-2538C4DC2159}"/>
-                </a:ext>
-              </a:extLst>
-            </p:cNvPr>
-            <p:cNvGrpSpPr/>
-            <p:nvPr/>
-          </p:nvGrpSpPr>
-          <p:grpSpPr>
-            <a:xfrm>
-              <a:off x="4420203" y="3787534"/>
-              <a:ext cx="1080521" cy="876422"/>
-              <a:chOff x="4420203" y="4334701"/>
-              <a:chExt cx="1080521" cy="876422"/>
-            </a:xfrm>
-          </p:grpSpPr>
-          <p:sp>
-            <p:nvSpPr>
-              <p:cNvPr id="32" name="Rectangle 31">
-                <a:extLst>
-                  <a:ext uri="{FF2B5EF4-FFF2-40B4-BE49-F238E27FC236}">
-                    <a16:creationId xmlns:a16="http://schemas.microsoft.com/office/drawing/2014/main" id="{6A567D29-2A16-EC9B-136F-B9869FFE2027}"/>
-                  </a:ext>
-                </a:extLst>
-              </p:cNvPr>
-              <p:cNvSpPr/>
-              <p:nvPr/>
-            </p:nvSpPr>
-            <p:spPr>
-              <a:xfrm>
-                <a:off x="4695826" y="4377146"/>
-                <a:ext cx="731044" cy="711938"/>
-              </a:xfrm>
-              <a:prstGeom prst="rect">
-                <a:avLst/>
-              </a:prstGeom>
-              <a:solidFill>
-                <a:schemeClr val="bg1"/>
-              </a:solidFill>
-              <a:ln>
-                <a:noFill/>
-              </a:ln>
-            </p:spPr>
-            <p:style>
-              <a:lnRef idx="2">
-                <a:schemeClr val="accent1">
-                  <a:shade val="50000"/>
-                </a:schemeClr>
-              </a:lnRef>
-              <a:fillRef idx="1">
-                <a:schemeClr val="accent1"/>
-              </a:fillRef>
-              <a:effectRef idx="0">
-                <a:schemeClr val="accent1"/>
-              </a:effectRef>
-              <a:fontRef idx="minor">
-                <a:schemeClr val="lt1"/>
-              </a:fontRef>
-            </p:style>
-            <p:txBody>
-              <a:bodyPr rtlCol="0" anchor="ctr"/>
-              <a:lstStyle/>
-              <a:p>
-                <a:pPr algn="ctr"/>
-                <a:endParaRPr kumimoji="1" lang="ja-JP" altLang="en-US"/>
-              </a:p>
-            </p:txBody>
-          </p:sp>
-          <p:pic>
-            <p:nvPicPr>
-              <p:cNvPr id="29" name="Picture 28">
-                <a:extLst>
-                  <a:ext uri="{FF2B5EF4-FFF2-40B4-BE49-F238E27FC236}">
-                    <a16:creationId xmlns:a16="http://schemas.microsoft.com/office/drawing/2014/main" id="{0BDC6565-6B96-FADE-E0ED-EB2387CB25B4}"/>
-                  </a:ext>
-                </a:extLst>
-              </p:cNvPr>
-              <p:cNvPicPr>
-                <a:picLocks noChangeAspect="1"/>
-              </p:cNvPicPr>
-              <p:nvPr/>
-            </p:nvPicPr>
-            <p:blipFill>
-              <a:blip r:embed="rId3"/>
-              <a:stretch>
-                <a:fillRect/>
-              </a:stretch>
-            </p:blipFill>
-            <p:spPr>
-              <a:xfrm>
-                <a:off x="4624302" y="4334701"/>
-                <a:ext cx="876422" cy="876422"/>
-              </a:xfrm>
-              <a:prstGeom prst="rect">
-                <a:avLst/>
-              </a:prstGeom>
-              <a:noFill/>
-              <a:effectLst>
-                <a:outerShdw blurRad="50800" dist="38100" dir="2700000" algn="tl" rotWithShape="0">
-                  <a:prstClr val="black">
-                    <a:alpha val="40000"/>
-                  </a:prstClr>
-                </a:outerShdw>
-              </a:effectLst>
-            </p:spPr>
-          </p:pic>
-          <p:pic>
-            <p:nvPicPr>
-              <p:cNvPr id="31" name="Picture 30">
-                <a:extLst>
-                  <a:ext uri="{FF2B5EF4-FFF2-40B4-BE49-F238E27FC236}">
-                    <a16:creationId xmlns:a16="http://schemas.microsoft.com/office/drawing/2014/main" id="{85276DD5-FDD8-5611-9287-5E077140874D}"/>
-                  </a:ext>
-                </a:extLst>
-              </p:cNvPr>
-              <p:cNvPicPr>
-                <a:picLocks noChangeAspect="1"/>
-              </p:cNvPicPr>
-              <p:nvPr/>
-            </p:nvPicPr>
-            <p:blipFill>
-              <a:blip r:embed="rId4"/>
-              <a:stretch>
-                <a:fillRect/>
-              </a:stretch>
-            </p:blipFill>
-            <p:spPr>
-              <a:xfrm>
-                <a:off x="4420203" y="4456851"/>
-                <a:ext cx="543001" cy="552527"/>
-              </a:xfrm>
-              <a:prstGeom prst="rect">
-                <a:avLst/>
-              </a:prstGeom>
-              <a:noFill/>
-              <a:effectLst>
-                <a:outerShdw blurRad="50800" dist="38100" dir="2700000" algn="tl" rotWithShape="0">
-                  <a:prstClr val="black">
-                    <a:alpha val="40000"/>
-                  </a:prstClr>
-                </a:outerShdw>
-              </a:effectLst>
-            </p:spPr>
-          </p:pic>
-        </p:grpSp>
+          <p:style>
+            <a:lnRef idx="2">
+              <a:schemeClr val="accent1">
+                <a:shade val="50000"/>
+              </a:schemeClr>
+            </a:lnRef>
+            <a:fillRef idx="1">
+              <a:schemeClr val="accent1"/>
+            </a:fillRef>
+            <a:effectRef idx="0">
+              <a:schemeClr val="accent1"/>
+            </a:effectRef>
+            <a:fontRef idx="minor">
+              <a:schemeClr val="lt1"/>
+            </a:fontRef>
+          </p:style>
+          <p:txBody>
+            <a:bodyPr rtlCol="0" anchor="ctr"/>
+            <a:lstStyle/>
+            <a:p>
+              <a:pPr algn="ctr"/>
+              <a:endParaRPr kumimoji="1" lang="ja-JP" altLang="en-US"/>
+            </a:p>
+          </p:txBody>
+        </p:sp>
         <p:cxnSp>
           <p:nvCxnSpPr>
             <p:cNvPr id="35" name="Connector: Curved 34">
@@ -7618,7 +7938,7 @@
             </a:prstGeom>
             <a:ln w="38100">
               <a:solidFill>
-                <a:schemeClr val="tx1"/>
+                <a:srgbClr val="1D9BF0"/>
               </a:solidFill>
               <a:tailEnd type="arrow"/>
             </a:ln>
@@ -7669,7 +7989,7 @@
             </a:prstGeom>
             <a:ln w="38100">
               <a:solidFill>
-                <a:schemeClr val="tx1"/>
+                <a:srgbClr val="1D9BF0"/>
               </a:solidFill>
               <a:tailEnd type="arrow"/>
             </a:ln>
@@ -7826,18 +8146,12 @@
             <a:p>
               <a:r>
                 <a:rPr lang="en-US" altLang="ja-JP" sz="2400" dirty="0">
-                  <a:latin typeface="Abadi" panose="020B0604020104020204" pitchFamily="34" charset="0"/>
-                </a:rPr>
-                <a:t>As like the opened vault, </a:t>
-              </a:r>
-              <a:r>
-                <a:rPr lang="en-US" altLang="ja-JP" sz="2400" dirty="0">
                   <a:solidFill>
-                    <a:schemeClr val="tx1"/>
+                    <a:srgbClr val="757575"/>
                   </a:solidFill>
                   <a:latin typeface="Abadi" panose="020B0604020104020204" pitchFamily="34" charset="0"/>
                 </a:rPr>
-                <a:t>the NPO/NGO/Government can withdraw the pooled Solana to support the Country ABC</a:t>
+                <a:t>As like the opened vault, the NPO/NGO/Government can withdraw the pooled Solana to support the Country ABC</a:t>
               </a:r>
             </a:p>
           </p:txBody>
@@ -7909,13 +8223,13 @@
             <p:nvPr/>
           </p:nvPicPr>
           <p:blipFill>
-            <a:blip r:embed="rId5">
+            <a:blip r:embed="rId2">
               <a:extLst>
                 <a:ext uri="{28A0092B-C50C-407E-A947-70E740481C1C}">
                   <a14:useLocalDpi xmlns:a14="http://schemas.microsoft.com/office/drawing/2010/main" val="0"/>
                 </a:ext>
                 <a:ext uri="{96DAC541-7B7A-43D3-8B79-37D633B846F1}">
-                  <asvg:svgBlip xmlns:asvg="http://schemas.microsoft.com/office/drawing/2016/SVG/main" r:embed="rId6"/>
+                  <asvg:svgBlip xmlns:asvg="http://schemas.microsoft.com/office/drawing/2016/SVG/main" r:embed="rId3"/>
                 </a:ext>
               </a:extLst>
             </a:blip>
@@ -7964,7 +8278,7 @@
             </a:prstGeom>
             <a:ln w="38100">
               <a:solidFill>
-                <a:schemeClr val="tx1"/>
+                <a:srgbClr val="1D9BF0"/>
               </a:solidFill>
               <a:tailEnd type="arrow"/>
             </a:ln>
@@ -8015,7 +8329,7 @@
             </a:prstGeom>
             <a:ln w="38100">
               <a:solidFill>
-                <a:schemeClr val="tx1"/>
+                <a:srgbClr val="1D9BF0"/>
               </a:solidFill>
               <a:tailEnd type="arrow"/>
             </a:ln>
@@ -8066,7 +8380,7 @@
             </a:prstGeom>
             <a:ln w="38100">
               <a:solidFill>
-                <a:schemeClr val="tx1"/>
+                <a:srgbClr val="1D9BF0"/>
               </a:solidFill>
               <a:tailEnd type="arrow"/>
             </a:ln>
@@ -8142,7 +8456,7 @@
               </a:solidFill>
               <a:ln w="38100">
                 <a:solidFill>
-                  <a:schemeClr val="tx1"/>
+                  <a:srgbClr val="1D9BF0"/>
                 </a:solidFill>
               </a:ln>
               <a:effectLst>
@@ -8234,11 +8548,18 @@
                 <a:p>
                   <a:r>
                     <a:rPr lang="en-US" altLang="ja-JP" sz="2400" b="1" dirty="0">
+                      <a:solidFill>
+                        <a:srgbClr val="757575"/>
+                      </a:solidFill>
                       <a:latin typeface="Abadi" panose="020B0604020104020204" pitchFamily="34" charset="0"/>
                     </a:rPr>
                     <a:t>Backer 1</a:t>
                   </a:r>
-                  <a:endParaRPr lang="ja-JP" altLang="en-US" sz="2400" b="1" dirty="0"/>
+                  <a:endParaRPr lang="ja-JP" altLang="en-US" sz="2400" b="1" dirty="0">
+                    <a:solidFill>
+                      <a:srgbClr val="757575"/>
+                    </a:solidFill>
+                  </a:endParaRPr>
                 </a:p>
               </p:txBody>
             </p:sp>
@@ -8257,13 +8578,13 @@
                 <p:nvPr/>
               </p:nvPicPr>
               <p:blipFill>
-                <a:blip r:embed="rId7">
+                <a:blip r:embed="rId4">
                   <a:extLst>
                     <a:ext uri="{28A0092B-C50C-407E-A947-70E740481C1C}">
                       <a14:useLocalDpi xmlns:a14="http://schemas.microsoft.com/office/drawing/2010/main" val="0"/>
                     </a:ext>
                     <a:ext uri="{96DAC541-7B7A-43D3-8B79-37D633B846F1}">
-                      <asvg:svgBlip xmlns:asvg="http://schemas.microsoft.com/office/drawing/2016/SVG/main" r:embed="rId8"/>
+                      <asvg:svgBlip xmlns:asvg="http://schemas.microsoft.com/office/drawing/2016/SVG/main" r:embed="rId5"/>
                     </a:ext>
                   </a:extLst>
                 </a:blip>
@@ -8319,6 +8640,9 @@
                   <a:pPr algn="ctr"/>
                   <a:r>
                     <a:rPr lang="en-US" altLang="ja-JP" sz="2400" u="sng" dirty="0">
+                      <a:solidFill>
+                        <a:srgbClr val="757575"/>
+                      </a:solidFill>
                       <a:latin typeface="Abadi" panose="020B0604020104020204" pitchFamily="34" charset="0"/>
                     </a:rPr>
                     <a:t>Happen</a:t>
@@ -8328,11 +8652,18 @@
                   <a:pPr algn="ctr"/>
                   <a:r>
                     <a:rPr lang="en-US" altLang="ja-JP" sz="2400" dirty="0">
+                      <a:solidFill>
+                        <a:srgbClr val="757575"/>
+                      </a:solidFill>
                       <a:latin typeface="Abadi" panose="020B0604020104020204" pitchFamily="34" charset="0"/>
                     </a:rPr>
                     <a:t>1 SOL</a:t>
                   </a:r>
-                  <a:endParaRPr lang="ja-JP" altLang="en-US" sz="2400" dirty="0"/>
+                  <a:endParaRPr lang="ja-JP" altLang="en-US" sz="2400" dirty="0">
+                    <a:solidFill>
+                      <a:srgbClr val="757575"/>
+                    </a:solidFill>
+                  </a:endParaRPr>
                 </a:p>
               </p:txBody>
             </p:sp>
@@ -8367,6 +8698,9 @@
                   <a:pPr algn="ctr"/>
                   <a:r>
                     <a:rPr lang="en-US" altLang="ja-JP" sz="2400" u="sng" dirty="0">
+                      <a:solidFill>
+                        <a:srgbClr val="757575"/>
+                      </a:solidFill>
                       <a:latin typeface="Abadi" panose="020B0604020104020204" pitchFamily="34" charset="0"/>
                     </a:rPr>
                     <a:t>Happen</a:t>
@@ -8376,11 +8710,18 @@
                   <a:pPr algn="ctr"/>
                   <a:r>
                     <a:rPr lang="en-US" altLang="ja-JP" sz="2400" dirty="0">
+                      <a:solidFill>
+                        <a:srgbClr val="757575"/>
+                      </a:solidFill>
                       <a:latin typeface="Abadi" panose="020B0604020104020204" pitchFamily="34" charset="0"/>
                     </a:rPr>
                     <a:t>1.5 SOL</a:t>
                   </a:r>
-                  <a:endParaRPr lang="ja-JP" altLang="en-US" sz="2400" dirty="0"/>
+                  <a:endParaRPr lang="ja-JP" altLang="en-US" sz="2400" dirty="0">
+                    <a:solidFill>
+                      <a:srgbClr val="757575"/>
+                    </a:solidFill>
+                  </a:endParaRPr>
                 </a:p>
               </p:txBody>
             </p:sp>
@@ -8415,6 +8756,9 @@
                   <a:pPr algn="ctr"/>
                   <a:r>
                     <a:rPr lang="en-US" altLang="ja-JP" sz="2400" u="sng" dirty="0">
+                      <a:solidFill>
+                        <a:srgbClr val="757575"/>
+                      </a:solidFill>
                       <a:latin typeface="Abadi" panose="020B0604020104020204" pitchFamily="34" charset="0"/>
                     </a:rPr>
                     <a:t>Not happen</a:t>
@@ -8424,11 +8768,18 @@
                   <a:pPr algn="ctr"/>
                   <a:r>
                     <a:rPr lang="en-US" altLang="ja-JP" sz="2400" dirty="0">
+                      <a:solidFill>
+                        <a:srgbClr val="757575"/>
+                      </a:solidFill>
                       <a:latin typeface="Abadi" panose="020B0604020104020204" pitchFamily="34" charset="0"/>
                     </a:rPr>
                     <a:t>1.2 SOL</a:t>
                   </a:r>
-                  <a:endParaRPr lang="ja-JP" altLang="en-US" sz="2400" dirty="0"/>
+                  <a:endParaRPr lang="ja-JP" altLang="en-US" sz="2400" dirty="0">
+                    <a:solidFill>
+                      <a:srgbClr val="757575"/>
+                    </a:solidFill>
+                  </a:endParaRPr>
                 </a:p>
               </p:txBody>
             </p:sp>
@@ -8483,11 +8834,18 @@
                 <a:p>
                   <a:r>
                     <a:rPr lang="en-US" altLang="ja-JP" sz="2400" b="1" dirty="0">
+                      <a:solidFill>
+                        <a:srgbClr val="757575"/>
+                      </a:solidFill>
                       <a:latin typeface="Abadi" panose="020B0604020104020204" pitchFamily="34" charset="0"/>
                     </a:rPr>
                     <a:t>Backer 2</a:t>
                   </a:r>
-                  <a:endParaRPr lang="ja-JP" altLang="en-US" sz="2400" b="1" dirty="0"/>
+                  <a:endParaRPr lang="ja-JP" altLang="en-US" sz="2400" b="1" dirty="0">
+                    <a:solidFill>
+                      <a:srgbClr val="757575"/>
+                    </a:solidFill>
+                  </a:endParaRPr>
                 </a:p>
               </p:txBody>
             </p:sp>
@@ -8506,13 +8864,13 @@
                 <p:nvPr/>
               </p:nvPicPr>
               <p:blipFill>
-                <a:blip r:embed="rId7">
+                <a:blip r:embed="rId4">
                   <a:extLst>
                     <a:ext uri="{28A0092B-C50C-407E-A947-70E740481C1C}">
                       <a14:useLocalDpi xmlns:a14="http://schemas.microsoft.com/office/drawing/2010/main" val="0"/>
                     </a:ext>
                     <a:ext uri="{96DAC541-7B7A-43D3-8B79-37D633B846F1}">
-                      <asvg:svgBlip xmlns:asvg="http://schemas.microsoft.com/office/drawing/2016/SVG/main" r:embed="rId8"/>
+                      <asvg:svgBlip xmlns:asvg="http://schemas.microsoft.com/office/drawing/2016/SVG/main" r:embed="rId5"/>
                     </a:ext>
                   </a:extLst>
                 </a:blip>
@@ -8568,6 +8926,9 @@
                   <a:pPr algn="ctr"/>
                   <a:r>
                     <a:rPr lang="en-US" altLang="ja-JP" sz="2400" u="sng" dirty="0">
+                      <a:solidFill>
+                        <a:srgbClr val="757575"/>
+                      </a:solidFill>
                       <a:latin typeface="Abadi" panose="020B0604020104020204" pitchFamily="34" charset="0"/>
                     </a:rPr>
                     <a:t>Happen</a:t>
@@ -8577,11 +8938,18 @@
                   <a:pPr algn="ctr"/>
                   <a:r>
                     <a:rPr lang="en-US" altLang="ja-JP" sz="2400" dirty="0">
+                      <a:solidFill>
+                        <a:srgbClr val="757575"/>
+                      </a:solidFill>
                       <a:latin typeface="Abadi" panose="020B0604020104020204" pitchFamily="34" charset="0"/>
                     </a:rPr>
                     <a:t>0.5 SOL</a:t>
                   </a:r>
-                  <a:endParaRPr lang="ja-JP" altLang="en-US" sz="2400" dirty="0"/>
+                  <a:endParaRPr lang="ja-JP" altLang="en-US" sz="2400" dirty="0">
+                    <a:solidFill>
+                      <a:srgbClr val="757575"/>
+                    </a:solidFill>
+                  </a:endParaRPr>
                 </a:p>
               </p:txBody>
             </p:sp>
@@ -8636,11 +9004,18 @@
                 <a:p>
                   <a:r>
                     <a:rPr lang="en-US" altLang="ja-JP" sz="2400" b="1" dirty="0">
+                      <a:solidFill>
+                        <a:srgbClr val="757575"/>
+                      </a:solidFill>
                       <a:latin typeface="Abadi" panose="020B0604020104020204" pitchFamily="34" charset="0"/>
                     </a:rPr>
                     <a:t>Backer 3</a:t>
                   </a:r>
-                  <a:endParaRPr lang="ja-JP" altLang="en-US" sz="2400" b="1" dirty="0"/>
+                  <a:endParaRPr lang="ja-JP" altLang="en-US" sz="2400" b="1" dirty="0">
+                    <a:solidFill>
+                      <a:srgbClr val="757575"/>
+                    </a:solidFill>
+                  </a:endParaRPr>
                 </a:p>
               </p:txBody>
             </p:sp>
@@ -8659,13 +9034,13 @@
                 <p:nvPr/>
               </p:nvPicPr>
               <p:blipFill>
-                <a:blip r:embed="rId7">
+                <a:blip r:embed="rId4">
                   <a:extLst>
                     <a:ext uri="{28A0092B-C50C-407E-A947-70E740481C1C}">
                       <a14:useLocalDpi xmlns:a14="http://schemas.microsoft.com/office/drawing/2010/main" val="0"/>
                     </a:ext>
                     <a:ext uri="{96DAC541-7B7A-43D3-8B79-37D633B846F1}">
-                      <asvg:svgBlip xmlns:asvg="http://schemas.microsoft.com/office/drawing/2016/SVG/main" r:embed="rId8"/>
+                      <asvg:svgBlip xmlns:asvg="http://schemas.microsoft.com/office/drawing/2016/SVG/main" r:embed="rId5"/>
                     </a:ext>
                   </a:extLst>
                 </a:blip>
@@ -8721,6 +9096,9 @@
                   <a:pPr algn="ctr"/>
                   <a:r>
                     <a:rPr lang="en-US" altLang="ja-JP" sz="2400" u="sng" dirty="0">
+                      <a:solidFill>
+                        <a:srgbClr val="757575"/>
+                      </a:solidFill>
                       <a:latin typeface="Abadi" panose="020B0604020104020204" pitchFamily="34" charset="0"/>
                     </a:rPr>
                     <a:t>Not happen</a:t>
@@ -8730,11 +9108,18 @@
                   <a:pPr algn="ctr"/>
                   <a:r>
                     <a:rPr lang="en-US" altLang="ja-JP" sz="2400" dirty="0">
+                      <a:solidFill>
+                        <a:srgbClr val="757575"/>
+                      </a:solidFill>
                       <a:latin typeface="Abadi" panose="020B0604020104020204" pitchFamily="34" charset="0"/>
                     </a:rPr>
                     <a:t>1.2 SOL</a:t>
                   </a:r>
-                  <a:endParaRPr lang="ja-JP" altLang="en-US" sz="2400" dirty="0"/>
+                  <a:endParaRPr lang="ja-JP" altLang="en-US" sz="2400" dirty="0">
+                    <a:solidFill>
+                      <a:srgbClr val="757575"/>
+                    </a:solidFill>
+                  </a:endParaRPr>
                 </a:p>
               </p:txBody>
             </p:sp>
@@ -8766,11 +9151,11 @@
                 </a:avLst>
               </a:prstGeom>
               <a:solidFill>
-                <a:schemeClr val="bg1"/>
+                <a:srgbClr val="1D9BF0"/>
               </a:solidFill>
               <a:ln w="38100">
                 <a:solidFill>
-                  <a:schemeClr val="tx1"/>
+                  <a:srgbClr val="1D9BF0"/>
                 </a:solidFill>
                 <a:headEnd type="oval"/>
                 <a:tailEnd type="oval"/>
@@ -8821,11 +9206,11 @@
                 <a:avLst/>
               </a:prstGeom>
               <a:solidFill>
-                <a:schemeClr val="bg1"/>
+                <a:srgbClr val="1D9BF0"/>
               </a:solidFill>
               <a:ln w="38100">
                 <a:solidFill>
-                  <a:schemeClr val="tx1"/>
+                  <a:srgbClr val="1D9BF0"/>
                 </a:solidFill>
                 <a:headEnd type="oval"/>
                 <a:tailEnd type="arrow"/>
@@ -8879,11 +9264,11 @@
                 <a:avLst/>
               </a:prstGeom>
               <a:solidFill>
-                <a:schemeClr val="bg1"/>
+                <a:srgbClr val="1D9BF0"/>
               </a:solidFill>
               <a:ln w="38100">
                 <a:solidFill>
-                  <a:schemeClr val="tx1"/>
+                  <a:srgbClr val="1D9BF0"/>
                 </a:solidFill>
                 <a:headEnd type="oval"/>
                 <a:tailEnd type="arrow"/>
@@ -8945,7 +9330,7 @@
               <a:r>
                 <a:rPr lang="en-US" altLang="ja-JP" sz="2400" dirty="0">
                   <a:solidFill>
-                    <a:schemeClr val="tx1"/>
+                    <a:srgbClr val="757575"/>
                   </a:solidFill>
                   <a:latin typeface="Abadi" panose="020B0604020104020204" pitchFamily="34" charset="0"/>
                 </a:rPr>
@@ -8977,7 +9362,7 @@
             <a:noFill/>
             <a:ln w="76200">
               <a:solidFill>
-                <a:srgbClr val="FF0000"/>
+                <a:srgbClr val="F09BF0"/>
               </a:solidFill>
             </a:ln>
             <a:effectLst>
@@ -9027,9 +9412,9 @@
           </p:nvGrpSpPr>
           <p:grpSpPr>
             <a:xfrm rot="376611">
-              <a:off x="5216225" y="4700291"/>
+              <a:off x="5285198" y="4760399"/>
               <a:ext cx="2939895" cy="780420"/>
-              <a:chOff x="5047352" y="4873269"/>
+              <a:chOff x="5122484" y="4925475"/>
               <a:chExt cx="2939895" cy="780420"/>
             </a:xfrm>
           </p:grpSpPr>
@@ -9047,7 +9432,7 @@
             </p:nvSpPr>
             <p:spPr>
               <a:xfrm rot="17997790" flipV="1">
-                <a:off x="6127090" y="3793531"/>
+                <a:off x="6202222" y="3845737"/>
                 <a:ext cx="780420" cy="2939895"/>
               </a:xfrm>
               <a:prstGeom prst="downArrow">
@@ -9058,7 +9443,7 @@
               </a:solidFill>
               <a:ln w="38100">
                 <a:solidFill>
-                  <a:srgbClr val="FF0000"/>
+                  <a:srgbClr val="F09BF0"/>
                 </a:solidFill>
               </a:ln>
               <a:effectLst>
@@ -9093,7 +9478,7 @@
               <a:p>
                 <a:endParaRPr lang="ja-JP" altLang="en-US" sz="4000" dirty="0">
                   <a:solidFill>
-                    <a:schemeClr val="tx1"/>
+                    <a:srgbClr val="F09BF0"/>
                   </a:solidFill>
                   <a:latin typeface="Abadi" panose="020B0604020104020204" pitchFamily="34" charset="0"/>
                 </a:endParaRPr>
@@ -9114,7 +9499,7 @@
             </p:nvSpPr>
             <p:spPr>
               <a:xfrm rot="1779378">
-                <a:off x="5522410" y="5065861"/>
+                <a:off x="5597542" y="5118066"/>
                 <a:ext cx="2159566" cy="461665"/>
               </a:xfrm>
               <a:prstGeom prst="rect">
@@ -9131,7 +9516,7 @@
                 <a:r>
                   <a:rPr lang="en-US" altLang="ja-JP" sz="2400" b="1" dirty="0">
                     <a:solidFill>
-                      <a:srgbClr val="FF0000"/>
+                      <a:srgbClr val="F09BF0"/>
                     </a:solidFill>
                     <a:latin typeface="Abadi" panose="020B0604020104020204" pitchFamily="34" charset="0"/>
                   </a:rPr>
@@ -9139,7 +9524,7 @@
                 </a:r>
                 <a:endParaRPr lang="ja-JP" altLang="en-US" sz="2400" b="1" dirty="0">
                   <a:solidFill>
-                    <a:srgbClr val="FF0000"/>
+                    <a:srgbClr val="F09BF0"/>
                   </a:solidFill>
                   <a:latin typeface="Abadi" panose="020B0604020104020204" pitchFamily="34" charset="0"/>
                 </a:endParaRPr>
@@ -9148,6 +9533,705 @@
           </p:sp>
         </p:grpSp>
       </p:grpSp>
+      <p:pic>
+        <p:nvPicPr>
+          <p:cNvPr id="3" name="Graphic 2" descr="Safe with solid fill">
+            <a:extLst>
+              <a:ext uri="{FF2B5EF4-FFF2-40B4-BE49-F238E27FC236}">
+                <a16:creationId xmlns:a16="http://schemas.microsoft.com/office/drawing/2014/main" id="{2F405420-ADED-2D78-F296-8AB19C23DDEE}"/>
+              </a:ext>
+            </a:extLst>
+          </p:cNvPr>
+          <p:cNvPicPr>
+            <a:picLocks noChangeAspect="1"/>
+          </p:cNvPicPr>
+          <p:nvPr/>
+        </p:nvPicPr>
+        <p:blipFill>
+          <a:blip r:embed="rId6">
+            <a:extLst>
+              <a:ext uri="{28A0092B-C50C-407E-A947-70E740481C1C}">
+                <a14:useLocalDpi xmlns:a14="http://schemas.microsoft.com/office/drawing/2010/main" val="0"/>
+              </a:ext>
+              <a:ext uri="{96DAC541-7B7A-43D3-8B79-37D633B846F1}">
+                <asvg:svgBlip xmlns:asvg="http://schemas.microsoft.com/office/drawing/2016/SVG/main" r:embed="rId7"/>
+              </a:ext>
+            </a:extLst>
+          </a:blip>
+          <a:stretch>
+            <a:fillRect/>
+          </a:stretch>
+        </p:blipFill>
+        <p:spPr>
+          <a:xfrm>
+            <a:off x="4619686" y="3718255"/>
+            <a:ext cx="1071315" cy="1071315"/>
+          </a:xfrm>
+          <a:prstGeom prst="rect">
+            <a:avLst/>
+          </a:prstGeom>
+          <a:effectLst>
+            <a:outerShdw blurRad="50800" dist="38100" dir="2700000" algn="tl" rotWithShape="0">
+              <a:prstClr val="black">
+                <a:alpha val="40000"/>
+              </a:prstClr>
+            </a:outerShdw>
+          </a:effectLst>
+        </p:spPr>
+      </p:pic>
+      <p:sp>
+        <p:nvSpPr>
+          <p:cNvPr id="6" name="Rectangle 5">
+            <a:extLst>
+              <a:ext uri="{FF2B5EF4-FFF2-40B4-BE49-F238E27FC236}">
+                <a16:creationId xmlns:a16="http://schemas.microsoft.com/office/drawing/2014/main" id="{6C239ED8-0695-725B-2C4E-15ED599400B0}"/>
+              </a:ext>
+            </a:extLst>
+          </p:cNvPr>
+          <p:cNvSpPr/>
+          <p:nvPr/>
+        </p:nvSpPr>
+        <p:spPr>
+          <a:xfrm>
+            <a:off x="4842510" y="3907550"/>
+            <a:ext cx="624840" cy="626349"/>
+          </a:xfrm>
+          <a:prstGeom prst="rect">
+            <a:avLst/>
+          </a:prstGeom>
+          <a:solidFill>
+            <a:schemeClr val="bg1"/>
+          </a:solidFill>
+          <a:ln>
+            <a:noFill/>
+          </a:ln>
+          <a:effectLst>
+            <a:innerShdw blurRad="63500" dist="50800" dir="13500000">
+              <a:prstClr val="black">
+                <a:alpha val="50000"/>
+              </a:prstClr>
+            </a:innerShdw>
+          </a:effectLst>
+        </p:spPr>
+        <p:style>
+          <a:lnRef idx="2">
+            <a:schemeClr val="accent1">
+              <a:shade val="15000"/>
+            </a:schemeClr>
+          </a:lnRef>
+          <a:fillRef idx="1">
+            <a:schemeClr val="accent1"/>
+          </a:fillRef>
+          <a:effectRef idx="0">
+            <a:schemeClr val="accent1"/>
+          </a:effectRef>
+          <a:fontRef idx="minor">
+            <a:schemeClr val="lt1"/>
+          </a:fontRef>
+        </p:style>
+        <p:txBody>
+          <a:bodyPr rtlCol="0" anchor="ctr"/>
+          <a:lstStyle/>
+          <a:p>
+            <a:pPr algn="ctr"/>
+            <a:endParaRPr kumimoji="1" lang="ja-JP" altLang="en-US"/>
+          </a:p>
+        </p:txBody>
+      </p:sp>
+      <p:pic>
+        <p:nvPicPr>
+          <p:cNvPr id="14" name="Graphic 13" descr="Safe with solid fill">
+            <a:extLst>
+              <a:ext uri="{FF2B5EF4-FFF2-40B4-BE49-F238E27FC236}">
+                <a16:creationId xmlns:a16="http://schemas.microsoft.com/office/drawing/2014/main" id="{19FD4B73-EB1D-5C26-7A74-C9C85A288EB8}"/>
+              </a:ext>
+            </a:extLst>
+          </p:cNvPr>
+          <p:cNvPicPr>
+            <a:picLocks noChangeAspect="1"/>
+          </p:cNvPicPr>
+          <p:nvPr/>
+        </p:nvPicPr>
+        <p:blipFill rotWithShape="1">
+          <a:blip r:embed="rId6">
+            <a:extLst>
+              <a:ext uri="{28A0092B-C50C-407E-A947-70E740481C1C}">
+                <a14:useLocalDpi xmlns:a14="http://schemas.microsoft.com/office/drawing/2010/main" val="0"/>
+              </a:ext>
+              <a:ext uri="{96DAC541-7B7A-43D3-8B79-37D633B846F1}">
+                <asvg:svgBlip xmlns:asvg="http://schemas.microsoft.com/office/drawing/2016/SVG/main" r:embed="rId7"/>
+              </a:ext>
+            </a:extLst>
+          </a:blip>
+          <a:srcRect l="22636" t="19075" r="22951" b="25336"/>
+          <a:stretch/>
+        </p:blipFill>
+        <p:spPr>
+          <a:xfrm>
+            <a:off x="4504383" y="3604087"/>
+            <a:ext cx="582931" cy="595535"/>
+          </a:xfrm>
+          <a:prstGeom prst="rect">
+            <a:avLst/>
+          </a:prstGeom>
+          <a:effectLst>
+            <a:outerShdw blurRad="50800" dist="38100" dir="2700000" algn="tl" rotWithShape="0">
+              <a:prstClr val="black">
+                <a:alpha val="40000"/>
+              </a:prstClr>
+            </a:outerShdw>
+          </a:effectLst>
+        </p:spPr>
+      </p:pic>
+      <p:sp>
+        <p:nvSpPr>
+          <p:cNvPr id="50" name="Parallelogram 49">
+            <a:extLst>
+              <a:ext uri="{FF2B5EF4-FFF2-40B4-BE49-F238E27FC236}">
+                <a16:creationId xmlns:a16="http://schemas.microsoft.com/office/drawing/2014/main" id="{17C56AC4-8C96-DD21-9D0A-AE96783000DC}"/>
+              </a:ext>
+            </a:extLst>
+          </p:cNvPr>
+          <p:cNvSpPr/>
+          <p:nvPr/>
+        </p:nvSpPr>
+        <p:spPr>
+          <a:xfrm>
+            <a:off x="4594639" y="1963013"/>
+            <a:ext cx="441572" cy="78262"/>
+          </a:xfrm>
+          <a:prstGeom prst="parallelogram">
+            <a:avLst>
+              <a:gd name="adj" fmla="val 97027"/>
+            </a:avLst>
+          </a:prstGeom>
+          <a:solidFill>
+            <a:srgbClr val="F09BF0"/>
+          </a:solidFill>
+          <a:ln>
+            <a:noFill/>
+          </a:ln>
+          <a:effectLst>
+            <a:outerShdw blurRad="50800" dist="38100" dir="2700000" algn="tl" rotWithShape="0">
+              <a:prstClr val="black">
+                <a:alpha val="40000"/>
+              </a:prstClr>
+            </a:outerShdw>
+          </a:effectLst>
+        </p:spPr>
+        <p:style>
+          <a:lnRef idx="2">
+            <a:schemeClr val="accent1">
+              <a:shade val="50000"/>
+            </a:schemeClr>
+          </a:lnRef>
+          <a:fillRef idx="1">
+            <a:schemeClr val="accent1"/>
+          </a:fillRef>
+          <a:effectRef idx="0">
+            <a:schemeClr val="accent1"/>
+          </a:effectRef>
+          <a:fontRef idx="minor">
+            <a:schemeClr val="lt1"/>
+          </a:fontRef>
+        </p:style>
+        <p:txBody>
+          <a:bodyPr rtlCol="0" anchor="ctr"/>
+          <a:lstStyle/>
+          <a:p>
+            <a:pPr algn="ctr"/>
+            <a:endParaRPr kumimoji="1" lang="ja-JP" altLang="en-US"/>
+          </a:p>
+        </p:txBody>
+      </p:sp>
+      <p:sp>
+        <p:nvSpPr>
+          <p:cNvPr id="55" name="Parallelogram 54">
+            <a:extLst>
+              <a:ext uri="{FF2B5EF4-FFF2-40B4-BE49-F238E27FC236}">
+                <a16:creationId xmlns:a16="http://schemas.microsoft.com/office/drawing/2014/main" id="{7D89FD02-ED31-9D7C-C094-922F35ABF7B6}"/>
+              </a:ext>
+            </a:extLst>
+          </p:cNvPr>
+          <p:cNvSpPr/>
+          <p:nvPr/>
+        </p:nvSpPr>
+        <p:spPr>
+          <a:xfrm>
+            <a:off x="4594639" y="1715373"/>
+            <a:ext cx="441572" cy="78262"/>
+          </a:xfrm>
+          <a:prstGeom prst="parallelogram">
+            <a:avLst>
+              <a:gd name="adj" fmla="val 97027"/>
+            </a:avLst>
+          </a:prstGeom>
+          <a:solidFill>
+            <a:srgbClr val="F09BF0"/>
+          </a:solidFill>
+          <a:ln>
+            <a:noFill/>
+          </a:ln>
+          <a:effectLst>
+            <a:outerShdw blurRad="50800" dist="38100" dir="2700000" algn="tl" rotWithShape="0">
+              <a:prstClr val="black">
+                <a:alpha val="40000"/>
+              </a:prstClr>
+            </a:outerShdw>
+          </a:effectLst>
+        </p:spPr>
+        <p:style>
+          <a:lnRef idx="2">
+            <a:schemeClr val="accent1">
+              <a:shade val="50000"/>
+            </a:schemeClr>
+          </a:lnRef>
+          <a:fillRef idx="1">
+            <a:schemeClr val="accent1"/>
+          </a:fillRef>
+          <a:effectRef idx="0">
+            <a:schemeClr val="accent1"/>
+          </a:effectRef>
+          <a:fontRef idx="minor">
+            <a:schemeClr val="lt1"/>
+          </a:fontRef>
+        </p:style>
+        <p:txBody>
+          <a:bodyPr rtlCol="0" anchor="ctr"/>
+          <a:lstStyle/>
+          <a:p>
+            <a:pPr algn="ctr"/>
+            <a:endParaRPr kumimoji="1" lang="ja-JP" altLang="en-US"/>
+          </a:p>
+        </p:txBody>
+      </p:sp>
+      <p:sp>
+        <p:nvSpPr>
+          <p:cNvPr id="57" name="Parallelogram 56">
+            <a:extLst>
+              <a:ext uri="{FF2B5EF4-FFF2-40B4-BE49-F238E27FC236}">
+                <a16:creationId xmlns:a16="http://schemas.microsoft.com/office/drawing/2014/main" id="{1C86DA02-01D0-E5A8-806A-1DAA933C64CC}"/>
+              </a:ext>
+            </a:extLst>
+          </p:cNvPr>
+          <p:cNvSpPr/>
+          <p:nvPr/>
+        </p:nvSpPr>
+        <p:spPr>
+          <a:xfrm flipH="1">
+            <a:off x="4594639" y="1836630"/>
+            <a:ext cx="441572" cy="78262"/>
+          </a:xfrm>
+          <a:prstGeom prst="parallelogram">
+            <a:avLst>
+              <a:gd name="adj" fmla="val 97027"/>
+            </a:avLst>
+          </a:prstGeom>
+          <a:solidFill>
+            <a:srgbClr val="F09BF0"/>
+          </a:solidFill>
+          <a:ln>
+            <a:noFill/>
+          </a:ln>
+          <a:effectLst>
+            <a:outerShdw blurRad="50800" dist="38100" dir="2700000" algn="tl" rotWithShape="0">
+              <a:prstClr val="black">
+                <a:alpha val="40000"/>
+              </a:prstClr>
+            </a:outerShdw>
+          </a:effectLst>
+        </p:spPr>
+        <p:style>
+          <a:lnRef idx="2">
+            <a:schemeClr val="accent1">
+              <a:shade val="50000"/>
+            </a:schemeClr>
+          </a:lnRef>
+          <a:fillRef idx="1">
+            <a:schemeClr val="accent1"/>
+          </a:fillRef>
+          <a:effectRef idx="0">
+            <a:schemeClr val="accent1"/>
+          </a:effectRef>
+          <a:fontRef idx="minor">
+            <a:schemeClr val="lt1"/>
+          </a:fontRef>
+        </p:style>
+        <p:txBody>
+          <a:bodyPr rtlCol="0" anchor="ctr"/>
+          <a:lstStyle/>
+          <a:p>
+            <a:pPr algn="ctr"/>
+            <a:endParaRPr kumimoji="1" lang="ja-JP" altLang="en-US"/>
+          </a:p>
+        </p:txBody>
+      </p:sp>
+      <p:sp>
+        <p:nvSpPr>
+          <p:cNvPr id="59" name="Parallelogram 58">
+            <a:extLst>
+              <a:ext uri="{FF2B5EF4-FFF2-40B4-BE49-F238E27FC236}">
+                <a16:creationId xmlns:a16="http://schemas.microsoft.com/office/drawing/2014/main" id="{57B6E767-DB48-3DEF-0E5A-60002291675B}"/>
+              </a:ext>
+            </a:extLst>
+          </p:cNvPr>
+          <p:cNvSpPr/>
+          <p:nvPr/>
+        </p:nvSpPr>
+        <p:spPr>
+          <a:xfrm>
+            <a:off x="5054453" y="1963013"/>
+            <a:ext cx="441572" cy="78262"/>
+          </a:xfrm>
+          <a:prstGeom prst="parallelogram">
+            <a:avLst>
+              <a:gd name="adj" fmla="val 97027"/>
+            </a:avLst>
+          </a:prstGeom>
+          <a:solidFill>
+            <a:srgbClr val="F09BF0"/>
+          </a:solidFill>
+          <a:ln>
+            <a:noFill/>
+          </a:ln>
+          <a:effectLst>
+            <a:outerShdw blurRad="50800" dist="38100" dir="2700000" algn="tl" rotWithShape="0">
+              <a:prstClr val="black">
+                <a:alpha val="40000"/>
+              </a:prstClr>
+            </a:outerShdw>
+          </a:effectLst>
+        </p:spPr>
+        <p:style>
+          <a:lnRef idx="2">
+            <a:schemeClr val="accent1">
+              <a:shade val="50000"/>
+            </a:schemeClr>
+          </a:lnRef>
+          <a:fillRef idx="1">
+            <a:schemeClr val="accent1"/>
+          </a:fillRef>
+          <a:effectRef idx="0">
+            <a:schemeClr val="accent1"/>
+          </a:effectRef>
+          <a:fontRef idx="minor">
+            <a:schemeClr val="lt1"/>
+          </a:fontRef>
+        </p:style>
+        <p:txBody>
+          <a:bodyPr rtlCol="0" anchor="ctr"/>
+          <a:lstStyle/>
+          <a:p>
+            <a:pPr algn="ctr"/>
+            <a:endParaRPr kumimoji="1" lang="ja-JP" altLang="en-US"/>
+          </a:p>
+        </p:txBody>
+      </p:sp>
+      <p:sp>
+        <p:nvSpPr>
+          <p:cNvPr id="64" name="Parallelogram 63">
+            <a:extLst>
+              <a:ext uri="{FF2B5EF4-FFF2-40B4-BE49-F238E27FC236}">
+                <a16:creationId xmlns:a16="http://schemas.microsoft.com/office/drawing/2014/main" id="{C405C62D-1A6F-B8A2-D39F-2ED4E593EEA0}"/>
+              </a:ext>
+            </a:extLst>
+          </p:cNvPr>
+          <p:cNvSpPr/>
+          <p:nvPr/>
+        </p:nvSpPr>
+        <p:spPr>
+          <a:xfrm>
+            <a:off x="5054453" y="1715373"/>
+            <a:ext cx="441572" cy="78262"/>
+          </a:xfrm>
+          <a:prstGeom prst="parallelogram">
+            <a:avLst>
+              <a:gd name="adj" fmla="val 97027"/>
+            </a:avLst>
+          </a:prstGeom>
+          <a:solidFill>
+            <a:srgbClr val="F09BF0"/>
+          </a:solidFill>
+          <a:ln>
+            <a:noFill/>
+          </a:ln>
+          <a:effectLst>
+            <a:outerShdw blurRad="50800" dist="38100" dir="2700000" algn="tl" rotWithShape="0">
+              <a:prstClr val="black">
+                <a:alpha val="40000"/>
+              </a:prstClr>
+            </a:outerShdw>
+          </a:effectLst>
+        </p:spPr>
+        <p:style>
+          <a:lnRef idx="2">
+            <a:schemeClr val="accent1">
+              <a:shade val="50000"/>
+            </a:schemeClr>
+          </a:lnRef>
+          <a:fillRef idx="1">
+            <a:schemeClr val="accent1"/>
+          </a:fillRef>
+          <a:effectRef idx="0">
+            <a:schemeClr val="accent1"/>
+          </a:effectRef>
+          <a:fontRef idx="minor">
+            <a:schemeClr val="lt1"/>
+          </a:fontRef>
+        </p:style>
+        <p:txBody>
+          <a:bodyPr rtlCol="0" anchor="ctr"/>
+          <a:lstStyle/>
+          <a:p>
+            <a:pPr algn="ctr"/>
+            <a:endParaRPr kumimoji="1" lang="ja-JP" altLang="en-US"/>
+          </a:p>
+        </p:txBody>
+      </p:sp>
+      <p:sp>
+        <p:nvSpPr>
+          <p:cNvPr id="65" name="Parallelogram 64">
+            <a:extLst>
+              <a:ext uri="{FF2B5EF4-FFF2-40B4-BE49-F238E27FC236}">
+                <a16:creationId xmlns:a16="http://schemas.microsoft.com/office/drawing/2014/main" id="{2785008A-A05F-DE1E-1576-19148E6C86AF}"/>
+              </a:ext>
+            </a:extLst>
+          </p:cNvPr>
+          <p:cNvSpPr/>
+          <p:nvPr/>
+        </p:nvSpPr>
+        <p:spPr>
+          <a:xfrm flipH="1">
+            <a:off x="5054453" y="1836630"/>
+            <a:ext cx="441572" cy="78262"/>
+          </a:xfrm>
+          <a:prstGeom prst="parallelogram">
+            <a:avLst>
+              <a:gd name="adj" fmla="val 97027"/>
+            </a:avLst>
+          </a:prstGeom>
+          <a:solidFill>
+            <a:srgbClr val="F09BF0"/>
+          </a:solidFill>
+          <a:ln>
+            <a:noFill/>
+          </a:ln>
+          <a:effectLst>
+            <a:outerShdw blurRad="50800" dist="38100" dir="2700000" algn="tl" rotWithShape="0">
+              <a:prstClr val="black">
+                <a:alpha val="40000"/>
+              </a:prstClr>
+            </a:outerShdw>
+          </a:effectLst>
+        </p:spPr>
+        <p:style>
+          <a:lnRef idx="2">
+            <a:schemeClr val="accent1">
+              <a:shade val="50000"/>
+            </a:schemeClr>
+          </a:lnRef>
+          <a:fillRef idx="1">
+            <a:schemeClr val="accent1"/>
+          </a:fillRef>
+          <a:effectRef idx="0">
+            <a:schemeClr val="accent1"/>
+          </a:effectRef>
+          <a:fontRef idx="minor">
+            <a:schemeClr val="lt1"/>
+          </a:fontRef>
+        </p:style>
+        <p:txBody>
+          <a:bodyPr rtlCol="0" anchor="ctr"/>
+          <a:lstStyle/>
+          <a:p>
+            <a:pPr algn="ctr"/>
+            <a:endParaRPr kumimoji="1" lang="ja-JP" altLang="en-US"/>
+          </a:p>
+        </p:txBody>
+      </p:sp>
+      <p:sp>
+        <p:nvSpPr>
+          <p:cNvPr id="68" name="Parallelogram 67">
+            <a:extLst>
+              <a:ext uri="{FF2B5EF4-FFF2-40B4-BE49-F238E27FC236}">
+                <a16:creationId xmlns:a16="http://schemas.microsoft.com/office/drawing/2014/main" id="{9A4CF619-BB51-8219-8FA5-667A76338846}"/>
+              </a:ext>
+            </a:extLst>
+          </p:cNvPr>
+          <p:cNvSpPr/>
+          <p:nvPr/>
+        </p:nvSpPr>
+        <p:spPr>
+          <a:xfrm>
+            <a:off x="4828338" y="2331914"/>
+            <a:ext cx="441572" cy="78262"/>
+          </a:xfrm>
+          <a:prstGeom prst="parallelogram">
+            <a:avLst>
+              <a:gd name="adj" fmla="val 97027"/>
+            </a:avLst>
+          </a:prstGeom>
+          <a:solidFill>
+            <a:srgbClr val="F09BF0"/>
+          </a:solidFill>
+          <a:ln>
+            <a:noFill/>
+          </a:ln>
+          <a:effectLst>
+            <a:outerShdw blurRad="50800" dist="38100" dir="2700000" algn="tl" rotWithShape="0">
+              <a:prstClr val="black">
+                <a:alpha val="40000"/>
+              </a:prstClr>
+            </a:outerShdw>
+          </a:effectLst>
+        </p:spPr>
+        <p:style>
+          <a:lnRef idx="2">
+            <a:schemeClr val="accent1">
+              <a:shade val="50000"/>
+            </a:schemeClr>
+          </a:lnRef>
+          <a:fillRef idx="1">
+            <a:schemeClr val="accent1"/>
+          </a:fillRef>
+          <a:effectRef idx="0">
+            <a:schemeClr val="accent1"/>
+          </a:effectRef>
+          <a:fontRef idx="minor">
+            <a:schemeClr val="lt1"/>
+          </a:fontRef>
+        </p:style>
+        <p:txBody>
+          <a:bodyPr rtlCol="0" anchor="ctr"/>
+          <a:lstStyle/>
+          <a:p>
+            <a:pPr algn="ctr"/>
+            <a:endParaRPr kumimoji="1" lang="ja-JP" altLang="en-US"/>
+          </a:p>
+        </p:txBody>
+      </p:sp>
+      <p:sp>
+        <p:nvSpPr>
+          <p:cNvPr id="73" name="Parallelogram 72">
+            <a:extLst>
+              <a:ext uri="{FF2B5EF4-FFF2-40B4-BE49-F238E27FC236}">
+                <a16:creationId xmlns:a16="http://schemas.microsoft.com/office/drawing/2014/main" id="{97EDFF19-BC4F-B10E-4C8E-2250DF099C97}"/>
+              </a:ext>
+            </a:extLst>
+          </p:cNvPr>
+          <p:cNvSpPr/>
+          <p:nvPr/>
+        </p:nvSpPr>
+        <p:spPr>
+          <a:xfrm>
+            <a:off x="4828338" y="2084274"/>
+            <a:ext cx="441572" cy="78262"/>
+          </a:xfrm>
+          <a:prstGeom prst="parallelogram">
+            <a:avLst>
+              <a:gd name="adj" fmla="val 97027"/>
+            </a:avLst>
+          </a:prstGeom>
+          <a:solidFill>
+            <a:srgbClr val="F09BF0"/>
+          </a:solidFill>
+          <a:ln>
+            <a:noFill/>
+          </a:ln>
+          <a:effectLst>
+            <a:outerShdw blurRad="50800" dist="38100" dir="2700000" algn="tl" rotWithShape="0">
+              <a:prstClr val="black">
+                <a:alpha val="40000"/>
+              </a:prstClr>
+            </a:outerShdw>
+          </a:effectLst>
+        </p:spPr>
+        <p:style>
+          <a:lnRef idx="2">
+            <a:schemeClr val="accent1">
+              <a:shade val="50000"/>
+            </a:schemeClr>
+          </a:lnRef>
+          <a:fillRef idx="1">
+            <a:schemeClr val="accent1"/>
+          </a:fillRef>
+          <a:effectRef idx="0">
+            <a:schemeClr val="accent1"/>
+          </a:effectRef>
+          <a:fontRef idx="minor">
+            <a:schemeClr val="lt1"/>
+          </a:fontRef>
+        </p:style>
+        <p:txBody>
+          <a:bodyPr rtlCol="0" anchor="ctr"/>
+          <a:lstStyle/>
+          <a:p>
+            <a:pPr algn="ctr"/>
+            <a:endParaRPr kumimoji="1" lang="ja-JP" altLang="en-US"/>
+          </a:p>
+        </p:txBody>
+      </p:sp>
+      <p:sp>
+        <p:nvSpPr>
+          <p:cNvPr id="74" name="Parallelogram 73">
+            <a:extLst>
+              <a:ext uri="{FF2B5EF4-FFF2-40B4-BE49-F238E27FC236}">
+                <a16:creationId xmlns:a16="http://schemas.microsoft.com/office/drawing/2014/main" id="{6F306DF7-DBC0-7D9A-CFD5-679A7015B2D6}"/>
+              </a:ext>
+            </a:extLst>
+          </p:cNvPr>
+          <p:cNvSpPr/>
+          <p:nvPr/>
+        </p:nvSpPr>
+        <p:spPr>
+          <a:xfrm flipH="1">
+            <a:off x="4828338" y="2205531"/>
+            <a:ext cx="441572" cy="78262"/>
+          </a:xfrm>
+          <a:prstGeom prst="parallelogram">
+            <a:avLst>
+              <a:gd name="adj" fmla="val 97027"/>
+            </a:avLst>
+          </a:prstGeom>
+          <a:solidFill>
+            <a:srgbClr val="F09BF0"/>
+          </a:solidFill>
+          <a:ln>
+            <a:noFill/>
+          </a:ln>
+          <a:effectLst>
+            <a:outerShdw blurRad="50800" dist="38100" dir="2700000" algn="tl" rotWithShape="0">
+              <a:prstClr val="black">
+                <a:alpha val="40000"/>
+              </a:prstClr>
+            </a:outerShdw>
+          </a:effectLst>
+        </p:spPr>
+        <p:style>
+          <a:lnRef idx="2">
+            <a:schemeClr val="accent1">
+              <a:shade val="50000"/>
+            </a:schemeClr>
+          </a:lnRef>
+          <a:fillRef idx="1">
+            <a:schemeClr val="accent1"/>
+          </a:fillRef>
+          <a:effectRef idx="0">
+            <a:schemeClr val="accent1"/>
+          </a:effectRef>
+          <a:fontRef idx="minor">
+            <a:schemeClr val="lt1"/>
+          </a:fontRef>
+        </p:style>
+        <p:txBody>
+          <a:bodyPr rtlCol="0" anchor="ctr"/>
+          <a:lstStyle/>
+          <a:p>
+            <a:pPr algn="ctr"/>
+            <a:endParaRPr kumimoji="1" lang="ja-JP" altLang="en-US"/>
+          </a:p>
+        </p:txBody>
+      </p:sp>
     </p:spTree>
     <p:extLst>
       <p:ext uri="{BB962C8B-B14F-4D97-AF65-F5344CB8AC3E}">
